--- a/internetna klepetalnica.pptx
+++ b/internetna klepetalnica.pptx
@@ -7,9 +7,10 @@
   <p:sldIdLst>
     <p:sldId id="256" r:id="rId2"/>
     <p:sldId id="258" r:id="rId3"/>
-    <p:sldId id="257" r:id="rId4"/>
-    <p:sldId id="260" r:id="rId5"/>
-    <p:sldId id="259" r:id="rId6"/>
+    <p:sldId id="261" r:id="rId4"/>
+    <p:sldId id="257" r:id="rId5"/>
+    <p:sldId id="260" r:id="rId6"/>
+    <p:sldId id="259" r:id="rId7"/>
   </p:sldIdLst>
   <p:sldSz cx="12192000" cy="6858000"/>
   <p:notesSz cx="6858000" cy="9144000"/>
@@ -108,7 +109,5889 @@
       </a:defRPr>
     </a:lvl9pPr>
   </p:defaultTextStyle>
+  <p:extLst>
+    <p:ext uri="{EFAFB233-063F-42B5-8137-9DF3F51BA10A}">
+      <p15:sldGuideLst xmlns:p15="http://schemas.microsoft.com/office/powerpoint/2012/main"/>
+    </p:ext>
+  </p:extLst>
 </p:presentation>
+</file>
+
+<file path=ppt/diagrams/colors1.xml><?xml version="1.0" encoding="utf-8"?>
+<dgm:colorsDef xmlns:dgm="http://schemas.openxmlformats.org/drawingml/2006/diagram" xmlns:a="http://schemas.openxmlformats.org/drawingml/2006/main" uniqueId="urn:microsoft.com/office/officeart/2005/8/colors/accent1_2">
+  <dgm:title val=""/>
+  <dgm:desc val=""/>
+  <dgm:catLst>
+    <dgm:cat type="accent1" pri="11200"/>
+  </dgm:catLst>
+  <dgm:styleLbl name="node0">
+    <dgm:fillClrLst meth="repeat">
+      <a:schemeClr val="accent1"/>
+    </dgm:fillClrLst>
+    <dgm:linClrLst meth="repeat">
+      <a:schemeClr val="lt1"/>
+    </dgm:linClrLst>
+    <dgm:effectClrLst/>
+    <dgm:txLinClrLst/>
+    <dgm:txFillClrLst/>
+    <dgm:txEffectClrLst/>
+  </dgm:styleLbl>
+  <dgm:styleLbl name="alignNode1">
+    <dgm:fillClrLst meth="repeat">
+      <a:schemeClr val="accent1"/>
+    </dgm:fillClrLst>
+    <dgm:linClrLst meth="repeat">
+      <a:schemeClr val="accent1"/>
+    </dgm:linClrLst>
+    <dgm:effectClrLst/>
+    <dgm:txLinClrLst/>
+    <dgm:txFillClrLst/>
+    <dgm:txEffectClrLst/>
+  </dgm:styleLbl>
+  <dgm:styleLbl name="node1">
+    <dgm:fillClrLst meth="repeat">
+      <a:schemeClr val="accent1"/>
+    </dgm:fillClrLst>
+    <dgm:linClrLst meth="repeat">
+      <a:schemeClr val="lt1"/>
+    </dgm:linClrLst>
+    <dgm:effectClrLst/>
+    <dgm:txLinClrLst/>
+    <dgm:txFillClrLst/>
+    <dgm:txEffectClrLst/>
+  </dgm:styleLbl>
+  <dgm:styleLbl name="lnNode1">
+    <dgm:fillClrLst meth="repeat">
+      <a:schemeClr val="accent1"/>
+    </dgm:fillClrLst>
+    <dgm:linClrLst meth="repeat">
+      <a:schemeClr val="lt1"/>
+    </dgm:linClrLst>
+    <dgm:effectClrLst/>
+    <dgm:txLinClrLst/>
+    <dgm:txFillClrLst/>
+    <dgm:txEffectClrLst/>
+  </dgm:styleLbl>
+  <dgm:styleLbl name="vennNode1">
+    <dgm:fillClrLst meth="repeat">
+      <a:schemeClr val="accent1">
+        <a:alpha val="50000"/>
+      </a:schemeClr>
+    </dgm:fillClrLst>
+    <dgm:linClrLst meth="repeat">
+      <a:schemeClr val="lt1"/>
+    </dgm:linClrLst>
+    <dgm:effectClrLst/>
+    <dgm:txLinClrLst/>
+    <dgm:txFillClrLst/>
+    <dgm:txEffectClrLst/>
+  </dgm:styleLbl>
+  <dgm:styleLbl name="node2">
+    <dgm:fillClrLst meth="repeat">
+      <a:schemeClr val="accent1"/>
+    </dgm:fillClrLst>
+    <dgm:linClrLst meth="repeat">
+      <a:schemeClr val="lt1"/>
+    </dgm:linClrLst>
+    <dgm:effectClrLst/>
+    <dgm:txLinClrLst/>
+    <dgm:txFillClrLst/>
+    <dgm:txEffectClrLst/>
+  </dgm:styleLbl>
+  <dgm:styleLbl name="node3">
+    <dgm:fillClrLst meth="repeat">
+      <a:schemeClr val="accent1"/>
+    </dgm:fillClrLst>
+    <dgm:linClrLst meth="repeat">
+      <a:schemeClr val="lt1"/>
+    </dgm:linClrLst>
+    <dgm:effectClrLst/>
+    <dgm:txLinClrLst/>
+    <dgm:txFillClrLst/>
+    <dgm:txEffectClrLst/>
+  </dgm:styleLbl>
+  <dgm:styleLbl name="node4">
+    <dgm:fillClrLst meth="repeat">
+      <a:schemeClr val="accent1"/>
+    </dgm:fillClrLst>
+    <dgm:linClrLst meth="repeat">
+      <a:schemeClr val="lt1"/>
+    </dgm:linClrLst>
+    <dgm:effectClrLst/>
+    <dgm:txLinClrLst/>
+    <dgm:txFillClrLst/>
+    <dgm:txEffectClrLst/>
+  </dgm:styleLbl>
+  <dgm:styleLbl name="fgImgPlace1">
+    <dgm:fillClrLst meth="repeat">
+      <a:schemeClr val="accent1">
+        <a:tint val="50000"/>
+      </a:schemeClr>
+    </dgm:fillClrLst>
+    <dgm:linClrLst meth="repeat">
+      <a:schemeClr val="lt1"/>
+    </dgm:linClrLst>
+    <dgm:effectClrLst/>
+    <dgm:txLinClrLst/>
+    <dgm:txFillClrLst meth="repeat">
+      <a:schemeClr val="lt1"/>
+    </dgm:txFillClrLst>
+    <dgm:txEffectClrLst/>
+  </dgm:styleLbl>
+  <dgm:styleLbl name="alignImgPlace1">
+    <dgm:fillClrLst meth="repeat">
+      <a:schemeClr val="accent1">
+        <a:tint val="50000"/>
+      </a:schemeClr>
+    </dgm:fillClrLst>
+    <dgm:linClrLst meth="repeat">
+      <a:schemeClr val="lt1"/>
+    </dgm:linClrLst>
+    <dgm:effectClrLst/>
+    <dgm:txLinClrLst/>
+    <dgm:txFillClrLst meth="repeat">
+      <a:schemeClr val="lt1"/>
+    </dgm:txFillClrLst>
+    <dgm:txEffectClrLst/>
+  </dgm:styleLbl>
+  <dgm:styleLbl name="bgImgPlace1">
+    <dgm:fillClrLst meth="repeat">
+      <a:schemeClr val="accent1">
+        <a:tint val="50000"/>
+      </a:schemeClr>
+    </dgm:fillClrLst>
+    <dgm:linClrLst meth="repeat">
+      <a:schemeClr val="lt1"/>
+    </dgm:linClrLst>
+    <dgm:effectClrLst/>
+    <dgm:txLinClrLst/>
+    <dgm:txFillClrLst meth="repeat">
+      <a:schemeClr val="lt1"/>
+    </dgm:txFillClrLst>
+    <dgm:txEffectClrLst/>
+  </dgm:styleLbl>
+  <dgm:styleLbl name="sibTrans2D1">
+    <dgm:fillClrLst meth="repeat">
+      <a:schemeClr val="accent1">
+        <a:tint val="60000"/>
+      </a:schemeClr>
+    </dgm:fillClrLst>
+    <dgm:linClrLst meth="repeat">
+      <a:schemeClr val="accent1">
+        <a:tint val="60000"/>
+      </a:schemeClr>
+    </dgm:linClrLst>
+    <dgm:effectClrLst/>
+    <dgm:txLinClrLst/>
+    <dgm:txFillClrLst/>
+    <dgm:txEffectClrLst/>
+  </dgm:styleLbl>
+  <dgm:styleLbl name="fgSibTrans2D1">
+    <dgm:fillClrLst meth="repeat">
+      <a:schemeClr val="accent1">
+        <a:tint val="60000"/>
+      </a:schemeClr>
+    </dgm:fillClrLst>
+    <dgm:linClrLst meth="repeat">
+      <a:schemeClr val="accent1">
+        <a:tint val="60000"/>
+      </a:schemeClr>
+    </dgm:linClrLst>
+    <dgm:effectClrLst/>
+    <dgm:txLinClrLst/>
+    <dgm:txFillClrLst/>
+    <dgm:txEffectClrLst/>
+  </dgm:styleLbl>
+  <dgm:styleLbl name="bgSibTrans2D1">
+    <dgm:fillClrLst meth="repeat">
+      <a:schemeClr val="accent1">
+        <a:tint val="60000"/>
+      </a:schemeClr>
+    </dgm:fillClrLst>
+    <dgm:linClrLst meth="repeat">
+      <a:schemeClr val="accent1">
+        <a:tint val="60000"/>
+      </a:schemeClr>
+    </dgm:linClrLst>
+    <dgm:effectClrLst/>
+    <dgm:txLinClrLst/>
+    <dgm:txFillClrLst/>
+    <dgm:txEffectClrLst/>
+  </dgm:styleLbl>
+  <dgm:styleLbl name="sibTrans1D1">
+    <dgm:fillClrLst meth="repeat">
+      <a:schemeClr val="accent1"/>
+    </dgm:fillClrLst>
+    <dgm:linClrLst meth="repeat">
+      <a:schemeClr val="accent1"/>
+    </dgm:linClrLst>
+    <dgm:effectClrLst/>
+    <dgm:txLinClrLst/>
+    <dgm:txFillClrLst meth="repeat">
+      <a:schemeClr val="tx1"/>
+    </dgm:txFillClrLst>
+    <dgm:txEffectClrLst/>
+  </dgm:styleLbl>
+  <dgm:styleLbl name="callout">
+    <dgm:fillClrLst meth="repeat">
+      <a:schemeClr val="accent1"/>
+    </dgm:fillClrLst>
+    <dgm:linClrLst meth="repeat">
+      <a:schemeClr val="accent1">
+        <a:tint val="50000"/>
+      </a:schemeClr>
+    </dgm:linClrLst>
+    <dgm:effectClrLst/>
+    <dgm:txLinClrLst/>
+    <dgm:txFillClrLst meth="repeat">
+      <a:schemeClr val="tx1"/>
+    </dgm:txFillClrLst>
+    <dgm:txEffectClrLst/>
+  </dgm:styleLbl>
+  <dgm:styleLbl name="asst0">
+    <dgm:fillClrLst meth="repeat">
+      <a:schemeClr val="accent1"/>
+    </dgm:fillClrLst>
+    <dgm:linClrLst meth="repeat">
+      <a:schemeClr val="lt1"/>
+    </dgm:linClrLst>
+    <dgm:effectClrLst/>
+    <dgm:txLinClrLst/>
+    <dgm:txFillClrLst/>
+    <dgm:txEffectClrLst/>
+  </dgm:styleLbl>
+  <dgm:styleLbl name="asst1">
+    <dgm:fillClrLst meth="repeat">
+      <a:schemeClr val="accent1"/>
+    </dgm:fillClrLst>
+    <dgm:linClrLst meth="repeat">
+      <a:schemeClr val="lt1"/>
+    </dgm:linClrLst>
+    <dgm:effectClrLst/>
+    <dgm:txLinClrLst/>
+    <dgm:txFillClrLst/>
+    <dgm:txEffectClrLst/>
+  </dgm:styleLbl>
+  <dgm:styleLbl name="asst2">
+    <dgm:fillClrLst meth="repeat">
+      <a:schemeClr val="accent1"/>
+    </dgm:fillClrLst>
+    <dgm:linClrLst meth="repeat">
+      <a:schemeClr val="lt1"/>
+    </dgm:linClrLst>
+    <dgm:effectClrLst/>
+    <dgm:txLinClrLst/>
+    <dgm:txFillClrLst/>
+    <dgm:txEffectClrLst/>
+  </dgm:styleLbl>
+  <dgm:styleLbl name="asst3">
+    <dgm:fillClrLst meth="repeat">
+      <a:schemeClr val="accent1"/>
+    </dgm:fillClrLst>
+    <dgm:linClrLst meth="repeat">
+      <a:schemeClr val="lt1"/>
+    </dgm:linClrLst>
+    <dgm:effectClrLst/>
+    <dgm:txLinClrLst/>
+    <dgm:txFillClrLst/>
+    <dgm:txEffectClrLst/>
+  </dgm:styleLbl>
+  <dgm:styleLbl name="asst4">
+    <dgm:fillClrLst meth="repeat">
+      <a:schemeClr val="accent1"/>
+    </dgm:fillClrLst>
+    <dgm:linClrLst meth="repeat">
+      <a:schemeClr val="lt1"/>
+    </dgm:linClrLst>
+    <dgm:effectClrLst/>
+    <dgm:txLinClrLst/>
+    <dgm:txFillClrLst/>
+    <dgm:txEffectClrLst/>
+  </dgm:styleLbl>
+  <dgm:styleLbl name="parChTrans2D1">
+    <dgm:fillClrLst meth="repeat">
+      <a:schemeClr val="accent1">
+        <a:tint val="60000"/>
+      </a:schemeClr>
+    </dgm:fillClrLst>
+    <dgm:linClrLst meth="repeat">
+      <a:schemeClr val="accent1">
+        <a:tint val="60000"/>
+      </a:schemeClr>
+    </dgm:linClrLst>
+    <dgm:effectClrLst/>
+    <dgm:txLinClrLst/>
+    <dgm:txFillClrLst meth="repeat">
+      <a:schemeClr val="lt1"/>
+    </dgm:txFillClrLst>
+    <dgm:txEffectClrLst/>
+  </dgm:styleLbl>
+  <dgm:styleLbl name="parChTrans2D2">
+    <dgm:fillClrLst meth="repeat">
+      <a:schemeClr val="accent1"/>
+    </dgm:fillClrLst>
+    <dgm:linClrLst meth="repeat">
+      <a:schemeClr val="accent1"/>
+    </dgm:linClrLst>
+    <dgm:effectClrLst/>
+    <dgm:txLinClrLst/>
+    <dgm:txFillClrLst meth="repeat">
+      <a:schemeClr val="lt1"/>
+    </dgm:txFillClrLst>
+    <dgm:txEffectClrLst/>
+  </dgm:styleLbl>
+  <dgm:styleLbl name="parChTrans2D3">
+    <dgm:fillClrLst meth="repeat">
+      <a:schemeClr val="accent1"/>
+    </dgm:fillClrLst>
+    <dgm:linClrLst meth="repeat">
+      <a:schemeClr val="accent1"/>
+    </dgm:linClrLst>
+    <dgm:effectClrLst/>
+    <dgm:txLinClrLst/>
+    <dgm:txFillClrLst meth="repeat">
+      <a:schemeClr val="lt1"/>
+    </dgm:txFillClrLst>
+    <dgm:txEffectClrLst/>
+  </dgm:styleLbl>
+  <dgm:styleLbl name="parChTrans2D4">
+    <dgm:fillClrLst meth="repeat">
+      <a:schemeClr val="accent1"/>
+    </dgm:fillClrLst>
+    <dgm:linClrLst meth="repeat">
+      <a:schemeClr val="accent1"/>
+    </dgm:linClrLst>
+    <dgm:effectClrLst/>
+    <dgm:txLinClrLst/>
+    <dgm:txFillClrLst meth="repeat">
+      <a:schemeClr val="lt1"/>
+    </dgm:txFillClrLst>
+    <dgm:txEffectClrLst/>
+  </dgm:styleLbl>
+  <dgm:styleLbl name="parChTrans1D1">
+    <dgm:fillClrLst meth="repeat">
+      <a:schemeClr val="accent1"/>
+    </dgm:fillClrLst>
+    <dgm:linClrLst meth="repeat">
+      <a:schemeClr val="accent1">
+        <a:shade val="60000"/>
+      </a:schemeClr>
+    </dgm:linClrLst>
+    <dgm:effectClrLst/>
+    <dgm:txLinClrLst/>
+    <dgm:txFillClrLst meth="repeat">
+      <a:schemeClr val="tx1"/>
+    </dgm:txFillClrLst>
+    <dgm:txEffectClrLst/>
+  </dgm:styleLbl>
+  <dgm:styleLbl name="parChTrans1D2">
+    <dgm:fillClrLst meth="repeat">
+      <a:schemeClr val="accent1"/>
+    </dgm:fillClrLst>
+    <dgm:linClrLst meth="repeat">
+      <a:schemeClr val="accent1">
+        <a:shade val="60000"/>
+      </a:schemeClr>
+    </dgm:linClrLst>
+    <dgm:effectClrLst/>
+    <dgm:txLinClrLst/>
+    <dgm:txFillClrLst meth="repeat">
+      <a:schemeClr val="tx1"/>
+    </dgm:txFillClrLst>
+    <dgm:txEffectClrLst/>
+  </dgm:styleLbl>
+  <dgm:styleLbl name="parChTrans1D3">
+    <dgm:fillClrLst meth="repeat">
+      <a:schemeClr val="accent1"/>
+    </dgm:fillClrLst>
+    <dgm:linClrLst meth="repeat">
+      <a:schemeClr val="accent1">
+        <a:shade val="80000"/>
+      </a:schemeClr>
+    </dgm:linClrLst>
+    <dgm:effectClrLst/>
+    <dgm:txLinClrLst/>
+    <dgm:txFillClrLst meth="repeat">
+      <a:schemeClr val="tx1"/>
+    </dgm:txFillClrLst>
+    <dgm:txEffectClrLst/>
+  </dgm:styleLbl>
+  <dgm:styleLbl name="parChTrans1D4">
+    <dgm:fillClrLst meth="repeat">
+      <a:schemeClr val="accent1"/>
+    </dgm:fillClrLst>
+    <dgm:linClrLst meth="repeat">
+      <a:schemeClr val="accent1">
+        <a:shade val="80000"/>
+      </a:schemeClr>
+    </dgm:linClrLst>
+    <dgm:effectClrLst/>
+    <dgm:txLinClrLst/>
+    <dgm:txFillClrLst meth="repeat">
+      <a:schemeClr val="tx1"/>
+    </dgm:txFillClrLst>
+    <dgm:txEffectClrLst/>
+  </dgm:styleLbl>
+  <dgm:styleLbl name="fgAcc1">
+    <dgm:fillClrLst meth="repeat">
+      <a:schemeClr val="lt1">
+        <a:alpha val="90000"/>
+      </a:schemeClr>
+    </dgm:fillClrLst>
+    <dgm:linClrLst meth="repeat">
+      <a:schemeClr val="accent1"/>
+    </dgm:linClrLst>
+    <dgm:effectClrLst/>
+    <dgm:txLinClrLst/>
+    <dgm:txFillClrLst meth="repeat">
+      <a:schemeClr val="dk1"/>
+    </dgm:txFillClrLst>
+    <dgm:txEffectClrLst/>
+  </dgm:styleLbl>
+  <dgm:styleLbl name="conFgAcc1">
+    <dgm:fillClrLst meth="repeat">
+      <a:schemeClr val="lt1">
+        <a:alpha val="90000"/>
+      </a:schemeClr>
+    </dgm:fillClrLst>
+    <dgm:linClrLst meth="repeat">
+      <a:schemeClr val="accent1"/>
+    </dgm:linClrLst>
+    <dgm:effectClrLst/>
+    <dgm:txLinClrLst/>
+    <dgm:txFillClrLst meth="repeat">
+      <a:schemeClr val="dk1"/>
+    </dgm:txFillClrLst>
+    <dgm:txEffectClrLst/>
+  </dgm:styleLbl>
+  <dgm:styleLbl name="alignAcc1">
+    <dgm:fillClrLst meth="repeat">
+      <a:schemeClr val="lt1">
+        <a:alpha val="90000"/>
+      </a:schemeClr>
+    </dgm:fillClrLst>
+    <dgm:linClrLst meth="repeat">
+      <a:schemeClr val="accent1"/>
+    </dgm:linClrLst>
+    <dgm:effectClrLst/>
+    <dgm:txLinClrLst/>
+    <dgm:txFillClrLst meth="repeat">
+      <a:schemeClr val="dk1"/>
+    </dgm:txFillClrLst>
+    <dgm:txEffectClrLst/>
+  </dgm:styleLbl>
+  <dgm:styleLbl name="trAlignAcc1">
+    <dgm:fillClrLst meth="repeat">
+      <a:schemeClr val="lt1">
+        <a:alpha val="40000"/>
+      </a:schemeClr>
+    </dgm:fillClrLst>
+    <dgm:linClrLst meth="repeat">
+      <a:schemeClr val="accent1"/>
+    </dgm:linClrLst>
+    <dgm:effectClrLst/>
+    <dgm:txLinClrLst/>
+    <dgm:txFillClrLst meth="repeat">
+      <a:schemeClr val="dk1"/>
+    </dgm:txFillClrLst>
+    <dgm:txEffectClrLst/>
+  </dgm:styleLbl>
+  <dgm:styleLbl name="bgAcc1">
+    <dgm:fillClrLst meth="repeat">
+      <a:schemeClr val="lt1">
+        <a:alpha val="90000"/>
+      </a:schemeClr>
+    </dgm:fillClrLst>
+    <dgm:linClrLst meth="repeat">
+      <a:schemeClr val="accent1"/>
+    </dgm:linClrLst>
+    <dgm:effectClrLst/>
+    <dgm:txLinClrLst/>
+    <dgm:txFillClrLst meth="repeat">
+      <a:schemeClr val="dk1"/>
+    </dgm:txFillClrLst>
+    <dgm:txEffectClrLst/>
+  </dgm:styleLbl>
+  <dgm:styleLbl name="solidFgAcc1">
+    <dgm:fillClrLst meth="repeat">
+      <a:schemeClr val="lt1"/>
+    </dgm:fillClrLst>
+    <dgm:linClrLst meth="repeat">
+      <a:schemeClr val="accent1"/>
+    </dgm:linClrLst>
+    <dgm:effectClrLst/>
+    <dgm:txLinClrLst/>
+    <dgm:txFillClrLst meth="repeat">
+      <a:schemeClr val="dk1"/>
+    </dgm:txFillClrLst>
+    <dgm:txEffectClrLst/>
+  </dgm:styleLbl>
+  <dgm:styleLbl name="solidAlignAcc1">
+    <dgm:fillClrLst meth="repeat">
+      <a:schemeClr val="lt1"/>
+    </dgm:fillClrLst>
+    <dgm:linClrLst meth="repeat">
+      <a:schemeClr val="accent1"/>
+    </dgm:linClrLst>
+    <dgm:effectClrLst/>
+    <dgm:txLinClrLst/>
+    <dgm:txFillClrLst meth="repeat">
+      <a:schemeClr val="dk1"/>
+    </dgm:txFillClrLst>
+    <dgm:txEffectClrLst/>
+  </dgm:styleLbl>
+  <dgm:styleLbl name="solidBgAcc1">
+    <dgm:fillClrLst meth="repeat">
+      <a:schemeClr val="lt1"/>
+    </dgm:fillClrLst>
+    <dgm:linClrLst meth="repeat">
+      <a:schemeClr val="accent1"/>
+    </dgm:linClrLst>
+    <dgm:effectClrLst/>
+    <dgm:txLinClrLst/>
+    <dgm:txFillClrLst meth="repeat">
+      <a:schemeClr val="dk1"/>
+    </dgm:txFillClrLst>
+    <dgm:txEffectClrLst/>
+  </dgm:styleLbl>
+  <dgm:styleLbl name="fgAccFollowNode1">
+    <dgm:fillClrLst meth="repeat">
+      <a:schemeClr val="accent1">
+        <a:alpha val="90000"/>
+        <a:tint val="40000"/>
+      </a:schemeClr>
+    </dgm:fillClrLst>
+    <dgm:linClrLst meth="repeat">
+      <a:schemeClr val="accent1">
+        <a:alpha val="90000"/>
+        <a:tint val="40000"/>
+      </a:schemeClr>
+    </dgm:linClrLst>
+    <dgm:effectClrLst/>
+    <dgm:txLinClrLst/>
+    <dgm:txFillClrLst meth="repeat">
+      <a:schemeClr val="dk1"/>
+    </dgm:txFillClrLst>
+    <dgm:txEffectClrLst/>
+  </dgm:styleLbl>
+  <dgm:styleLbl name="alignAccFollowNode1">
+    <dgm:fillClrLst meth="repeat">
+      <a:schemeClr val="accent1">
+        <a:alpha val="90000"/>
+        <a:tint val="40000"/>
+      </a:schemeClr>
+    </dgm:fillClrLst>
+    <dgm:linClrLst meth="repeat">
+      <a:schemeClr val="accent1">
+        <a:alpha val="90000"/>
+        <a:tint val="40000"/>
+      </a:schemeClr>
+    </dgm:linClrLst>
+    <dgm:effectClrLst/>
+    <dgm:txLinClrLst/>
+    <dgm:txFillClrLst meth="repeat">
+      <a:schemeClr val="dk1"/>
+    </dgm:txFillClrLst>
+    <dgm:txEffectClrLst/>
+  </dgm:styleLbl>
+  <dgm:styleLbl name="bgAccFollowNode1">
+    <dgm:fillClrLst meth="repeat">
+      <a:schemeClr val="accent1">
+        <a:alpha val="90000"/>
+        <a:tint val="40000"/>
+      </a:schemeClr>
+    </dgm:fillClrLst>
+    <dgm:linClrLst meth="repeat">
+      <a:schemeClr val="accent1">
+        <a:alpha val="90000"/>
+        <a:tint val="40000"/>
+      </a:schemeClr>
+    </dgm:linClrLst>
+    <dgm:effectClrLst/>
+    <dgm:txLinClrLst/>
+    <dgm:txFillClrLst meth="repeat">
+      <a:schemeClr val="dk1"/>
+    </dgm:txFillClrLst>
+    <dgm:txEffectClrLst/>
+  </dgm:styleLbl>
+  <dgm:styleLbl name="fgAcc0">
+    <dgm:fillClrLst meth="repeat">
+      <a:schemeClr val="lt1">
+        <a:alpha val="90000"/>
+      </a:schemeClr>
+    </dgm:fillClrLst>
+    <dgm:linClrLst meth="repeat">
+      <a:schemeClr val="accent1"/>
+    </dgm:linClrLst>
+    <dgm:effectClrLst/>
+    <dgm:txLinClrLst/>
+    <dgm:txFillClrLst meth="repeat">
+      <a:schemeClr val="dk1"/>
+    </dgm:txFillClrLst>
+    <dgm:txEffectClrLst/>
+  </dgm:styleLbl>
+  <dgm:styleLbl name="fgAcc2">
+    <dgm:fillClrLst meth="repeat">
+      <a:schemeClr val="lt1">
+        <a:alpha val="90000"/>
+      </a:schemeClr>
+    </dgm:fillClrLst>
+    <dgm:linClrLst meth="repeat">
+      <a:schemeClr val="accent1"/>
+    </dgm:linClrLst>
+    <dgm:effectClrLst/>
+    <dgm:txLinClrLst/>
+    <dgm:txFillClrLst meth="repeat">
+      <a:schemeClr val="dk1"/>
+    </dgm:txFillClrLst>
+    <dgm:txEffectClrLst/>
+  </dgm:styleLbl>
+  <dgm:styleLbl name="fgAcc3">
+    <dgm:fillClrLst meth="repeat">
+      <a:schemeClr val="lt1">
+        <a:alpha val="90000"/>
+      </a:schemeClr>
+    </dgm:fillClrLst>
+    <dgm:linClrLst meth="repeat">
+      <a:schemeClr val="accent1"/>
+    </dgm:linClrLst>
+    <dgm:effectClrLst/>
+    <dgm:txLinClrLst/>
+    <dgm:txFillClrLst meth="repeat">
+      <a:schemeClr val="dk1"/>
+    </dgm:txFillClrLst>
+    <dgm:txEffectClrLst/>
+  </dgm:styleLbl>
+  <dgm:styleLbl name="fgAcc4">
+    <dgm:fillClrLst meth="repeat">
+      <a:schemeClr val="lt1">
+        <a:alpha val="90000"/>
+      </a:schemeClr>
+    </dgm:fillClrLst>
+    <dgm:linClrLst meth="repeat">
+      <a:schemeClr val="accent1"/>
+    </dgm:linClrLst>
+    <dgm:effectClrLst/>
+    <dgm:txLinClrLst/>
+    <dgm:txFillClrLst meth="repeat">
+      <a:schemeClr val="dk1"/>
+    </dgm:txFillClrLst>
+    <dgm:txEffectClrLst/>
+  </dgm:styleLbl>
+  <dgm:styleLbl name="bgShp">
+    <dgm:fillClrLst meth="repeat">
+      <a:schemeClr val="accent1">
+        <a:tint val="40000"/>
+      </a:schemeClr>
+    </dgm:fillClrLst>
+    <dgm:linClrLst meth="repeat">
+      <a:schemeClr val="accent1"/>
+    </dgm:linClrLst>
+    <dgm:effectClrLst/>
+    <dgm:txLinClrLst/>
+    <dgm:txFillClrLst meth="repeat">
+      <a:schemeClr val="dk1"/>
+    </dgm:txFillClrLst>
+    <dgm:txEffectClrLst/>
+  </dgm:styleLbl>
+  <dgm:styleLbl name="dkBgShp">
+    <dgm:fillClrLst meth="repeat">
+      <a:schemeClr val="accent1">
+        <a:shade val="80000"/>
+      </a:schemeClr>
+    </dgm:fillClrLst>
+    <dgm:linClrLst meth="repeat">
+      <a:schemeClr val="accent1"/>
+    </dgm:linClrLst>
+    <dgm:effectClrLst/>
+    <dgm:txLinClrLst/>
+    <dgm:txFillClrLst meth="repeat">
+      <a:schemeClr val="lt1"/>
+    </dgm:txFillClrLst>
+    <dgm:txEffectClrLst/>
+  </dgm:styleLbl>
+  <dgm:styleLbl name="trBgShp">
+    <dgm:fillClrLst meth="repeat">
+      <a:schemeClr val="accent1">
+        <a:tint val="50000"/>
+        <a:alpha val="40000"/>
+      </a:schemeClr>
+    </dgm:fillClrLst>
+    <dgm:linClrLst meth="repeat">
+      <a:schemeClr val="accent1"/>
+    </dgm:linClrLst>
+    <dgm:effectClrLst/>
+    <dgm:txLinClrLst/>
+    <dgm:txFillClrLst meth="repeat">
+      <a:schemeClr val="lt1"/>
+    </dgm:txFillClrLst>
+    <dgm:txEffectClrLst/>
+  </dgm:styleLbl>
+  <dgm:styleLbl name="fgShp">
+    <dgm:fillClrLst meth="repeat">
+      <a:schemeClr val="accent1">
+        <a:tint val="60000"/>
+      </a:schemeClr>
+    </dgm:fillClrLst>
+    <dgm:linClrLst meth="repeat">
+      <a:schemeClr val="lt1"/>
+    </dgm:linClrLst>
+    <dgm:effectClrLst/>
+    <dgm:txLinClrLst/>
+    <dgm:txFillClrLst meth="repeat">
+      <a:schemeClr val="dk1"/>
+    </dgm:txFillClrLst>
+    <dgm:txEffectClrLst/>
+  </dgm:styleLbl>
+  <dgm:styleLbl name="revTx">
+    <dgm:fillClrLst meth="repeat">
+      <a:schemeClr val="lt1">
+        <a:alpha val="0"/>
+      </a:schemeClr>
+    </dgm:fillClrLst>
+    <dgm:linClrLst meth="repeat">
+      <a:schemeClr val="dk1">
+        <a:alpha val="0"/>
+      </a:schemeClr>
+    </dgm:linClrLst>
+    <dgm:effectClrLst/>
+    <dgm:txLinClrLst/>
+    <dgm:txFillClrLst meth="repeat">
+      <a:schemeClr val="tx1"/>
+    </dgm:txFillClrLst>
+    <dgm:txEffectClrLst/>
+  </dgm:styleLbl>
+</dgm:colorsDef>
+</file>
+
+<file path=ppt/diagrams/data1.xml><?xml version="1.0" encoding="utf-8"?>
+<dgm:dataModel xmlns:dgm="http://schemas.openxmlformats.org/drawingml/2006/diagram" xmlns:a="http://schemas.openxmlformats.org/drawingml/2006/main">
+  <dgm:ptLst>
+    <dgm:pt modelId="{43CD8995-090A-4513-B501-FB2D1D5F0AD9}" type="doc">
+      <dgm:prSet loTypeId="urn:microsoft.com/office/officeart/2008/layout/RadialCluster" loCatId="cycle" qsTypeId="urn:microsoft.com/office/officeart/2005/8/quickstyle/simple1" qsCatId="simple" csTypeId="urn:microsoft.com/office/officeart/2005/8/colors/accent1_2" csCatId="accent1" phldr="1"/>
+      <dgm:spPr/>
+      <dgm:t>
+        <a:bodyPr/>
+        <a:lstStyle/>
+        <a:p>
+          <a:endParaRPr lang="sl-SI"/>
+        </a:p>
+      </dgm:t>
+    </dgm:pt>
+    <dgm:pt modelId="{1C6E2C20-8987-48AB-9183-BED8CD71C951}">
+      <dgm:prSet phldrT="[Text]"/>
+      <dgm:spPr/>
+      <dgm:t>
+        <a:bodyPr/>
+        <a:lstStyle/>
+        <a:p>
+          <a:r>
+            <a:rPr lang="sl-SI" dirty="0" smtClean="0"/>
+            <a:t>WAMP</a:t>
+          </a:r>
+          <a:br>
+            <a:rPr lang="sl-SI" dirty="0" smtClean="0"/>
+          </a:br>
+          <a:r>
+            <a:rPr lang="sl-SI" dirty="0" smtClean="0"/>
+            <a:t>Router</a:t>
+          </a:r>
+          <a:endParaRPr lang="sl-SI" dirty="0"/>
+        </a:p>
+      </dgm:t>
+    </dgm:pt>
+    <dgm:pt modelId="{B2591461-660F-49A1-9F64-1DEE5A4D1388}" type="parTrans" cxnId="{C4E914C9-72DC-4860-8193-44F91CD7D273}">
+      <dgm:prSet/>
+      <dgm:spPr/>
+      <dgm:t>
+        <a:bodyPr/>
+        <a:lstStyle/>
+        <a:p>
+          <a:endParaRPr lang="sl-SI"/>
+        </a:p>
+      </dgm:t>
+    </dgm:pt>
+    <dgm:pt modelId="{B1A23A62-97A0-45CC-B62B-6917899EAF0A}" type="sibTrans" cxnId="{C4E914C9-72DC-4860-8193-44F91CD7D273}">
+      <dgm:prSet/>
+      <dgm:spPr/>
+      <dgm:t>
+        <a:bodyPr/>
+        <a:lstStyle/>
+        <a:p>
+          <a:endParaRPr lang="sl-SI"/>
+        </a:p>
+      </dgm:t>
+    </dgm:pt>
+    <dgm:pt modelId="{65911259-E4D2-4A7C-9C11-2E9D77225C9E}">
+      <dgm:prSet phldrT="[Text]" custT="1"/>
+      <dgm:spPr/>
+      <dgm:t>
+        <a:bodyPr/>
+        <a:lstStyle/>
+        <a:p>
+          <a:r>
+            <a:rPr lang="sl-SI" sz="2400" dirty="0" smtClean="0"/>
+            <a:t>Spletni</a:t>
+          </a:r>
+          <a:br>
+            <a:rPr lang="sl-SI" sz="2400" dirty="0" smtClean="0"/>
+          </a:br>
+          <a:r>
+            <a:rPr lang="sl-SI" sz="2400" dirty="0" smtClean="0"/>
+            <a:t>brskalnik</a:t>
+          </a:r>
+        </a:p>
+        <a:p>
+          <a:r>
+            <a:rPr lang="sl-SI" sz="2400" dirty="0" smtClean="0"/>
+            <a:t>1</a:t>
+          </a:r>
+        </a:p>
+      </dgm:t>
+    </dgm:pt>
+    <dgm:pt modelId="{A80B91FA-E938-4C84-B2EC-EB0468293E2C}" type="parTrans" cxnId="{83CB1701-F2C4-43E8-80C8-1C3C2C356BAC}">
+      <dgm:prSet/>
+      <dgm:spPr/>
+      <dgm:t>
+        <a:bodyPr/>
+        <a:lstStyle/>
+        <a:p>
+          <a:endParaRPr lang="sl-SI"/>
+        </a:p>
+      </dgm:t>
+    </dgm:pt>
+    <dgm:pt modelId="{8A2B87D8-58F9-4167-BC0B-D28E655D4B04}" type="sibTrans" cxnId="{83CB1701-F2C4-43E8-80C8-1C3C2C356BAC}">
+      <dgm:prSet/>
+      <dgm:spPr/>
+      <dgm:t>
+        <a:bodyPr/>
+        <a:lstStyle/>
+        <a:p>
+          <a:endParaRPr lang="sl-SI"/>
+        </a:p>
+      </dgm:t>
+    </dgm:pt>
+    <dgm:pt modelId="{62A0AB8E-8A97-4CCB-B679-A5DAD2E3AB59}">
+      <dgm:prSet phldrT="[Text]" custT="1"/>
+      <dgm:spPr/>
+      <dgm:t>
+        <a:bodyPr/>
+        <a:lstStyle/>
+        <a:p>
+          <a:r>
+            <a:rPr lang="sl-SI" sz="3000" dirty="0" smtClean="0"/>
+            <a:t>Python backend</a:t>
+          </a:r>
+          <a:endParaRPr lang="sl-SI" sz="3000" dirty="0"/>
+        </a:p>
+      </dgm:t>
+    </dgm:pt>
+    <dgm:pt modelId="{A623815C-69ED-479C-848A-0F9568331B70}" type="parTrans" cxnId="{E33833F4-EAEF-43CE-8349-1810D61079E6}">
+      <dgm:prSet/>
+      <dgm:spPr/>
+      <dgm:t>
+        <a:bodyPr/>
+        <a:lstStyle/>
+        <a:p>
+          <a:endParaRPr lang="sl-SI"/>
+        </a:p>
+      </dgm:t>
+    </dgm:pt>
+    <dgm:pt modelId="{0C9D8CB3-7C46-4E29-B223-15E137F26458}" type="sibTrans" cxnId="{E33833F4-EAEF-43CE-8349-1810D61079E6}">
+      <dgm:prSet/>
+      <dgm:spPr/>
+      <dgm:t>
+        <a:bodyPr/>
+        <a:lstStyle/>
+        <a:p>
+          <a:endParaRPr lang="sl-SI"/>
+        </a:p>
+      </dgm:t>
+    </dgm:pt>
+    <dgm:pt modelId="{B951F8D6-93AA-4ED8-AD32-0E84375EE5C9}">
+      <dgm:prSet phldrT="[Text]"/>
+      <dgm:spPr/>
+      <dgm:t>
+        <a:bodyPr/>
+        <a:lstStyle/>
+        <a:p>
+          <a:r>
+            <a:rPr lang="sl-SI" dirty="0" smtClean="0"/>
+            <a:t>SQL baza</a:t>
+          </a:r>
+          <a:endParaRPr lang="sl-SI" dirty="0"/>
+        </a:p>
+      </dgm:t>
+    </dgm:pt>
+    <dgm:pt modelId="{6DC1555D-6628-4D5A-9B9C-0F3FC465A82E}" type="parTrans" cxnId="{58DE2A08-43FF-418C-9CE4-260F0FE7B6D6}">
+      <dgm:prSet/>
+      <dgm:spPr/>
+      <dgm:t>
+        <a:bodyPr/>
+        <a:lstStyle/>
+        <a:p>
+          <a:endParaRPr lang="sl-SI"/>
+        </a:p>
+      </dgm:t>
+    </dgm:pt>
+    <dgm:pt modelId="{AF8AEDBD-CACB-44D5-BAB7-E687C706DA4B}" type="sibTrans" cxnId="{58DE2A08-43FF-418C-9CE4-260F0FE7B6D6}">
+      <dgm:prSet/>
+      <dgm:spPr/>
+      <dgm:t>
+        <a:bodyPr/>
+        <a:lstStyle/>
+        <a:p>
+          <a:endParaRPr lang="sl-SI"/>
+        </a:p>
+      </dgm:t>
+    </dgm:pt>
+    <dgm:pt modelId="{F397A010-739C-47DE-888B-3AB18396FF87}">
+      <dgm:prSet phldrT="[Text]"/>
+      <dgm:spPr/>
+      <dgm:t>
+        <a:bodyPr/>
+        <a:lstStyle/>
+        <a:p>
+          <a:r>
+            <a:rPr lang="sl-SI" dirty="0" smtClean="0"/>
+            <a:t>Spletni</a:t>
+          </a:r>
+          <a:br>
+            <a:rPr lang="sl-SI" dirty="0" smtClean="0"/>
+          </a:br>
+          <a:r>
+            <a:rPr lang="sl-SI" dirty="0" smtClean="0"/>
+            <a:t>brskalnik</a:t>
+          </a:r>
+        </a:p>
+        <a:p>
+          <a:r>
+            <a:rPr lang="sl-SI" dirty="0" smtClean="0"/>
+            <a:t>2</a:t>
+          </a:r>
+        </a:p>
+      </dgm:t>
+    </dgm:pt>
+    <dgm:pt modelId="{91731CA3-6D3C-4FD2-8C55-260984BC2867}" type="parTrans" cxnId="{C0CC9FC5-D465-423E-A8B1-309CAC1D3218}">
+      <dgm:prSet/>
+      <dgm:spPr/>
+      <dgm:t>
+        <a:bodyPr/>
+        <a:lstStyle/>
+        <a:p>
+          <a:endParaRPr lang="sl-SI"/>
+        </a:p>
+      </dgm:t>
+    </dgm:pt>
+    <dgm:pt modelId="{7941CDD8-82BC-406E-9581-BB8FFC803687}" type="sibTrans" cxnId="{C0CC9FC5-D465-423E-A8B1-309CAC1D3218}">
+      <dgm:prSet/>
+      <dgm:spPr/>
+      <dgm:t>
+        <a:bodyPr/>
+        <a:lstStyle/>
+        <a:p>
+          <a:endParaRPr lang="sl-SI"/>
+        </a:p>
+      </dgm:t>
+    </dgm:pt>
+    <dgm:pt modelId="{ECA2687E-0C3E-45CB-B281-365908ED26DF}" type="pres">
+      <dgm:prSet presAssocID="{43CD8995-090A-4513-B501-FB2D1D5F0AD9}" presName="Name0" presStyleCnt="0">
+        <dgm:presLayoutVars>
+          <dgm:chMax val="1"/>
+          <dgm:chPref val="1"/>
+          <dgm:dir/>
+          <dgm:animOne val="branch"/>
+          <dgm:animLvl val="lvl"/>
+        </dgm:presLayoutVars>
+      </dgm:prSet>
+      <dgm:spPr/>
+    </dgm:pt>
+    <dgm:pt modelId="{067B3650-17DC-4DA8-87EE-F1DFFB33C387}" type="pres">
+      <dgm:prSet presAssocID="{1C6E2C20-8987-48AB-9183-BED8CD71C951}" presName="textCenter" presStyleLbl="node1" presStyleIdx="0" presStyleCnt="5" custScaleX="145985" custScaleY="145985" custLinFactNeighborX="32918" custLinFactNeighborY="50707"/>
+      <dgm:spPr/>
+    </dgm:pt>
+    <dgm:pt modelId="{ABE1AB53-665B-4139-A6F6-2F4732BCCD0E}" type="pres">
+      <dgm:prSet presAssocID="{1C6E2C20-8987-48AB-9183-BED8CD71C951}" presName="cycle_1" presStyleCnt="0"/>
+      <dgm:spPr/>
+    </dgm:pt>
+    <dgm:pt modelId="{AB34DF75-6BED-4321-9EDA-4DBC8F284296}" type="pres">
+      <dgm:prSet presAssocID="{65911259-E4D2-4A7C-9C11-2E9D77225C9E}" presName="childCenter1" presStyleLbl="node1" presStyleIdx="1" presStyleCnt="5" custScaleX="252067" custScaleY="252067" custLinFactX="38085" custLinFactNeighborX="100000" custLinFactNeighborY="5840"/>
+      <dgm:spPr/>
+      <dgm:t>
+        <a:bodyPr/>
+        <a:lstStyle/>
+        <a:p>
+          <a:endParaRPr lang="sl-SI"/>
+        </a:p>
+      </dgm:t>
+    </dgm:pt>
+    <dgm:pt modelId="{8AEE6B4E-129C-41B7-8F80-40008E64EAB0}" type="pres">
+      <dgm:prSet presAssocID="{A80B91FA-E938-4C84-B2EC-EB0468293E2C}" presName="Name144" presStyleLbl="parChTrans1D2" presStyleIdx="0" presStyleCnt="3"/>
+      <dgm:spPr/>
+    </dgm:pt>
+    <dgm:pt modelId="{F6F4BBA1-6D5F-475F-981A-572B2322AC66}" type="pres">
+      <dgm:prSet presAssocID="{1C6E2C20-8987-48AB-9183-BED8CD71C951}" presName="cycle_2" presStyleCnt="0"/>
+      <dgm:spPr/>
+    </dgm:pt>
+    <dgm:pt modelId="{4D11BF85-DD33-4914-B9A0-CB1332762925}" type="pres">
+      <dgm:prSet presAssocID="{F397A010-739C-47DE-888B-3AB18396FF87}" presName="childCenter2" presStyleLbl="node1" presStyleIdx="2" presStyleCnt="5" custScaleX="252067" custScaleY="252067" custLinFactX="4867" custLinFactNeighborX="100000" custLinFactNeighborY="-1821"/>
+      <dgm:spPr/>
+    </dgm:pt>
+    <dgm:pt modelId="{FF23012D-3DAD-4A0F-80DB-453F9B7C1F00}" type="pres">
+      <dgm:prSet presAssocID="{91731CA3-6D3C-4FD2-8C55-260984BC2867}" presName="Name221" presStyleLbl="parChTrans1D2" presStyleIdx="1" presStyleCnt="3"/>
+      <dgm:spPr/>
+    </dgm:pt>
+    <dgm:pt modelId="{49B082EF-BFA1-4E4B-84FB-074D5A382E32}" type="pres">
+      <dgm:prSet presAssocID="{1C6E2C20-8987-48AB-9183-BED8CD71C951}" presName="cycle_3" presStyleCnt="0"/>
+      <dgm:spPr/>
+    </dgm:pt>
+    <dgm:pt modelId="{6C689A34-C942-438E-9598-2F573BB43A0E}" type="pres">
+      <dgm:prSet presAssocID="{62A0AB8E-8A97-4CCB-B679-A5DAD2E3AB59}" presName="childCenter3" presStyleLbl="node1" presStyleIdx="3" presStyleCnt="5" custScaleX="254123" custScaleY="254123" custLinFactNeighborX="-70212" custLinFactNeighborY="23873"/>
+      <dgm:spPr/>
+    </dgm:pt>
+    <dgm:pt modelId="{00A35B42-AA61-4236-A1D7-F917ECE0B667}" type="pres">
+      <dgm:prSet presAssocID="{6DC1555D-6628-4D5A-9B9C-0F3FC465A82E}" presName="Name285" presStyleLbl="parChTrans1D3" presStyleIdx="0" presStyleCnt="1"/>
+      <dgm:spPr/>
+    </dgm:pt>
+    <dgm:pt modelId="{B6001E08-CF80-4CF9-9937-BE132BB0E3A7}" type="pres">
+      <dgm:prSet presAssocID="{B951F8D6-93AA-4ED8-AD32-0E84375EE5C9}" presName="text3" presStyleLbl="node1" presStyleIdx="4" presStyleCnt="5" custScaleX="285943" custScaleY="270347" custRadScaleRad="186795" custRadScaleInc="41245">
+        <dgm:presLayoutVars>
+          <dgm:bulletEnabled val="1"/>
+        </dgm:presLayoutVars>
+      </dgm:prSet>
+      <dgm:spPr/>
+      <dgm:t>
+        <a:bodyPr/>
+        <a:lstStyle/>
+        <a:p>
+          <a:endParaRPr lang="sl-SI"/>
+        </a:p>
+      </dgm:t>
+    </dgm:pt>
+    <dgm:pt modelId="{D163E0B1-4BB0-4EB2-A482-CB5DCF8587C4}" type="pres">
+      <dgm:prSet presAssocID="{A623815C-69ED-479C-848A-0F9568331B70}" presName="Name288" presStyleLbl="parChTrans1D2" presStyleIdx="2" presStyleCnt="3"/>
+      <dgm:spPr/>
+    </dgm:pt>
+  </dgm:ptLst>
+  <dgm:cxnLst>
+    <dgm:cxn modelId="{81BAE10C-39E9-4CFD-A724-043A9CF4C7AB}" type="presOf" srcId="{43CD8995-090A-4513-B501-FB2D1D5F0AD9}" destId="{ECA2687E-0C3E-45CB-B281-365908ED26DF}" srcOrd="0" destOrd="0" presId="urn:microsoft.com/office/officeart/2008/layout/RadialCluster"/>
+    <dgm:cxn modelId="{C4E914C9-72DC-4860-8193-44F91CD7D273}" srcId="{43CD8995-090A-4513-B501-FB2D1D5F0AD9}" destId="{1C6E2C20-8987-48AB-9183-BED8CD71C951}" srcOrd="0" destOrd="0" parTransId="{B2591461-660F-49A1-9F64-1DEE5A4D1388}" sibTransId="{B1A23A62-97A0-45CC-B62B-6917899EAF0A}"/>
+    <dgm:cxn modelId="{C0CC9FC5-D465-423E-A8B1-309CAC1D3218}" srcId="{1C6E2C20-8987-48AB-9183-BED8CD71C951}" destId="{F397A010-739C-47DE-888B-3AB18396FF87}" srcOrd="1" destOrd="0" parTransId="{91731CA3-6D3C-4FD2-8C55-260984BC2867}" sibTransId="{7941CDD8-82BC-406E-9581-BB8FFC803687}"/>
+    <dgm:cxn modelId="{5F7F7248-6745-4291-9BAA-81557AF2413E}" type="presOf" srcId="{1C6E2C20-8987-48AB-9183-BED8CD71C951}" destId="{067B3650-17DC-4DA8-87EE-F1DFFB33C387}" srcOrd="0" destOrd="0" presId="urn:microsoft.com/office/officeart/2008/layout/RadialCluster"/>
+    <dgm:cxn modelId="{A4448CCE-8831-4DC4-AAC5-F90F2D5CAC71}" type="presOf" srcId="{A80B91FA-E938-4C84-B2EC-EB0468293E2C}" destId="{8AEE6B4E-129C-41B7-8F80-40008E64EAB0}" srcOrd="0" destOrd="0" presId="urn:microsoft.com/office/officeart/2008/layout/RadialCluster"/>
+    <dgm:cxn modelId="{01BD247E-049E-486D-83ED-67144FF56A86}" type="presOf" srcId="{91731CA3-6D3C-4FD2-8C55-260984BC2867}" destId="{FF23012D-3DAD-4A0F-80DB-453F9B7C1F00}" srcOrd="0" destOrd="0" presId="urn:microsoft.com/office/officeart/2008/layout/RadialCluster"/>
+    <dgm:cxn modelId="{1D46A22B-6841-43B8-BD3C-301B488B1FC6}" type="presOf" srcId="{65911259-E4D2-4A7C-9C11-2E9D77225C9E}" destId="{AB34DF75-6BED-4321-9EDA-4DBC8F284296}" srcOrd="0" destOrd="0" presId="urn:microsoft.com/office/officeart/2008/layout/RadialCluster"/>
+    <dgm:cxn modelId="{0E02BB84-EE47-4420-B936-6AF9E6EB5D44}" type="presOf" srcId="{6DC1555D-6628-4D5A-9B9C-0F3FC465A82E}" destId="{00A35B42-AA61-4236-A1D7-F917ECE0B667}" srcOrd="0" destOrd="0" presId="urn:microsoft.com/office/officeart/2008/layout/RadialCluster"/>
+    <dgm:cxn modelId="{01700113-5BBC-4D5A-B2A4-44074A0BB980}" type="presOf" srcId="{A623815C-69ED-479C-848A-0F9568331B70}" destId="{D163E0B1-4BB0-4EB2-A482-CB5DCF8587C4}" srcOrd="0" destOrd="0" presId="urn:microsoft.com/office/officeart/2008/layout/RadialCluster"/>
+    <dgm:cxn modelId="{58DE2A08-43FF-418C-9CE4-260F0FE7B6D6}" srcId="{62A0AB8E-8A97-4CCB-B679-A5DAD2E3AB59}" destId="{B951F8D6-93AA-4ED8-AD32-0E84375EE5C9}" srcOrd="0" destOrd="0" parTransId="{6DC1555D-6628-4D5A-9B9C-0F3FC465A82E}" sibTransId="{AF8AEDBD-CACB-44D5-BAB7-E687C706DA4B}"/>
+    <dgm:cxn modelId="{E33833F4-EAEF-43CE-8349-1810D61079E6}" srcId="{1C6E2C20-8987-48AB-9183-BED8CD71C951}" destId="{62A0AB8E-8A97-4CCB-B679-A5DAD2E3AB59}" srcOrd="2" destOrd="0" parTransId="{A623815C-69ED-479C-848A-0F9568331B70}" sibTransId="{0C9D8CB3-7C46-4E29-B223-15E137F26458}"/>
+    <dgm:cxn modelId="{7281D28B-B92D-49E6-952A-3953BE880526}" type="presOf" srcId="{B951F8D6-93AA-4ED8-AD32-0E84375EE5C9}" destId="{B6001E08-CF80-4CF9-9937-BE132BB0E3A7}" srcOrd="0" destOrd="0" presId="urn:microsoft.com/office/officeart/2008/layout/RadialCluster"/>
+    <dgm:cxn modelId="{83CB1701-F2C4-43E8-80C8-1C3C2C356BAC}" srcId="{1C6E2C20-8987-48AB-9183-BED8CD71C951}" destId="{65911259-E4D2-4A7C-9C11-2E9D77225C9E}" srcOrd="0" destOrd="0" parTransId="{A80B91FA-E938-4C84-B2EC-EB0468293E2C}" sibTransId="{8A2B87D8-58F9-4167-BC0B-D28E655D4B04}"/>
+    <dgm:cxn modelId="{00549BE9-5CD1-4C7A-BF0A-DABB584CFE28}" type="presOf" srcId="{F397A010-739C-47DE-888B-3AB18396FF87}" destId="{4D11BF85-DD33-4914-B9A0-CB1332762925}" srcOrd="0" destOrd="0" presId="urn:microsoft.com/office/officeart/2008/layout/RadialCluster"/>
+    <dgm:cxn modelId="{25EF17AB-863D-4C0D-B52F-A106BA739BDD}" type="presOf" srcId="{62A0AB8E-8A97-4CCB-B679-A5DAD2E3AB59}" destId="{6C689A34-C942-438E-9598-2F573BB43A0E}" srcOrd="0" destOrd="0" presId="urn:microsoft.com/office/officeart/2008/layout/RadialCluster"/>
+    <dgm:cxn modelId="{868B7A6E-0773-4DB9-9206-8FBF8824DF7B}" type="presParOf" srcId="{ECA2687E-0C3E-45CB-B281-365908ED26DF}" destId="{067B3650-17DC-4DA8-87EE-F1DFFB33C387}" srcOrd="0" destOrd="0" presId="urn:microsoft.com/office/officeart/2008/layout/RadialCluster"/>
+    <dgm:cxn modelId="{C478ED74-01F8-4A51-9D11-DF4230630D96}" type="presParOf" srcId="{ECA2687E-0C3E-45CB-B281-365908ED26DF}" destId="{ABE1AB53-665B-4139-A6F6-2F4732BCCD0E}" srcOrd="1" destOrd="0" presId="urn:microsoft.com/office/officeart/2008/layout/RadialCluster"/>
+    <dgm:cxn modelId="{8506C212-9070-4C61-8E5D-548FEB4B71B9}" type="presParOf" srcId="{ABE1AB53-665B-4139-A6F6-2F4732BCCD0E}" destId="{AB34DF75-6BED-4321-9EDA-4DBC8F284296}" srcOrd="0" destOrd="0" presId="urn:microsoft.com/office/officeart/2008/layout/RadialCluster"/>
+    <dgm:cxn modelId="{5F7E399B-FC1A-4787-9400-51769F1B959B}" type="presParOf" srcId="{ECA2687E-0C3E-45CB-B281-365908ED26DF}" destId="{8AEE6B4E-129C-41B7-8F80-40008E64EAB0}" srcOrd="2" destOrd="0" presId="urn:microsoft.com/office/officeart/2008/layout/RadialCluster"/>
+    <dgm:cxn modelId="{1D8322F0-F2ED-41A1-89F8-FAB263FEB353}" type="presParOf" srcId="{ECA2687E-0C3E-45CB-B281-365908ED26DF}" destId="{F6F4BBA1-6D5F-475F-981A-572B2322AC66}" srcOrd="3" destOrd="0" presId="urn:microsoft.com/office/officeart/2008/layout/RadialCluster"/>
+    <dgm:cxn modelId="{7BA43122-CCC9-4649-8881-3808195560D7}" type="presParOf" srcId="{F6F4BBA1-6D5F-475F-981A-572B2322AC66}" destId="{4D11BF85-DD33-4914-B9A0-CB1332762925}" srcOrd="0" destOrd="0" presId="urn:microsoft.com/office/officeart/2008/layout/RadialCluster"/>
+    <dgm:cxn modelId="{CD285DE8-735E-4A46-B366-94BAB8A47165}" type="presParOf" srcId="{ECA2687E-0C3E-45CB-B281-365908ED26DF}" destId="{FF23012D-3DAD-4A0F-80DB-453F9B7C1F00}" srcOrd="4" destOrd="0" presId="urn:microsoft.com/office/officeart/2008/layout/RadialCluster"/>
+    <dgm:cxn modelId="{E9B7D575-37F1-4BFA-89DA-EBAF631DBDCB}" type="presParOf" srcId="{ECA2687E-0C3E-45CB-B281-365908ED26DF}" destId="{49B082EF-BFA1-4E4B-84FB-074D5A382E32}" srcOrd="5" destOrd="0" presId="urn:microsoft.com/office/officeart/2008/layout/RadialCluster"/>
+    <dgm:cxn modelId="{D2DD48BB-B611-4E8B-8556-6D52B2F0A115}" type="presParOf" srcId="{49B082EF-BFA1-4E4B-84FB-074D5A382E32}" destId="{6C689A34-C942-438E-9598-2F573BB43A0E}" srcOrd="0" destOrd="0" presId="urn:microsoft.com/office/officeart/2008/layout/RadialCluster"/>
+    <dgm:cxn modelId="{8F0E484D-676B-4147-AA00-D4457402F18B}" type="presParOf" srcId="{49B082EF-BFA1-4E4B-84FB-074D5A382E32}" destId="{00A35B42-AA61-4236-A1D7-F917ECE0B667}" srcOrd="1" destOrd="0" presId="urn:microsoft.com/office/officeart/2008/layout/RadialCluster"/>
+    <dgm:cxn modelId="{7E6D4400-3B49-408A-9EC3-C6CD4E3D168C}" type="presParOf" srcId="{49B082EF-BFA1-4E4B-84FB-074D5A382E32}" destId="{B6001E08-CF80-4CF9-9937-BE132BB0E3A7}" srcOrd="2" destOrd="0" presId="urn:microsoft.com/office/officeart/2008/layout/RadialCluster"/>
+    <dgm:cxn modelId="{3D5C278C-ED96-4E6D-9C05-C97E4935B2C7}" type="presParOf" srcId="{ECA2687E-0C3E-45CB-B281-365908ED26DF}" destId="{D163E0B1-4BB0-4EB2-A482-CB5DCF8587C4}" srcOrd="6" destOrd="0" presId="urn:microsoft.com/office/officeart/2008/layout/RadialCluster"/>
+  </dgm:cxnLst>
+  <dgm:bg/>
+  <dgm:whole/>
+  <dgm:extLst>
+    <a:ext uri="http://schemas.microsoft.com/office/drawing/2008/diagram">
+      <dsp:dataModelExt xmlns:dsp="http://schemas.microsoft.com/office/drawing/2008/diagram" relId="rId6" minVer="http://schemas.openxmlformats.org/drawingml/2006/diagram"/>
+    </a:ext>
+  </dgm:extLst>
+</dgm:dataModel>
+</file>
+
+<file path=ppt/diagrams/drawing1.xml><?xml version="1.0" encoding="utf-8"?>
+<dsp:drawing xmlns:dgm="http://schemas.openxmlformats.org/drawingml/2006/diagram" xmlns:dsp="http://schemas.microsoft.com/office/drawing/2008/diagram" xmlns:a="http://schemas.openxmlformats.org/drawingml/2006/main">
+  <dsp:spTree>
+    <dsp:nvGrpSpPr>
+      <dsp:cNvPr id="0" name=""/>
+      <dsp:cNvGrpSpPr/>
+    </dsp:nvGrpSpPr>
+    <dsp:grpSpPr/>
+    <dsp:sp modelId="{D163E0B1-4BB0-4EB2-A482-CB5DCF8587C4}">
+      <dsp:nvSpPr>
+        <dsp:cNvPr id="0" name=""/>
+        <dsp:cNvSpPr/>
+      </dsp:nvSpPr>
+      <dsp:spPr>
+        <a:xfrm rot="10754228">
+          <a:off x="3579297" y="3343128"/>
+          <a:ext cx="817684" cy="0"/>
+        </a:xfrm>
+        <a:custGeom>
+          <a:avLst/>
+          <a:gdLst/>
+          <a:ahLst/>
+          <a:cxnLst/>
+          <a:rect l="0" t="0" r="0" b="0"/>
+          <a:pathLst>
+            <a:path>
+              <a:moveTo>
+                <a:pt x="0" y="0"/>
+              </a:moveTo>
+              <a:lnTo>
+                <a:pt x="817684" y="0"/>
+              </a:lnTo>
+            </a:path>
+          </a:pathLst>
+        </a:custGeom>
+        <a:noFill/>
+        <a:ln w="34925" cap="flat" cmpd="sng" algn="in">
+          <a:solidFill>
+            <a:schemeClr val="accent1">
+              <a:shade val="60000"/>
+              <a:hueOff val="0"/>
+              <a:satOff val="0"/>
+              <a:lumOff val="0"/>
+              <a:alphaOff val="0"/>
+            </a:schemeClr>
+          </a:solidFill>
+          <a:prstDash val="solid"/>
+        </a:ln>
+        <a:effectLst/>
+      </dsp:spPr>
+      <dsp:style>
+        <a:lnRef idx="2">
+          <a:scrgbClr r="0" g="0" b="0"/>
+        </a:lnRef>
+        <a:fillRef idx="0">
+          <a:scrgbClr r="0" g="0" b="0"/>
+        </a:fillRef>
+        <a:effectRef idx="0">
+          <a:scrgbClr r="0" g="0" b="0"/>
+        </a:effectRef>
+        <a:fontRef idx="minor"/>
+      </dsp:style>
+    </dsp:sp>
+    <dsp:sp modelId="{FF23012D-3DAD-4A0F-80DB-453F9B7C1F00}">
+      <dsp:nvSpPr>
+        <dsp:cNvPr id="0" name=""/>
+        <dsp:cNvSpPr/>
+      </dsp:nvSpPr>
+      <dsp:spPr>
+        <a:xfrm rot="346810">
+          <a:off x="5862559" y="3498113"/>
+          <a:ext cx="1902333" cy="0"/>
+        </a:xfrm>
+        <a:custGeom>
+          <a:avLst/>
+          <a:gdLst/>
+          <a:ahLst/>
+          <a:cxnLst/>
+          <a:rect l="0" t="0" r="0" b="0"/>
+          <a:pathLst>
+            <a:path>
+              <a:moveTo>
+                <a:pt x="0" y="0"/>
+              </a:moveTo>
+              <a:lnTo>
+                <a:pt x="1902333" y="0"/>
+              </a:lnTo>
+            </a:path>
+          </a:pathLst>
+        </a:custGeom>
+        <a:noFill/>
+        <a:ln w="34925" cap="flat" cmpd="sng" algn="in">
+          <a:solidFill>
+            <a:schemeClr val="accent1">
+              <a:shade val="60000"/>
+              <a:hueOff val="0"/>
+              <a:satOff val="0"/>
+              <a:lumOff val="0"/>
+              <a:alphaOff val="0"/>
+            </a:schemeClr>
+          </a:solidFill>
+          <a:prstDash val="solid"/>
+        </a:ln>
+        <a:effectLst/>
+      </dsp:spPr>
+      <dsp:style>
+        <a:lnRef idx="2">
+          <a:scrgbClr r="0" g="0" b="0"/>
+        </a:lnRef>
+        <a:fillRef idx="0">
+          <a:scrgbClr r="0" g="0" b="0"/>
+        </a:fillRef>
+        <a:effectRef idx="0">
+          <a:scrgbClr r="0" g="0" b="0"/>
+        </a:effectRef>
+        <a:fontRef idx="minor"/>
+      </dsp:style>
+    </dsp:sp>
+    <dsp:sp modelId="{8AEE6B4E-129C-41B7-8F80-40008E64EAB0}">
+      <dsp:nvSpPr>
+        <dsp:cNvPr id="0" name=""/>
+        <dsp:cNvSpPr/>
+      </dsp:nvSpPr>
+      <dsp:spPr>
+        <a:xfrm rot="19487971">
+          <a:off x="5711391" y="2317462"/>
+          <a:ext cx="1706267" cy="0"/>
+        </a:xfrm>
+        <a:custGeom>
+          <a:avLst/>
+          <a:gdLst/>
+          <a:ahLst/>
+          <a:cxnLst/>
+          <a:rect l="0" t="0" r="0" b="0"/>
+          <a:pathLst>
+            <a:path>
+              <a:moveTo>
+                <a:pt x="0" y="0"/>
+              </a:moveTo>
+              <a:lnTo>
+                <a:pt x="1706267" y="0"/>
+              </a:lnTo>
+            </a:path>
+          </a:pathLst>
+        </a:custGeom>
+        <a:noFill/>
+        <a:ln w="34925" cap="flat" cmpd="sng" algn="in">
+          <a:solidFill>
+            <a:schemeClr val="accent1">
+              <a:shade val="60000"/>
+              <a:hueOff val="0"/>
+              <a:satOff val="0"/>
+              <a:lumOff val="0"/>
+              <a:alphaOff val="0"/>
+            </a:schemeClr>
+          </a:solidFill>
+          <a:prstDash val="solid"/>
+        </a:ln>
+        <a:effectLst/>
+      </dsp:spPr>
+      <dsp:style>
+        <a:lnRef idx="2">
+          <a:scrgbClr r="0" g="0" b="0"/>
+        </a:lnRef>
+        <a:fillRef idx="0">
+          <a:scrgbClr r="0" g="0" b="0"/>
+        </a:fillRef>
+        <a:effectRef idx="0">
+          <a:scrgbClr r="0" g="0" b="0"/>
+        </a:effectRef>
+        <a:fontRef idx="minor"/>
+      </dsp:style>
+    </dsp:sp>
+    <dsp:sp modelId="{067B3650-17DC-4DA8-87EE-F1DFFB33C387}">
+      <dsp:nvSpPr>
+        <dsp:cNvPr id="0" name=""/>
+        <dsp:cNvSpPr/>
+      </dsp:nvSpPr>
+      <dsp:spPr>
+        <a:xfrm>
+          <a:off x="4396945" y="2592670"/>
+          <a:ext cx="1470449" cy="1470449"/>
+        </a:xfrm>
+        <a:prstGeom prst="roundRect">
+          <a:avLst/>
+        </a:prstGeom>
+        <a:solidFill>
+          <a:schemeClr val="accent1">
+            <a:hueOff val="0"/>
+            <a:satOff val="0"/>
+            <a:lumOff val="0"/>
+            <a:alphaOff val="0"/>
+          </a:schemeClr>
+        </a:solidFill>
+        <a:ln w="34925" cap="flat" cmpd="sng" algn="in">
+          <a:solidFill>
+            <a:schemeClr val="lt1">
+              <a:hueOff val="0"/>
+              <a:satOff val="0"/>
+              <a:lumOff val="0"/>
+              <a:alphaOff val="0"/>
+            </a:schemeClr>
+          </a:solidFill>
+          <a:prstDash val="solid"/>
+        </a:ln>
+        <a:effectLst/>
+      </dsp:spPr>
+      <dsp:style>
+        <a:lnRef idx="2">
+          <a:scrgbClr r="0" g="0" b="0"/>
+        </a:lnRef>
+        <a:fillRef idx="1">
+          <a:scrgbClr r="0" g="0" b="0"/>
+        </a:fillRef>
+        <a:effectRef idx="0">
+          <a:scrgbClr r="0" g="0" b="0"/>
+        </a:effectRef>
+        <a:fontRef idx="minor">
+          <a:schemeClr val="lt1"/>
+        </a:fontRef>
+      </dsp:style>
+      <dsp:txBody>
+        <a:bodyPr spcFirstLastPara="0" vert="horz" wrap="square" lIns="78740" tIns="78740" rIns="78740" bIns="78740" numCol="1" spcCol="1270" anchor="ctr" anchorCtr="0">
+          <a:noAutofit/>
+        </a:bodyPr>
+        <a:lstStyle/>
+        <a:p>
+          <a:pPr lvl="0" algn="ctr" defTabSz="1377950">
+            <a:lnSpc>
+              <a:spcPct val="90000"/>
+            </a:lnSpc>
+            <a:spcBef>
+              <a:spcPct val="0"/>
+            </a:spcBef>
+            <a:spcAft>
+              <a:spcPct val="35000"/>
+            </a:spcAft>
+          </a:pPr>
+          <a:r>
+            <a:rPr lang="sl-SI" sz="3100" kern="1200" dirty="0" smtClean="0"/>
+            <a:t>WAMP</a:t>
+          </a:r>
+          <a:br>
+            <a:rPr lang="sl-SI" sz="3100" kern="1200" dirty="0" smtClean="0"/>
+          </a:br>
+          <a:r>
+            <a:rPr lang="sl-SI" sz="3100" kern="1200" dirty="0" smtClean="0"/>
+            <a:t>Router</a:t>
+          </a:r>
+          <a:endParaRPr lang="sl-SI" sz="3100" kern="1200" dirty="0"/>
+        </a:p>
+      </dsp:txBody>
+      <dsp:txXfrm>
+        <a:off x="4468726" y="2664451"/>
+        <a:ext cx="1326887" cy="1326887"/>
+      </dsp:txXfrm>
+    </dsp:sp>
+    <dsp:sp modelId="{AB34DF75-6BED-4321-9EDA-4DBC8F284296}">
+      <dsp:nvSpPr>
+        <dsp:cNvPr id="0" name=""/>
+        <dsp:cNvSpPr/>
+      </dsp:nvSpPr>
+      <dsp:spPr>
+        <a:xfrm>
+          <a:off x="7261654" y="375115"/>
+          <a:ext cx="1701111" cy="1701111"/>
+        </a:xfrm>
+        <a:prstGeom prst="roundRect">
+          <a:avLst/>
+        </a:prstGeom>
+        <a:solidFill>
+          <a:schemeClr val="accent1">
+            <a:hueOff val="0"/>
+            <a:satOff val="0"/>
+            <a:lumOff val="0"/>
+            <a:alphaOff val="0"/>
+          </a:schemeClr>
+        </a:solidFill>
+        <a:ln w="34925" cap="flat" cmpd="sng" algn="in">
+          <a:solidFill>
+            <a:schemeClr val="lt1">
+              <a:hueOff val="0"/>
+              <a:satOff val="0"/>
+              <a:lumOff val="0"/>
+              <a:alphaOff val="0"/>
+            </a:schemeClr>
+          </a:solidFill>
+          <a:prstDash val="solid"/>
+        </a:ln>
+        <a:effectLst/>
+      </dsp:spPr>
+      <dsp:style>
+        <a:lnRef idx="2">
+          <a:scrgbClr r="0" g="0" b="0"/>
+        </a:lnRef>
+        <a:fillRef idx="1">
+          <a:scrgbClr r="0" g="0" b="0"/>
+        </a:fillRef>
+        <a:effectRef idx="0">
+          <a:scrgbClr r="0" g="0" b="0"/>
+        </a:effectRef>
+        <a:fontRef idx="minor">
+          <a:schemeClr val="lt1"/>
+        </a:fontRef>
+      </dsp:style>
+      <dsp:txBody>
+        <a:bodyPr spcFirstLastPara="0" vert="horz" wrap="square" lIns="60960" tIns="60960" rIns="60960" bIns="60960" numCol="1" spcCol="1270" anchor="ctr" anchorCtr="0">
+          <a:noAutofit/>
+        </a:bodyPr>
+        <a:lstStyle/>
+        <a:p>
+          <a:pPr lvl="0" algn="ctr" defTabSz="1066800">
+            <a:lnSpc>
+              <a:spcPct val="90000"/>
+            </a:lnSpc>
+            <a:spcBef>
+              <a:spcPct val="0"/>
+            </a:spcBef>
+            <a:spcAft>
+              <a:spcPct val="35000"/>
+            </a:spcAft>
+          </a:pPr>
+          <a:r>
+            <a:rPr lang="sl-SI" sz="2400" kern="1200" dirty="0" smtClean="0"/>
+            <a:t>Spletni</a:t>
+          </a:r>
+          <a:br>
+            <a:rPr lang="sl-SI" sz="2400" kern="1200" dirty="0" smtClean="0"/>
+          </a:br>
+          <a:r>
+            <a:rPr lang="sl-SI" sz="2400" kern="1200" dirty="0" smtClean="0"/>
+            <a:t>brskalnik</a:t>
+          </a:r>
+        </a:p>
+        <a:p>
+          <a:pPr lvl="0" algn="ctr" defTabSz="1066800">
+            <a:lnSpc>
+              <a:spcPct val="90000"/>
+            </a:lnSpc>
+            <a:spcBef>
+              <a:spcPct val="0"/>
+            </a:spcBef>
+            <a:spcAft>
+              <a:spcPct val="35000"/>
+            </a:spcAft>
+          </a:pPr>
+          <a:r>
+            <a:rPr lang="sl-SI" sz="2400" kern="1200" dirty="0" smtClean="0"/>
+            <a:t>1</a:t>
+          </a:r>
+        </a:p>
+      </dsp:txBody>
+      <dsp:txXfrm>
+        <a:off x="7344695" y="458156"/>
+        <a:ext cx="1535029" cy="1535029"/>
+      </dsp:txXfrm>
+    </dsp:sp>
+    <dsp:sp modelId="{4D11BF85-DD33-4914-B9A0-CB1332762925}">
+      <dsp:nvSpPr>
+        <dsp:cNvPr id="0" name=""/>
+        <dsp:cNvSpPr/>
+      </dsp:nvSpPr>
+      <dsp:spPr>
+        <a:xfrm>
+          <a:off x="7760056" y="2829450"/>
+          <a:ext cx="1701111" cy="1701111"/>
+        </a:xfrm>
+        <a:prstGeom prst="roundRect">
+          <a:avLst/>
+        </a:prstGeom>
+        <a:solidFill>
+          <a:schemeClr val="accent1">
+            <a:hueOff val="0"/>
+            <a:satOff val="0"/>
+            <a:lumOff val="0"/>
+            <a:alphaOff val="0"/>
+          </a:schemeClr>
+        </a:solidFill>
+        <a:ln w="34925" cap="flat" cmpd="sng" algn="in">
+          <a:solidFill>
+            <a:schemeClr val="lt1">
+              <a:hueOff val="0"/>
+              <a:satOff val="0"/>
+              <a:lumOff val="0"/>
+              <a:alphaOff val="0"/>
+            </a:schemeClr>
+          </a:solidFill>
+          <a:prstDash val="solid"/>
+        </a:ln>
+        <a:effectLst/>
+      </dsp:spPr>
+      <dsp:style>
+        <a:lnRef idx="2">
+          <a:scrgbClr r="0" g="0" b="0"/>
+        </a:lnRef>
+        <a:fillRef idx="1">
+          <a:scrgbClr r="0" g="0" b="0"/>
+        </a:fillRef>
+        <a:effectRef idx="0">
+          <a:scrgbClr r="0" g="0" b="0"/>
+        </a:effectRef>
+        <a:fontRef idx="minor">
+          <a:schemeClr val="lt1"/>
+        </a:fontRef>
+      </dsp:style>
+      <dsp:txBody>
+        <a:bodyPr spcFirstLastPara="0" vert="horz" wrap="square" lIns="71120" tIns="71120" rIns="71120" bIns="71120" numCol="1" spcCol="1270" anchor="ctr" anchorCtr="0">
+          <a:noAutofit/>
+        </a:bodyPr>
+        <a:lstStyle/>
+        <a:p>
+          <a:pPr lvl="0" algn="ctr" defTabSz="1244600">
+            <a:lnSpc>
+              <a:spcPct val="90000"/>
+            </a:lnSpc>
+            <a:spcBef>
+              <a:spcPct val="0"/>
+            </a:spcBef>
+            <a:spcAft>
+              <a:spcPct val="35000"/>
+            </a:spcAft>
+          </a:pPr>
+          <a:r>
+            <a:rPr lang="sl-SI" sz="2800" kern="1200" dirty="0" smtClean="0"/>
+            <a:t>Spletni</a:t>
+          </a:r>
+          <a:br>
+            <a:rPr lang="sl-SI" sz="2800" kern="1200" dirty="0" smtClean="0"/>
+          </a:br>
+          <a:r>
+            <a:rPr lang="sl-SI" sz="2800" kern="1200" dirty="0" smtClean="0"/>
+            <a:t>brskalnik</a:t>
+          </a:r>
+        </a:p>
+        <a:p>
+          <a:pPr lvl="0" algn="ctr" defTabSz="1244600">
+            <a:lnSpc>
+              <a:spcPct val="90000"/>
+            </a:lnSpc>
+            <a:spcBef>
+              <a:spcPct val="0"/>
+            </a:spcBef>
+            <a:spcAft>
+              <a:spcPct val="35000"/>
+            </a:spcAft>
+          </a:pPr>
+          <a:r>
+            <a:rPr lang="sl-SI" sz="2800" kern="1200" dirty="0" smtClean="0"/>
+            <a:t>2</a:t>
+          </a:r>
+        </a:p>
+      </dsp:txBody>
+      <dsp:txXfrm>
+        <a:off x="7843097" y="2912491"/>
+        <a:ext cx="1535029" cy="1535029"/>
+      </dsp:txXfrm>
+    </dsp:sp>
+    <dsp:sp modelId="{6C689A34-C942-438E-9598-2F573BB43A0E}">
+      <dsp:nvSpPr>
+        <dsp:cNvPr id="0" name=""/>
+        <dsp:cNvSpPr/>
+      </dsp:nvSpPr>
+      <dsp:spPr>
+        <a:xfrm>
+          <a:off x="1864346" y="2502495"/>
+          <a:ext cx="1714986" cy="1714986"/>
+        </a:xfrm>
+        <a:prstGeom prst="roundRect">
+          <a:avLst/>
+        </a:prstGeom>
+        <a:solidFill>
+          <a:schemeClr val="accent1">
+            <a:hueOff val="0"/>
+            <a:satOff val="0"/>
+            <a:lumOff val="0"/>
+            <a:alphaOff val="0"/>
+          </a:schemeClr>
+        </a:solidFill>
+        <a:ln w="34925" cap="flat" cmpd="sng" algn="in">
+          <a:solidFill>
+            <a:schemeClr val="lt1">
+              <a:hueOff val="0"/>
+              <a:satOff val="0"/>
+              <a:lumOff val="0"/>
+              <a:alphaOff val="0"/>
+            </a:schemeClr>
+          </a:solidFill>
+          <a:prstDash val="solid"/>
+        </a:ln>
+        <a:effectLst/>
+      </dsp:spPr>
+      <dsp:style>
+        <a:lnRef idx="2">
+          <a:scrgbClr r="0" g="0" b="0"/>
+        </a:lnRef>
+        <a:fillRef idx="1">
+          <a:scrgbClr r="0" g="0" b="0"/>
+        </a:fillRef>
+        <a:effectRef idx="0">
+          <a:scrgbClr r="0" g="0" b="0"/>
+        </a:effectRef>
+        <a:fontRef idx="minor">
+          <a:schemeClr val="lt1"/>
+        </a:fontRef>
+      </dsp:style>
+      <dsp:txBody>
+        <a:bodyPr spcFirstLastPara="0" vert="horz" wrap="square" lIns="76200" tIns="76200" rIns="76200" bIns="76200" numCol="1" spcCol="1270" anchor="ctr" anchorCtr="0">
+          <a:noAutofit/>
+        </a:bodyPr>
+        <a:lstStyle/>
+        <a:p>
+          <a:pPr lvl="0" algn="ctr" defTabSz="1333500">
+            <a:lnSpc>
+              <a:spcPct val="90000"/>
+            </a:lnSpc>
+            <a:spcBef>
+              <a:spcPct val="0"/>
+            </a:spcBef>
+            <a:spcAft>
+              <a:spcPct val="35000"/>
+            </a:spcAft>
+          </a:pPr>
+          <a:r>
+            <a:rPr lang="sl-SI" sz="3000" kern="1200" dirty="0" smtClean="0"/>
+            <a:t>Python backend</a:t>
+          </a:r>
+          <a:endParaRPr lang="sl-SI" sz="3000" kern="1200" dirty="0"/>
+        </a:p>
+      </dsp:txBody>
+      <dsp:txXfrm>
+        <a:off x="1948065" y="2586214"/>
+        <a:ext cx="1547548" cy="1547548"/>
+      </dsp:txXfrm>
+    </dsp:sp>
+    <dsp:sp modelId="{00A35B42-AA61-4236-A1D7-F917ECE0B667}">
+      <dsp:nvSpPr>
+        <dsp:cNvPr id="0" name=""/>
+        <dsp:cNvSpPr/>
+      </dsp:nvSpPr>
+      <dsp:spPr>
+        <a:xfrm rot="16327396">
+          <a:off x="2577518" y="2319732"/>
+          <a:ext cx="365777" cy="0"/>
+        </a:xfrm>
+        <a:custGeom>
+          <a:avLst/>
+          <a:gdLst/>
+          <a:ahLst/>
+          <a:cxnLst/>
+          <a:rect l="0" t="0" r="0" b="0"/>
+          <a:pathLst>
+            <a:path>
+              <a:moveTo>
+                <a:pt x="0" y="0"/>
+              </a:moveTo>
+              <a:lnTo>
+                <a:pt x="365777" y="0"/>
+              </a:lnTo>
+            </a:path>
+          </a:pathLst>
+        </a:custGeom>
+        <a:noFill/>
+        <a:ln w="34925" cap="flat" cmpd="sng" algn="in">
+          <a:solidFill>
+            <a:schemeClr val="accent1">
+              <a:shade val="80000"/>
+              <a:hueOff val="0"/>
+              <a:satOff val="0"/>
+              <a:lumOff val="0"/>
+              <a:alphaOff val="0"/>
+            </a:schemeClr>
+          </a:solidFill>
+          <a:prstDash val="solid"/>
+        </a:ln>
+        <a:effectLst/>
+      </dsp:spPr>
+      <dsp:style>
+        <a:lnRef idx="2">
+          <a:scrgbClr r="0" g="0" b="0"/>
+        </a:lnRef>
+        <a:fillRef idx="0">
+          <a:scrgbClr r="0" g="0" b="0"/>
+        </a:fillRef>
+        <a:effectRef idx="0">
+          <a:scrgbClr r="0" g="0" b="0"/>
+        </a:effectRef>
+        <a:fontRef idx="minor"/>
+      </dsp:style>
+    </dsp:sp>
+    <dsp:sp modelId="{B6001E08-CF80-4CF9-9937-BE132BB0E3A7}">
+      <dsp:nvSpPr>
+        <dsp:cNvPr id="0" name=""/>
+        <dsp:cNvSpPr/>
+      </dsp:nvSpPr>
+      <dsp:spPr>
+        <a:xfrm>
+          <a:off x="1836140" y="312492"/>
+          <a:ext cx="1929728" cy="1824476"/>
+        </a:xfrm>
+        <a:prstGeom prst="roundRect">
+          <a:avLst/>
+        </a:prstGeom>
+        <a:solidFill>
+          <a:schemeClr val="accent1">
+            <a:hueOff val="0"/>
+            <a:satOff val="0"/>
+            <a:lumOff val="0"/>
+            <a:alphaOff val="0"/>
+          </a:schemeClr>
+        </a:solidFill>
+        <a:ln w="34925" cap="flat" cmpd="sng" algn="in">
+          <a:solidFill>
+            <a:schemeClr val="lt1">
+              <a:hueOff val="0"/>
+              <a:satOff val="0"/>
+              <a:lumOff val="0"/>
+              <a:alphaOff val="0"/>
+            </a:schemeClr>
+          </a:solidFill>
+          <a:prstDash val="solid"/>
+        </a:ln>
+        <a:effectLst/>
+      </dsp:spPr>
+      <dsp:style>
+        <a:lnRef idx="2">
+          <a:scrgbClr r="0" g="0" b="0"/>
+        </a:lnRef>
+        <a:fillRef idx="1">
+          <a:scrgbClr r="0" g="0" b="0"/>
+        </a:fillRef>
+        <a:effectRef idx="0">
+          <a:scrgbClr r="0" g="0" b="0"/>
+        </a:effectRef>
+        <a:fontRef idx="minor">
+          <a:schemeClr val="lt1"/>
+        </a:fontRef>
+      </dsp:style>
+      <dsp:txBody>
+        <a:bodyPr spcFirstLastPara="0" vert="horz" wrap="square" lIns="132080" tIns="132080" rIns="132080" bIns="132080" numCol="1" spcCol="1270" anchor="ctr" anchorCtr="0">
+          <a:noAutofit/>
+        </a:bodyPr>
+        <a:lstStyle/>
+        <a:p>
+          <a:pPr lvl="0" algn="ctr" defTabSz="2311400">
+            <a:lnSpc>
+              <a:spcPct val="90000"/>
+            </a:lnSpc>
+            <a:spcBef>
+              <a:spcPct val="0"/>
+            </a:spcBef>
+            <a:spcAft>
+              <a:spcPct val="35000"/>
+            </a:spcAft>
+          </a:pPr>
+          <a:r>
+            <a:rPr lang="sl-SI" sz="5200" kern="1200" dirty="0" smtClean="0"/>
+            <a:t>SQL baza</a:t>
+          </a:r>
+          <a:endParaRPr lang="sl-SI" sz="5200" kern="1200" dirty="0"/>
+        </a:p>
+      </dsp:txBody>
+      <dsp:txXfrm>
+        <a:off x="1925204" y="401556"/>
+        <a:ext cx="1751600" cy="1646348"/>
+      </dsp:txXfrm>
+    </dsp:sp>
+  </dsp:spTree>
+</dsp:drawing>
+</file>
+
+<file path=ppt/diagrams/layout1.xml><?xml version="1.0" encoding="utf-8"?>
+<dgm:layoutDef xmlns:dgm="http://schemas.openxmlformats.org/drawingml/2006/diagram" xmlns:a="http://schemas.openxmlformats.org/drawingml/2006/main" uniqueId="urn:microsoft.com/office/officeart/2008/layout/RadialCluster">
+  <dgm:title val=""/>
+  <dgm:desc val=""/>
+  <dgm:catLst>
+    <dgm:cat type="relationship" pri="19500"/>
+    <dgm:cat type="cycle" pri="15000"/>
+  </dgm:catLst>
+  <dgm:sampData>
+    <dgm:dataModel>
+      <dgm:ptLst>
+        <dgm:pt modelId="0" type="doc"/>
+        <dgm:pt modelId="1">
+          <dgm:prSet phldr="1"/>
+        </dgm:pt>
+        <dgm:pt modelId="11">
+          <dgm:prSet phldr="1"/>
+        </dgm:pt>
+        <dgm:pt modelId="12">
+          <dgm:prSet phldr="1"/>
+        </dgm:pt>
+        <dgm:pt modelId="13">
+          <dgm:prSet phldr="1"/>
+        </dgm:pt>
+      </dgm:ptLst>
+      <dgm:cxnLst>
+        <dgm:cxn modelId="2" srcId="0" destId="1" srcOrd="0" destOrd="0"/>
+        <dgm:cxn modelId="3" srcId="1" destId="11" srcOrd="0" destOrd="0"/>
+        <dgm:cxn modelId="4" srcId="1" destId="12" srcOrd="1" destOrd="0"/>
+        <dgm:cxn modelId="5" srcId="1" destId="13" srcOrd="2" destOrd="0"/>
+      </dgm:cxnLst>
+      <dgm:bg/>
+      <dgm:whole/>
+    </dgm:dataModel>
+  </dgm:sampData>
+  <dgm:styleData useDef="1">
+    <dgm:dataModel>
+      <dgm:ptLst/>
+      <dgm:bg/>
+      <dgm:whole/>
+    </dgm:dataModel>
+  </dgm:styleData>
+  <dgm:clrData useDef="1">
+    <dgm:dataModel>
+      <dgm:ptLst/>
+      <dgm:bg/>
+      <dgm:whole/>
+    </dgm:dataModel>
+  </dgm:clrData>
+  <dgm:layoutNode name="Name0">
+    <dgm:varLst>
+      <dgm:chMax val="1"/>
+      <dgm:chPref val="1"/>
+      <dgm:dir/>
+      <dgm:animOne val="branch"/>
+      <dgm:animLvl val="lvl"/>
+    </dgm:varLst>
+    <dgm:alg type="composite">
+      <dgm:param type="ar" val="1.00"/>
+    </dgm:alg>
+    <dgm:shape xmlns:r="http://schemas.openxmlformats.org/officeDocument/2006/relationships" r:blip="">
+      <dgm:adjLst/>
+    </dgm:shape>
+    <dgm:choose name="Name1">
+      <dgm:if name="Name2" func="var" arg="dir" op="equ" val="norm">
+        <dgm:choose name="Name3">
+          <dgm:if name="Name4" axis="ch ch" ptType="node node" cnt="1 0" func="cnt" op="equ" val="1">
+            <dgm:constrLst>
+              <dgm:constr type="l" for="ch" forName="textCenter"/>
+              <dgm:constr type="ctrY" for="ch" forName="textCenter" refType="h" fact="0.5"/>
+              <dgm:constr type="w" for="ch" forName="textCenter" refType="w" fact="0.32"/>
+              <dgm:constr type="h" for="ch" forName="textCenter" refType="w" refFor="ch" refForName="textCenter"/>
+              <dgm:constr type="r" for="ch" forName="cycle_1" refType="w"/>
+              <dgm:constr type="ctrY" for="ch" forName="cycle_1" refType="h" fact="0.5"/>
+              <dgm:constr type="w" for="ch" forName="cycle_1" refType="w" fact="0.56"/>
+              <dgm:constr type="h" for="ch" forName="cycle_1" refType="h"/>
+              <dgm:constr type="primFontSz" for="ch" forName="textCenter" val="65"/>
+              <dgm:constr type="primFontSz" for="des" forName="childCenter1" val="65"/>
+              <dgm:constr type="primFontSz" for="des" forName="text1" op="equ" val="65"/>
+              <dgm:constr type="userS" for="des" ptType="node" refType="w" refFor="ch" refForName="textCenter" fact="0.67"/>
+            </dgm:constrLst>
+          </dgm:if>
+          <dgm:if name="Name5" axis="ch ch" ptType="node node" cnt="1 0" func="cnt" op="equ" val="2">
+            <dgm:constrLst>
+              <dgm:constr type="ctrX" for="ch" forName="textCenter" refType="w" fact="0.5"/>
+              <dgm:constr type="ctrY" for="ch" forName="textCenter" refType="h" fact="0.5"/>
+              <dgm:constr type="w" for="ch" forName="textCenter" refType="w" fact="0.25"/>
+              <dgm:constr type="h" for="ch" forName="textCenter" refType="w" refFor="ch" refForName="textCenter"/>
+              <dgm:constr type="ctrX" for="ch" forName="cycle_1" refType="w" fact="0.5"/>
+              <dgm:constr type="t" for="ch" forName="cycle_1"/>
+              <dgm:constr type="w" for="ch" forName="cycle_1" refType="w"/>
+              <dgm:constr type="h" for="ch" forName="cycle_1" refType="h" fact="0.34"/>
+              <dgm:constr type="ctrX" for="ch" forName="cycle_2" refType="w" fact="0.5"/>
+              <dgm:constr type="b" for="ch" forName="cycle_2" refType="h"/>
+              <dgm:constr type="w" for="ch" forName="cycle_2" refType="w"/>
+              <dgm:constr type="h" for="ch" forName="cycle_2" refType="h" fact="0.34"/>
+              <dgm:constr type="primFontSz" for="ch" forName="textCenter" val="65"/>
+              <dgm:constr type="primFontSz" for="des" forName="childCenter1" val="65"/>
+              <dgm:constr type="primFontSz" for="des" forName="text1" op="equ" val="65"/>
+              <dgm:constr type="primFontSz" for="des" forName="childCenter2" refType="primFontSz" refFor="des" refForName="childCenter1" op="equ"/>
+              <dgm:constr type="primFontSz" for="des" forName="text2" refType="primFontSz" refFor="des" refForName="text1" op="equ"/>
+              <dgm:constr type="userS" for="des" ptType="node" refType="w" refFor="ch" refForName="textCenter" fact="0.67"/>
+            </dgm:constrLst>
+          </dgm:if>
+          <dgm:if name="Name6" axis="ch ch" ptType="node node" cnt="1 0" func="cnt" op="equ" val="3">
+            <dgm:choose name="Name7">
+              <dgm:if name="Name8" axis="ch ch ch" ptType="node node node" st="1 2 0" cnt="1 1 0" func="cnt" op="equ" val="1">
+                <dgm:choose name="Name9">
+                  <dgm:if name="Name10" axis="ch ch ch" ptType="node node node" st="1 3 0" cnt="1 1 0" func="cnt" op="equ" val="1">
+                    <dgm:constrLst>
+                      <dgm:constr type="ctrX" for="ch" forName="textCenter" refType="w" fact="0.5"/>
+                      <dgm:constr type="t" for="ch" forName="textCenter" refType="h" fact="0.436"/>
+                      <dgm:constr type="w" for="ch" forName="textCenter" refType="w" fact="0.21"/>
+                      <dgm:constr type="h" for="ch" forName="textCenter" refType="w" refFor="ch" refForName="textCenter"/>
+                      <dgm:constr type="ctrX" for="ch" forName="cycle_1" refType="w" fact="0.5"/>
+                      <dgm:constr type="t" for="ch" forName="cycle_1"/>
+                      <dgm:constr type="w" for="ch" forName="cycle_1" refType="w" fact="0.61"/>
+                      <dgm:constr type="h" for="ch" forName="cycle_1" refType="h" fact="0.36"/>
+                      <dgm:constr type="diam" for="ch" forName="cycle_1" refType="w" fact="0.5"/>
+                      <dgm:constr type="r" for="ch" forName="cycle_2" refType="w"/>
+                      <dgm:constr type="b" for="ch" forName="cycle_2" refType="h" fact="0.85"/>
+                      <dgm:constr type="w" for="ch" forName="cycle_2" refType="w" fact="0.46"/>
+                      <dgm:constr type="h" for="ch" forName="cycle_2" refType="h" fact="0.54"/>
+                      <dgm:constr type="diam" for="ch" forName="cycle_2" refType="w" fact="0.5"/>
+                      <dgm:constr type="l" for="ch" forName="cycle_3"/>
+                      <dgm:constr type="b" for="ch" forName="cycle_3" refType="h" fact="0.85"/>
+                      <dgm:constr type="w" for="ch" forName="cycle_3" refType="w" fact="0.46"/>
+                      <dgm:constr type="h" for="ch" forName="cycle_3" refType="h" fact="0.54"/>
+                      <dgm:constr type="diam" for="ch" forName="cycle_3" refType="w" fact="0.5"/>
+                      <dgm:constr type="primFontSz" for="ch" forName="textCenter" val="65"/>
+                      <dgm:constr type="primFontSz" for="des" forName="childCenter1" val="65"/>
+                      <dgm:constr type="primFontSz" for="des" forName="text1" op="equ" val="65"/>
+                      <dgm:constr type="primFontSz" for="des" forName="childCenter2" refType="primFontSz" refFor="des" refForName="childCenter1" op="equ"/>
+                      <dgm:constr type="primFontSz" for="des" forName="text2" refType="primFontSz" refFor="des" refForName="text1" op="equ"/>
+                      <dgm:constr type="primFontSz" for="des" forName="childCenter3" refType="primFontSz" refFor="des" refForName="childCenter1" op="equ"/>
+                      <dgm:constr type="primFontSz" for="des" forName="text3" refType="primFontSz" refFor="des" refForName="text1" op="equ"/>
+                      <dgm:constr type="userS" for="des" ptType="node" refType="w" refFor="ch" refForName="textCenter" fact="0.67"/>
+                    </dgm:constrLst>
+                  </dgm:if>
+                  <dgm:else name="Name11">
+                    <dgm:constrLst>
+                      <dgm:constr type="ctrX" for="ch" forName="textCenter" refType="w" fact="0.5"/>
+                      <dgm:constr type="t" for="ch" forName="textCenter" refType="h" fact="0.436"/>
+                      <dgm:constr type="w" for="ch" forName="textCenter" refType="w" fact="0.21"/>
+                      <dgm:constr type="h" for="ch" forName="textCenter" refType="w" refFor="ch" refForName="textCenter"/>
+                      <dgm:constr type="ctrX" for="ch" forName="cycle_1" refType="w" fact="0.5"/>
+                      <dgm:constr type="t" for="ch" forName="cycle_1"/>
+                      <dgm:constr type="w" for="ch" forName="cycle_1" refType="w" fact="0.61"/>
+                      <dgm:constr type="h" for="ch" forName="cycle_1" refType="h" fact="0.36"/>
+                      <dgm:constr type="diam" for="ch" forName="cycle_1" refType="w" fact="0.5"/>
+                      <dgm:constr type="r" for="ch" forName="cycle_2" refType="w"/>
+                      <dgm:constr type="b" for="ch" forName="cycle_2" refType="h" fact="0.85"/>
+                      <dgm:constr type="w" for="ch" forName="cycle_2" refType="w" fact="0.46"/>
+                      <dgm:constr type="h" for="ch" forName="cycle_2" refType="h" fact="0.54"/>
+                      <dgm:constr type="diam" for="ch" forName="cycle_2" refType="w" fact="0.5"/>
+                      <dgm:constr type="l" for="ch" forName="cycle_3"/>
+                      <dgm:constr type="b" for="ch" forName="cycle_3" refType="h"/>
+                      <dgm:constr type="w" for="ch" forName="cycle_3" refType="w" fact="0.46"/>
+                      <dgm:constr type="h" for="ch" forName="cycle_3" refType="h" fact="0.54"/>
+                      <dgm:constr type="diam" for="ch" forName="cycle_3" refType="w" fact="0.5"/>
+                      <dgm:constr type="primFontSz" for="ch" forName="textCenter" val="65"/>
+                      <dgm:constr type="primFontSz" for="des" forName="childCenter1" val="65"/>
+                      <dgm:constr type="primFontSz" for="des" forName="text1" op="equ" val="65"/>
+                      <dgm:constr type="primFontSz" for="des" forName="childCenter2" refType="primFontSz" refFor="des" refForName="childCenter1" op="equ"/>
+                      <dgm:constr type="primFontSz" for="des" forName="text2" refType="primFontSz" refFor="des" refForName="text1" op="equ"/>
+                      <dgm:constr type="primFontSz" for="des" forName="childCenter3" refType="primFontSz" refFor="des" refForName="childCenter1" op="equ"/>
+                      <dgm:constr type="primFontSz" for="des" forName="text3" refType="primFontSz" refFor="des" refForName="text1" op="equ"/>
+                      <dgm:constr type="userS" for="des" ptType="node" refType="w" refFor="ch" refForName="textCenter" fact="0.67"/>
+                    </dgm:constrLst>
+                  </dgm:else>
+                </dgm:choose>
+              </dgm:if>
+              <dgm:else name="Name12">
+                <dgm:choose name="Name13">
+                  <dgm:if name="Name14" axis="ch ch ch" ptType="node node node" st="1 3 0" cnt="1 1 0" func="cnt" op="equ" val="1">
+                    <dgm:constrLst>
+                      <dgm:constr type="ctrX" for="ch" forName="textCenter" refType="w" fact="0.5"/>
+                      <dgm:constr type="t" for="ch" forName="textCenter" refType="h" fact="0.436"/>
+                      <dgm:constr type="w" for="ch" forName="textCenter" refType="w" fact="0.21"/>
+                      <dgm:constr type="h" for="ch" forName="textCenter" refType="w" refFor="ch" refForName="textCenter"/>
+                      <dgm:constr type="ctrX" for="ch" forName="cycle_1" refType="w" fact="0.5"/>
+                      <dgm:constr type="t" for="ch" forName="cycle_1"/>
+                      <dgm:constr type="w" for="ch" forName="cycle_1" refType="w" fact="0.61"/>
+                      <dgm:constr type="h" for="ch" forName="cycle_1" refType="h" fact="0.36"/>
+                      <dgm:constr type="diam" for="ch" forName="cycle_1" refType="w" fact="0.5"/>
+                      <dgm:constr type="r" for="ch" forName="cycle_2" refType="w"/>
+                      <dgm:constr type="b" for="ch" forName="cycle_2" refType="h"/>
+                      <dgm:constr type="w" for="ch" forName="cycle_2" refType="w" fact="0.46"/>
+                      <dgm:constr type="h" for="ch" forName="cycle_2" refType="h" fact="0.54"/>
+                      <dgm:constr type="diam" for="ch" forName="cycle_2" refType="w" fact="0.5"/>
+                      <dgm:constr type="l" for="ch" forName="cycle_3"/>
+                      <dgm:constr type="b" for="ch" forName="cycle_3" refType="h" fact="0.85"/>
+                      <dgm:constr type="w" for="ch" forName="cycle_3" refType="w" fact="0.46"/>
+                      <dgm:constr type="h" for="ch" forName="cycle_3" refType="h" fact="0.54"/>
+                      <dgm:constr type="diam" for="ch" forName="cycle_3" refType="w" fact="0.5"/>
+                      <dgm:constr type="primFontSz" for="ch" forName="textCenter" val="65"/>
+                      <dgm:constr type="primFontSz" for="des" forName="childCenter1" val="65"/>
+                      <dgm:constr type="primFontSz" for="des" forName="text1" op="equ" val="65"/>
+                      <dgm:constr type="primFontSz" for="des" forName="childCenter2" refType="primFontSz" refFor="des" refForName="childCenter1" op="equ"/>
+                      <dgm:constr type="primFontSz" for="des" forName="text2" refType="primFontSz" refFor="des" refForName="text1" op="equ"/>
+                      <dgm:constr type="primFontSz" for="des" forName="childCenter3" refType="primFontSz" refFor="des" refForName="childCenter1" op="equ"/>
+                      <dgm:constr type="primFontSz" for="des" forName="text3" refType="primFontSz" refFor="des" refForName="text1" op="equ"/>
+                      <dgm:constr type="userS" for="des" ptType="node" refType="w" refFor="ch" refForName="textCenter" fact="0.67"/>
+                    </dgm:constrLst>
+                  </dgm:if>
+                  <dgm:else name="Name15">
+                    <dgm:constrLst>
+                      <dgm:constr type="ctrX" for="ch" forName="textCenter" refType="w" fact="0.5"/>
+                      <dgm:constr type="t" for="ch" forName="textCenter" refType="h" fact="0.436"/>
+                      <dgm:constr type="w" for="ch" forName="textCenter" refType="w" fact="0.21"/>
+                      <dgm:constr type="h" for="ch" forName="textCenter" refType="w" refFor="ch" refForName="textCenter"/>
+                      <dgm:constr type="ctrX" for="ch" forName="cycle_1" refType="w" fact="0.5"/>
+                      <dgm:constr type="t" for="ch" forName="cycle_1"/>
+                      <dgm:constr type="w" for="ch" forName="cycle_1" refType="w" fact="0.61"/>
+                      <dgm:constr type="h" for="ch" forName="cycle_1" refType="h" fact="0.36"/>
+                      <dgm:constr type="diam" for="ch" forName="cycle_1" refType="w" fact="0.5"/>
+                      <dgm:constr type="r" for="ch" forName="cycle_2" refType="w"/>
+                      <dgm:constr type="b" for="ch" forName="cycle_2" refType="h"/>
+                      <dgm:constr type="w" for="ch" forName="cycle_2" refType="w" fact="0.46"/>
+                      <dgm:constr type="h" for="ch" forName="cycle_2" refType="h" fact="0.54"/>
+                      <dgm:constr type="diam" for="ch" forName="cycle_2" refType="w" fact="0.5"/>
+                      <dgm:constr type="l" for="ch" forName="cycle_3"/>
+                      <dgm:constr type="b" for="ch" forName="cycle_3" refType="h"/>
+                      <dgm:constr type="w" for="ch" forName="cycle_3" refType="w" fact="0.46"/>
+                      <dgm:constr type="h" for="ch" forName="cycle_3" refType="h" fact="0.54"/>
+                      <dgm:constr type="diam" for="ch" forName="cycle_3" refType="w" fact="0.5"/>
+                      <dgm:constr type="primFontSz" for="ch" forName="textCenter" val="65"/>
+                      <dgm:constr type="primFontSz" for="des" forName="childCenter1" val="65"/>
+                      <dgm:constr type="primFontSz" for="des" forName="text1" op="equ" val="65"/>
+                      <dgm:constr type="primFontSz" for="des" forName="childCenter2" refType="primFontSz" refFor="des" refForName="childCenter1" op="equ"/>
+                      <dgm:constr type="primFontSz" for="des" forName="text2" refType="primFontSz" refFor="des" refForName="text1" op="equ"/>
+                      <dgm:constr type="primFontSz" for="des" forName="childCenter3" refType="primFontSz" refFor="des" refForName="childCenter1" op="equ"/>
+                      <dgm:constr type="primFontSz" for="des" forName="text3" refType="primFontSz" refFor="des" refForName="text1" op="equ"/>
+                      <dgm:constr type="userS" for="des" ptType="node" refType="w" refFor="ch" refForName="textCenter" fact="0.67"/>
+                    </dgm:constrLst>
+                  </dgm:else>
+                </dgm:choose>
+              </dgm:else>
+            </dgm:choose>
+          </dgm:if>
+          <dgm:if name="Name16" axis="ch ch" ptType="node node" cnt="1 0" func="cnt" op="equ" val="4">
+            <dgm:constrLst>
+              <dgm:constr type="ctrX" for="ch" forName="textCenter" refType="w" fact="0.5"/>
+              <dgm:constr type="ctrY" for="ch" forName="textCenter" refType="h" fact="0.5"/>
+              <dgm:constr type="w" for="ch" forName="textCenter" refType="w" fact="0.2"/>
+              <dgm:constr type="h" for="ch" forName="textCenter" refType="w" refFor="ch" refForName="textCenter"/>
+              <dgm:constr type="ctrX" for="ch" forName="cycle_1" refType="w" fact="0.5"/>
+              <dgm:constr type="t" for="ch" forName="cycle_1"/>
+              <dgm:constr type="w" for="ch" forName="cycle_1" refType="w" fact="0.5"/>
+              <dgm:constr type="h" for="ch" forName="cycle_1" refType="h" fact="0.33"/>
+              <dgm:constr type="r" for="ch" forName="cycle_2" refType="w"/>
+              <dgm:constr type="ctrY" for="ch" forName="cycle_2" refType="h" fact="0.5"/>
+              <dgm:constr type="w" for="ch" forName="cycle_2" refType="w" fact="0.33"/>
+              <dgm:constr type="h" for="ch" forName="cycle_2" refType="h" fact="0.5"/>
+              <dgm:constr type="ctrX" for="ch" forName="cycle_3" refType="w" fact="0.5"/>
+              <dgm:constr type="b" for="ch" forName="cycle_3" refType="h"/>
+              <dgm:constr type="w" for="ch" forName="cycle_3" refType="w" fact="0.5"/>
+              <dgm:constr type="h" for="ch" forName="cycle_3" refType="h" fact="0.33"/>
+              <dgm:constr type="l" for="ch" forName="cycle_4"/>
+              <dgm:constr type="ctrY" for="ch" forName="cycle_4" refType="h" fact="0.5"/>
+              <dgm:constr type="w" for="ch" forName="cycle_4" refType="w" fact="0.33"/>
+              <dgm:constr type="h" for="ch" forName="cycle_4" refType="h" fact="0.5"/>
+              <dgm:constr type="primFontSz" for="ch" forName="textCenter" val="65"/>
+              <dgm:constr type="primFontSz" for="des" forName="childCenter1" val="65"/>
+              <dgm:constr type="primFontSz" for="des" forName="text1" op="equ" val="65"/>
+              <dgm:constr type="primFontSz" for="des" forName="childCenter2" refType="primFontSz" refFor="des" refForName="childCenter1" op="equ"/>
+              <dgm:constr type="primFontSz" for="des" forName="text2" refType="primFontSz" refFor="des" refForName="text1" op="equ"/>
+              <dgm:constr type="primFontSz" for="des" forName="childCenter3" refType="primFontSz" refFor="des" refForName="childCenter1" op="equ"/>
+              <dgm:constr type="primFontSz" for="des" forName="text3" refType="primFontSz" refFor="des" refForName="text1" op="equ"/>
+              <dgm:constr type="primFontSz" for="des" forName="childCenter4" refType="primFontSz" refFor="des" refForName="childCenter1" op="equ"/>
+              <dgm:constr type="primFontSz" for="des" forName="text4" refType="primFontSz" refFor="des" refForName="text1" op="equ"/>
+              <dgm:constr type="userS" for="des" ptType="node" refType="w" refFor="ch" refForName="textCenter" fact="0.67"/>
+            </dgm:constrLst>
+          </dgm:if>
+          <dgm:if name="Name17" axis="ch ch" ptType="node node" cnt="1 0" func="cnt" op="equ" val="5">
+            <dgm:constrLst>
+              <dgm:constr type="ctrX" for="ch" forName="textCenter" refType="w" fact="0.5"/>
+              <dgm:constr type="t" for="ch" forName="textCenter" refType="h" fact="0.42"/>
+              <dgm:constr type="w" for="ch" forName="textCenter" refType="w" fact="0.2"/>
+              <dgm:constr type="h" for="ch" forName="textCenter" refType="w" refFor="ch" refForName="textCenter"/>
+              <dgm:constr type="ctrX" for="ch" forName="cycle_1" refType="w" fact="0.5"/>
+              <dgm:constr type="t" for="ch" forName="cycle_1"/>
+              <dgm:constr type="w" for="ch" forName="cycle_1" refType="w" fact="0.33"/>
+              <dgm:constr type="h" for="ch" forName="cycle_1" refType="w" refFor="ch" refForName="cycle_1"/>
+              <dgm:constr type="r" for="ch" forName="cycle_2" refType="w"/>
+              <dgm:constr type="t" for="ch" forName="cycle_2" refType="h" fact="0.24"/>
+              <dgm:constr type="w" for="ch" forName="cycle_2" refType="w" fact="0.33"/>
+              <dgm:constr type="h" for="ch" forName="cycle_2" refType="w" refFor="ch" refForName="cycle_2"/>
+              <dgm:constr type="r" for="ch" forName="cycle_3" refType="w" fact="0.89"/>
+              <dgm:constr type="b" for="ch" forName="cycle_3" refType="h"/>
+              <dgm:constr type="w" for="ch" forName="cycle_3" refType="w" fact="0.33"/>
+              <dgm:constr type="h" for="ch" forName="cycle_3" refType="w" refFor="ch" refForName="cycle_3"/>
+              <dgm:constr type="l" for="ch" forName="cycle_4" refType="w" fact="0.11"/>
+              <dgm:constr type="b" for="ch" forName="cycle_4" refType="h"/>
+              <dgm:constr type="w" for="ch" forName="cycle_4" refType="w" fact="0.33"/>
+              <dgm:constr type="h" for="ch" forName="cycle_4" refType="w" refFor="ch" refForName="cycle_4"/>
+              <dgm:constr type="l" for="ch" forName="cycle_5"/>
+              <dgm:constr type="t" for="ch" forName="cycle_5" refType="h" fact="0.24"/>
+              <dgm:constr type="w" for="ch" forName="cycle_5" refType="w" fact="0.33"/>
+              <dgm:constr type="h" for="ch" forName="cycle_5" refType="w" refFor="ch" refForName="cycle_5"/>
+              <dgm:constr type="primFontSz" for="ch" forName="textCenter" val="65"/>
+              <dgm:constr type="primFontSz" for="des" forName="childCenter1" val="65"/>
+              <dgm:constr type="primFontSz" for="des" forName="text1" op="equ" val="65"/>
+              <dgm:constr type="primFontSz" for="des" forName="childCenter2" refType="primFontSz" refFor="des" refForName="childCenter1" op="equ"/>
+              <dgm:constr type="primFontSz" for="des" forName="text2" refType="primFontSz" refFor="des" refForName="text1" op="equ"/>
+              <dgm:constr type="primFontSz" for="des" forName="childCenter3" refType="primFontSz" refFor="des" refForName="childCenter1" op="equ"/>
+              <dgm:constr type="primFontSz" for="des" forName="text3" refType="primFontSz" refFor="des" refForName="text1" op="equ"/>
+              <dgm:constr type="primFontSz" for="des" forName="childCenter4" refType="primFontSz" refFor="des" refForName="childCenter1" op="equ"/>
+              <dgm:constr type="primFontSz" for="des" forName="text4" refType="primFontSz" refFor="des" refForName="text1" op="equ"/>
+              <dgm:constr type="primFontSz" for="des" forName="childCenter5" refType="primFontSz" refFor="des" refForName="childCenter1" op="equ"/>
+              <dgm:constr type="primFontSz" for="des" forName="text5" refType="primFontSz" refFor="des" refForName="text1" op="equ"/>
+              <dgm:constr type="userS" for="des" ptType="node" refType="w" refFor="ch" refForName="textCenter" fact="0.67"/>
+            </dgm:constrLst>
+          </dgm:if>
+          <dgm:if name="Name18" axis="ch ch" ptType="node node" cnt="1 0" func="cnt" op="equ" val="6">
+            <dgm:constrLst>
+              <dgm:constr type="ctrX" for="ch" forName="textCenter" refType="w" fact="0.5"/>
+              <dgm:constr type="ctrY" for="ch" forName="textCenter" refType="h" fact="0.5"/>
+              <dgm:constr type="w" for="ch" forName="textCenter" refType="w" fact="0.2"/>
+              <dgm:constr type="h" for="ch" forName="textCenter" refType="w" refFor="ch" refForName="textCenter"/>
+              <dgm:constr type="ctrX" for="ch" forName="cycle_1" refType="w" fact="0.5"/>
+              <dgm:constr type="t" for="ch" forName="cycle_1"/>
+              <dgm:constr type="w" for="ch" forName="cycle_1" refType="w" fact="0.33"/>
+              <dgm:constr type="h" for="ch" forName="cycle_1" refType="w" refFor="ch" refForName="cycle_1"/>
+              <dgm:constr type="r" for="ch" forName="cycle_2" refType="w"/>
+              <dgm:constr type="t" for="ch" forName="cycle_2" refType="h" fact="0.17"/>
+              <dgm:constr type="w" for="ch" forName="cycle_2" refType="w" fact="0.33"/>
+              <dgm:constr type="h" for="ch" forName="cycle_2" refType="w" refFor="ch" refForName="cycle_2"/>
+              <dgm:constr type="r" for="ch" forName="cycle_3" refType="w"/>
+              <dgm:constr type="b" for="ch" forName="cycle_3" refType="h" fact="0.83"/>
+              <dgm:constr type="w" for="ch" forName="cycle_3" refType="w" fact="0.33"/>
+              <dgm:constr type="h" for="ch" forName="cycle_3" refType="w" refFor="ch" refForName="cycle_3"/>
+              <dgm:constr type="ctrX" for="ch" forName="cycle_4" refType="w" fact="0.5"/>
+              <dgm:constr type="b" for="ch" forName="cycle_4" refType="h"/>
+              <dgm:constr type="w" for="ch" forName="cycle_4" refType="w" fact="0.33"/>
+              <dgm:constr type="h" for="ch" forName="cycle_4" refType="w" refFor="ch" refForName="cycle_4"/>
+              <dgm:constr type="l" for="ch" forName="cycle_5"/>
+              <dgm:constr type="b" for="ch" forName="cycle_5" refType="h" fact="0.83"/>
+              <dgm:constr type="w" for="ch" forName="cycle_5" refType="w" fact="0.33"/>
+              <dgm:constr type="h" for="ch" forName="cycle_5" refType="w" refFor="ch" refForName="cycle_5"/>
+              <dgm:constr type="l" for="ch" forName="cycle_6"/>
+              <dgm:constr type="t" for="ch" forName="cycle_6" refType="h" fact="0.17"/>
+              <dgm:constr type="w" for="ch" forName="cycle_6" refType="w" fact="0.33"/>
+              <dgm:constr type="h" for="ch" forName="cycle_6" refType="w" refFor="ch" refForName="cycle_6"/>
+              <dgm:constr type="primFontSz" for="ch" forName="textCenter" val="65"/>
+              <dgm:constr type="primFontSz" for="des" forName="childCenter1" val="65"/>
+              <dgm:constr type="primFontSz" for="des" forName="text1" op="equ" val="65"/>
+              <dgm:constr type="primFontSz" for="des" forName="childCenter2" refType="primFontSz" refFor="des" refForName="childCenter1" op="equ"/>
+              <dgm:constr type="primFontSz" for="des" forName="text2" refType="primFontSz" refFor="des" refForName="text1" op="equ"/>
+              <dgm:constr type="primFontSz" for="des" forName="childCenter3" refType="primFontSz" refFor="des" refForName="childCenter1" op="equ"/>
+              <dgm:constr type="primFontSz" for="des" forName="text3" refType="primFontSz" refFor="des" refForName="text1" op="equ"/>
+              <dgm:constr type="primFontSz" for="des" forName="childCenter4" refType="primFontSz" refFor="des" refForName="childCenter1" op="equ"/>
+              <dgm:constr type="primFontSz" for="des" forName="text4" refType="primFontSz" refFor="des" refForName="text1" op="equ"/>
+              <dgm:constr type="primFontSz" for="des" forName="childCenter5" refType="primFontSz" refFor="des" refForName="childCenter1" op="equ"/>
+              <dgm:constr type="primFontSz" for="des" forName="text5" refType="primFontSz" refFor="des" refForName="text1" op="equ"/>
+              <dgm:constr type="primFontSz" for="des" forName="childCenter6" refType="primFontSz" refFor="des" refForName="childCenter1" op="equ"/>
+              <dgm:constr type="primFontSz" for="des" forName="text6" refType="primFontSz" refFor="des" refForName="text1" op="equ"/>
+              <dgm:constr type="userS" for="des" ptType="node" refType="w" refFor="ch" refForName="textCenter" fact="0.67"/>
+            </dgm:constrLst>
+          </dgm:if>
+          <dgm:else name="Name19">
+            <dgm:constrLst>
+              <dgm:constr type="ctrX" for="ch" forName="textCenter" refType="w" fact="0.5"/>
+              <dgm:constr type="t" for="ch" forName="textCenter" refType="h" fact="0.444"/>
+              <dgm:constr type="w" for="ch" forName="textCenter" refType="w" fact="0.167"/>
+              <dgm:constr type="h" for="ch" forName="textCenter" refType="w" refFor="ch" refForName="textCenter"/>
+              <dgm:constr type="ctrX" for="ch" forName="cycle_1" refType="w" fact="0.5"/>
+              <dgm:constr type="t" for="ch" forName="cycle_1"/>
+              <dgm:constr type="w" for="ch" forName="cycle_1" refType="w" fact="0.263"/>
+              <dgm:constr type="h" for="ch" forName="cycle_1" refType="w" refFor="ch" refForName="cycle_1"/>
+              <dgm:constr type="r" for="ch" forName="cycle_2" refType="w" fact="0.938"/>
+              <dgm:constr type="t" for="ch" forName="cycle_2" refType="h" fact="0.141"/>
+              <dgm:constr type="w" for="ch" forName="cycle_2" refType="w" fact="0.263"/>
+              <dgm:constr type="h" for="ch" forName="cycle_2" refType="w" refFor="ch" refForName="cycle_2"/>
+              <dgm:constr type="r" for="ch" forName="cycle_3" refType="w"/>
+              <dgm:constr type="b" for="ch" forName="cycle_3" refType="h" fact="0.74"/>
+              <dgm:constr type="w" for="ch" forName="cycle_3" refType="w" fact="0.263"/>
+              <dgm:constr type="h" for="ch" forName="cycle_3" refType="w" refFor="ch" refForName="cycle_3"/>
+              <dgm:constr type="r" for="ch" forName="cycle_4" refType="w" fact="0.8"/>
+              <dgm:constr type="b" for="ch" forName="cycle_4" refType="h"/>
+              <dgm:constr type="w" for="ch" forName="cycle_4" refType="w" fact="0.263"/>
+              <dgm:constr type="h" for="ch" forName="cycle_4" refType="w" refFor="ch" refForName="cycle_4"/>
+              <dgm:constr type="l" for="ch" forName="cycle_5" refType="w" fact="0.2"/>
+              <dgm:constr type="b" for="ch" forName="cycle_5" refType="h"/>
+              <dgm:constr type="w" for="ch" forName="cycle_5" refType="w" fact="0.263"/>
+              <dgm:constr type="h" for="ch" forName="cycle_5" refType="w" refFor="ch" refForName="cycle_5"/>
+              <dgm:constr type="l" for="ch" forName="cycle_6"/>
+              <dgm:constr type="b" for="ch" forName="cycle_6" refType="h" fact="0.74"/>
+              <dgm:constr type="w" for="ch" forName="cycle_6" refType="w" fact="0.263"/>
+              <dgm:constr type="h" for="ch" forName="cycle_6" refType="w" refFor="ch" refForName="cycle_6"/>
+              <dgm:constr type="l" for="ch" forName="cycle_7" refType="w" fact="0.062"/>
+              <dgm:constr type="t" for="ch" forName="cycle_7" refType="h" fact="0.141"/>
+              <dgm:constr type="w" for="ch" forName="cycle_7" refType="w" fact="0.263"/>
+              <dgm:constr type="h" for="ch" forName="cycle_7" refType="w" refFor="ch" refForName="cycle_7"/>
+              <dgm:constr type="primFontSz" for="ch" forName="textCenter" val="65"/>
+              <dgm:constr type="primFontSz" for="des" forName="childCenter1" val="65"/>
+              <dgm:constr type="primFontSz" for="des" forName="text1" op="equ" val="65"/>
+              <dgm:constr type="primFontSz" for="des" forName="childCenter2" refType="primFontSz" refFor="des" refForName="childCenter1" op="equ"/>
+              <dgm:constr type="primFontSz" for="des" forName="text2" refType="primFontSz" refFor="des" refForName="text1" op="equ"/>
+              <dgm:constr type="primFontSz" for="des" forName="childCenter3" refType="primFontSz" refFor="des" refForName="childCenter1" op="equ"/>
+              <dgm:constr type="primFontSz" for="des" forName="text3" refType="primFontSz" refFor="des" refForName="text1" op="equ"/>
+              <dgm:constr type="primFontSz" for="des" forName="childCenter4" refType="primFontSz" refFor="des" refForName="childCenter1" op="equ"/>
+              <dgm:constr type="primFontSz" for="des" forName="text4" refType="primFontSz" refFor="des" refForName="text1" op="equ"/>
+              <dgm:constr type="primFontSz" for="des" forName="childCenter5" refType="primFontSz" refFor="des" refForName="childCenter1" op="equ"/>
+              <dgm:constr type="primFontSz" for="des" forName="text5" refType="primFontSz" refFor="des" refForName="text1" op="equ"/>
+              <dgm:constr type="primFontSz" for="des" forName="childCenter6" refType="primFontSz" refFor="des" refForName="childCenter1" op="equ"/>
+              <dgm:constr type="primFontSz" for="des" forName="text6" refType="primFontSz" refFor="des" refForName="text1" op="equ"/>
+              <dgm:constr type="primFontSz" for="des" forName="childCenter7" refType="primFontSz" refFor="des" refForName="childCenter1" op="equ"/>
+              <dgm:constr type="primFontSz" for="des" forName="text7" refType="primFontSz" refFor="des" refForName="text1" op="equ"/>
+              <dgm:constr type="userS" for="des" ptType="node" refType="w" refFor="ch" refForName="textCenter" fact="0.67"/>
+            </dgm:constrLst>
+          </dgm:else>
+        </dgm:choose>
+      </dgm:if>
+      <dgm:else name="Name20">
+        <dgm:choose name="Name21">
+          <dgm:if name="Name22" axis="ch ch" ptType="node node" func="cnt" op="equ" val="1">
+            <dgm:constrLst>
+              <dgm:constr type="r" for="ch" forName="textCenter" refType="w"/>
+              <dgm:constr type="ctrY" for="ch" forName="textCenter" refType="h" fact="0.5"/>
+              <dgm:constr type="w" for="ch" forName="textCenter" refType="w" fact="0.32"/>
+              <dgm:constr type="h" for="ch" forName="textCenter" refType="w" refFor="ch" refForName="textCenter"/>
+              <dgm:constr type="l" for="ch" forName="cycle_1"/>
+              <dgm:constr type="ctrY" for="ch" forName="cycle_1" refType="h" fact="0.5"/>
+              <dgm:constr type="w" for="ch" forName="cycle_1" refType="w" fact="0.56"/>
+              <dgm:constr type="h" for="ch" forName="cycle_1" refType="h"/>
+              <dgm:constr type="primFontSz" for="ch" forName="textCenter" val="65"/>
+              <dgm:constr type="primFontSz" for="des" forName="childCenter1" val="65"/>
+              <dgm:constr type="primFontSz" for="des" forName="text1" op="equ" val="65"/>
+              <dgm:constr type="userS" for="des" ptType="node" refType="w" refFor="ch" refForName="textCenter" fact="0.67"/>
+            </dgm:constrLst>
+          </dgm:if>
+          <dgm:if name="Name23" axis="ch ch" ptType="node node" func="cnt" op="equ" val="2">
+            <dgm:constrLst>
+              <dgm:constr type="ctrX" for="ch" forName="textCenter" refType="w" fact="0.5"/>
+              <dgm:constr type="ctrY" for="ch" forName="textCenter" refType="h" fact="0.5"/>
+              <dgm:constr type="w" for="ch" forName="textCenter" refType="w" fact="0.25"/>
+              <dgm:constr type="h" for="ch" forName="textCenter" refType="w" refFor="ch" refForName="textCenter"/>
+              <dgm:constr type="ctrX" for="ch" forName="cycle_1" refType="w" fact="0.5"/>
+              <dgm:constr type="t" for="ch" forName="cycle_1"/>
+              <dgm:constr type="w" for="ch" forName="cycle_1" refType="w"/>
+              <dgm:constr type="h" for="ch" forName="cycle_1" refType="h" fact="0.34"/>
+              <dgm:constr type="ctrX" for="ch" forName="cycle_2" refType="w" fact="0.5"/>
+              <dgm:constr type="b" for="ch" forName="cycle_2" refType="h"/>
+              <dgm:constr type="w" for="ch" forName="cycle_2" refType="w"/>
+              <dgm:constr type="h" for="ch" forName="cycle_2" refType="h" fact="0.34"/>
+              <dgm:constr type="primFontSz" for="ch" forName="textCenter" val="65"/>
+              <dgm:constr type="primFontSz" for="des" forName="childCenter1" val="65"/>
+              <dgm:constr type="primFontSz" for="des" forName="text1" op="equ" val="65"/>
+              <dgm:constr type="primFontSz" for="des" forName="childCenter2" refType="primFontSz" refFor="des" refForName="childCenter1" op="equ"/>
+              <dgm:constr type="primFontSz" for="des" forName="text2" refType="primFontSz" refFor="des" refForName="text1" op="equ"/>
+              <dgm:constr type="userS" for="des" ptType="node" refType="w" refFor="ch" refForName="textCenter" fact="0.67"/>
+            </dgm:constrLst>
+          </dgm:if>
+          <dgm:if name="Name24" axis="ch ch" ptType="node node" func="cnt" op="equ" val="3">
+            <dgm:choose name="Name25">
+              <dgm:if name="Name26" axis="ch ch ch" ptType="node node node" st="1 2 0" cnt="1 1 0" func="cnt" op="equ" val="1">
+                <dgm:choose name="Name27">
+                  <dgm:if name="Name28" axis="ch ch ch" ptType="node node node" st="1 3 0" cnt="1 1 0" func="cnt" op="equ" val="1">
+                    <dgm:constrLst>
+                      <dgm:constr type="ctrX" for="ch" forName="textCenter" refType="w" fact="0.5"/>
+                      <dgm:constr type="t" for="ch" forName="textCenter" refType="h" fact="0.436"/>
+                      <dgm:constr type="w" for="ch" forName="textCenter" refType="w" fact="0.21"/>
+                      <dgm:constr type="h" for="ch" forName="textCenter" refType="w" refFor="ch" refForName="textCenter"/>
+                      <dgm:constr type="ctrX" for="ch" forName="cycle_1" refType="w" fact="0.5"/>
+                      <dgm:constr type="t" for="ch" forName="cycle_1"/>
+                      <dgm:constr type="w" for="ch" forName="cycle_1" refType="w" fact="0.61"/>
+                      <dgm:constr type="h" for="ch" forName="cycle_1" refType="h" fact="0.36"/>
+                      <dgm:constr type="diam" for="ch" forName="cycle_1" refType="w" fact="0.5"/>
+                      <dgm:constr type="l" for="ch" forName="cycle_2"/>
+                      <dgm:constr type="b" for="ch" forName="cycle_2" refType="h" fact="0.85"/>
+                      <dgm:constr type="w" for="ch" forName="cycle_2" refType="w" fact="0.46"/>
+                      <dgm:constr type="h" for="ch" forName="cycle_2" refType="h" fact="0.54"/>
+                      <dgm:constr type="diam" for="ch" forName="cycle_2" refType="w" fact="0.5"/>
+                      <dgm:constr type="r" for="ch" forName="cycle_3" refType="w"/>
+                      <dgm:constr type="b" for="ch" forName="cycle_3" refType="h" fact="0.85"/>
+                      <dgm:constr type="w" for="ch" forName="cycle_3" refType="w" fact="0.46"/>
+                      <dgm:constr type="h" for="ch" forName="cycle_3" refType="h" fact="0.54"/>
+                      <dgm:constr type="diam" for="ch" forName="cycle_3" refType="w" fact="0.5"/>
+                      <dgm:constr type="primFontSz" for="ch" forName="textCenter" val="65"/>
+                      <dgm:constr type="primFontSz" for="des" forName="childCenter1" val="65"/>
+                      <dgm:constr type="primFontSz" for="des" forName="text1" op="equ" val="65"/>
+                      <dgm:constr type="primFontSz" for="des" forName="childCenter2" refType="primFontSz" refFor="des" refForName="childCenter1" op="equ"/>
+                      <dgm:constr type="primFontSz" for="des" forName="text2" refType="primFontSz" refFor="des" refForName="text1" op="equ"/>
+                      <dgm:constr type="primFontSz" for="des" forName="childCenter3" refType="primFontSz" refFor="des" refForName="childCenter1" op="equ"/>
+                      <dgm:constr type="primFontSz" for="des" forName="text3" refType="primFontSz" refFor="des" refForName="text1" op="equ"/>
+                      <dgm:constr type="userS" for="des" ptType="node" refType="w" refFor="ch" refForName="textCenter" fact="0.67"/>
+                    </dgm:constrLst>
+                  </dgm:if>
+                  <dgm:else name="Name29">
+                    <dgm:constrLst>
+                      <dgm:constr type="ctrX" for="ch" forName="textCenter" refType="w" fact="0.5"/>
+                      <dgm:constr type="t" for="ch" forName="textCenter" refType="h" fact="0.436"/>
+                      <dgm:constr type="w" for="ch" forName="textCenter" refType="w" fact="0.21"/>
+                      <dgm:constr type="h" for="ch" forName="textCenter" refType="w" refFor="ch" refForName="textCenter"/>
+                      <dgm:constr type="ctrX" for="ch" forName="cycle_1" refType="w" fact="0.5"/>
+                      <dgm:constr type="t" for="ch" forName="cycle_1"/>
+                      <dgm:constr type="w" for="ch" forName="cycle_1" refType="w" fact="0.61"/>
+                      <dgm:constr type="h" for="ch" forName="cycle_1" refType="h" fact="0.36"/>
+                      <dgm:constr type="diam" for="ch" forName="cycle_1" refType="w" fact="0.5"/>
+                      <dgm:constr type="l" for="ch" forName="cycle_2"/>
+                      <dgm:constr type="b" for="ch" forName="cycle_2" refType="h" fact="0.85"/>
+                      <dgm:constr type="w" for="ch" forName="cycle_2" refType="w" fact="0.46"/>
+                      <dgm:constr type="h" for="ch" forName="cycle_2" refType="h" fact="0.54"/>
+                      <dgm:constr type="diam" for="ch" forName="cycle_2" refType="w" fact="0.5"/>
+                      <dgm:constr type="r" for="ch" forName="cycle_3" refType="w"/>
+                      <dgm:constr type="b" for="ch" forName="cycle_3" refType="h"/>
+                      <dgm:constr type="w" for="ch" forName="cycle_3" refType="w" fact="0.46"/>
+                      <dgm:constr type="h" for="ch" forName="cycle_3" refType="h" fact="0.54"/>
+                      <dgm:constr type="diam" for="ch" forName="cycle_3" refType="w" fact="0.5"/>
+                      <dgm:constr type="primFontSz" for="ch" forName="textCenter" val="65"/>
+                      <dgm:constr type="primFontSz" for="des" forName="childCenter1" val="65"/>
+                      <dgm:constr type="primFontSz" for="des" forName="text1" op="equ" val="65"/>
+                      <dgm:constr type="primFontSz" for="des" forName="childCenter2" refType="primFontSz" refFor="des" refForName="childCenter1" op="equ"/>
+                      <dgm:constr type="primFontSz" for="des" forName="text2" refType="primFontSz" refFor="des" refForName="text1" op="equ"/>
+                      <dgm:constr type="primFontSz" for="des" forName="childCenter3" refType="primFontSz" refFor="des" refForName="childCenter1" op="equ"/>
+                      <dgm:constr type="primFontSz" for="des" forName="text3" refType="primFontSz" refFor="des" refForName="text1" op="equ"/>
+                      <dgm:constr type="userS" for="des" ptType="node" refType="w" refFor="ch" refForName="textCenter" fact="0.67"/>
+                    </dgm:constrLst>
+                  </dgm:else>
+                </dgm:choose>
+              </dgm:if>
+              <dgm:else name="Name30">
+                <dgm:choose name="Name31">
+                  <dgm:if name="Name32" axis="ch ch ch" ptType="node node node" st="1 3 0" cnt="1 1 0" func="cnt" op="equ" val="1">
+                    <dgm:constrLst>
+                      <dgm:constr type="ctrX" for="ch" forName="textCenter" refType="w" fact="0.5"/>
+                      <dgm:constr type="t" for="ch" forName="textCenter" refType="h" fact="0.436"/>
+                      <dgm:constr type="w" for="ch" forName="textCenter" refType="w" fact="0.21"/>
+                      <dgm:constr type="h" for="ch" forName="textCenter" refType="w" refFor="ch" refForName="textCenter"/>
+                      <dgm:constr type="ctrX" for="ch" forName="cycle_1" refType="w" fact="0.5"/>
+                      <dgm:constr type="t" for="ch" forName="cycle_1"/>
+                      <dgm:constr type="w" for="ch" forName="cycle_1" refType="w" fact="0.61"/>
+                      <dgm:constr type="h" for="ch" forName="cycle_1" refType="h" fact="0.36"/>
+                      <dgm:constr type="diam" for="ch" forName="cycle_1" refType="w" fact="0.5"/>
+                      <dgm:constr type="l" for="ch" forName="cycle_2"/>
+                      <dgm:constr type="b" for="ch" forName="cycle_2" refType="h"/>
+                      <dgm:constr type="w" for="ch" forName="cycle_2" refType="w" fact="0.46"/>
+                      <dgm:constr type="h" for="ch" forName="cycle_2" refType="h" fact="0.54"/>
+                      <dgm:constr type="diam" for="ch" forName="cycle_2" refType="w" fact="0.5"/>
+                      <dgm:constr type="r" for="ch" forName="cycle_3" refType="w"/>
+                      <dgm:constr type="b" for="ch" forName="cycle_3" refType="h" fact="0.85"/>
+                      <dgm:constr type="w" for="ch" forName="cycle_3" refType="w" fact="0.46"/>
+                      <dgm:constr type="h" for="ch" forName="cycle_3" refType="h" fact="0.54"/>
+                      <dgm:constr type="diam" for="ch" forName="cycle_3" refType="w" fact="0.5"/>
+                      <dgm:constr type="primFontSz" for="ch" forName="textCenter" val="65"/>
+                      <dgm:constr type="primFontSz" for="des" forName="childCenter1" val="65"/>
+                      <dgm:constr type="primFontSz" for="des" forName="text1" op="equ" val="65"/>
+                      <dgm:constr type="primFontSz" for="des" forName="childCenter2" refType="primFontSz" refFor="des" refForName="childCenter1" op="equ"/>
+                      <dgm:constr type="primFontSz" for="des" forName="text2" refType="primFontSz" refFor="des" refForName="text1" op="equ"/>
+                      <dgm:constr type="primFontSz" for="des" forName="childCenter3" refType="primFontSz" refFor="des" refForName="childCenter1" op="equ"/>
+                      <dgm:constr type="primFontSz" for="des" forName="text3" refType="primFontSz" refFor="des" refForName="text1" op="equ"/>
+                      <dgm:constr type="userS" for="des" ptType="node" refType="w" refFor="ch" refForName="textCenter" fact="0.67"/>
+                    </dgm:constrLst>
+                  </dgm:if>
+                  <dgm:else name="Name33">
+                    <dgm:constrLst>
+                      <dgm:constr type="ctrX" for="ch" forName="textCenter" refType="w" fact="0.5"/>
+                      <dgm:constr type="t" for="ch" forName="textCenter" refType="h" fact="0.436"/>
+                      <dgm:constr type="w" for="ch" forName="textCenter" refType="w" fact="0.21"/>
+                      <dgm:constr type="h" for="ch" forName="textCenter" refType="w" refFor="ch" refForName="textCenter"/>
+                      <dgm:constr type="ctrX" for="ch" forName="cycle_1" refType="w" fact="0.5"/>
+                      <dgm:constr type="t" for="ch" forName="cycle_1"/>
+                      <dgm:constr type="w" for="ch" forName="cycle_1" refType="w" fact="0.61"/>
+                      <dgm:constr type="h" for="ch" forName="cycle_1" refType="h" fact="0.36"/>
+                      <dgm:constr type="diam" for="ch" forName="cycle_1" refType="w" fact="0.5"/>
+                      <dgm:constr type="l" for="ch" forName="cycle_2"/>
+                      <dgm:constr type="b" for="ch" forName="cycle_2" refType="h"/>
+                      <dgm:constr type="w" for="ch" forName="cycle_2" refType="w" fact="0.46"/>
+                      <dgm:constr type="h" for="ch" forName="cycle_2" refType="h" fact="0.54"/>
+                      <dgm:constr type="diam" for="ch" forName="cycle_2" refType="w" fact="0.5"/>
+                      <dgm:constr type="r" for="ch" forName="cycle_3" refType="w"/>
+                      <dgm:constr type="b" for="ch" forName="cycle_3" refType="h"/>
+                      <dgm:constr type="w" for="ch" forName="cycle_3" refType="w" fact="0.46"/>
+                      <dgm:constr type="h" for="ch" forName="cycle_3" refType="h" fact="0.54"/>
+                      <dgm:constr type="diam" for="ch" forName="cycle_3" refType="w" fact="0.5"/>
+                      <dgm:constr type="primFontSz" for="ch" forName="textCenter" val="65"/>
+                      <dgm:constr type="primFontSz" for="des" forName="childCenter1" val="65"/>
+                      <dgm:constr type="primFontSz" for="des" forName="text1" op="equ" val="65"/>
+                      <dgm:constr type="primFontSz" for="des" forName="childCenter2" refType="primFontSz" refFor="des" refForName="childCenter1" op="equ"/>
+                      <dgm:constr type="primFontSz" for="des" forName="text2" refType="primFontSz" refFor="des" refForName="text1" op="equ"/>
+                      <dgm:constr type="primFontSz" for="des" forName="childCenter3" refType="primFontSz" refFor="des" refForName="childCenter1" op="equ"/>
+                      <dgm:constr type="primFontSz" for="des" forName="text3" refType="primFontSz" refFor="des" refForName="text1" op="equ"/>
+                      <dgm:constr type="userS" for="des" ptType="node" refType="w" refFor="ch" refForName="textCenter" fact="0.67"/>
+                    </dgm:constrLst>
+                  </dgm:else>
+                </dgm:choose>
+              </dgm:else>
+            </dgm:choose>
+          </dgm:if>
+          <dgm:if name="Name34" axis="ch ch" ptType="node node" func="cnt" op="equ" val="4">
+            <dgm:constrLst>
+              <dgm:constr type="ctrX" for="ch" forName="textCenter" refType="w" fact="0.5"/>
+              <dgm:constr type="ctrY" for="ch" forName="textCenter" refType="h" fact="0.5"/>
+              <dgm:constr type="w" for="ch" forName="textCenter" refType="w" fact="0.2"/>
+              <dgm:constr type="h" for="ch" forName="textCenter" refType="w" refFor="ch" refForName="textCenter"/>
+              <dgm:constr type="ctrX" for="ch" forName="cycle_1" refType="w" fact="0.5"/>
+              <dgm:constr type="t" for="ch" forName="cycle_1"/>
+              <dgm:constr type="w" for="ch" forName="cycle_1" refType="w" fact="0.5"/>
+              <dgm:constr type="h" for="ch" forName="cycle_1" refType="h" fact="0.33"/>
+              <dgm:constr type="l" for="ch" forName="cycle_2"/>
+              <dgm:constr type="ctrY" for="ch" forName="cycle_2" refType="h" fact="0.5"/>
+              <dgm:constr type="w" for="ch" forName="cycle_2" refType="w" fact="0.33"/>
+              <dgm:constr type="h" for="ch" forName="cycle_2" refType="h" fact="0.5"/>
+              <dgm:constr type="ctrX" for="ch" forName="cycle_3" refType="w" fact="0.5"/>
+              <dgm:constr type="b" for="ch" forName="cycle_3" refType="h"/>
+              <dgm:constr type="w" for="ch" forName="cycle_3" refType="w" fact="0.5"/>
+              <dgm:constr type="h" for="ch" forName="cycle_3" refType="h" fact="0.33"/>
+              <dgm:constr type="r" for="ch" forName="cycle_4" refType="w"/>
+              <dgm:constr type="ctrY" for="ch" forName="cycle_4" refType="h" fact="0.5"/>
+              <dgm:constr type="w" for="ch" forName="cycle_4" refType="w" fact="0.33"/>
+              <dgm:constr type="h" for="ch" forName="cycle_4" refType="h" fact="0.5"/>
+              <dgm:constr type="primFontSz" for="ch" forName="textCenter" val="65"/>
+              <dgm:constr type="primFontSz" for="des" forName="childCenter1" val="65"/>
+              <dgm:constr type="primFontSz" for="des" forName="text1" op="equ" val="65"/>
+              <dgm:constr type="primFontSz" for="des" forName="childCenter2" refType="primFontSz" refFor="des" refForName="childCenter1" op="equ"/>
+              <dgm:constr type="primFontSz" for="des" forName="text2" refType="primFontSz" refFor="des" refForName="text1" op="equ"/>
+              <dgm:constr type="primFontSz" for="des" forName="childCenter3" refType="primFontSz" refFor="des" refForName="childCenter1" op="equ"/>
+              <dgm:constr type="primFontSz" for="des" forName="text3" refType="primFontSz" refFor="des" refForName="text1" op="equ"/>
+              <dgm:constr type="primFontSz" for="des" forName="childCenter4" refType="primFontSz" refFor="des" refForName="childCenter1" op="equ"/>
+              <dgm:constr type="primFontSz" for="des" forName="text4" refType="primFontSz" refFor="des" refForName="text1" op="equ"/>
+              <dgm:constr type="userS" for="des" ptType="node" refType="w" refFor="ch" refForName="textCenter" fact="0.67"/>
+            </dgm:constrLst>
+          </dgm:if>
+          <dgm:if name="Name35" axis="ch ch" ptType="node node" func="cnt" op="equ" val="5">
+            <dgm:constrLst>
+              <dgm:constr type="ctrX" for="ch" forName="textCenter" refType="w" fact="0.5"/>
+              <dgm:constr type="t" for="ch" forName="textCenter" refType="h" fact="0.42"/>
+              <dgm:constr type="w" for="ch" forName="textCenter" refType="w" fact="0.2"/>
+              <dgm:constr type="h" for="ch" forName="textCenter" refType="w" refFor="ch" refForName="textCenter"/>
+              <dgm:constr type="ctrX" for="ch" forName="cycle_1" refType="w" fact="0.5"/>
+              <dgm:constr type="t" for="ch" forName="cycle_1"/>
+              <dgm:constr type="w" for="ch" forName="cycle_1" refType="w" fact="0.33"/>
+              <dgm:constr type="h" for="ch" forName="cycle_1" refType="w" refFor="ch" refForName="cycle_1"/>
+              <dgm:constr type="l" for="ch" forName="cycle_2"/>
+              <dgm:constr type="t" for="ch" forName="cycle_2" refType="h" fact="0.24"/>
+              <dgm:constr type="w" for="ch" forName="cycle_2" refType="w" fact="0.33"/>
+              <dgm:constr type="h" for="ch" forName="cycle_2" refType="w" refFor="ch" refForName="cycle_2"/>
+              <dgm:constr type="l" for="ch" forName="cycle_3" refType="w" fact="0.11"/>
+              <dgm:constr type="b" for="ch" forName="cycle_3" refType="h"/>
+              <dgm:constr type="w" for="ch" forName="cycle_3" refType="w" fact="0.33"/>
+              <dgm:constr type="h" for="ch" forName="cycle_3" refType="w" refFor="ch" refForName="cycle_3"/>
+              <dgm:constr type="r" for="ch" forName="cycle_4" refType="w" fact="0.89"/>
+              <dgm:constr type="b" for="ch" forName="cycle_4" refType="h"/>
+              <dgm:constr type="w" for="ch" forName="cycle_4" refType="w" fact="0.33"/>
+              <dgm:constr type="h" for="ch" forName="cycle_4" refType="w" refFor="ch" refForName="cycle_4"/>
+              <dgm:constr type="r" for="ch" forName="cycle_5" refType="w"/>
+              <dgm:constr type="t" for="ch" forName="cycle_5" refType="h" fact="0.24"/>
+              <dgm:constr type="w" for="ch" forName="cycle_5" refType="w" fact="0.33"/>
+              <dgm:constr type="h" for="ch" forName="cycle_5" refType="w" refFor="ch" refForName="cycle_5"/>
+              <dgm:constr type="primFontSz" for="ch" forName="textCenter" val="65"/>
+              <dgm:constr type="primFontSz" for="des" forName="childCenter1" val="65"/>
+              <dgm:constr type="primFontSz" for="des" forName="text1" op="equ" val="65"/>
+              <dgm:constr type="primFontSz" for="des" forName="childCenter2" refType="primFontSz" refFor="des" refForName="childCenter1" op="equ"/>
+              <dgm:constr type="primFontSz" for="des" forName="text2" refType="primFontSz" refFor="des" refForName="text1" op="equ"/>
+              <dgm:constr type="primFontSz" for="des" forName="childCenter3" refType="primFontSz" refFor="des" refForName="childCenter1" op="equ"/>
+              <dgm:constr type="primFontSz" for="des" forName="text3" refType="primFontSz" refFor="des" refForName="text1" op="equ"/>
+              <dgm:constr type="primFontSz" for="des" forName="childCenter4" refType="primFontSz" refFor="des" refForName="childCenter1" op="equ"/>
+              <dgm:constr type="primFontSz" for="des" forName="text4" refType="primFontSz" refFor="des" refForName="text1" op="equ"/>
+              <dgm:constr type="primFontSz" for="des" forName="childCenter5" refType="primFontSz" refFor="des" refForName="childCenter1" op="equ"/>
+              <dgm:constr type="primFontSz" for="des" forName="text5" refType="primFontSz" refFor="des" refForName="text1" op="equ"/>
+              <dgm:constr type="userS" for="des" ptType="node" refType="w" refFor="ch" refForName="textCenter" fact="0.67"/>
+            </dgm:constrLst>
+          </dgm:if>
+          <dgm:if name="Name36" axis="ch ch" ptType="node node" func="cnt" op="equ" val="6">
+            <dgm:constrLst>
+              <dgm:constr type="ctrX" for="ch" forName="textCenter" refType="w" fact="0.5"/>
+              <dgm:constr type="ctrY" for="ch" forName="textCenter" refType="h" fact="0.5"/>
+              <dgm:constr type="w" for="ch" forName="textCenter" refType="w" fact="0.2"/>
+              <dgm:constr type="h" for="ch" forName="textCenter" refType="w" refFor="ch" refForName="textCenter"/>
+              <dgm:constr type="ctrX" for="ch" forName="cycle_1" refType="w" fact="0.5"/>
+              <dgm:constr type="t" for="ch" forName="cycle_1"/>
+              <dgm:constr type="w" for="ch" forName="cycle_1" refType="w" fact="0.33"/>
+              <dgm:constr type="h" for="ch" forName="cycle_1" refType="w" refFor="ch" refForName="cycle_1"/>
+              <dgm:constr type="l" for="ch" forName="cycle_2"/>
+              <dgm:constr type="t" for="ch" forName="cycle_2" refType="h" fact="0.17"/>
+              <dgm:constr type="w" for="ch" forName="cycle_2" refType="w" fact="0.33"/>
+              <dgm:constr type="h" for="ch" forName="cycle_2" refType="w" refFor="ch" refForName="cycle_2"/>
+              <dgm:constr type="l" for="ch" forName="cycle_3"/>
+              <dgm:constr type="b" for="ch" forName="cycle_3" refType="h" fact="0.83"/>
+              <dgm:constr type="w" for="ch" forName="cycle_3" refType="w" fact="0.33"/>
+              <dgm:constr type="h" for="ch" forName="cycle_3" refType="w" refFor="ch" refForName="cycle_3"/>
+              <dgm:constr type="ctrX" for="ch" forName="cycle_4" refType="w" fact="0.5"/>
+              <dgm:constr type="b" for="ch" forName="cycle_4" refType="h"/>
+              <dgm:constr type="w" for="ch" forName="cycle_4" refType="w" fact="0.33"/>
+              <dgm:constr type="h" for="ch" forName="cycle_4" refType="w" refFor="ch" refForName="cycle_4"/>
+              <dgm:constr type="r" for="ch" forName="cycle_5" refType="w"/>
+              <dgm:constr type="b" for="ch" forName="cycle_5" refType="h" fact="0.83"/>
+              <dgm:constr type="w" for="ch" forName="cycle_5" refType="w" fact="0.33"/>
+              <dgm:constr type="h" for="ch" forName="cycle_5" refType="w" refFor="ch" refForName="cycle_5"/>
+              <dgm:constr type="r" for="ch" forName="cycle_6" refType="w"/>
+              <dgm:constr type="t" for="ch" forName="cycle_6" refType="h" fact="0.17"/>
+              <dgm:constr type="w" for="ch" forName="cycle_6" refType="w" fact="0.33"/>
+              <dgm:constr type="h" for="ch" forName="cycle_6" refType="w" refFor="ch" refForName="cycle_6"/>
+              <dgm:constr type="primFontSz" for="ch" forName="textCenter" val="65"/>
+              <dgm:constr type="primFontSz" for="des" forName="childCenter1" val="65"/>
+              <dgm:constr type="primFontSz" for="des" forName="text1" op="equ" val="65"/>
+              <dgm:constr type="primFontSz" for="des" forName="childCenter2" refType="primFontSz" refFor="des" refForName="childCenter1" op="equ"/>
+              <dgm:constr type="primFontSz" for="des" forName="text2" refType="primFontSz" refFor="des" refForName="text1" op="equ"/>
+              <dgm:constr type="primFontSz" for="des" forName="childCenter3" refType="primFontSz" refFor="des" refForName="childCenter1" op="equ"/>
+              <dgm:constr type="primFontSz" for="des" forName="text3" refType="primFontSz" refFor="des" refForName="text1" op="equ"/>
+              <dgm:constr type="primFontSz" for="des" forName="childCenter4" refType="primFontSz" refFor="des" refForName="childCenter1" op="equ"/>
+              <dgm:constr type="primFontSz" for="des" forName="text4" refType="primFontSz" refFor="des" refForName="text1" op="equ"/>
+              <dgm:constr type="primFontSz" for="des" forName="childCenter5" refType="primFontSz" refFor="des" refForName="childCenter1" op="equ"/>
+              <dgm:constr type="primFontSz" for="des" forName="text5" refType="primFontSz" refFor="des" refForName="text1" op="equ"/>
+              <dgm:constr type="primFontSz" for="des" forName="childCenter6" refType="primFontSz" refFor="des" refForName="childCenter1" op="equ"/>
+              <dgm:constr type="primFontSz" for="des" forName="text6" refType="primFontSz" refFor="des" refForName="text1" op="equ"/>
+              <dgm:constr type="userS" for="des" ptType="node" refType="w" refFor="ch" refForName="textCenter" fact="0.67"/>
+            </dgm:constrLst>
+          </dgm:if>
+          <dgm:else name="Name37">
+            <dgm:constrLst>
+              <dgm:constr type="ctrX" for="ch" forName="textCenter" refType="w" fact="0.5"/>
+              <dgm:constr type="t" for="ch" forName="textCenter" refType="h" fact="0.444"/>
+              <dgm:constr type="w" for="ch" forName="textCenter" refType="w" fact="0.167"/>
+              <dgm:constr type="h" for="ch" forName="textCenter" refType="w" refFor="ch" refForName="textCenter"/>
+              <dgm:constr type="ctrX" for="ch" forName="cycle_1" refType="w" fact="0.5"/>
+              <dgm:constr type="t" for="ch" forName="cycle_1"/>
+              <dgm:constr type="w" for="ch" forName="cycle_1" refType="w" fact="0.263"/>
+              <dgm:constr type="h" for="ch" forName="cycle_1" refType="w" refFor="ch" refForName="cycle_1"/>
+              <dgm:constr type="l" for="ch" forName="cycle_2" refType="w" fact="0.062"/>
+              <dgm:constr type="t" for="ch" forName="cycle_2" refType="h" fact="0.141"/>
+              <dgm:constr type="w" for="ch" forName="cycle_2" refType="w" fact="0.263"/>
+              <dgm:constr type="h" for="ch" forName="cycle_2" refType="w" refFor="ch" refForName="cycle_2"/>
+              <dgm:constr type="l" for="ch" forName="cycle_3"/>
+              <dgm:constr type="b" for="ch" forName="cycle_3" refType="h" fact="0.74"/>
+              <dgm:constr type="w" for="ch" forName="cycle_3" refType="w" fact="0.263"/>
+              <dgm:constr type="h" for="ch" forName="cycle_3" refType="w" refFor="ch" refForName="cycle_3"/>
+              <dgm:constr type="l" for="ch" forName="cycle_4" refType="w" fact="0.2"/>
+              <dgm:constr type="b" for="ch" forName="cycle_4" refType="h"/>
+              <dgm:constr type="w" for="ch" forName="cycle_4" refType="w" fact="0.263"/>
+              <dgm:constr type="h" for="ch" forName="cycle_4" refType="w" refFor="ch" refForName="cycle_4"/>
+              <dgm:constr type="r" for="ch" forName="cycle_5" refType="w" fact="0.8"/>
+              <dgm:constr type="b" for="ch" forName="cycle_5" refType="h"/>
+              <dgm:constr type="w" for="ch" forName="cycle_5" refType="w" fact="0.263"/>
+              <dgm:constr type="h" for="ch" forName="cycle_5" refType="w" refFor="ch" refForName="cycle_5"/>
+              <dgm:constr type="r" for="ch" forName="cycle_6" refType="w"/>
+              <dgm:constr type="b" for="ch" forName="cycle_6" refType="h" fact="0.74"/>
+              <dgm:constr type="w" for="ch" forName="cycle_6" refType="w" fact="0.263"/>
+              <dgm:constr type="h" for="ch" forName="cycle_6" refType="w" refFor="ch" refForName="cycle_6"/>
+              <dgm:constr type="r" for="ch" forName="cycle_7" refType="w" fact="0.938"/>
+              <dgm:constr type="t" for="ch" forName="cycle_7" refType="h" fact="0.141"/>
+              <dgm:constr type="w" for="ch" forName="cycle_7" refType="w" fact="0.263"/>
+              <dgm:constr type="h" for="ch" forName="cycle_7" refType="w" refFor="ch" refForName="cycle_7"/>
+              <dgm:constr type="primFontSz" for="ch" forName="textCenter" val="65"/>
+              <dgm:constr type="primFontSz" for="des" forName="childCenter1" val="65"/>
+              <dgm:constr type="primFontSz" for="des" forName="text1" op="equ" val="65"/>
+              <dgm:constr type="primFontSz" for="des" forName="childCenter2" refType="primFontSz" refFor="des" refForName="childCenter1" op="equ"/>
+              <dgm:constr type="primFontSz" for="des" forName="text2" refType="primFontSz" refFor="des" refForName="text1" op="equ"/>
+              <dgm:constr type="primFontSz" for="des" forName="childCenter3" refType="primFontSz" refFor="des" refForName="childCenter1" op="equ"/>
+              <dgm:constr type="primFontSz" for="des" forName="text3" refType="primFontSz" refFor="des" refForName="text1" op="equ"/>
+              <dgm:constr type="primFontSz" for="des" forName="childCenter4" refType="primFontSz" refFor="des" refForName="childCenter1" op="equ"/>
+              <dgm:constr type="primFontSz" for="des" forName="text4" refType="primFontSz" refFor="des" refForName="text1" op="equ"/>
+              <dgm:constr type="primFontSz" for="des" forName="childCenter5" refType="primFontSz" refFor="des" refForName="childCenter1" op="equ"/>
+              <dgm:constr type="primFontSz" for="des" forName="text5" refType="primFontSz" refFor="des" refForName="text1" op="equ"/>
+              <dgm:constr type="primFontSz" for="des" forName="childCenter6" refType="primFontSz" refFor="des" refForName="childCenter1" op="equ"/>
+              <dgm:constr type="primFontSz" for="des" forName="text6" refType="primFontSz" refFor="des" refForName="text1" op="equ"/>
+              <dgm:constr type="primFontSz" for="des" forName="childCenter7" refType="primFontSz" refFor="des" refForName="childCenter1" op="equ"/>
+              <dgm:constr type="primFontSz" for="des" forName="text7" refType="primFontSz" refFor="des" refForName="text1" op="equ"/>
+              <dgm:constr type="userS" for="des" ptType="node" refType="w" refFor="ch" refForName="textCenter" fact="0.67"/>
+            </dgm:constrLst>
+          </dgm:else>
+        </dgm:choose>
+      </dgm:else>
+    </dgm:choose>
+    <dgm:forEach name="Name38" axis="ch" ptType="node" cnt="1">
+      <dgm:choose name="Name39">
+        <dgm:if name="Name40" axis="des" func="maxDepth" op="lte" val="1">
+          <dgm:layoutNode name="singleCycle">
+            <dgm:choose name="Name41">
+              <dgm:if name="Name42" axis="ch" ptType="node" func="cnt" op="equ" val="1">
+                <dgm:choose name="Name43">
+                  <dgm:if name="Name44" func="var" arg="dir" op="equ" val="norm">
+                    <dgm:alg type="cycle">
+                      <dgm:param type="stAng" val="90"/>
+                      <dgm:param type="ctrShpMap" val="fNode"/>
+                    </dgm:alg>
+                  </dgm:if>
+                  <dgm:else name="Name45">
+                    <dgm:alg type="cycle">
+                      <dgm:param type="stAng" val="-90"/>
+                      <dgm:param type="spanAng" val="-360"/>
+                      <dgm:param type="ctrShpMap" val="fNode"/>
+                    </dgm:alg>
+                  </dgm:else>
+                </dgm:choose>
+              </dgm:if>
+              <dgm:else name="Name46">
+                <dgm:choose name="Name47">
+                  <dgm:if name="Name48" func="var" arg="dir" op="equ" val="norm">
+                    <dgm:alg type="cycle">
+                      <dgm:param type="ctrShpMap" val="fNode"/>
+                    </dgm:alg>
+                  </dgm:if>
+                  <dgm:else name="Name49">
+                    <dgm:alg type="cycle">
+                      <dgm:param type="spanAng" val="-360"/>
+                      <dgm:param type="ctrShpMap" val="fNode"/>
+                    </dgm:alg>
+                  </dgm:else>
+                </dgm:choose>
+              </dgm:else>
+            </dgm:choose>
+            <dgm:shape xmlns:r="http://schemas.openxmlformats.org/officeDocument/2006/relationships" r:blip="">
+              <dgm:adjLst/>
+            </dgm:shape>
+            <dgm:presOf/>
+            <dgm:choose name="Name50">
+              <dgm:if name="Name51" axis="ch" ptType="node" func="cnt" op="equ" val="0">
+                <dgm:constrLst>
+                  <dgm:constr type="w" for="ch" forName="singleCenter" refType="w"/>
+                  <dgm:constr type="h" for="ch" forName="singleCenter" refType="w" refFor="ch" refForName="singleCenter"/>
+                </dgm:constrLst>
+              </dgm:if>
+              <dgm:if name="Name52" axis="ch" ptType="node" func="cnt" op="equ" val="1">
+                <dgm:constrLst>
+                  <dgm:constr type="w" for="ch" forName="singleCenter" refType="w" fact="0.5"/>
+                  <dgm:constr type="h" for="ch" forName="singleCenter" refType="w" refFor="ch" refForName="singleCenter"/>
+                  <dgm:constr type="userS" for="ch" ptType="node" refType="w" refFor="ch" refForName="singleCenter" fact="0.67"/>
+                </dgm:constrLst>
+              </dgm:if>
+              <dgm:else name="Name53">
+                <dgm:constrLst>
+                  <dgm:constr type="w" for="ch" forName="singleCenter" refType="w" fact="0.3"/>
+                  <dgm:constr type="h" for="ch" forName="singleCenter" refType="w" refFor="ch" refForName="singleCenter"/>
+                  <dgm:constr type="userS" for="ch" ptType="node" refType="w" refFor="ch" refForName="singleCenter" fact="0.67"/>
+                </dgm:constrLst>
+              </dgm:else>
+            </dgm:choose>
+            <dgm:layoutNode name="singleCenter" styleLbl="node1">
+              <dgm:varLst>
+                <dgm:chMax val="7"/>
+                <dgm:chPref val="7"/>
+              </dgm:varLst>
+              <dgm:alg type="tx"/>
+              <dgm:shape xmlns:r="http://schemas.openxmlformats.org/officeDocument/2006/relationships" type="roundRect" r:blip="">
+                <dgm:adjLst/>
+              </dgm:shape>
+              <dgm:presOf axis="self" ptType="node"/>
+              <dgm:constrLst>
+                <dgm:constr type="tMarg" refType="primFontSz" fact="0.2"/>
+                <dgm:constr type="bMarg" refType="primFontSz" fact="0.2"/>
+                <dgm:constr type="lMarg" refType="primFontSz" fact="0.2"/>
+                <dgm:constr type="rMarg" refType="primFontSz" fact="0.2"/>
+              </dgm:constrLst>
+              <dgm:ruleLst>
+                <dgm:rule type="primFontSz" val="5" fact="NaN" max="NaN"/>
+              </dgm:ruleLst>
+            </dgm:layoutNode>
+            <dgm:forEach name="Name54" axis="ch" cnt="21">
+              <dgm:forEach name="Name55" axis="self" ptType="parTrans">
+                <dgm:layoutNode name="Name56">
+                  <dgm:alg type="conn">
+                    <dgm:param type="dim" val="1D"/>
+                    <dgm:param type="begPts" val="auto"/>
+                    <dgm:param type="endPts" val="auto"/>
+                    <dgm:param type="begSty" val="noArr"/>
+                    <dgm:param type="endSty" val="noArr"/>
+                  </dgm:alg>
+                  <dgm:shape xmlns:r="http://schemas.openxmlformats.org/officeDocument/2006/relationships" type="conn" r:blip="">
+                    <dgm:adjLst/>
+                  </dgm:shape>
+                  <dgm:presOf axis="self"/>
+                  <dgm:constrLst>
+                    <dgm:constr type="begPad"/>
+                    <dgm:constr type="endPad"/>
+                  </dgm:constrLst>
+                </dgm:layoutNode>
+              </dgm:forEach>
+              <dgm:forEach name="Name57" axis="self" ptType="node">
+                <dgm:layoutNode name="text0" styleLbl="node1">
+                  <dgm:varLst>
+                    <dgm:bulletEnabled val="1"/>
+                  </dgm:varLst>
+                  <dgm:alg type="tx"/>
+                  <dgm:shape xmlns:r="http://schemas.openxmlformats.org/officeDocument/2006/relationships" type="roundRect" r:blip="">
+                    <dgm:adjLst/>
+                  </dgm:shape>
+                  <dgm:presOf axis="desOrSelf" ptType="node"/>
+                  <dgm:constrLst>
+                    <dgm:constr type="userS"/>
+                    <dgm:constr type="w" refType="userS"/>
+                    <dgm:constr type="h" refType="w"/>
+                    <dgm:constr type="tMarg" refType="primFontSz" fact="0.2"/>
+                    <dgm:constr type="bMarg" refType="primFontSz" fact="0.2"/>
+                    <dgm:constr type="lMarg" refType="primFontSz" fact="0.2"/>
+                    <dgm:constr type="rMarg" refType="primFontSz" fact="0.2"/>
+                  </dgm:constrLst>
+                  <dgm:ruleLst>
+                    <dgm:rule type="primFontSz" val="5" fact="NaN" max="NaN"/>
+                  </dgm:ruleLst>
+                </dgm:layoutNode>
+              </dgm:forEach>
+            </dgm:forEach>
+          </dgm:layoutNode>
+        </dgm:if>
+        <dgm:else name="Name58">
+          <dgm:layoutNode name="textCenter" styleLbl="node1">
+            <dgm:alg type="tx"/>
+            <dgm:shape xmlns:r="http://schemas.openxmlformats.org/officeDocument/2006/relationships" type="roundRect" r:blip="">
+              <dgm:adjLst/>
+            </dgm:shape>
+            <dgm:presOf axis="self" ptType="node"/>
+            <dgm:constrLst>
+              <dgm:constr type="tMarg" refType="primFontSz" fact="0.2"/>
+              <dgm:constr type="bMarg" refType="primFontSz" fact="0.2"/>
+              <dgm:constr type="lMarg" refType="primFontSz" fact="0.2"/>
+              <dgm:constr type="rMarg" refType="primFontSz" fact="0.2"/>
+            </dgm:constrLst>
+            <dgm:ruleLst>
+              <dgm:rule type="primFontSz" val="5" fact="NaN" max="NaN"/>
+            </dgm:ruleLst>
+          </dgm:layoutNode>
+          <dgm:choose name="Name59">
+            <dgm:if name="Name60" axis="ch" ptType="node" func="cnt" op="gte" val="1">
+              <dgm:layoutNode name="cycle_1">
+                <dgm:choose name="Name61">
+                  <dgm:if name="Name62" func="var" arg="dir" op="equ" val="norm">
+                    <dgm:choose name="Name63">
+                      <dgm:if name="Name64" axis="ch" ptType="node" func="cnt" op="equ" val="1">
+                        <dgm:choose name="Name65">
+                          <dgm:if name="Name66" axis="ch ch" ptType="node node" st="1 1" cnt="1 0" func="cnt" op="equ" val="1">
+                            <dgm:alg type="cycle">
+                              <dgm:param type="ctrShpMap" val="fNode"/>
+                              <dgm:param type="stAng" val="90"/>
+                            </dgm:alg>
+                          </dgm:if>
+                          <dgm:if name="Name67" axis="ch ch" ptType="node node" st="1 1" cnt="1 0" func="cnt" op="equ" val="2">
+                            <dgm:alg type="cycle">
+                              <dgm:param type="ctrShpMap" val="fNode"/>
+                              <dgm:param type="stAng" val="45"/>
+                              <dgm:param type="spanAng" val="90"/>
+                            </dgm:alg>
+                          </dgm:if>
+                          <dgm:else name="Name68">
+                            <dgm:alg type="cycle">
+                              <dgm:param type="ctrShpMap" val="fNode"/>
+                              <dgm:param type="stAng" val="0"/>
+                              <dgm:param type="spanAng" val="180"/>
+                            </dgm:alg>
+                          </dgm:else>
+                        </dgm:choose>
+                      </dgm:if>
+                      <dgm:if name="Name69" axis="ch" ptType="node" func="cnt" op="equ" val="2">
+                        <dgm:choose name="Name70">
+                          <dgm:if name="Name71" axis="ch ch" ptType="node node" st="1 1" cnt="1 0" func="cnt" op="equ" val="1">
+                            <dgm:alg type="cycle">
+                              <dgm:param type="ctrShpMap" val="fNode"/>
+                              <dgm:param type="stAng" val="0"/>
+                            </dgm:alg>
+                          </dgm:if>
+                          <dgm:if name="Name72" axis="ch ch" ptType="node node" st="1 1" cnt="1 0" func="cnt" op="equ" val="2">
+                            <dgm:alg type="cycle">
+                              <dgm:param type="ctrShpMap" val="fNode"/>
+                              <dgm:param type="stAng" val="315"/>
+                              <dgm:param type="spanAng" val="90"/>
+                            </dgm:alg>
+                          </dgm:if>
+                          <dgm:else name="Name73">
+                            <dgm:alg type="cycle">
+                              <dgm:param type="ctrShpMap" val="fNode"/>
+                              <dgm:param type="stAng" val="270"/>
+                              <dgm:param type="spanAng" val="180"/>
+                            </dgm:alg>
+                          </dgm:else>
+                        </dgm:choose>
+                      </dgm:if>
+                      <dgm:if name="Name74" axis="ch" ptType="node" func="cnt" op="equ" val="3">
+                        <dgm:choose name="Name75">
+                          <dgm:if name="Name76" axis="ch ch" ptType="node node" st="1 1" cnt="1 0" func="cnt" op="equ" val="1">
+                            <dgm:alg type="cycle">
+                              <dgm:param type="ctrShpMap" val="fNode"/>
+                              <dgm:param type="stAng" val="0"/>
+                            </dgm:alg>
+                          </dgm:if>
+                          <dgm:if name="Name77" axis="ch ch" ptType="node node" st="1 1" cnt="1 0" func="cnt" op="equ" val="2">
+                            <dgm:alg type="cycle">
+                              <dgm:param type="ctrShpMap" val="fNode"/>
+                              <dgm:param type="stAng" val="315"/>
+                              <dgm:param type="spanAng" val="90"/>
+                            </dgm:alg>
+                          </dgm:if>
+                          <dgm:else name="Name78">
+                            <dgm:alg type="cycle">
+                              <dgm:param type="ctrShpMap" val="fNode"/>
+                              <dgm:param type="stAng" val="270"/>
+                              <dgm:param type="spanAng" val="180"/>
+                            </dgm:alg>
+                          </dgm:else>
+                        </dgm:choose>
+                      </dgm:if>
+                      <dgm:if name="Name79" axis="ch" ptType="node" func="cnt" op="equ" val="4">
+                        <dgm:choose name="Name80">
+                          <dgm:if name="Name81" axis="ch ch" ptType="node node" st="1 1" cnt="1 0" func="cnt" op="equ" val="1">
+                            <dgm:alg type="cycle">
+                              <dgm:param type="ctrShpMap" val="fNode"/>
+                              <dgm:param type="stAng" val="0"/>
+                            </dgm:alg>
+                          </dgm:if>
+                          <dgm:if name="Name82" axis="ch ch" ptType="node node" st="1 1" cnt="1 0" func="cnt" op="equ" val="2">
+                            <dgm:alg type="cycle">
+                              <dgm:param type="ctrShpMap" val="fNode"/>
+                              <dgm:param type="stAng" val="315"/>
+                              <dgm:param type="spanAng" val="90"/>
+                            </dgm:alg>
+                          </dgm:if>
+                          <dgm:else name="Name83">
+                            <dgm:alg type="cycle">
+                              <dgm:param type="ctrShpMap" val="fNode"/>
+                              <dgm:param type="stAng" val="292.5"/>
+                              <dgm:param type="spanAng" val="135"/>
+                            </dgm:alg>
+                          </dgm:else>
+                        </dgm:choose>
+                      </dgm:if>
+                      <dgm:if name="Name84" axis="ch" ptType="node" func="cnt" op="equ" val="5">
+                        <dgm:choose name="Name85">
+                          <dgm:if name="Name86" axis="ch ch" ptType="node node" st="1 1" cnt="1 0" func="cnt" op="equ" val="1">
+                            <dgm:alg type="cycle">
+                              <dgm:param type="ctrShpMap" val="fNode"/>
+                              <dgm:param type="stAng" val="0"/>
+                            </dgm:alg>
+                          </dgm:if>
+                          <dgm:if name="Name87" axis="ch ch" ptType="node node" st="1 1" cnt="1 0" func="cnt" op="equ" val="2">
+                            <dgm:alg type="cycle">
+                              <dgm:param type="ctrShpMap" val="fNode"/>
+                              <dgm:param type="stAng" val="315"/>
+                              <dgm:param type="spanAng" val="90"/>
+                            </dgm:alg>
+                          </dgm:if>
+                          <dgm:else name="Name88">
+                            <dgm:alg type="cycle">
+                              <dgm:param type="ctrShpMap" val="fNode"/>
+                              <dgm:param type="stAng" val="0"/>
+                              <dgm:param type="spanAng" val="360"/>
+                            </dgm:alg>
+                          </dgm:else>
+                        </dgm:choose>
+                      </dgm:if>
+                      <dgm:if name="Name89" axis="ch" ptType="node" func="cnt" op="equ" val="6">
+                        <dgm:choose name="Name90">
+                          <dgm:if name="Name91" axis="ch ch" ptType="node node" st="1 1" cnt="1 0" func="cnt" op="equ" val="1">
+                            <dgm:alg type="cycle">
+                              <dgm:param type="ctrShpMap" val="fNode"/>
+                              <dgm:param type="stAng" val="0"/>
+                            </dgm:alg>
+                          </dgm:if>
+                          <dgm:if name="Name92" axis="ch ch" ptType="node node" st="1 1" cnt="1 0" func="cnt" op="equ" val="2">
+                            <dgm:alg type="cycle">
+                              <dgm:param type="ctrShpMap" val="fNode"/>
+                              <dgm:param type="stAng" val="315"/>
+                              <dgm:param type="spanAng" val="90"/>
+                            </dgm:alg>
+                          </dgm:if>
+                          <dgm:else name="Name93">
+                            <dgm:alg type="cycle">
+                              <dgm:param type="ctrShpMap" val="fNode"/>
+                              <dgm:param type="stAng" val="0"/>
+                              <dgm:param type="spanAng" val="360"/>
+                            </dgm:alg>
+                          </dgm:else>
+                        </dgm:choose>
+                      </dgm:if>
+                      <dgm:if name="Name94" axis="ch" ptType="node" func="cnt" op="gte" val="7">
+                        <dgm:choose name="Name95">
+                          <dgm:if name="Name96" axis="ch ch" ptType="node node" st="1 1" cnt="1 0" func="cnt" op="equ" val="1">
+                            <dgm:alg type="cycle">
+                              <dgm:param type="ctrShpMap" val="fNode"/>
+                              <dgm:param type="stAng" val="0"/>
+                            </dgm:alg>
+                          </dgm:if>
+                          <dgm:if name="Name97" axis="ch ch" ptType="node node" st="1 1" cnt="1 0" func="cnt" op="equ" val="2">
+                            <dgm:alg type="cycle">
+                              <dgm:param type="ctrShpMap" val="fNode"/>
+                              <dgm:param type="stAng" val="315"/>
+                              <dgm:param type="spanAng" val="90"/>
+                            </dgm:alg>
+                          </dgm:if>
+                          <dgm:else name="Name98">
+                            <dgm:alg type="cycle">
+                              <dgm:param type="ctrShpMap" val="fNode"/>
+                              <dgm:param type="stAng" val="0"/>
+                              <dgm:param type="spanAng" val="360"/>
+                            </dgm:alg>
+                          </dgm:else>
+                        </dgm:choose>
+                      </dgm:if>
+                      <dgm:else name="Name99"/>
+                    </dgm:choose>
+                  </dgm:if>
+                  <dgm:else name="Name100">
+                    <dgm:choose name="Name101">
+                      <dgm:if name="Name102" axis="ch" ptType="node" func="cnt" op="equ" val="1">
+                        <dgm:choose name="Name103">
+                          <dgm:if name="Name104" axis="ch ch" ptType="node node" st="1 1" cnt="1 0" func="cnt" op="equ" val="1">
+                            <dgm:alg type="cycle">
+                              <dgm:param type="ctrShpMap" val="fNode"/>
+                              <dgm:param type="stAng" val="270"/>
+                            </dgm:alg>
+                          </dgm:if>
+                          <dgm:if name="Name105" axis="ch ch" ptType="node node" st="1 1" cnt="1 0" func="cnt" op="equ" val="2">
+                            <dgm:alg type="cycle">
+                              <dgm:param type="ctrShpMap" val="fNode"/>
+                              <dgm:param type="stAng" val="315"/>
+                              <dgm:param type="spanAng" val="-90"/>
+                            </dgm:alg>
+                          </dgm:if>
+                          <dgm:else name="Name106">
+                            <dgm:alg type="cycle">
+                              <dgm:param type="ctrShpMap" val="fNode"/>
+                              <dgm:param type="stAng" val="0"/>
+                              <dgm:param type="spanAng" val="-180"/>
+                            </dgm:alg>
+                          </dgm:else>
+                        </dgm:choose>
+                      </dgm:if>
+                      <dgm:if name="Name107" axis="ch" ptType="node" func="cnt" op="equ" val="2">
+                        <dgm:choose name="Name108">
+                          <dgm:if name="Name109" axis="ch ch" ptType="node node" st="1 1" cnt="1 0" func="cnt" op="equ" val="1">
+                            <dgm:alg type="cycle">
+                              <dgm:param type="ctrShpMap" val="fNode"/>
+                              <dgm:param type="stAng" val="0"/>
+                            </dgm:alg>
+                          </dgm:if>
+                          <dgm:if name="Name110" axis="ch ch" ptType="node node" st="1 1" cnt="1 0" func="cnt" op="equ" val="2">
+                            <dgm:alg type="cycle">
+                              <dgm:param type="ctrShpMap" val="fNode"/>
+                              <dgm:param type="stAng" val="45"/>
+                              <dgm:param type="spanAng" val="-90"/>
+                            </dgm:alg>
+                          </dgm:if>
+                          <dgm:else name="Name111">
+                            <dgm:alg type="cycle">
+                              <dgm:param type="ctrShpMap" val="fNode"/>
+                              <dgm:param type="stAng" val="90"/>
+                              <dgm:param type="spanAng" val="-180"/>
+                            </dgm:alg>
+                          </dgm:else>
+                        </dgm:choose>
+                      </dgm:if>
+                      <dgm:if name="Name112" axis="ch" ptType="node" func="cnt" op="equ" val="3">
+                        <dgm:choose name="Name113">
+                          <dgm:if name="Name114" axis="ch ch" ptType="node node" st="1 1" cnt="1 0" func="cnt" op="equ" val="1">
+                            <dgm:alg type="cycle">
+                              <dgm:param type="ctrShpMap" val="fNode"/>
+                              <dgm:param type="stAng" val="0"/>
+                            </dgm:alg>
+                          </dgm:if>
+                          <dgm:if name="Name115" axis="ch ch" ptType="node node" st="1 1" cnt="1 0" func="cnt" op="equ" val="2">
+                            <dgm:alg type="cycle">
+                              <dgm:param type="ctrShpMap" val="fNode"/>
+                              <dgm:param type="stAng" val="45"/>
+                              <dgm:param type="spanAng" val="-90"/>
+                            </dgm:alg>
+                          </dgm:if>
+                          <dgm:else name="Name116">
+                            <dgm:alg type="cycle">
+                              <dgm:param type="ctrShpMap" val="fNode"/>
+                              <dgm:param type="stAng" val="90"/>
+                              <dgm:param type="spanAng" val="-180"/>
+                            </dgm:alg>
+                          </dgm:else>
+                        </dgm:choose>
+                      </dgm:if>
+                      <dgm:if name="Name117" axis="ch" ptType="node" func="cnt" op="equ" val="4">
+                        <dgm:choose name="Name118">
+                          <dgm:if name="Name119" axis="ch ch" ptType="node node" st="1 1" cnt="1 0" func="cnt" op="equ" val="1">
+                            <dgm:alg type="cycle">
+                              <dgm:param type="ctrShpMap" val="fNode"/>
+                              <dgm:param type="stAng" val="0"/>
+                            </dgm:alg>
+                          </dgm:if>
+                          <dgm:if name="Name120" axis="ch ch" ptType="node node" st="1 1" cnt="1 0" func="cnt" op="equ" val="2">
+                            <dgm:alg type="cycle">
+                              <dgm:param type="ctrShpMap" val="fNode"/>
+                              <dgm:param type="stAng" val="45"/>
+                              <dgm:param type="spanAng" val="-90"/>
+                            </dgm:alg>
+                          </dgm:if>
+                          <dgm:else name="Name121">
+                            <dgm:alg type="cycle">
+                              <dgm:param type="ctrShpMap" val="fNode"/>
+                              <dgm:param type="stAng" val="67.5"/>
+                              <dgm:param type="spanAng" val="-135"/>
+                            </dgm:alg>
+                          </dgm:else>
+                        </dgm:choose>
+                      </dgm:if>
+                      <dgm:if name="Name122" axis="ch" ptType="node" func="cnt" op="equ" val="5">
+                        <dgm:choose name="Name123">
+                          <dgm:if name="Name124" axis="ch ch" ptType="node node" st="1 1" cnt="1 0" func="cnt" op="equ" val="1">
+                            <dgm:alg type="cycle">
+                              <dgm:param type="ctrShpMap" val="fNode"/>
+                              <dgm:param type="stAng" val="0"/>
+                            </dgm:alg>
+                          </dgm:if>
+                          <dgm:if name="Name125" axis="ch ch" ptType="node node" st="1 1" cnt="1 0" func="cnt" op="equ" val="2">
+                            <dgm:alg type="cycle">
+                              <dgm:param type="ctrShpMap" val="fNode"/>
+                              <dgm:param type="stAng" val="45"/>
+                              <dgm:param type="spanAng" val="-90"/>
+                            </dgm:alg>
+                          </dgm:if>
+                          <dgm:else name="Name126">
+                            <dgm:alg type="cycle">
+                              <dgm:param type="ctrShpMap" val="fNode"/>
+                              <dgm:param type="stAng" val="0"/>
+                              <dgm:param type="spanAng" val="-360"/>
+                            </dgm:alg>
+                          </dgm:else>
+                        </dgm:choose>
+                      </dgm:if>
+                      <dgm:if name="Name127" axis="ch" ptType="node" func="cnt" op="equ" val="6">
+                        <dgm:choose name="Name128">
+                          <dgm:if name="Name129" axis="ch ch" ptType="node node" st="1 1" cnt="1 0" func="cnt" op="equ" val="1">
+                            <dgm:alg type="cycle">
+                              <dgm:param type="ctrShpMap" val="fNode"/>
+                              <dgm:param type="stAng" val="0"/>
+                            </dgm:alg>
+                          </dgm:if>
+                          <dgm:if name="Name130" axis="ch ch" ptType="node node" st="1 1" cnt="1 0" func="cnt" op="equ" val="2">
+                            <dgm:alg type="cycle">
+                              <dgm:param type="ctrShpMap" val="fNode"/>
+                              <dgm:param type="stAng" val="45"/>
+                              <dgm:param type="spanAng" val="-90"/>
+                            </dgm:alg>
+                          </dgm:if>
+                          <dgm:else name="Name131">
+                            <dgm:alg type="cycle">
+                              <dgm:param type="ctrShpMap" val="fNode"/>
+                              <dgm:param type="stAng" val="0"/>
+                              <dgm:param type="spanAng" val="-360"/>
+                            </dgm:alg>
+                          </dgm:else>
+                        </dgm:choose>
+                      </dgm:if>
+                      <dgm:if name="Name132" axis="ch" ptType="node" func="cnt" op="gte" val="7">
+                        <dgm:choose name="Name133">
+                          <dgm:if name="Name134" axis="ch ch" ptType="node node" st="1 1" cnt="1 0" func="cnt" op="equ" val="1">
+                            <dgm:alg type="cycle">
+                              <dgm:param type="ctrShpMap" val="fNode"/>
+                              <dgm:param type="stAng" val="0"/>
+                            </dgm:alg>
+                          </dgm:if>
+                          <dgm:if name="Name135" axis="ch ch" ptType="node node" st="1 1" cnt="1 0" func="cnt" op="equ" val="2">
+                            <dgm:alg type="cycle">
+                              <dgm:param type="ctrShpMap" val="fNode"/>
+                              <dgm:param type="stAng" val="45"/>
+                              <dgm:param type="spanAng" val="-90"/>
+                            </dgm:alg>
+                          </dgm:if>
+                          <dgm:else name="Name136">
+                            <dgm:alg type="cycle">
+                              <dgm:param type="ctrShpMap" val="fNode"/>
+                              <dgm:param type="stAng" val="0"/>
+                              <dgm:param type="spanAng" val="-360"/>
+                            </dgm:alg>
+                          </dgm:else>
+                        </dgm:choose>
+                      </dgm:if>
+                      <dgm:else name="Name137"/>
+                    </dgm:choose>
+                  </dgm:else>
+                </dgm:choose>
+                <dgm:shape xmlns:r="http://schemas.openxmlformats.org/officeDocument/2006/relationships" r:blip="">
+                  <dgm:adjLst/>
+                </dgm:shape>
+                <dgm:presOf/>
+                <dgm:constrLst>
+                  <dgm:constr type="sp" refType="w" fact="0.1"/>
+                  <dgm:constr type="sibSp" refType="w" fact="0.1"/>
+                </dgm:constrLst>
+                <dgm:forEach name="Name138" axis="ch" ptType="node" cnt="1">
+                  <dgm:layoutNode name="childCenter1" styleLbl="node1">
+                    <dgm:alg type="tx"/>
+                    <dgm:shape xmlns:r="http://schemas.openxmlformats.org/officeDocument/2006/relationships" type="roundRect" r:blip="">
+                      <dgm:adjLst/>
+                    </dgm:shape>
+                    <dgm:presOf axis="self" ptType="node"/>
+                    <dgm:constrLst>
+                      <dgm:constr type="userS"/>
+                      <dgm:constr type="w" refType="userS"/>
+                      <dgm:constr type="h" refType="w"/>
+                      <dgm:constr type="tMarg" refType="primFontSz" fact="0.2"/>
+                      <dgm:constr type="bMarg" refType="primFontSz" fact="0.2"/>
+                      <dgm:constr type="lMarg" refType="primFontSz" fact="0.2"/>
+                      <dgm:constr type="rMarg" refType="primFontSz" fact="0.2"/>
+                    </dgm:constrLst>
+                    <dgm:ruleLst>
+                      <dgm:rule type="primFontSz" val="5" fact="NaN" max="NaN"/>
+                    </dgm:ruleLst>
+                  </dgm:layoutNode>
+                  <dgm:forEach name="Name139" axis="ch">
+                    <dgm:forEach name="Name140" axis="self" ptType="parTrans">
+                      <dgm:layoutNode name="Name141">
+                        <dgm:alg type="conn">
+                          <dgm:param type="dim" val="1D"/>
+                          <dgm:param type="begPts" val="auto"/>
+                          <dgm:param type="endPts" val="auto"/>
+                          <dgm:param type="begSty" val="noArr"/>
+                          <dgm:param type="endSty" val="noArr"/>
+                        </dgm:alg>
+                        <dgm:shape xmlns:r="http://schemas.openxmlformats.org/officeDocument/2006/relationships" type="conn" r:blip="">
+                          <dgm:adjLst/>
+                        </dgm:shape>
+                        <dgm:presOf axis="self"/>
+                        <dgm:constrLst>
+                          <dgm:constr type="begPad"/>
+                          <dgm:constr type="endPad"/>
+                        </dgm:constrLst>
+                      </dgm:layoutNode>
+                    </dgm:forEach>
+                    <dgm:forEach name="Name142" axis="self" ptType="node">
+                      <dgm:layoutNode name="text1" styleLbl="node1">
+                        <dgm:varLst>
+                          <dgm:bulletEnabled val="1"/>
+                        </dgm:varLst>
+                        <dgm:alg type="tx"/>
+                        <dgm:shape xmlns:r="http://schemas.openxmlformats.org/officeDocument/2006/relationships" type="roundRect" r:blip="">
+                          <dgm:adjLst/>
+                        </dgm:shape>
+                        <dgm:presOf axis="desOrSelf" ptType="node"/>
+                        <dgm:constrLst>
+                          <dgm:constr type="userS"/>
+                          <dgm:constr type="w" refType="userS"/>
+                          <dgm:constr type="h" refType="w"/>
+                          <dgm:constr type="tMarg" refType="primFontSz" fact="0.2"/>
+                          <dgm:constr type="bMarg" refType="primFontSz" fact="0.2"/>
+                          <dgm:constr type="lMarg" refType="primFontSz" fact="0.2"/>
+                          <dgm:constr type="rMarg" refType="primFontSz" fact="0.2"/>
+                        </dgm:constrLst>
+                        <dgm:ruleLst>
+                          <dgm:rule type="primFontSz" val="5" fact="NaN" max="NaN"/>
+                        </dgm:ruleLst>
+                      </dgm:layoutNode>
+                    </dgm:forEach>
+                  </dgm:forEach>
+                </dgm:forEach>
+              </dgm:layoutNode>
+              <dgm:forEach name="Name143" axis="ch" ptType="parTrans" cnt="1">
+                <dgm:layoutNode name="Name144">
+                  <dgm:alg type="conn">
+                    <dgm:param type="dim" val="1D"/>
+                    <dgm:param type="begPts" val="auto"/>
+                    <dgm:param type="endPts" val="auto"/>
+                    <dgm:param type="endSty" val="noArr"/>
+                    <dgm:param type="srcNode" val="textCenter"/>
+                    <dgm:param type="dstNode" val="childCenter1"/>
+                  </dgm:alg>
+                  <dgm:shape xmlns:r="http://schemas.openxmlformats.org/officeDocument/2006/relationships" type="conn" r:blip="" zOrderOff="-999">
+                    <dgm:adjLst/>
+                  </dgm:shape>
+                  <dgm:presOf axis="self"/>
+                  <dgm:constrLst>
+                    <dgm:constr type="h"/>
+                    <dgm:constr type="begPad"/>
+                    <dgm:constr type="endPad"/>
+                  </dgm:constrLst>
+                </dgm:layoutNode>
+              </dgm:forEach>
+            </dgm:if>
+            <dgm:else name="Name145"/>
+          </dgm:choose>
+          <dgm:choose name="Name146">
+            <dgm:if name="Name147" axis="ch" ptType="node" func="cnt" op="gte" val="2">
+              <dgm:layoutNode name="cycle_2">
+                <dgm:choose name="Name148">
+                  <dgm:if name="Name149" func="var" arg="dir" op="equ" val="norm">
+                    <dgm:choose name="Name150">
+                      <dgm:if name="Name151" axis="ch" ptType="node" func="cnt" op="equ" val="2">
+                        <dgm:choose name="Name152">
+                          <dgm:if name="Name153" axis="ch ch" ptType="node node" st="2 1" cnt="1 0" func="cnt" op="equ" val="1">
+                            <dgm:alg type="cycle">
+                              <dgm:param type="ctrShpMap" val="fNode"/>
+                              <dgm:param type="stAng" val="180"/>
+                            </dgm:alg>
+                          </dgm:if>
+                          <dgm:if name="Name154" axis="ch ch" ptType="node node" st="2 1" cnt="1 0" func="cnt" op="equ" val="2">
+                            <dgm:alg type="cycle">
+                              <dgm:param type="ctrShpMap" val="fNode"/>
+                              <dgm:param type="stAng" val="135"/>
+                              <dgm:param type="spanAng" val="90"/>
+                            </dgm:alg>
+                          </dgm:if>
+                          <dgm:else name="Name155">
+                            <dgm:alg type="cycle">
+                              <dgm:param type="ctrShpMap" val="fNode"/>
+                              <dgm:param type="stAng" val="90"/>
+                              <dgm:param type="spanAng" val="180"/>
+                            </dgm:alg>
+                          </dgm:else>
+                        </dgm:choose>
+                      </dgm:if>
+                      <dgm:if name="Name156" axis="ch" ptType="node" func="cnt" op="equ" val="3">
+                        <dgm:choose name="Name157">
+                          <dgm:if name="Name158" axis="ch ch" ptType="node node" st="2 1" cnt="1 0" func="cnt" op="equ" val="1">
+                            <dgm:alg type="cycle">
+                              <dgm:param type="ctrShpMap" val="fNode"/>
+                              <dgm:param type="stAng" val="120"/>
+                              <dgm:param type="horzAlign" val="r"/>
+                              <dgm:param type="vertAlign" val="b"/>
+                            </dgm:alg>
+                          </dgm:if>
+                          <dgm:if name="Name159" axis="ch ch" ptType="node node" st="2 1" cnt="1 0" func="cnt" op="equ" val="2">
+                            <dgm:alg type="cycle">
+                              <dgm:param type="ctrShpMap" val="fNode"/>
+                              <dgm:param type="stAng" val="75"/>
+                              <dgm:param type="spanAng" val="90"/>
+                              <dgm:param type="horzAlign" val="r"/>
+                              <dgm:param type="vertAlign" val="b"/>
+                            </dgm:alg>
+                          </dgm:if>
+                          <dgm:else name="Name160">
+                            <dgm:alg type="cycle">
+                              <dgm:param type="ctrShpMap" val="fNode"/>
+                              <dgm:param type="stAng" val="30"/>
+                              <dgm:param type="spanAng" val="180"/>
+                            </dgm:alg>
+                          </dgm:else>
+                        </dgm:choose>
+                      </dgm:if>
+                      <dgm:if name="Name161" axis="ch" ptType="node" func="cnt" op="equ" val="4">
+                        <dgm:choose name="Name162">
+                          <dgm:if name="Name163" axis="ch ch" ptType="node node" st="2 1" cnt="1 0" func="cnt" op="equ" val="1">
+                            <dgm:alg type="cycle">
+                              <dgm:param type="ctrShpMap" val="fNode"/>
+                              <dgm:param type="stAng" val="90"/>
+                            </dgm:alg>
+                          </dgm:if>
+                          <dgm:if name="Name164" axis="ch ch" ptType="node node" st="2 1" cnt="1 0" func="cnt" op="equ" val="2">
+                            <dgm:alg type="cycle">
+                              <dgm:param type="ctrShpMap" val="fNode"/>
+                              <dgm:param type="stAng" val="45"/>
+                              <dgm:param type="spanAng" val="90"/>
+                            </dgm:alg>
+                          </dgm:if>
+                          <dgm:else name="Name165">
+                            <dgm:alg type="cycle">
+                              <dgm:param type="ctrShpMap" val="fNode"/>
+                              <dgm:param type="stAng" val="22.5"/>
+                              <dgm:param type="spanAng" val="135"/>
+                            </dgm:alg>
+                          </dgm:else>
+                        </dgm:choose>
+                      </dgm:if>
+                      <dgm:if name="Name166" axis="ch" ptType="node" func="cnt" op="equ" val="5">
+                        <dgm:choose name="Name167">
+                          <dgm:if name="Name168" axis="ch ch" ptType="node node" st="2 1" cnt="1 0" func="cnt" op="equ" val="1">
+                            <dgm:alg type="cycle">
+                              <dgm:param type="ctrShpMap" val="fNode"/>
+                              <dgm:param type="stAng" val="72"/>
+                            </dgm:alg>
+                          </dgm:if>
+                          <dgm:if name="Name169" axis="ch ch" ptType="node node" st="2 1" cnt="1 0" func="cnt" op="equ" val="2">
+                            <dgm:alg type="cycle">
+                              <dgm:param type="ctrShpMap" val="fNode"/>
+                              <dgm:param type="stAng" val="27"/>
+                              <dgm:param type="spanAng" val="90"/>
+                            </dgm:alg>
+                          </dgm:if>
+                          <dgm:else name="Name170">
+                            <dgm:alg type="cycle">
+                              <dgm:param type="ctrShpMap" val="fNode"/>
+                              <dgm:param type="stAng" val="0"/>
+                              <dgm:param type="spanAng" val="360"/>
+                            </dgm:alg>
+                          </dgm:else>
+                        </dgm:choose>
+                      </dgm:if>
+                      <dgm:if name="Name171" axis="ch" ptType="node" func="cnt" op="equ" val="6">
+                        <dgm:choose name="Name172">
+                          <dgm:if name="Name173" axis="ch ch" ptType="node node" st="2 1" cnt="1 0" func="cnt" op="equ" val="1">
+                            <dgm:alg type="cycle">
+                              <dgm:param type="ctrShpMap" val="fNode"/>
+                              <dgm:param type="stAng" val="60"/>
+                            </dgm:alg>
+                          </dgm:if>
+                          <dgm:if name="Name174" axis="ch ch" ptType="node node" st="2 1" cnt="1 0" func="cnt" op="equ" val="2">
+                            <dgm:alg type="cycle">
+                              <dgm:param type="ctrShpMap" val="fNode"/>
+                              <dgm:param type="stAng" val="15"/>
+                              <dgm:param type="spanAng" val="90"/>
+                            </dgm:alg>
+                          </dgm:if>
+                          <dgm:else name="Name175">
+                            <dgm:alg type="cycle">
+                              <dgm:param type="ctrShpMap" val="fNode"/>
+                              <dgm:param type="stAng" val="0"/>
+                              <dgm:param type="spanAng" val="360"/>
+                            </dgm:alg>
+                          </dgm:else>
+                        </dgm:choose>
+                      </dgm:if>
+                      <dgm:if name="Name176" axis="ch" ptType="node" func="cnt" op="gte" val="7">
+                        <dgm:choose name="Name177">
+                          <dgm:if name="Name178" axis="ch ch" ptType="node node" st="2 1" cnt="1 0" func="cnt" op="equ" val="1">
+                            <dgm:alg type="cycle">
+                              <dgm:param type="ctrShpMap" val="fNode"/>
+                              <dgm:param type="stAng" val="51"/>
+                            </dgm:alg>
+                          </dgm:if>
+                          <dgm:if name="Name179" axis="ch ch" ptType="node node" st="2 1" cnt="1 0" func="cnt" op="equ" val="2">
+                            <dgm:alg type="cycle">
+                              <dgm:param type="ctrShpMap" val="fNode"/>
+                              <dgm:param type="stAng" val="6"/>
+                              <dgm:param type="spanAng" val="90"/>
+                            </dgm:alg>
+                          </dgm:if>
+                          <dgm:else name="Name180">
+                            <dgm:alg type="cycle">
+                              <dgm:param type="ctrShpMap" val="fNode"/>
+                              <dgm:param type="stAng" val="0"/>
+                              <dgm:param type="spanAng" val="360"/>
+                            </dgm:alg>
+                          </dgm:else>
+                        </dgm:choose>
+                      </dgm:if>
+                      <dgm:else name="Name181"/>
+                    </dgm:choose>
+                  </dgm:if>
+                  <dgm:else name="Name182">
+                    <dgm:choose name="Name183">
+                      <dgm:if name="Name184" axis="ch" ptType="node" func="cnt" op="equ" val="2">
+                        <dgm:choose name="Name185">
+                          <dgm:if name="Name186" axis="ch ch" ptType="node node" st="2 1" cnt="1 0" func="cnt" op="equ" val="1">
+                            <dgm:alg type="cycle">
+                              <dgm:param type="ctrShpMap" val="fNode"/>
+                              <dgm:param type="stAng" val="180"/>
+                            </dgm:alg>
+                          </dgm:if>
+                          <dgm:if name="Name187" axis="ch ch" ptType="node node" st="2 1" cnt="1 0" func="cnt" op="equ" val="2">
+                            <dgm:alg type="cycle">
+                              <dgm:param type="ctrShpMap" val="fNode"/>
+                              <dgm:param type="stAng" val="225"/>
+                              <dgm:param type="spanAng" val="-90"/>
+                            </dgm:alg>
+                          </dgm:if>
+                          <dgm:else name="Name188">
+                            <dgm:alg type="cycle">
+                              <dgm:param type="ctrShpMap" val="fNode"/>
+                              <dgm:param type="stAng" val="270"/>
+                              <dgm:param type="spanAng" val="-180"/>
+                            </dgm:alg>
+                          </dgm:else>
+                        </dgm:choose>
+                      </dgm:if>
+                      <dgm:if name="Name189" axis="ch" ptType="node" func="cnt" op="equ" val="3">
+                        <dgm:choose name="Name190">
+                          <dgm:if name="Name191" axis="ch ch" ptType="node node" st="2 1" cnt="1 0" func="cnt" op="equ" val="1">
+                            <dgm:alg type="cycle">
+                              <dgm:param type="ctrShpMap" val="fNode"/>
+                              <dgm:param type="stAng" val="240"/>
+                              <dgm:param type="horzAlign" val="l"/>
+                              <dgm:param type="vertAlign" val="b"/>
+                            </dgm:alg>
+                          </dgm:if>
+                          <dgm:if name="Name192" axis="ch ch" ptType="node node" st="2 1" cnt="1 0" func="cnt" op="equ" val="2">
+                            <dgm:alg type="cycle">
+                              <dgm:param type="ctrShpMap" val="fNode"/>
+                              <dgm:param type="stAng" val="285"/>
+                              <dgm:param type="spanAng" val="-90"/>
+                              <dgm:param type="horzAlign" val="l"/>
+                              <dgm:param type="vertAlign" val="b"/>
+                            </dgm:alg>
+                          </dgm:if>
+                          <dgm:else name="Name193">
+                            <dgm:alg type="cycle">
+                              <dgm:param type="ctrShpMap" val="fNode"/>
+                              <dgm:param type="stAng" val="330"/>
+                              <dgm:param type="spanAng" val="-180"/>
+                            </dgm:alg>
+                          </dgm:else>
+                        </dgm:choose>
+                      </dgm:if>
+                      <dgm:if name="Name194" axis="ch" ptType="node" func="cnt" op="equ" val="4">
+                        <dgm:choose name="Name195">
+                          <dgm:if name="Name196" axis="ch ch" ptType="node node" st="2 1" cnt="1 0" func="cnt" op="equ" val="1">
+                            <dgm:alg type="cycle">
+                              <dgm:param type="ctrShpMap" val="fNode"/>
+                              <dgm:param type="stAng" val="270"/>
+                            </dgm:alg>
+                          </dgm:if>
+                          <dgm:if name="Name197" axis="ch ch" ptType="node node" st="2 1" cnt="1 0" func="cnt" op="equ" val="2">
+                            <dgm:alg type="cycle">
+                              <dgm:param type="ctrShpMap" val="fNode"/>
+                              <dgm:param type="stAng" val="315"/>
+                              <dgm:param type="spanAng" val="-90"/>
+                            </dgm:alg>
+                          </dgm:if>
+                          <dgm:else name="Name198">
+                            <dgm:alg type="cycle">
+                              <dgm:param type="ctrShpMap" val="fNode"/>
+                              <dgm:param type="stAng" val="337.5"/>
+                              <dgm:param type="spanAng" val="-135"/>
+                            </dgm:alg>
+                          </dgm:else>
+                        </dgm:choose>
+                      </dgm:if>
+                      <dgm:if name="Name199" axis="ch" ptType="node" func="cnt" op="equ" val="5">
+                        <dgm:choose name="Name200">
+                          <dgm:if name="Name201" axis="ch ch" ptType="node node" st="2 1" cnt="1 0" func="cnt" op="equ" val="1">
+                            <dgm:alg type="cycle">
+                              <dgm:param type="ctrShpMap" val="fNode"/>
+                              <dgm:param type="stAng" val="288"/>
+                            </dgm:alg>
+                          </dgm:if>
+                          <dgm:if name="Name202" axis="ch ch" ptType="node node" st="2 1" cnt="1 0" func="cnt" op="equ" val="2">
+                            <dgm:alg type="cycle">
+                              <dgm:param type="ctrShpMap" val="fNode"/>
+                              <dgm:param type="stAng" val="333"/>
+                              <dgm:param type="spanAng" val="-90"/>
+                            </dgm:alg>
+                          </dgm:if>
+                          <dgm:else name="Name203">
+                            <dgm:alg type="cycle">
+                              <dgm:param type="ctrShpMap" val="fNode"/>
+                              <dgm:param type="stAng" val="0"/>
+                              <dgm:param type="spanAng" val="-360"/>
+                            </dgm:alg>
+                          </dgm:else>
+                        </dgm:choose>
+                      </dgm:if>
+                      <dgm:if name="Name204" axis="ch" ptType="node" func="cnt" op="equ" val="6">
+                        <dgm:choose name="Name205">
+                          <dgm:if name="Name206" axis="ch ch" ptType="node node" st="2 1" cnt="1 0" func="cnt" op="equ" val="1">
+                            <dgm:alg type="cycle">
+                              <dgm:param type="ctrShpMap" val="fNode"/>
+                              <dgm:param type="stAng" val="300"/>
+                            </dgm:alg>
+                          </dgm:if>
+                          <dgm:if name="Name207" axis="ch ch" ptType="node node" st="2 1" cnt="1 0" func="cnt" op="equ" val="2">
+                            <dgm:alg type="cycle">
+                              <dgm:param type="ctrShpMap" val="fNode"/>
+                              <dgm:param type="stAng" val="345"/>
+                              <dgm:param type="spanAng" val="-90"/>
+                            </dgm:alg>
+                          </dgm:if>
+                          <dgm:else name="Name208">
+                            <dgm:alg type="cycle">
+                              <dgm:param type="ctrShpMap" val="fNode"/>
+                              <dgm:param type="stAng" val="0"/>
+                              <dgm:param type="spanAng" val="-360"/>
+                            </dgm:alg>
+                          </dgm:else>
+                        </dgm:choose>
+                      </dgm:if>
+                      <dgm:if name="Name209" axis="ch" ptType="node" func="cnt" op="gte" val="7">
+                        <dgm:choose name="Name210">
+                          <dgm:if name="Name211" axis="ch ch" ptType="node node" st="2 1" cnt="1 0" func="cnt" op="equ" val="1">
+                            <dgm:alg type="cycle">
+                              <dgm:param type="ctrShpMap" val="fNode"/>
+                              <dgm:param type="stAng" val="308"/>
+                            </dgm:alg>
+                          </dgm:if>
+                          <dgm:if name="Name212" axis="ch ch" ptType="node node" st="2 1" cnt="1 0" func="cnt" op="equ" val="2">
+                            <dgm:alg type="cycle">
+                              <dgm:param type="ctrShpMap" val="fNode"/>
+                              <dgm:param type="stAng" val="353"/>
+                              <dgm:param type="spanAng" val="-90"/>
+                            </dgm:alg>
+                          </dgm:if>
+                          <dgm:else name="Name213">
+                            <dgm:alg type="cycle">
+                              <dgm:param type="ctrShpMap" val="fNode"/>
+                              <dgm:param type="stAng" val="0"/>
+                              <dgm:param type="spanAng" val="-360"/>
+                            </dgm:alg>
+                          </dgm:else>
+                        </dgm:choose>
+                      </dgm:if>
+                      <dgm:else name="Name214"/>
+                    </dgm:choose>
+                  </dgm:else>
+                </dgm:choose>
+                <dgm:shape xmlns:r="http://schemas.openxmlformats.org/officeDocument/2006/relationships" r:blip="">
+                  <dgm:adjLst/>
+                </dgm:shape>
+                <dgm:presOf/>
+                <dgm:constrLst>
+                  <dgm:constr type="sp" refType="w" fact="0.1"/>
+                  <dgm:constr type="sibSp" refType="w" fact="0.1"/>
+                </dgm:constrLst>
+                <dgm:forEach name="Name215" axis="ch" ptType="node" st="2" cnt="1">
+                  <dgm:layoutNode name="childCenter2" styleLbl="node1">
+                    <dgm:alg type="tx"/>
+                    <dgm:shape xmlns:r="http://schemas.openxmlformats.org/officeDocument/2006/relationships" type="roundRect" r:blip="">
+                      <dgm:adjLst/>
+                    </dgm:shape>
+                    <dgm:presOf axis="self" ptType="node"/>
+                    <dgm:constrLst>
+                      <dgm:constr type="userS"/>
+                      <dgm:constr type="w" refType="userS"/>
+                      <dgm:constr type="h" refType="w"/>
+                      <dgm:constr type="tMarg" refType="primFontSz" fact="0.2"/>
+                      <dgm:constr type="bMarg" refType="primFontSz" fact="0.2"/>
+                      <dgm:constr type="lMarg" refType="primFontSz" fact="0.2"/>
+                      <dgm:constr type="rMarg" refType="primFontSz" fact="0.2"/>
+                    </dgm:constrLst>
+                    <dgm:ruleLst>
+                      <dgm:rule type="primFontSz" val="5" fact="NaN" max="NaN"/>
+                    </dgm:ruleLst>
+                  </dgm:layoutNode>
+                  <dgm:forEach name="Name216" axis="ch">
+                    <dgm:forEach name="Name217" axis="self" ptType="parTrans">
+                      <dgm:layoutNode name="Name218">
+                        <dgm:alg type="conn">
+                          <dgm:param type="dim" val="1D"/>
+                          <dgm:param type="begPts" val="auto"/>
+                          <dgm:param type="endPts" val="auto"/>
+                          <dgm:param type="begSty" val="noArr"/>
+                          <dgm:param type="endSty" val="noArr"/>
+                        </dgm:alg>
+                        <dgm:shape xmlns:r="http://schemas.openxmlformats.org/officeDocument/2006/relationships" type="conn" r:blip="">
+                          <dgm:adjLst/>
+                        </dgm:shape>
+                        <dgm:presOf axis="self"/>
+                        <dgm:constrLst>
+                          <dgm:constr type="begPad"/>
+                          <dgm:constr type="endPad"/>
+                        </dgm:constrLst>
+                      </dgm:layoutNode>
+                    </dgm:forEach>
+                    <dgm:forEach name="Name219" axis="self" ptType="node">
+                      <dgm:layoutNode name="text2" styleLbl="node1">
+                        <dgm:varLst>
+                          <dgm:bulletEnabled val="1"/>
+                        </dgm:varLst>
+                        <dgm:alg type="tx"/>
+                        <dgm:shape xmlns:r="http://schemas.openxmlformats.org/officeDocument/2006/relationships" type="roundRect" r:blip="">
+                          <dgm:adjLst/>
+                        </dgm:shape>
+                        <dgm:presOf axis="desOrSelf" ptType="node"/>
+                        <dgm:constrLst>
+                          <dgm:constr type="userS"/>
+                          <dgm:constr type="w" refType="userS"/>
+                          <dgm:constr type="h" refType="w"/>
+                          <dgm:constr type="tMarg" refType="primFontSz" fact="0.2"/>
+                          <dgm:constr type="bMarg" refType="primFontSz" fact="0.2"/>
+                          <dgm:constr type="lMarg" refType="primFontSz" fact="0.2"/>
+                          <dgm:constr type="rMarg" refType="primFontSz" fact="0.2"/>
+                        </dgm:constrLst>
+                        <dgm:ruleLst>
+                          <dgm:rule type="primFontSz" val="5" fact="NaN" max="NaN"/>
+                        </dgm:ruleLst>
+                      </dgm:layoutNode>
+                    </dgm:forEach>
+                  </dgm:forEach>
+                </dgm:forEach>
+              </dgm:layoutNode>
+              <dgm:forEach name="Name220" axis="ch" ptType="parTrans" st="2" cnt="1">
+                <dgm:layoutNode name="Name221">
+                  <dgm:alg type="conn">
+                    <dgm:param type="dim" val="1D"/>
+                    <dgm:param type="begPts" val="auto"/>
+                    <dgm:param type="endPts" val="auto"/>
+                    <dgm:param type="endSty" val="noArr"/>
+                    <dgm:param type="srcNode" val="textCenter"/>
+                    <dgm:param type="dstNode" val="childCenter2"/>
+                  </dgm:alg>
+                  <dgm:shape xmlns:r="http://schemas.openxmlformats.org/officeDocument/2006/relationships" type="conn" r:blip="" zOrderOff="-999">
+                    <dgm:adjLst/>
+                  </dgm:shape>
+                  <dgm:presOf axis="self"/>
+                  <dgm:constrLst>
+                    <dgm:constr type="h"/>
+                    <dgm:constr type="begPad"/>
+                    <dgm:constr type="endPad"/>
+                  </dgm:constrLst>
+                </dgm:layoutNode>
+              </dgm:forEach>
+            </dgm:if>
+            <dgm:else name="Name222"/>
+          </dgm:choose>
+          <dgm:choose name="Name223">
+            <dgm:if name="Name224" axis="ch" ptType="node" func="cnt" op="gte" val="3">
+              <dgm:layoutNode name="cycle_3">
+                <dgm:choose name="Name225">
+                  <dgm:if name="Name226" func="var" arg="dir" op="equ" val="norm">
+                    <dgm:choose name="Name227">
+                      <dgm:if name="Name228" axis="ch" ptType="node" func="cnt" op="equ" val="3">
+                        <dgm:choose name="Name229">
+                          <dgm:if name="Name230" axis="ch ch" ptType="node node" st="3 1" cnt="1 0" func="cnt" op="equ" val="1">
+                            <dgm:alg type="cycle">
+                              <dgm:param type="ctrShpMap" val="fNode"/>
+                              <dgm:param type="stAng" val="240"/>
+                              <dgm:param type="horzAlign" val="l"/>
+                              <dgm:param type="vertAlign" val="b"/>
+                            </dgm:alg>
+                          </dgm:if>
+                          <dgm:if name="Name231" axis="ch ch" ptType="node node" st="3 1" cnt="1 0" func="cnt" op="equ" val="2">
+                            <dgm:alg type="cycle">
+                              <dgm:param type="ctrShpMap" val="fNode"/>
+                              <dgm:param type="stAng" val="195"/>
+                              <dgm:param type="spanAng" val="90"/>
+                              <dgm:param type="horzAlign" val="l"/>
+                              <dgm:param type="vertAlign" val="b"/>
+                            </dgm:alg>
+                          </dgm:if>
+                          <dgm:else name="Name232">
+                            <dgm:alg type="cycle">
+                              <dgm:param type="ctrShpMap" val="fNode"/>
+                              <dgm:param type="stAng" val="150"/>
+                              <dgm:param type="spanAng" val="180"/>
+                            </dgm:alg>
+                          </dgm:else>
+                        </dgm:choose>
+                      </dgm:if>
+                      <dgm:if name="Name233" axis="ch" ptType="node" func="cnt" op="equ" val="4">
+                        <dgm:choose name="Name234">
+                          <dgm:if name="Name235" axis="ch ch" ptType="node node" st="3 1" cnt="1 0" func="cnt" op="equ" val="1">
+                            <dgm:alg type="cycle">
+                              <dgm:param type="ctrShpMap" val="fNode"/>
+                              <dgm:param type="stAng" val="180"/>
+                            </dgm:alg>
+                          </dgm:if>
+                          <dgm:if name="Name236" axis="ch ch" ptType="node node" st="3 1" cnt="1 0" func="cnt" op="equ" val="2">
+                            <dgm:alg type="cycle">
+                              <dgm:param type="ctrShpMap" val="fNode"/>
+                              <dgm:param type="stAng" val="135"/>
+                              <dgm:param type="spanAng" val="90"/>
+                            </dgm:alg>
+                          </dgm:if>
+                          <dgm:else name="Name237">
+                            <dgm:alg type="cycle">
+                              <dgm:param type="ctrShpMap" val="fNode"/>
+                              <dgm:param type="stAng" val="112.5"/>
+                              <dgm:param type="spanAng" val="135"/>
+                            </dgm:alg>
+                          </dgm:else>
+                        </dgm:choose>
+                      </dgm:if>
+                      <dgm:if name="Name238" axis="ch" ptType="node" func="cnt" op="equ" val="5">
+                        <dgm:choose name="Name239">
+                          <dgm:if name="Name240" axis="ch ch" ptType="node node" st="3 1" cnt="1 0" func="cnt" op="equ" val="1">
+                            <dgm:alg type="cycle">
+                              <dgm:param type="ctrShpMap" val="fNode"/>
+                              <dgm:param type="stAng" val="144"/>
+                            </dgm:alg>
+                          </dgm:if>
+                          <dgm:if name="Name241" axis="ch ch" ptType="node node" st="3 1" cnt="1 0" func="cnt" op="equ" val="2">
+                            <dgm:alg type="cycle">
+                              <dgm:param type="ctrShpMap" val="fNode"/>
+                              <dgm:param type="stAng" val="99"/>
+                              <dgm:param type="spanAng" val="90"/>
+                            </dgm:alg>
+                          </dgm:if>
+                          <dgm:else name="Name242">
+                            <dgm:alg type="cycle">
+                              <dgm:param type="ctrShpMap" val="fNode"/>
+                              <dgm:param type="stAng" val="0"/>
+                              <dgm:param type="spanAng" val="360"/>
+                            </dgm:alg>
+                          </dgm:else>
+                        </dgm:choose>
+                      </dgm:if>
+                      <dgm:if name="Name243" axis="ch" ptType="node" func="cnt" op="equ" val="6">
+                        <dgm:choose name="Name244">
+                          <dgm:if name="Name245" axis="ch ch" ptType="node node" st="3 1" cnt="1 0" func="cnt" op="equ" val="1">
+                            <dgm:alg type="cycle">
+                              <dgm:param type="ctrShpMap" val="fNode"/>
+                              <dgm:param type="stAng" val="120"/>
+                            </dgm:alg>
+                          </dgm:if>
+                          <dgm:if name="Name246" axis="ch ch" ptType="node node" st="3 1" cnt="1 0" func="cnt" op="equ" val="2">
+                            <dgm:alg type="cycle">
+                              <dgm:param type="ctrShpMap" val="fNode"/>
+                              <dgm:param type="stAng" val="75"/>
+                              <dgm:param type="spanAng" val="90"/>
+                            </dgm:alg>
+                          </dgm:if>
+                          <dgm:else name="Name247">
+                            <dgm:alg type="cycle">
+                              <dgm:param type="ctrShpMap" val="fNode"/>
+                              <dgm:param type="stAng" val="0"/>
+                              <dgm:param type="spanAng" val="360"/>
+                            </dgm:alg>
+                          </dgm:else>
+                        </dgm:choose>
+                      </dgm:if>
+                      <dgm:if name="Name248" axis="ch" ptType="node" func="cnt" op="gte" val="7">
+                        <dgm:choose name="Name249">
+                          <dgm:if name="Name250" axis="ch ch" ptType="node node" st="3 1" cnt="1 0" func="cnt" op="equ" val="1">
+                            <dgm:alg type="cycle">
+                              <dgm:param type="ctrShpMap" val="fNode"/>
+                              <dgm:param type="stAng" val="102"/>
+                            </dgm:alg>
+                          </dgm:if>
+                          <dgm:if name="Name251" axis="ch ch" ptType="node node" st="3 1" cnt="1 0" func="cnt" op="equ" val="2">
+                            <dgm:alg type="cycle">
+                              <dgm:param type="ctrShpMap" val="fNode"/>
+                              <dgm:param type="stAng" val="57"/>
+                              <dgm:param type="spanAng" val="90"/>
+                            </dgm:alg>
+                          </dgm:if>
+                          <dgm:else name="Name252">
+                            <dgm:alg type="cycle">
+                              <dgm:param type="ctrShpMap" val="fNode"/>
+                              <dgm:param type="stAng" val="0"/>
+                              <dgm:param type="spanAng" val="360"/>
+                            </dgm:alg>
+                          </dgm:else>
+                        </dgm:choose>
+                      </dgm:if>
+                      <dgm:else name="Name253"/>
+                    </dgm:choose>
+                  </dgm:if>
+                  <dgm:else name="Name254">
+                    <dgm:choose name="Name255">
+                      <dgm:if name="Name256" axis="ch" ptType="node" func="cnt" op="equ" val="3">
+                        <dgm:choose name="Name257">
+                          <dgm:if name="Name258" axis="ch ch" ptType="node node" st="3 1" cnt="1 0" func="cnt" op="equ" val="1">
+                            <dgm:alg type="cycle">
+                              <dgm:param type="ctrShpMap" val="fNode"/>
+                              <dgm:param type="stAng" val="120"/>
+                              <dgm:param type="horzAlign" val="r"/>
+                              <dgm:param type="vertAlign" val="b"/>
+                            </dgm:alg>
+                          </dgm:if>
+                          <dgm:if name="Name259" axis="ch ch" ptType="node node" st="3 1" cnt="1 0" func="cnt" op="equ" val="2">
+                            <dgm:alg type="cycle">
+                              <dgm:param type="ctrShpMap" val="fNode"/>
+                              <dgm:param type="stAng" val="165"/>
+                              <dgm:param type="spanAng" val="-90"/>
+                              <dgm:param type="horzAlign" val="r"/>
+                              <dgm:param type="vertAlign" val="b"/>
+                            </dgm:alg>
+                          </dgm:if>
+                          <dgm:else name="Name260">
+                            <dgm:alg type="cycle">
+                              <dgm:param type="ctrShpMap" val="fNode"/>
+                              <dgm:param type="stAng" val="210"/>
+                              <dgm:param type="spanAng" val="-180"/>
+                            </dgm:alg>
+                          </dgm:else>
+                        </dgm:choose>
+                      </dgm:if>
+                      <dgm:if name="Name261" axis="ch" ptType="node" func="cnt" op="equ" val="4">
+                        <dgm:choose name="Name262">
+                          <dgm:if name="Name263" axis="ch ch" ptType="node node" st="3 1" cnt="1 0" func="cnt" op="equ" val="1">
+                            <dgm:alg type="cycle">
+                              <dgm:param type="ctrShpMap" val="fNode"/>
+                              <dgm:param type="stAng" val="180"/>
+                            </dgm:alg>
+                          </dgm:if>
+                          <dgm:if name="Name264" axis="ch ch" ptType="node node" st="3 1" cnt="1 0" func="cnt" op="equ" val="2">
+                            <dgm:alg type="cycle">
+                              <dgm:param type="ctrShpMap" val="fNode"/>
+                              <dgm:param type="stAng" val="225"/>
+                              <dgm:param type="spanAng" val="-90"/>
+                            </dgm:alg>
+                          </dgm:if>
+                          <dgm:else name="Name265">
+                            <dgm:alg type="cycle">
+                              <dgm:param type="ctrShpMap" val="fNode"/>
+                              <dgm:param type="stAng" val="247.5"/>
+                              <dgm:param type="spanAng" val="-135"/>
+                            </dgm:alg>
+                          </dgm:else>
+                        </dgm:choose>
+                      </dgm:if>
+                      <dgm:if name="Name266" axis="ch" ptType="node" func="cnt" op="equ" val="5">
+                        <dgm:choose name="Name267">
+                          <dgm:if name="Name268" axis="ch ch" ptType="node node" st="3 1" cnt="1 0" func="cnt" op="equ" val="1">
+                            <dgm:alg type="cycle">
+                              <dgm:param type="ctrShpMap" val="fNode"/>
+                              <dgm:param type="stAng" val="216"/>
+                            </dgm:alg>
+                          </dgm:if>
+                          <dgm:if name="Name269" axis="ch ch" ptType="node node" st="3 1" cnt="1 0" func="cnt" op="equ" val="2">
+                            <dgm:alg type="cycle">
+                              <dgm:param type="ctrShpMap" val="fNode"/>
+                              <dgm:param type="stAng" val="261"/>
+                              <dgm:param type="spanAng" val="-90"/>
+                            </dgm:alg>
+                          </dgm:if>
+                          <dgm:else name="Name270">
+                            <dgm:alg type="cycle">
+                              <dgm:param type="ctrShpMap" val="fNode"/>
+                              <dgm:param type="stAng" val="0"/>
+                              <dgm:param type="spanAng" val="-360"/>
+                            </dgm:alg>
+                          </dgm:else>
+                        </dgm:choose>
+                      </dgm:if>
+                      <dgm:if name="Name271" axis="ch" ptType="node" func="cnt" op="equ" val="6">
+                        <dgm:choose name="Name272">
+                          <dgm:if name="Name273" axis="ch ch" ptType="node node" st="3 1" cnt="1 0" func="cnt" op="equ" val="1">
+                            <dgm:alg type="cycle">
+                              <dgm:param type="ctrShpMap" val="fNode"/>
+                              <dgm:param type="stAng" val="240"/>
+                            </dgm:alg>
+                          </dgm:if>
+                          <dgm:if name="Name274" axis="ch ch" ptType="node node" st="3 1" cnt="1 0" func="cnt" op="equ" val="2">
+                            <dgm:alg type="cycle">
+                              <dgm:param type="ctrShpMap" val="fNode"/>
+                              <dgm:param type="stAng" val="285"/>
+                              <dgm:param type="spanAng" val="-90"/>
+                            </dgm:alg>
+                          </dgm:if>
+                          <dgm:else name="Name275">
+                            <dgm:alg type="cycle">
+                              <dgm:param type="ctrShpMap" val="fNode"/>
+                              <dgm:param type="stAng" val="0"/>
+                              <dgm:param type="spanAng" val="-360"/>
+                            </dgm:alg>
+                          </dgm:else>
+                        </dgm:choose>
+                      </dgm:if>
+                      <dgm:if name="Name276" axis="ch" ptType="node" func="cnt" op="gte" val="7">
+                        <dgm:choose name="Name277">
+                          <dgm:if name="Name278" axis="ch ch" ptType="node node" st="3 1" cnt="1 0" func="cnt" op="equ" val="1">
+                            <dgm:alg type="cycle">
+                              <dgm:param type="ctrShpMap" val="fNode"/>
+                              <dgm:param type="stAng" val="257"/>
+                            </dgm:alg>
+                          </dgm:if>
+                          <dgm:if name="Name279" axis="ch ch" ptType="node node" st="3 1" cnt="1 0" func="cnt" op="equ" val="2">
+                            <dgm:alg type="cycle">
+                              <dgm:param type="ctrShpMap" val="fNode"/>
+                              <dgm:param type="stAng" val="302"/>
+                              <dgm:param type="spanAng" val="-90"/>
+                            </dgm:alg>
+                          </dgm:if>
+                          <dgm:else name="Name280">
+                            <dgm:alg type="cycle">
+                              <dgm:param type="ctrShpMap" val="fNode"/>
+                              <dgm:param type="stAng" val="0"/>
+                              <dgm:param type="spanAng" val="-360"/>
+                            </dgm:alg>
+                          </dgm:else>
+                        </dgm:choose>
+                      </dgm:if>
+                      <dgm:else name="Name281"/>
+                    </dgm:choose>
+                  </dgm:else>
+                </dgm:choose>
+                <dgm:shape xmlns:r="http://schemas.openxmlformats.org/officeDocument/2006/relationships" r:blip="">
+                  <dgm:adjLst/>
+                </dgm:shape>
+                <dgm:presOf/>
+                <dgm:constrLst>
+                  <dgm:constr type="sp" refType="w" fact="0.1"/>
+                  <dgm:constr type="sibSp" refType="w" fact="0.1"/>
+                </dgm:constrLst>
+                <dgm:forEach name="Name282" axis="ch" ptType="node" st="3" cnt="1">
+                  <dgm:layoutNode name="childCenter3" styleLbl="node1">
+                    <dgm:alg type="tx"/>
+                    <dgm:shape xmlns:r="http://schemas.openxmlformats.org/officeDocument/2006/relationships" type="roundRect" r:blip="">
+                      <dgm:adjLst/>
+                    </dgm:shape>
+                    <dgm:presOf axis="self" ptType="node"/>
+                    <dgm:constrLst>
+                      <dgm:constr type="userS"/>
+                      <dgm:constr type="w" refType="userS"/>
+                      <dgm:constr type="h" refType="w"/>
+                      <dgm:constr type="tMarg" refType="primFontSz" fact="0.2"/>
+                      <dgm:constr type="bMarg" refType="primFontSz" fact="0.2"/>
+                      <dgm:constr type="lMarg" refType="primFontSz" fact="0.2"/>
+                      <dgm:constr type="rMarg" refType="primFontSz" fact="0.2"/>
+                    </dgm:constrLst>
+                    <dgm:ruleLst>
+                      <dgm:rule type="primFontSz" val="5" fact="NaN" max="NaN"/>
+                    </dgm:ruleLst>
+                  </dgm:layoutNode>
+                  <dgm:forEach name="Name283" axis="ch">
+                    <dgm:forEach name="Name284" axis="self" ptType="parTrans">
+                      <dgm:layoutNode name="Name285">
+                        <dgm:alg type="conn">
+                          <dgm:param type="dim" val="1D"/>
+                          <dgm:param type="begPts" val="auto"/>
+                          <dgm:param type="endPts" val="auto"/>
+                          <dgm:param type="begSty" val="noArr"/>
+                          <dgm:param type="endSty" val="noArr"/>
+                        </dgm:alg>
+                        <dgm:shape xmlns:r="http://schemas.openxmlformats.org/officeDocument/2006/relationships" type="conn" r:blip="">
+                          <dgm:adjLst/>
+                        </dgm:shape>
+                        <dgm:presOf axis="self"/>
+                        <dgm:constrLst>
+                          <dgm:constr type="begPad"/>
+                          <dgm:constr type="endPad"/>
+                        </dgm:constrLst>
+                      </dgm:layoutNode>
+                    </dgm:forEach>
+                    <dgm:forEach name="Name286" axis="self" ptType="node">
+                      <dgm:layoutNode name="text3" styleLbl="node1">
+                        <dgm:varLst>
+                          <dgm:bulletEnabled val="1"/>
+                        </dgm:varLst>
+                        <dgm:alg type="tx"/>
+                        <dgm:shape xmlns:r="http://schemas.openxmlformats.org/officeDocument/2006/relationships" type="roundRect" r:blip="">
+                          <dgm:adjLst/>
+                        </dgm:shape>
+                        <dgm:presOf axis="desOrSelf" ptType="node"/>
+                        <dgm:constrLst>
+                          <dgm:constr type="userS"/>
+                          <dgm:constr type="w" refType="userS"/>
+                          <dgm:constr type="h" refType="w"/>
+                          <dgm:constr type="tMarg" refType="primFontSz" fact="0.2"/>
+                          <dgm:constr type="bMarg" refType="primFontSz" fact="0.2"/>
+                          <dgm:constr type="lMarg" refType="primFontSz" fact="0.2"/>
+                          <dgm:constr type="rMarg" refType="primFontSz" fact="0.2"/>
+                        </dgm:constrLst>
+                        <dgm:ruleLst>
+                          <dgm:rule type="primFontSz" val="5" fact="NaN" max="NaN"/>
+                        </dgm:ruleLst>
+                      </dgm:layoutNode>
+                    </dgm:forEach>
+                  </dgm:forEach>
+                </dgm:forEach>
+              </dgm:layoutNode>
+              <dgm:forEach name="Name287" axis="ch" ptType="parTrans" st="3" cnt="1">
+                <dgm:layoutNode name="Name288">
+                  <dgm:alg type="conn">
+                    <dgm:param type="dim" val="1D"/>
+                    <dgm:param type="begPts" val="auto"/>
+                    <dgm:param type="endPts" val="auto"/>
+                    <dgm:param type="endSty" val="noArr"/>
+                    <dgm:param type="srcNode" val="textCenter"/>
+                    <dgm:param type="dstNode" val="childCenter3"/>
+                  </dgm:alg>
+                  <dgm:shape xmlns:r="http://schemas.openxmlformats.org/officeDocument/2006/relationships" type="conn" r:blip="" zOrderOff="-999">
+                    <dgm:adjLst/>
+                  </dgm:shape>
+                  <dgm:presOf axis="self"/>
+                  <dgm:constrLst>
+                    <dgm:constr type="h"/>
+                    <dgm:constr type="begPad"/>
+                    <dgm:constr type="endPad"/>
+                  </dgm:constrLst>
+                </dgm:layoutNode>
+              </dgm:forEach>
+            </dgm:if>
+            <dgm:else name="Name289"/>
+          </dgm:choose>
+          <dgm:choose name="Name290">
+            <dgm:if name="Name291" axis="ch" ptType="node" func="cnt" op="gte" val="4">
+              <dgm:layoutNode name="cycle_4">
+                <dgm:choose name="Name292">
+                  <dgm:if name="Name293" func="var" arg="dir" op="equ" val="norm">
+                    <dgm:choose name="Name294">
+                      <dgm:if name="Name295" axis="ch" ptType="node" func="cnt" op="equ" val="4">
+                        <dgm:choose name="Name296">
+                          <dgm:if name="Name297" axis="ch ch" ptType="node node" st="4 1" cnt="1 0" func="cnt" op="equ" val="1">
+                            <dgm:alg type="cycle">
+                              <dgm:param type="ctrShpMap" val="fNode"/>
+                              <dgm:param type="stAng" val="270"/>
+                            </dgm:alg>
+                          </dgm:if>
+                          <dgm:if name="Name298" axis="ch ch" ptType="node node" st="4 1" cnt="1 0" func="cnt" op="equ" val="2">
+                            <dgm:alg type="cycle">
+                              <dgm:param type="ctrShpMap" val="fNode"/>
+                              <dgm:param type="stAng" val="225"/>
+                              <dgm:param type="spanAng" val="90"/>
+                            </dgm:alg>
+                          </dgm:if>
+                          <dgm:else name="Name299">
+                            <dgm:alg type="cycle">
+                              <dgm:param type="ctrShpMap" val="fNode"/>
+                              <dgm:param type="stAng" val="202.5"/>
+                              <dgm:param type="spanAng" val="135"/>
+                            </dgm:alg>
+                          </dgm:else>
+                        </dgm:choose>
+                      </dgm:if>
+                      <dgm:if name="Name300" axis="ch" ptType="node" func="cnt" op="equ" val="5">
+                        <dgm:choose name="Name301">
+                          <dgm:if name="Name302" axis="ch ch" ptType="node node" st="4 1" cnt="1 0" func="cnt" op="equ" val="1">
+                            <dgm:alg type="cycle">
+                              <dgm:param type="ctrShpMap" val="fNode"/>
+                              <dgm:param type="stAng" val="216"/>
+                            </dgm:alg>
+                          </dgm:if>
+                          <dgm:if name="Name303" axis="ch ch" ptType="node node" st="4 1" cnt="1 0" func="cnt" op="equ" val="2">
+                            <dgm:alg type="cycle">
+                              <dgm:param type="ctrShpMap" val="fNode"/>
+                              <dgm:param type="stAng" val="171"/>
+                              <dgm:param type="spanAng" val="90"/>
+                            </dgm:alg>
+                          </dgm:if>
+                          <dgm:else name="Name304">
+                            <dgm:alg type="cycle">
+                              <dgm:param type="ctrShpMap" val="fNode"/>
+                              <dgm:param type="stAng" val="0"/>
+                              <dgm:param type="spanAng" val="360"/>
+                            </dgm:alg>
+                          </dgm:else>
+                        </dgm:choose>
+                      </dgm:if>
+                      <dgm:if name="Name305" axis="ch" ptType="node" func="cnt" op="equ" val="6">
+                        <dgm:choose name="Name306">
+                          <dgm:if name="Name307" axis="ch ch" ptType="node node" st="4 1" cnt="1 0" func="cnt" op="equ" val="1">
+                            <dgm:alg type="cycle">
+                              <dgm:param type="ctrShpMap" val="fNode"/>
+                              <dgm:param type="stAng" val="180"/>
+                            </dgm:alg>
+                          </dgm:if>
+                          <dgm:if name="Name308" axis="ch ch" ptType="node node" st="4 1" cnt="1 0" func="cnt" op="equ" val="2">
+                            <dgm:alg type="cycle">
+                              <dgm:param type="ctrShpMap" val="fNode"/>
+                              <dgm:param type="stAng" val="135"/>
+                              <dgm:param type="spanAng" val="90"/>
+                            </dgm:alg>
+                          </dgm:if>
+                          <dgm:else name="Name309">
+                            <dgm:alg type="cycle">
+                              <dgm:param type="ctrShpMap" val="fNode"/>
+                              <dgm:param type="stAng" val="0"/>
+                              <dgm:param type="spanAng" val="360"/>
+                            </dgm:alg>
+                          </dgm:else>
+                        </dgm:choose>
+                      </dgm:if>
+                      <dgm:if name="Name310" axis="ch" ptType="node" func="cnt" op="gte" val="7">
+                        <dgm:choose name="Name311">
+                          <dgm:if name="Name312" axis="ch ch" ptType="node node" st="4 1" cnt="1 0" func="cnt" op="equ" val="1">
+                            <dgm:alg type="cycle">
+                              <dgm:param type="ctrShpMap" val="fNode"/>
+                              <dgm:param type="stAng" val="154"/>
+                            </dgm:alg>
+                          </dgm:if>
+                          <dgm:if name="Name313" axis="ch ch" ptType="node node" st="4 1" cnt="1 0" func="cnt" op="equ" val="2">
+                            <dgm:alg type="cycle">
+                              <dgm:param type="ctrShpMap" val="fNode"/>
+                              <dgm:param type="stAng" val="109"/>
+                              <dgm:param type="spanAng" val="90"/>
+                            </dgm:alg>
+                          </dgm:if>
+                          <dgm:else name="Name314">
+                            <dgm:alg type="cycle">
+                              <dgm:param type="ctrShpMap" val="fNode"/>
+                              <dgm:param type="stAng" val="0"/>
+                              <dgm:param type="spanAng" val="360"/>
+                            </dgm:alg>
+                          </dgm:else>
+                        </dgm:choose>
+                      </dgm:if>
+                      <dgm:else name="Name315"/>
+                    </dgm:choose>
+                  </dgm:if>
+                  <dgm:else name="Name316">
+                    <dgm:choose name="Name317">
+                      <dgm:if name="Name318" axis="ch" ptType="node" func="cnt" op="equ" val="4">
+                        <dgm:choose name="Name319">
+                          <dgm:if name="Name320" axis="ch ch" ptType="node node" st="4 1" cnt="1 0" func="cnt" op="equ" val="1">
+                            <dgm:alg type="cycle">
+                              <dgm:param type="ctrShpMap" val="fNode"/>
+                              <dgm:param type="stAng" val="90"/>
+                            </dgm:alg>
+                          </dgm:if>
+                          <dgm:if name="Name321" axis="ch ch" ptType="node node" st="4 1" cnt="1 0" func="cnt" op="equ" val="2">
+                            <dgm:alg type="cycle">
+                              <dgm:param type="ctrShpMap" val="fNode"/>
+                              <dgm:param type="stAng" val="135"/>
+                              <dgm:param type="spanAng" val="-90"/>
+                            </dgm:alg>
+                          </dgm:if>
+                          <dgm:else name="Name322">
+                            <dgm:alg type="cycle">
+                              <dgm:param type="ctrShpMap" val="fNode"/>
+                              <dgm:param type="stAng" val="157.5"/>
+                              <dgm:param type="spanAng" val="-135"/>
+                            </dgm:alg>
+                          </dgm:else>
+                        </dgm:choose>
+                      </dgm:if>
+                      <dgm:if name="Name323" axis="ch" ptType="node" func="cnt" op="equ" val="5">
+                        <dgm:choose name="Name324">
+                          <dgm:if name="Name325" axis="ch ch" ptType="node node" st="4 1" cnt="1 0" func="cnt" op="equ" val="1">
+                            <dgm:alg type="cycle">
+                              <dgm:param type="ctrShpMap" val="fNode"/>
+                              <dgm:param type="stAng" val="144"/>
+                            </dgm:alg>
+                          </dgm:if>
+                          <dgm:if name="Name326" axis="ch ch" ptType="node node" st="4 1" cnt="1 0" func="cnt" op="equ" val="2">
+                            <dgm:alg type="cycle">
+                              <dgm:param type="ctrShpMap" val="fNode"/>
+                              <dgm:param type="stAng" val="189"/>
+                              <dgm:param type="spanAng" val="-90"/>
+                            </dgm:alg>
+                          </dgm:if>
+                          <dgm:else name="Name327">
+                            <dgm:alg type="cycle">
+                              <dgm:param type="ctrShpMap" val="fNode"/>
+                              <dgm:param type="stAng" val="0"/>
+                              <dgm:param type="spanAng" val="-360"/>
+                            </dgm:alg>
+                          </dgm:else>
+                        </dgm:choose>
+                      </dgm:if>
+                      <dgm:if name="Name328" axis="ch" ptType="node" func="cnt" op="equ" val="6">
+                        <dgm:choose name="Name329">
+                          <dgm:if name="Name330" axis="ch ch" ptType="node node" st="4 1" cnt="1 0" func="cnt" op="equ" val="1">
+                            <dgm:alg type="cycle">
+                              <dgm:param type="ctrShpMap" val="fNode"/>
+                              <dgm:param type="stAng" val="180"/>
+                            </dgm:alg>
+                          </dgm:if>
+                          <dgm:if name="Name331" axis="ch ch" ptType="node node" st="4 1" cnt="1 0" func="cnt" op="equ" val="2">
+                            <dgm:alg type="cycle">
+                              <dgm:param type="ctrShpMap" val="fNode"/>
+                              <dgm:param type="stAng" val="225"/>
+                              <dgm:param type="spanAng" val="-90"/>
+                            </dgm:alg>
+                          </dgm:if>
+                          <dgm:else name="Name332">
+                            <dgm:alg type="cycle">
+                              <dgm:param type="ctrShpMap" val="fNode"/>
+                              <dgm:param type="stAng" val="0"/>
+                              <dgm:param type="spanAng" val="-360"/>
+                            </dgm:alg>
+                          </dgm:else>
+                        </dgm:choose>
+                      </dgm:if>
+                      <dgm:if name="Name333" axis="ch" ptType="node" func="cnt" op="gte" val="7">
+                        <dgm:choose name="Name334">
+                          <dgm:if name="Name335" axis="ch ch" ptType="node node" st="4 1" cnt="1 0" func="cnt" op="equ" val="1">
+                            <dgm:alg type="cycle">
+                              <dgm:param type="ctrShpMap" val="fNode"/>
+                              <dgm:param type="stAng" val="205"/>
+                            </dgm:alg>
+                          </dgm:if>
+                          <dgm:if name="Name336" axis="ch ch" ptType="node node" st="4 1" cnt="1 0" func="cnt" op="equ" val="2">
+                            <dgm:alg type="cycle">
+                              <dgm:param type="ctrShpMap" val="fNode"/>
+                              <dgm:param type="stAng" val="250"/>
+                              <dgm:param type="spanAng" val="-90"/>
+                            </dgm:alg>
+                          </dgm:if>
+                          <dgm:else name="Name337">
+                            <dgm:alg type="cycle">
+                              <dgm:param type="ctrShpMap" val="fNode"/>
+                              <dgm:param type="stAng" val="0"/>
+                              <dgm:param type="spanAng" val="-360"/>
+                            </dgm:alg>
+                          </dgm:else>
+                        </dgm:choose>
+                      </dgm:if>
+                      <dgm:else name="Name338"/>
+                    </dgm:choose>
+                  </dgm:else>
+                </dgm:choose>
+                <dgm:shape xmlns:r="http://schemas.openxmlformats.org/officeDocument/2006/relationships" r:blip="">
+                  <dgm:adjLst/>
+                </dgm:shape>
+                <dgm:presOf/>
+                <dgm:constrLst>
+                  <dgm:constr type="sp" refType="w" fact="0.1"/>
+                  <dgm:constr type="sibSp" refType="w" fact="0.1"/>
+                </dgm:constrLst>
+                <dgm:forEach name="Name339" axis="ch" ptType="node" st="4" cnt="1">
+                  <dgm:layoutNode name="childCenter4" styleLbl="node1">
+                    <dgm:alg type="tx"/>
+                    <dgm:shape xmlns:r="http://schemas.openxmlformats.org/officeDocument/2006/relationships" type="roundRect" r:blip="">
+                      <dgm:adjLst/>
+                    </dgm:shape>
+                    <dgm:presOf axis="self" ptType="node"/>
+                    <dgm:constrLst>
+                      <dgm:constr type="userS"/>
+                      <dgm:constr type="w" refType="userS"/>
+                      <dgm:constr type="h" refType="w"/>
+                      <dgm:constr type="tMarg" refType="primFontSz" fact="0.2"/>
+                      <dgm:constr type="bMarg" refType="primFontSz" fact="0.2"/>
+                      <dgm:constr type="lMarg" refType="primFontSz" fact="0.2"/>
+                      <dgm:constr type="rMarg" refType="primFontSz" fact="0.2"/>
+                    </dgm:constrLst>
+                    <dgm:ruleLst>
+                      <dgm:rule type="primFontSz" val="5" fact="NaN" max="NaN"/>
+                    </dgm:ruleLst>
+                  </dgm:layoutNode>
+                  <dgm:forEach name="Name340" axis="ch">
+                    <dgm:forEach name="Name341" axis="self" ptType="parTrans">
+                      <dgm:layoutNode name="Name342">
+                        <dgm:alg type="conn">
+                          <dgm:param type="dim" val="1D"/>
+                          <dgm:param type="begPts" val="auto"/>
+                          <dgm:param type="endPts" val="auto"/>
+                          <dgm:param type="begSty" val="noArr"/>
+                          <dgm:param type="endSty" val="noArr"/>
+                        </dgm:alg>
+                        <dgm:shape xmlns:r="http://schemas.openxmlformats.org/officeDocument/2006/relationships" type="conn" r:blip="">
+                          <dgm:adjLst/>
+                        </dgm:shape>
+                        <dgm:presOf axis="self"/>
+                        <dgm:constrLst>
+                          <dgm:constr type="begPad"/>
+                          <dgm:constr type="endPad"/>
+                        </dgm:constrLst>
+                      </dgm:layoutNode>
+                    </dgm:forEach>
+                    <dgm:forEach name="Name343" axis="self" ptType="node">
+                      <dgm:layoutNode name="text4" styleLbl="node1">
+                        <dgm:varLst>
+                          <dgm:bulletEnabled val="1"/>
+                        </dgm:varLst>
+                        <dgm:alg type="tx"/>
+                        <dgm:shape xmlns:r="http://schemas.openxmlformats.org/officeDocument/2006/relationships" type="roundRect" r:blip="">
+                          <dgm:adjLst/>
+                        </dgm:shape>
+                        <dgm:presOf axis="desOrSelf" ptType="node"/>
+                        <dgm:constrLst>
+                          <dgm:constr type="userS"/>
+                          <dgm:constr type="w" refType="userS"/>
+                          <dgm:constr type="h" refType="w"/>
+                          <dgm:constr type="tMarg" refType="primFontSz" fact="0.2"/>
+                          <dgm:constr type="bMarg" refType="primFontSz" fact="0.2"/>
+                          <dgm:constr type="lMarg" refType="primFontSz" fact="0.2"/>
+                          <dgm:constr type="rMarg" refType="primFontSz" fact="0.2"/>
+                        </dgm:constrLst>
+                        <dgm:ruleLst>
+                          <dgm:rule type="primFontSz" val="5" fact="NaN" max="NaN"/>
+                        </dgm:ruleLst>
+                      </dgm:layoutNode>
+                    </dgm:forEach>
+                  </dgm:forEach>
+                </dgm:forEach>
+              </dgm:layoutNode>
+              <dgm:forEach name="Name344" axis="ch" ptType="parTrans" st="4" cnt="1">
+                <dgm:layoutNode name="Name345">
+                  <dgm:alg type="conn">
+                    <dgm:param type="dim" val="1D"/>
+                    <dgm:param type="begPts" val="auto"/>
+                    <dgm:param type="endPts" val="auto"/>
+                    <dgm:param type="endSty" val="noArr"/>
+                    <dgm:param type="srcNode" val="textCenter"/>
+                    <dgm:param type="dstNode" val="childCenter4"/>
+                  </dgm:alg>
+                  <dgm:shape xmlns:r="http://schemas.openxmlformats.org/officeDocument/2006/relationships" type="conn" r:blip="" zOrderOff="-999">
+                    <dgm:adjLst/>
+                  </dgm:shape>
+                  <dgm:presOf axis="self"/>
+                  <dgm:constrLst>
+                    <dgm:constr type="h"/>
+                    <dgm:constr type="begPad"/>
+                    <dgm:constr type="endPad"/>
+                  </dgm:constrLst>
+                </dgm:layoutNode>
+              </dgm:forEach>
+            </dgm:if>
+            <dgm:else name="Name346"/>
+          </dgm:choose>
+          <dgm:choose name="Name347">
+            <dgm:if name="Name348" axis="ch" ptType="node" func="cnt" op="gte" val="5">
+              <dgm:layoutNode name="cycle_5">
+                <dgm:choose name="Name349">
+                  <dgm:if name="Name350" func="var" arg="dir" op="equ" val="norm">
+                    <dgm:choose name="Name351">
+                      <dgm:if name="Name352" axis="ch" ptType="node" func="cnt" op="equ" val="5">
+                        <dgm:choose name="Name353">
+                          <dgm:if name="Name354" axis="ch ch" ptType="node node" st="5 1" cnt="1 0" func="cnt" op="equ" val="1">
+                            <dgm:alg type="cycle">
+                              <dgm:param type="ctrShpMap" val="fNode"/>
+                              <dgm:param type="stAng" val="288"/>
+                            </dgm:alg>
+                          </dgm:if>
+                          <dgm:if name="Name355" axis="ch ch" ptType="node node" st="5 1" cnt="1 0" func="cnt" op="equ" val="2">
+                            <dgm:alg type="cycle">
+                              <dgm:param type="ctrShpMap" val="fNode"/>
+                              <dgm:param type="stAng" val="243"/>
+                              <dgm:param type="spanAng" val="90"/>
+                            </dgm:alg>
+                          </dgm:if>
+                          <dgm:else name="Name356">
+                            <dgm:alg type="cycle">
+                              <dgm:param type="ctrShpMap" val="fNode"/>
+                              <dgm:param type="stAng" val="0"/>
+                              <dgm:param type="spanAng" val="360"/>
+                            </dgm:alg>
+                          </dgm:else>
+                        </dgm:choose>
+                      </dgm:if>
+                      <dgm:if name="Name357" axis="ch" ptType="node" func="cnt" op="equ" val="6">
+                        <dgm:choose name="Name358">
+                          <dgm:if name="Name359" axis="ch ch" ptType="node node" st="5 1" cnt="1 0" func="cnt" op="equ" val="1">
+                            <dgm:alg type="cycle">
+                              <dgm:param type="ctrShpMap" val="fNode"/>
+                              <dgm:param type="stAng" val="240"/>
+                            </dgm:alg>
+                          </dgm:if>
+                          <dgm:if name="Name360" axis="ch ch" ptType="node node" st="5 1" cnt="1 0" func="cnt" op="equ" val="2">
+                            <dgm:alg type="cycle">
+                              <dgm:param type="ctrShpMap" val="fNode"/>
+                              <dgm:param type="stAng" val="195"/>
+                              <dgm:param type="spanAng" val="90"/>
+                            </dgm:alg>
+                          </dgm:if>
+                          <dgm:else name="Name361">
+                            <dgm:alg type="cycle">
+                              <dgm:param type="ctrShpMap" val="fNode"/>
+                              <dgm:param type="stAng" val="0"/>
+                              <dgm:param type="spanAng" val="360"/>
+                            </dgm:alg>
+                          </dgm:else>
+                        </dgm:choose>
+                      </dgm:if>
+                      <dgm:if name="Name362" axis="ch" ptType="node" func="cnt" op="gte" val="7">
+                        <dgm:choose name="Name363">
+                          <dgm:if name="Name364" axis="ch ch" ptType="node node" st="5 1" cnt="1 0" func="cnt" op="equ" val="1">
+                            <dgm:alg type="cycle">
+                              <dgm:param type="ctrShpMap" val="fNode"/>
+                              <dgm:param type="stAng" val="205"/>
+                            </dgm:alg>
+                          </dgm:if>
+                          <dgm:if name="Name365" axis="ch ch" ptType="node node" st="5 1" cnt="1 0" func="cnt" op="equ" val="2">
+                            <dgm:alg type="cycle">
+                              <dgm:param type="ctrShpMap" val="fNode"/>
+                              <dgm:param type="stAng" val="160"/>
+                              <dgm:param type="spanAng" val="90"/>
+                            </dgm:alg>
+                          </dgm:if>
+                          <dgm:else name="Name366">
+                            <dgm:alg type="cycle">
+                              <dgm:param type="ctrShpMap" val="fNode"/>
+                              <dgm:param type="stAng" val="0"/>
+                              <dgm:param type="spanAng" val="360"/>
+                            </dgm:alg>
+                          </dgm:else>
+                        </dgm:choose>
+                      </dgm:if>
+                      <dgm:else name="Name367"/>
+                    </dgm:choose>
+                  </dgm:if>
+                  <dgm:else name="Name368">
+                    <dgm:choose name="Name369">
+                      <dgm:if name="Name370" axis="ch" ptType="node" func="cnt" op="equ" val="5">
+                        <dgm:choose name="Name371">
+                          <dgm:if name="Name372" axis="ch ch" ptType="node node" st="5 1" cnt="1 0" func="cnt" op="equ" val="1">
+                            <dgm:alg type="cycle">
+                              <dgm:param type="ctrShpMap" val="fNode"/>
+                              <dgm:param type="stAng" val="72"/>
+                            </dgm:alg>
+                          </dgm:if>
+                          <dgm:if name="Name373" axis="ch ch" ptType="node node" st="5 1" cnt="1 0" func="cnt" op="equ" val="2">
+                            <dgm:alg type="cycle">
+                              <dgm:param type="ctrShpMap" val="fNode"/>
+                              <dgm:param type="stAng" val="117"/>
+                              <dgm:param type="spanAng" val="-90"/>
+                            </dgm:alg>
+                          </dgm:if>
+                          <dgm:else name="Name374">
+                            <dgm:alg type="cycle">
+                              <dgm:param type="ctrShpMap" val="fNode"/>
+                              <dgm:param type="stAng" val="0"/>
+                              <dgm:param type="spanAng" val="-360"/>
+                            </dgm:alg>
+                          </dgm:else>
+                        </dgm:choose>
+                      </dgm:if>
+                      <dgm:if name="Name375" axis="ch" ptType="node" func="cnt" op="equ" val="6">
+                        <dgm:choose name="Name376">
+                          <dgm:if name="Name377" axis="ch ch" ptType="node node" st="5 1" cnt="1 0" func="cnt" op="equ" val="1">
+                            <dgm:alg type="cycle">
+                              <dgm:param type="ctrShpMap" val="fNode"/>
+                              <dgm:param type="stAng" val="120"/>
+                            </dgm:alg>
+                          </dgm:if>
+                          <dgm:if name="Name378" axis="ch ch" ptType="node node" st="5 1" cnt="1 0" func="cnt" op="equ" val="2">
+                            <dgm:alg type="cycle">
+                              <dgm:param type="ctrShpMap" val="fNode"/>
+                              <dgm:param type="stAng" val="165"/>
+                              <dgm:param type="spanAng" val="-90"/>
+                            </dgm:alg>
+                          </dgm:if>
+                          <dgm:else name="Name379">
+                            <dgm:alg type="cycle">
+                              <dgm:param type="ctrShpMap" val="fNode"/>
+                              <dgm:param type="stAng" val="0"/>
+                              <dgm:param type="spanAng" val="-360"/>
+                            </dgm:alg>
+                          </dgm:else>
+                        </dgm:choose>
+                      </dgm:if>
+                      <dgm:if name="Name380" axis="ch" ptType="node" func="cnt" op="gte" val="7">
+                        <dgm:choose name="Name381">
+                          <dgm:if name="Name382" axis="ch ch" ptType="node node" st="5 1" cnt="1 0" func="cnt" op="equ" val="1">
+                            <dgm:alg type="cycle">
+                              <dgm:param type="ctrShpMap" val="fNode"/>
+                              <dgm:param type="stAng" val="154"/>
+                            </dgm:alg>
+                          </dgm:if>
+                          <dgm:if name="Name383" axis="ch ch" ptType="node node" st="5 1" cnt="1 0" func="cnt" op="equ" val="2">
+                            <dgm:alg type="cycle">
+                              <dgm:param type="ctrShpMap" val="fNode"/>
+                              <dgm:param type="stAng" val="199"/>
+                              <dgm:param type="spanAng" val="-90"/>
+                            </dgm:alg>
+                          </dgm:if>
+                          <dgm:else name="Name384">
+                            <dgm:alg type="cycle">
+                              <dgm:param type="ctrShpMap" val="fNode"/>
+                              <dgm:param type="stAng" val="0"/>
+                              <dgm:param type="spanAng" val="-360"/>
+                            </dgm:alg>
+                          </dgm:else>
+                        </dgm:choose>
+                      </dgm:if>
+                      <dgm:else name="Name385"/>
+                    </dgm:choose>
+                  </dgm:else>
+                </dgm:choose>
+                <dgm:shape xmlns:r="http://schemas.openxmlformats.org/officeDocument/2006/relationships" r:blip="">
+                  <dgm:adjLst/>
+                </dgm:shape>
+                <dgm:presOf/>
+                <dgm:constrLst>
+                  <dgm:constr type="sp" refType="w" fact="0.1"/>
+                  <dgm:constr type="sibSp" refType="w" fact="0.1"/>
+                </dgm:constrLst>
+                <dgm:forEach name="Name386" axis="ch" ptType="node" st="5" cnt="1">
+                  <dgm:layoutNode name="childCenter5" styleLbl="node1">
+                    <dgm:alg type="tx"/>
+                    <dgm:shape xmlns:r="http://schemas.openxmlformats.org/officeDocument/2006/relationships" type="roundRect" r:blip="">
+                      <dgm:adjLst/>
+                    </dgm:shape>
+                    <dgm:presOf axis="self" ptType="node"/>
+                    <dgm:constrLst>
+                      <dgm:constr type="userS"/>
+                      <dgm:constr type="w" refType="userS"/>
+                      <dgm:constr type="h" refType="w"/>
+                      <dgm:constr type="tMarg" refType="primFontSz" fact="0.2"/>
+                      <dgm:constr type="bMarg" refType="primFontSz" fact="0.2"/>
+                      <dgm:constr type="lMarg" refType="primFontSz" fact="0.2"/>
+                      <dgm:constr type="rMarg" refType="primFontSz" fact="0.2"/>
+                    </dgm:constrLst>
+                    <dgm:ruleLst>
+                      <dgm:rule type="primFontSz" val="5" fact="NaN" max="NaN"/>
+                    </dgm:ruleLst>
+                  </dgm:layoutNode>
+                  <dgm:forEach name="Name387" axis="ch">
+                    <dgm:forEach name="Name388" axis="self" ptType="parTrans">
+                      <dgm:layoutNode name="Name389">
+                        <dgm:alg type="conn">
+                          <dgm:param type="dim" val="1D"/>
+                          <dgm:param type="begPts" val="auto"/>
+                          <dgm:param type="endPts" val="auto"/>
+                          <dgm:param type="begSty" val="noArr"/>
+                          <dgm:param type="endSty" val="noArr"/>
+                        </dgm:alg>
+                        <dgm:shape xmlns:r="http://schemas.openxmlformats.org/officeDocument/2006/relationships" type="conn" r:blip="">
+                          <dgm:adjLst/>
+                        </dgm:shape>
+                        <dgm:presOf axis="self"/>
+                        <dgm:constrLst>
+                          <dgm:constr type="begPad"/>
+                          <dgm:constr type="endPad"/>
+                        </dgm:constrLst>
+                      </dgm:layoutNode>
+                    </dgm:forEach>
+                    <dgm:forEach name="Name390" axis="self" ptType="node">
+                      <dgm:layoutNode name="text5" styleLbl="node1">
+                        <dgm:varLst>
+                          <dgm:bulletEnabled val="1"/>
+                        </dgm:varLst>
+                        <dgm:alg type="tx"/>
+                        <dgm:shape xmlns:r="http://schemas.openxmlformats.org/officeDocument/2006/relationships" type="roundRect" r:blip="">
+                          <dgm:adjLst/>
+                        </dgm:shape>
+                        <dgm:presOf axis="desOrSelf" ptType="node"/>
+                        <dgm:constrLst>
+                          <dgm:constr type="userS"/>
+                          <dgm:constr type="w" refType="userS"/>
+                          <dgm:constr type="h" refType="w"/>
+                          <dgm:constr type="tMarg" refType="primFontSz" fact="0.2"/>
+                          <dgm:constr type="bMarg" refType="primFontSz" fact="0.2"/>
+                          <dgm:constr type="lMarg" refType="primFontSz" fact="0.2"/>
+                          <dgm:constr type="rMarg" refType="primFontSz" fact="0.2"/>
+                        </dgm:constrLst>
+                        <dgm:ruleLst>
+                          <dgm:rule type="primFontSz" val="5" fact="NaN" max="NaN"/>
+                        </dgm:ruleLst>
+                      </dgm:layoutNode>
+                    </dgm:forEach>
+                  </dgm:forEach>
+                </dgm:forEach>
+              </dgm:layoutNode>
+              <dgm:forEach name="Name391" axis="ch" ptType="parTrans" st="5" cnt="1">
+                <dgm:layoutNode name="Name392">
+                  <dgm:alg type="conn">
+                    <dgm:param type="dim" val="1D"/>
+                    <dgm:param type="begPts" val="auto"/>
+                    <dgm:param type="endPts" val="auto"/>
+                    <dgm:param type="endSty" val="noArr"/>
+                    <dgm:param type="srcNode" val="textCenter"/>
+                    <dgm:param type="dstNode" val="childCenter5"/>
+                  </dgm:alg>
+                  <dgm:shape xmlns:r="http://schemas.openxmlformats.org/officeDocument/2006/relationships" type="conn" r:blip="" zOrderOff="-999">
+                    <dgm:adjLst/>
+                  </dgm:shape>
+                  <dgm:presOf axis="self"/>
+                  <dgm:constrLst>
+                    <dgm:constr type="h"/>
+                    <dgm:constr type="begPad"/>
+                    <dgm:constr type="endPad"/>
+                  </dgm:constrLst>
+                </dgm:layoutNode>
+              </dgm:forEach>
+            </dgm:if>
+            <dgm:else name="Name393"/>
+          </dgm:choose>
+          <dgm:choose name="Name394">
+            <dgm:if name="Name395" axis="ch" ptType="node" func="cnt" op="gte" val="6">
+              <dgm:layoutNode name="cycle_6">
+                <dgm:choose name="Name396">
+                  <dgm:if name="Name397" func="var" arg="dir" op="equ" val="norm">
+                    <dgm:choose name="Name398">
+                      <dgm:if name="Name399" axis="ch" ptType="node" func="cnt" op="equ" val="6">
+                        <dgm:choose name="Name400">
+                          <dgm:if name="Name401" axis="ch ch" ptType="node node" st="6 1" cnt="1 0" func="cnt" op="equ" val="1">
+                            <dgm:alg type="cycle">
+                              <dgm:param type="ctrShpMap" val="fNode"/>
+                              <dgm:param type="stAng" val="300"/>
+                            </dgm:alg>
+                          </dgm:if>
+                          <dgm:if name="Name402" axis="ch ch" ptType="node node" st="6 1" cnt="1 0" func="cnt" op="equ" val="2">
+                            <dgm:alg type="cycle">
+                              <dgm:param type="ctrShpMap" val="fNode"/>
+                              <dgm:param type="stAng" val="255"/>
+                              <dgm:param type="spanAng" val="90"/>
+                            </dgm:alg>
+                          </dgm:if>
+                          <dgm:else name="Name403">
+                            <dgm:alg type="cycle">
+                              <dgm:param type="ctrShpMap" val="fNode"/>
+                              <dgm:param type="stAng" val="0"/>
+                              <dgm:param type="spanAng" val="360"/>
+                            </dgm:alg>
+                          </dgm:else>
+                        </dgm:choose>
+                      </dgm:if>
+                      <dgm:if name="Name404" axis="ch" ptType="node" func="cnt" op="gte" val="7">
+                        <dgm:choose name="Name405">
+                          <dgm:if name="Name406" axis="ch ch" ptType="node node" st="6 1" cnt="1 0" func="cnt" op="equ" val="1">
+                            <dgm:alg type="cycle">
+                              <dgm:param type="ctrShpMap" val="fNode"/>
+                              <dgm:param type="stAng" val="257"/>
+                            </dgm:alg>
+                          </dgm:if>
+                          <dgm:if name="Name407" axis="ch ch" ptType="node node" st="6 1" cnt="1 0" func="cnt" op="equ" val="2">
+                            <dgm:alg type="cycle">
+                              <dgm:param type="ctrShpMap" val="fNode"/>
+                              <dgm:param type="stAng" val="212"/>
+                              <dgm:param type="spanAng" val="90"/>
+                            </dgm:alg>
+                          </dgm:if>
+                          <dgm:else name="Name408">
+                            <dgm:alg type="cycle">
+                              <dgm:param type="ctrShpMap" val="fNode"/>
+                              <dgm:param type="stAng" val="0"/>
+                              <dgm:param type="spanAng" val="360"/>
+                            </dgm:alg>
+                          </dgm:else>
+                        </dgm:choose>
+                      </dgm:if>
+                      <dgm:else name="Name409"/>
+                    </dgm:choose>
+                  </dgm:if>
+                  <dgm:else name="Name410">
+                    <dgm:choose name="Name411">
+                      <dgm:if name="Name412" axis="ch" ptType="node" func="cnt" op="equ" val="6">
+                        <dgm:choose name="Name413">
+                          <dgm:if name="Name414" axis="ch ch" ptType="node node" st="6 1" cnt="1 0" func="cnt" op="equ" val="1">
+                            <dgm:alg type="cycle">
+                              <dgm:param type="ctrShpMap" val="fNode"/>
+                              <dgm:param type="stAng" val="60"/>
+                            </dgm:alg>
+                          </dgm:if>
+                          <dgm:if name="Name415" axis="ch ch" ptType="node node" st="6 1" cnt="1 0" func="cnt" op="equ" val="2">
+                            <dgm:alg type="cycle">
+                              <dgm:param type="ctrShpMap" val="fNode"/>
+                              <dgm:param type="stAng" val="105"/>
+                              <dgm:param type="spanAng" val="-90"/>
+                            </dgm:alg>
+                          </dgm:if>
+                          <dgm:else name="Name416">
+                            <dgm:alg type="cycle">
+                              <dgm:param type="ctrShpMap" val="fNode"/>
+                              <dgm:param type="stAng" val="0"/>
+                              <dgm:param type="spanAng" val="-360"/>
+                            </dgm:alg>
+                          </dgm:else>
+                        </dgm:choose>
+                      </dgm:if>
+                      <dgm:if name="Name417" axis="ch" ptType="node" func="cnt" op="gte" val="7">
+                        <dgm:choose name="Name418">
+                          <dgm:if name="Name419" axis="ch ch" ptType="node node" st="6 1" cnt="1 0" func="cnt" op="equ" val="1">
+                            <dgm:alg type="cycle">
+                              <dgm:param type="ctrShpMap" val="fNode"/>
+                              <dgm:param type="stAng" val="102"/>
+                            </dgm:alg>
+                          </dgm:if>
+                          <dgm:if name="Name420" axis="ch ch" ptType="node node" st="6 1" cnt="1 0" func="cnt" op="equ" val="2">
+                            <dgm:alg type="cycle">
+                              <dgm:param type="ctrShpMap" val="fNode"/>
+                              <dgm:param type="stAng" val="147"/>
+                              <dgm:param type="spanAng" val="-90"/>
+                            </dgm:alg>
+                          </dgm:if>
+                          <dgm:else name="Name421">
+                            <dgm:alg type="cycle">
+                              <dgm:param type="ctrShpMap" val="fNode"/>
+                              <dgm:param type="stAng" val="0"/>
+                              <dgm:param type="spanAng" val="-360"/>
+                            </dgm:alg>
+                          </dgm:else>
+                        </dgm:choose>
+                      </dgm:if>
+                      <dgm:else name="Name422"/>
+                    </dgm:choose>
+                  </dgm:else>
+                </dgm:choose>
+                <dgm:shape xmlns:r="http://schemas.openxmlformats.org/officeDocument/2006/relationships" r:blip="">
+                  <dgm:adjLst/>
+                </dgm:shape>
+                <dgm:presOf/>
+                <dgm:constrLst>
+                  <dgm:constr type="sp" refType="w" fact="0.1"/>
+                  <dgm:constr type="sibSp" refType="w" fact="0.1"/>
+                </dgm:constrLst>
+                <dgm:forEach name="Name423" axis="ch" ptType="node" st="6" cnt="1">
+                  <dgm:layoutNode name="childCenter6" styleLbl="node1">
+                    <dgm:alg type="tx"/>
+                    <dgm:shape xmlns:r="http://schemas.openxmlformats.org/officeDocument/2006/relationships" type="roundRect" r:blip="">
+                      <dgm:adjLst/>
+                    </dgm:shape>
+                    <dgm:presOf axis="self" ptType="node"/>
+                    <dgm:constrLst>
+                      <dgm:constr type="userS"/>
+                      <dgm:constr type="w" refType="userS"/>
+                      <dgm:constr type="h" refType="w"/>
+                      <dgm:constr type="tMarg" refType="primFontSz" fact="0.2"/>
+                      <dgm:constr type="bMarg" refType="primFontSz" fact="0.2"/>
+                      <dgm:constr type="lMarg" refType="primFontSz" fact="0.2"/>
+                      <dgm:constr type="rMarg" refType="primFontSz" fact="0.2"/>
+                    </dgm:constrLst>
+                    <dgm:ruleLst>
+                      <dgm:rule type="primFontSz" val="5" fact="NaN" max="NaN"/>
+                    </dgm:ruleLst>
+                  </dgm:layoutNode>
+                  <dgm:forEach name="Name424" axis="ch">
+                    <dgm:forEach name="Name425" axis="self" ptType="parTrans">
+                      <dgm:layoutNode name="Name426">
+                        <dgm:alg type="conn">
+                          <dgm:param type="dim" val="1D"/>
+                          <dgm:param type="begPts" val="auto"/>
+                          <dgm:param type="endPts" val="auto"/>
+                          <dgm:param type="begSty" val="noArr"/>
+                          <dgm:param type="endSty" val="noArr"/>
+                        </dgm:alg>
+                        <dgm:shape xmlns:r="http://schemas.openxmlformats.org/officeDocument/2006/relationships" type="conn" r:blip="">
+                          <dgm:adjLst/>
+                        </dgm:shape>
+                        <dgm:presOf axis="self"/>
+                        <dgm:constrLst>
+                          <dgm:constr type="begPad"/>
+                          <dgm:constr type="endPad"/>
+                        </dgm:constrLst>
+                      </dgm:layoutNode>
+                    </dgm:forEach>
+                    <dgm:forEach name="Name427" axis="self" ptType="node">
+                      <dgm:layoutNode name="text6" styleLbl="node1">
+                        <dgm:varLst>
+                          <dgm:bulletEnabled val="1"/>
+                        </dgm:varLst>
+                        <dgm:alg type="tx"/>
+                        <dgm:shape xmlns:r="http://schemas.openxmlformats.org/officeDocument/2006/relationships" type="roundRect" r:blip="">
+                          <dgm:adjLst/>
+                        </dgm:shape>
+                        <dgm:presOf axis="desOrSelf" ptType="node"/>
+                        <dgm:constrLst>
+                          <dgm:constr type="userS"/>
+                          <dgm:constr type="w" refType="userS"/>
+                          <dgm:constr type="h" refType="w"/>
+                          <dgm:constr type="tMarg" refType="primFontSz" fact="0.2"/>
+                          <dgm:constr type="bMarg" refType="primFontSz" fact="0.2"/>
+                          <dgm:constr type="lMarg" refType="primFontSz" fact="0.2"/>
+                          <dgm:constr type="rMarg" refType="primFontSz" fact="0.2"/>
+                        </dgm:constrLst>
+                        <dgm:ruleLst>
+                          <dgm:rule type="primFontSz" val="5" fact="NaN" max="NaN"/>
+                        </dgm:ruleLst>
+                      </dgm:layoutNode>
+                    </dgm:forEach>
+                  </dgm:forEach>
+                </dgm:forEach>
+              </dgm:layoutNode>
+              <dgm:forEach name="Name428" axis="ch" ptType="parTrans" st="6" cnt="1">
+                <dgm:layoutNode name="Name429">
+                  <dgm:alg type="conn">
+                    <dgm:param type="dim" val="1D"/>
+                    <dgm:param type="begPts" val="auto"/>
+                    <dgm:param type="endPts" val="auto"/>
+                    <dgm:param type="endSty" val="noArr"/>
+                    <dgm:param type="srcNode" val="textCenter"/>
+                    <dgm:param type="dstNode" val="childCenter6"/>
+                  </dgm:alg>
+                  <dgm:shape xmlns:r="http://schemas.openxmlformats.org/officeDocument/2006/relationships" type="conn" r:blip="" zOrderOff="-999">
+                    <dgm:adjLst/>
+                  </dgm:shape>
+                  <dgm:presOf axis="self"/>
+                  <dgm:constrLst>
+                    <dgm:constr type="h"/>
+                    <dgm:constr type="begPad"/>
+                    <dgm:constr type="endPad"/>
+                  </dgm:constrLst>
+                </dgm:layoutNode>
+              </dgm:forEach>
+            </dgm:if>
+            <dgm:else name="Name430"/>
+          </dgm:choose>
+          <dgm:choose name="Name431">
+            <dgm:if name="Name432" axis="ch" ptType="node" func="cnt" op="gte" val="7">
+              <dgm:layoutNode name="cycle_7">
+                <dgm:choose name="Name433">
+                  <dgm:if name="Name434" func="var" arg="dir" op="equ" val="norm">
+                    <dgm:choose name="Name435">
+                      <dgm:if name="Name436" axis="ch" ptType="node" func="cnt" op="gte" val="7">
+                        <dgm:choose name="Name437">
+                          <dgm:if name="Name438" axis="ch ch" ptType="node node" st="7 1" cnt="1 0" func="cnt" op="equ" val="1">
+                            <dgm:alg type="cycle">
+                              <dgm:param type="ctrShpMap" val="fNode"/>
+                              <dgm:param type="stAng" val="308"/>
+                            </dgm:alg>
+                          </dgm:if>
+                          <dgm:if name="Name439" axis="ch ch" ptType="node node" st="7 1" cnt="1 0" func="cnt" op="equ" val="2">
+                            <dgm:alg type="cycle">
+                              <dgm:param type="ctrShpMap" val="fNode"/>
+                              <dgm:param type="stAng" val="263"/>
+                              <dgm:param type="spanAng" val="90"/>
+                            </dgm:alg>
+                          </dgm:if>
+                          <dgm:else name="Name440">
+                            <dgm:alg type="cycle">
+                              <dgm:param type="ctrShpMap" val="fNode"/>
+                              <dgm:param type="stAng" val="0"/>
+                              <dgm:param type="spanAng" val="360"/>
+                            </dgm:alg>
+                          </dgm:else>
+                        </dgm:choose>
+                      </dgm:if>
+                      <dgm:else name="Name441"/>
+                    </dgm:choose>
+                  </dgm:if>
+                  <dgm:else name="Name442">
+                    <dgm:choose name="Name443">
+                      <dgm:if name="Name444" axis="ch" ptType="node" func="cnt" op="gte" val="7">
+                        <dgm:choose name="Name445">
+                          <dgm:if name="Name446" axis="ch ch" ptType="node node" st="7 1" cnt="1 0" func="cnt" op="equ" val="1">
+                            <dgm:alg type="cycle">
+                              <dgm:param type="ctrShpMap" val="fNode"/>
+                              <dgm:param type="stAng" val="51"/>
+                            </dgm:alg>
+                          </dgm:if>
+                          <dgm:if name="Name447" axis="ch ch" ptType="node node" st="7 1" cnt="1 0" func="cnt" op="equ" val="2">
+                            <dgm:alg type="cycle">
+                              <dgm:param type="ctrShpMap" val="fNode"/>
+                              <dgm:param type="stAng" val="96"/>
+                              <dgm:param type="spanAng" val="-90"/>
+                            </dgm:alg>
+                          </dgm:if>
+                          <dgm:else name="Name448">
+                            <dgm:alg type="cycle">
+                              <dgm:param type="ctrShpMap" val="fNode"/>
+                              <dgm:param type="stAng" val="0"/>
+                              <dgm:param type="spanAng" val="-360"/>
+                            </dgm:alg>
+                          </dgm:else>
+                        </dgm:choose>
+                      </dgm:if>
+                      <dgm:else name="Name449"/>
+                    </dgm:choose>
+                  </dgm:else>
+                </dgm:choose>
+                <dgm:shape xmlns:r="http://schemas.openxmlformats.org/officeDocument/2006/relationships" r:blip="">
+                  <dgm:adjLst/>
+                </dgm:shape>
+                <dgm:presOf/>
+                <dgm:constrLst>
+                  <dgm:constr type="sp" refType="w" fact="0.1"/>
+                  <dgm:constr type="sibSp" refType="w" fact="0.1"/>
+                </dgm:constrLst>
+                <dgm:forEach name="Name450" axis="ch" ptType="node" st="7" cnt="1">
+                  <dgm:layoutNode name="childCenter7" styleLbl="node1">
+                    <dgm:alg type="tx"/>
+                    <dgm:shape xmlns:r="http://schemas.openxmlformats.org/officeDocument/2006/relationships" type="roundRect" r:blip="">
+                      <dgm:adjLst/>
+                    </dgm:shape>
+                    <dgm:presOf axis="self" ptType="node"/>
+                    <dgm:constrLst>
+                      <dgm:constr type="userS"/>
+                      <dgm:constr type="w" refType="userS"/>
+                      <dgm:constr type="h" refType="w"/>
+                      <dgm:constr type="tMarg" refType="primFontSz" fact="0.2"/>
+                      <dgm:constr type="bMarg" refType="primFontSz" fact="0.2"/>
+                      <dgm:constr type="lMarg" refType="primFontSz" fact="0.2"/>
+                      <dgm:constr type="rMarg" refType="primFontSz" fact="0.2"/>
+                    </dgm:constrLst>
+                    <dgm:ruleLst>
+                      <dgm:rule type="primFontSz" val="5" fact="NaN" max="NaN"/>
+                    </dgm:ruleLst>
+                  </dgm:layoutNode>
+                  <dgm:forEach name="Name451" axis="ch">
+                    <dgm:forEach name="Name452" axis="self" ptType="parTrans">
+                      <dgm:layoutNode name="Name453">
+                        <dgm:alg type="conn">
+                          <dgm:param type="dim" val="1D"/>
+                          <dgm:param type="begPts" val="auto"/>
+                          <dgm:param type="endPts" val="auto"/>
+                          <dgm:param type="begSty" val="noArr"/>
+                          <dgm:param type="endSty" val="noArr"/>
+                        </dgm:alg>
+                        <dgm:shape xmlns:r="http://schemas.openxmlformats.org/officeDocument/2006/relationships" type="conn" r:blip="">
+                          <dgm:adjLst/>
+                        </dgm:shape>
+                        <dgm:presOf axis="self"/>
+                        <dgm:constrLst>
+                          <dgm:constr type="begPad"/>
+                          <dgm:constr type="endPad"/>
+                        </dgm:constrLst>
+                      </dgm:layoutNode>
+                    </dgm:forEach>
+                    <dgm:forEach name="Name454" axis="self" ptType="node">
+                      <dgm:layoutNode name="text7" styleLbl="node1">
+                        <dgm:varLst>
+                          <dgm:bulletEnabled val="1"/>
+                        </dgm:varLst>
+                        <dgm:alg type="tx"/>
+                        <dgm:shape xmlns:r="http://schemas.openxmlformats.org/officeDocument/2006/relationships" type="roundRect" r:blip="">
+                          <dgm:adjLst/>
+                        </dgm:shape>
+                        <dgm:presOf axis="desOrSelf" ptType="node"/>
+                        <dgm:constrLst>
+                          <dgm:constr type="userS"/>
+                          <dgm:constr type="w" refType="userS"/>
+                          <dgm:constr type="h" refType="w"/>
+                          <dgm:constr type="tMarg" refType="primFontSz" fact="0.2"/>
+                          <dgm:constr type="bMarg" refType="primFontSz" fact="0.2"/>
+                          <dgm:constr type="lMarg" refType="primFontSz" fact="0.2"/>
+                          <dgm:constr type="rMarg" refType="primFontSz" fact="0.2"/>
+                        </dgm:constrLst>
+                        <dgm:ruleLst>
+                          <dgm:rule type="primFontSz" val="5" fact="NaN" max="NaN"/>
+                        </dgm:ruleLst>
+                      </dgm:layoutNode>
+                    </dgm:forEach>
+                  </dgm:forEach>
+                </dgm:forEach>
+              </dgm:layoutNode>
+              <dgm:forEach name="Name455" axis="ch" ptType="parTrans" st="7" cnt="1">
+                <dgm:layoutNode name="Name456">
+                  <dgm:alg type="conn">
+                    <dgm:param type="dim" val="1D"/>
+                    <dgm:param type="begPts" val="auto"/>
+                    <dgm:param type="endPts" val="auto"/>
+                    <dgm:param type="endSty" val="noArr"/>
+                    <dgm:param type="srcNode" val="textCenter"/>
+                    <dgm:param type="dstNode" val="childCenter7"/>
+                  </dgm:alg>
+                  <dgm:shape xmlns:r="http://schemas.openxmlformats.org/officeDocument/2006/relationships" type="conn" r:blip="" zOrderOff="-999">
+                    <dgm:adjLst/>
+                  </dgm:shape>
+                  <dgm:presOf axis="self"/>
+                  <dgm:constrLst>
+                    <dgm:constr type="h"/>
+                    <dgm:constr type="begPad"/>
+                    <dgm:constr type="endPad"/>
+                  </dgm:constrLst>
+                </dgm:layoutNode>
+              </dgm:forEach>
+            </dgm:if>
+            <dgm:else name="Name457"/>
+          </dgm:choose>
+        </dgm:else>
+      </dgm:choose>
+    </dgm:forEach>
+  </dgm:layoutNode>
+</dgm:layoutDef>
+</file>
+
+<file path=ppt/diagrams/quickStyle1.xml><?xml version="1.0" encoding="utf-8"?>
+<dgm:styleDef xmlns:dgm="http://schemas.openxmlformats.org/drawingml/2006/diagram" xmlns:a="http://schemas.openxmlformats.org/drawingml/2006/main" uniqueId="urn:microsoft.com/office/officeart/2005/8/quickstyle/simple1">
+  <dgm:title val=""/>
+  <dgm:desc val=""/>
+  <dgm:catLst>
+    <dgm:cat type="simple" pri="10100"/>
+  </dgm:catLst>
+  <dgm:scene3d>
+    <a:camera prst="orthographicFront"/>
+    <a:lightRig rig="threePt" dir="t"/>
+  </dgm:scene3d>
+  <dgm:styleLbl name="node0">
+    <dgm:scene3d>
+      <a:camera prst="orthographicFront"/>
+      <a:lightRig rig="threePt" dir="t"/>
+    </dgm:scene3d>
+    <dgm:sp3d/>
+    <dgm:txPr/>
+    <dgm:style>
+      <a:lnRef idx="2">
+        <a:scrgbClr r="0" g="0" b="0"/>
+      </a:lnRef>
+      <a:fillRef idx="1">
+        <a:scrgbClr r="0" g="0" b="0"/>
+      </a:fillRef>
+      <a:effectRef idx="0">
+        <a:scrgbClr r="0" g="0" b="0"/>
+      </a:effectRef>
+      <a:fontRef idx="minor">
+        <a:schemeClr val="lt1"/>
+      </a:fontRef>
+    </dgm:style>
+  </dgm:styleLbl>
+  <dgm:styleLbl name="lnNode1">
+    <dgm:scene3d>
+      <a:camera prst="orthographicFront"/>
+      <a:lightRig rig="threePt" dir="t"/>
+    </dgm:scene3d>
+    <dgm:sp3d/>
+    <dgm:txPr/>
+    <dgm:style>
+      <a:lnRef idx="2">
+        <a:scrgbClr r="0" g="0" b="0"/>
+      </a:lnRef>
+      <a:fillRef idx="1">
+        <a:scrgbClr r="0" g="0" b="0"/>
+      </a:fillRef>
+      <a:effectRef idx="0">
+        <a:scrgbClr r="0" g="0" b="0"/>
+      </a:effectRef>
+      <a:fontRef idx="minor">
+        <a:schemeClr val="lt1"/>
+      </a:fontRef>
+    </dgm:style>
+  </dgm:styleLbl>
+  <dgm:styleLbl name="vennNode1">
+    <dgm:scene3d>
+      <a:camera prst="orthographicFront"/>
+      <a:lightRig rig="threePt" dir="t"/>
+    </dgm:scene3d>
+    <dgm:sp3d/>
+    <dgm:txPr/>
+    <dgm:style>
+      <a:lnRef idx="2">
+        <a:scrgbClr r="0" g="0" b="0"/>
+      </a:lnRef>
+      <a:fillRef idx="1">
+        <a:scrgbClr r="0" g="0" b="0"/>
+      </a:fillRef>
+      <a:effectRef idx="0">
+        <a:scrgbClr r="0" g="0" b="0"/>
+      </a:effectRef>
+      <a:fontRef idx="minor">
+        <a:schemeClr val="tx1"/>
+      </a:fontRef>
+    </dgm:style>
+  </dgm:styleLbl>
+  <dgm:styleLbl name="alignNode1">
+    <dgm:scene3d>
+      <a:camera prst="orthographicFront"/>
+      <a:lightRig rig="threePt" dir="t"/>
+    </dgm:scene3d>
+    <dgm:sp3d/>
+    <dgm:txPr/>
+    <dgm:style>
+      <a:lnRef idx="2">
+        <a:scrgbClr r="0" g="0" b="0"/>
+      </a:lnRef>
+      <a:fillRef idx="1">
+        <a:scrgbClr r="0" g="0" b="0"/>
+      </a:fillRef>
+      <a:effectRef idx="0">
+        <a:scrgbClr r="0" g="0" b="0"/>
+      </a:effectRef>
+      <a:fontRef idx="minor">
+        <a:schemeClr val="lt1"/>
+      </a:fontRef>
+    </dgm:style>
+  </dgm:styleLbl>
+  <dgm:styleLbl name="node1">
+    <dgm:scene3d>
+      <a:camera prst="orthographicFront"/>
+      <a:lightRig rig="threePt" dir="t"/>
+    </dgm:scene3d>
+    <dgm:sp3d/>
+    <dgm:txPr/>
+    <dgm:style>
+      <a:lnRef idx="2">
+        <a:scrgbClr r="0" g="0" b="0"/>
+      </a:lnRef>
+      <a:fillRef idx="1">
+        <a:scrgbClr r="0" g="0" b="0"/>
+      </a:fillRef>
+      <a:effectRef idx="0">
+        <a:scrgbClr r="0" g="0" b="0"/>
+      </a:effectRef>
+      <a:fontRef idx="minor">
+        <a:schemeClr val="lt1"/>
+      </a:fontRef>
+    </dgm:style>
+  </dgm:styleLbl>
+  <dgm:styleLbl name="node2">
+    <dgm:scene3d>
+      <a:camera prst="orthographicFront"/>
+      <a:lightRig rig="threePt" dir="t"/>
+    </dgm:scene3d>
+    <dgm:sp3d/>
+    <dgm:txPr/>
+    <dgm:style>
+      <a:lnRef idx="2">
+        <a:scrgbClr r="0" g="0" b="0"/>
+      </a:lnRef>
+      <a:fillRef idx="1">
+        <a:scrgbClr r="0" g="0" b="0"/>
+      </a:fillRef>
+      <a:effectRef idx="0">
+        <a:scrgbClr r="0" g="0" b="0"/>
+      </a:effectRef>
+      <a:fontRef idx="minor">
+        <a:schemeClr val="lt1"/>
+      </a:fontRef>
+    </dgm:style>
+  </dgm:styleLbl>
+  <dgm:styleLbl name="node3">
+    <dgm:scene3d>
+      <a:camera prst="orthographicFront"/>
+      <a:lightRig rig="threePt" dir="t"/>
+    </dgm:scene3d>
+    <dgm:sp3d/>
+    <dgm:txPr/>
+    <dgm:style>
+      <a:lnRef idx="2">
+        <a:scrgbClr r="0" g="0" b="0"/>
+      </a:lnRef>
+      <a:fillRef idx="1">
+        <a:scrgbClr r="0" g="0" b="0"/>
+      </a:fillRef>
+      <a:effectRef idx="0">
+        <a:scrgbClr r="0" g="0" b="0"/>
+      </a:effectRef>
+      <a:fontRef idx="minor">
+        <a:schemeClr val="lt1"/>
+      </a:fontRef>
+    </dgm:style>
+  </dgm:styleLbl>
+  <dgm:styleLbl name="node4">
+    <dgm:scene3d>
+      <a:camera prst="orthographicFront"/>
+      <a:lightRig rig="threePt" dir="t"/>
+    </dgm:scene3d>
+    <dgm:sp3d/>
+    <dgm:txPr/>
+    <dgm:style>
+      <a:lnRef idx="2">
+        <a:scrgbClr r="0" g="0" b="0"/>
+      </a:lnRef>
+      <a:fillRef idx="1">
+        <a:scrgbClr r="0" g="0" b="0"/>
+      </a:fillRef>
+      <a:effectRef idx="0">
+        <a:scrgbClr r="0" g="0" b="0"/>
+      </a:effectRef>
+      <a:fontRef idx="minor">
+        <a:schemeClr val="lt1"/>
+      </a:fontRef>
+    </dgm:style>
+  </dgm:styleLbl>
+  <dgm:styleLbl name="fgImgPlace1">
+    <dgm:scene3d>
+      <a:camera prst="orthographicFront"/>
+      <a:lightRig rig="threePt" dir="t"/>
+    </dgm:scene3d>
+    <dgm:sp3d/>
+    <dgm:txPr/>
+    <dgm:style>
+      <a:lnRef idx="2">
+        <a:scrgbClr r="0" g="0" b="0"/>
+      </a:lnRef>
+      <a:fillRef idx="1">
+        <a:scrgbClr r="0" g="0" b="0"/>
+      </a:fillRef>
+      <a:effectRef idx="0">
+        <a:scrgbClr r="0" g="0" b="0"/>
+      </a:effectRef>
+      <a:fontRef idx="minor"/>
+    </dgm:style>
+  </dgm:styleLbl>
+  <dgm:styleLbl name="alignImgPlace1">
+    <dgm:scene3d>
+      <a:camera prst="orthographicFront"/>
+      <a:lightRig rig="threePt" dir="t"/>
+    </dgm:scene3d>
+    <dgm:sp3d/>
+    <dgm:txPr/>
+    <dgm:style>
+      <a:lnRef idx="2">
+        <a:scrgbClr r="0" g="0" b="0"/>
+      </a:lnRef>
+      <a:fillRef idx="1">
+        <a:scrgbClr r="0" g="0" b="0"/>
+      </a:fillRef>
+      <a:effectRef idx="0">
+        <a:scrgbClr r="0" g="0" b="0"/>
+      </a:effectRef>
+      <a:fontRef idx="minor"/>
+    </dgm:style>
+  </dgm:styleLbl>
+  <dgm:styleLbl name="bgImgPlace1">
+    <dgm:scene3d>
+      <a:camera prst="orthographicFront"/>
+      <a:lightRig rig="threePt" dir="t"/>
+    </dgm:scene3d>
+    <dgm:sp3d/>
+    <dgm:txPr/>
+    <dgm:style>
+      <a:lnRef idx="2">
+        <a:scrgbClr r="0" g="0" b="0"/>
+      </a:lnRef>
+      <a:fillRef idx="1">
+        <a:scrgbClr r="0" g="0" b="0"/>
+      </a:fillRef>
+      <a:effectRef idx="0">
+        <a:scrgbClr r="0" g="0" b="0"/>
+      </a:effectRef>
+      <a:fontRef idx="minor"/>
+    </dgm:style>
+  </dgm:styleLbl>
+  <dgm:styleLbl name="sibTrans2D1">
+    <dgm:scene3d>
+      <a:camera prst="orthographicFront"/>
+      <a:lightRig rig="threePt" dir="t"/>
+    </dgm:scene3d>
+    <dgm:sp3d/>
+    <dgm:txPr/>
+    <dgm:style>
+      <a:lnRef idx="0">
+        <a:scrgbClr r="0" g="0" b="0"/>
+      </a:lnRef>
+      <a:fillRef idx="1">
+        <a:scrgbClr r="0" g="0" b="0"/>
+      </a:fillRef>
+      <a:effectRef idx="0">
+        <a:scrgbClr r="0" g="0" b="0"/>
+      </a:effectRef>
+      <a:fontRef idx="minor">
+        <a:schemeClr val="lt1"/>
+      </a:fontRef>
+    </dgm:style>
+  </dgm:styleLbl>
+  <dgm:styleLbl name="fgSibTrans2D1">
+    <dgm:scene3d>
+      <a:camera prst="orthographicFront"/>
+      <a:lightRig rig="threePt" dir="t"/>
+    </dgm:scene3d>
+    <dgm:sp3d/>
+    <dgm:txPr/>
+    <dgm:style>
+      <a:lnRef idx="0">
+        <a:scrgbClr r="0" g="0" b="0"/>
+      </a:lnRef>
+      <a:fillRef idx="1">
+        <a:scrgbClr r="0" g="0" b="0"/>
+      </a:fillRef>
+      <a:effectRef idx="0">
+        <a:scrgbClr r="0" g="0" b="0"/>
+      </a:effectRef>
+      <a:fontRef idx="minor">
+        <a:schemeClr val="lt1"/>
+      </a:fontRef>
+    </dgm:style>
+  </dgm:styleLbl>
+  <dgm:styleLbl name="bgSibTrans2D1">
+    <dgm:scene3d>
+      <a:camera prst="orthographicFront"/>
+      <a:lightRig rig="threePt" dir="t"/>
+    </dgm:scene3d>
+    <dgm:sp3d/>
+    <dgm:txPr/>
+    <dgm:style>
+      <a:lnRef idx="0">
+        <a:scrgbClr r="0" g="0" b="0"/>
+      </a:lnRef>
+      <a:fillRef idx="1">
+        <a:scrgbClr r="0" g="0" b="0"/>
+      </a:fillRef>
+      <a:effectRef idx="0">
+        <a:scrgbClr r="0" g="0" b="0"/>
+      </a:effectRef>
+      <a:fontRef idx="minor">
+        <a:schemeClr val="lt1"/>
+      </a:fontRef>
+    </dgm:style>
+  </dgm:styleLbl>
+  <dgm:styleLbl name="sibTrans1D1">
+    <dgm:scene3d>
+      <a:camera prst="orthographicFront"/>
+      <a:lightRig rig="threePt" dir="t"/>
+    </dgm:scene3d>
+    <dgm:sp3d/>
+    <dgm:txPr/>
+    <dgm:style>
+      <a:lnRef idx="1">
+        <a:scrgbClr r="0" g="0" b="0"/>
+      </a:lnRef>
+      <a:fillRef idx="0">
+        <a:scrgbClr r="0" g="0" b="0"/>
+      </a:fillRef>
+      <a:effectRef idx="0">
+        <a:scrgbClr r="0" g="0" b="0"/>
+      </a:effectRef>
+      <a:fontRef idx="minor"/>
+    </dgm:style>
+  </dgm:styleLbl>
+  <dgm:styleLbl name="callout">
+    <dgm:scene3d>
+      <a:camera prst="orthographicFront"/>
+      <a:lightRig rig="threePt" dir="t"/>
+    </dgm:scene3d>
+    <dgm:sp3d/>
+    <dgm:txPr/>
+    <dgm:style>
+      <a:lnRef idx="2">
+        <a:scrgbClr r="0" g="0" b="0"/>
+      </a:lnRef>
+      <a:fillRef idx="1">
+        <a:scrgbClr r="0" g="0" b="0"/>
+      </a:fillRef>
+      <a:effectRef idx="0">
+        <a:scrgbClr r="0" g="0" b="0"/>
+      </a:effectRef>
+      <a:fontRef idx="minor"/>
+    </dgm:style>
+  </dgm:styleLbl>
+  <dgm:styleLbl name="asst0">
+    <dgm:scene3d>
+      <a:camera prst="orthographicFront"/>
+      <a:lightRig rig="threePt" dir="t"/>
+    </dgm:scene3d>
+    <dgm:sp3d/>
+    <dgm:txPr/>
+    <dgm:style>
+      <a:lnRef idx="2">
+        <a:scrgbClr r="0" g="0" b="0"/>
+      </a:lnRef>
+      <a:fillRef idx="1">
+        <a:scrgbClr r="0" g="0" b="0"/>
+      </a:fillRef>
+      <a:effectRef idx="0">
+        <a:scrgbClr r="0" g="0" b="0"/>
+      </a:effectRef>
+      <a:fontRef idx="minor">
+        <a:schemeClr val="lt1"/>
+      </a:fontRef>
+    </dgm:style>
+  </dgm:styleLbl>
+  <dgm:styleLbl name="asst1">
+    <dgm:scene3d>
+      <a:camera prst="orthographicFront"/>
+      <a:lightRig rig="threePt" dir="t"/>
+    </dgm:scene3d>
+    <dgm:sp3d/>
+    <dgm:txPr/>
+    <dgm:style>
+      <a:lnRef idx="2">
+        <a:scrgbClr r="0" g="0" b="0"/>
+      </a:lnRef>
+      <a:fillRef idx="1">
+        <a:scrgbClr r="0" g="0" b="0"/>
+      </a:fillRef>
+      <a:effectRef idx="0">
+        <a:scrgbClr r="0" g="0" b="0"/>
+      </a:effectRef>
+      <a:fontRef idx="minor">
+        <a:schemeClr val="lt1"/>
+      </a:fontRef>
+    </dgm:style>
+  </dgm:styleLbl>
+  <dgm:styleLbl name="asst2">
+    <dgm:scene3d>
+      <a:camera prst="orthographicFront"/>
+      <a:lightRig rig="threePt" dir="t"/>
+    </dgm:scene3d>
+    <dgm:sp3d/>
+    <dgm:txPr/>
+    <dgm:style>
+      <a:lnRef idx="2">
+        <a:scrgbClr r="0" g="0" b="0"/>
+      </a:lnRef>
+      <a:fillRef idx="1">
+        <a:scrgbClr r="0" g="0" b="0"/>
+      </a:fillRef>
+      <a:effectRef idx="0">
+        <a:scrgbClr r="0" g="0" b="0"/>
+      </a:effectRef>
+      <a:fontRef idx="minor">
+        <a:schemeClr val="lt1"/>
+      </a:fontRef>
+    </dgm:style>
+  </dgm:styleLbl>
+  <dgm:styleLbl name="asst3">
+    <dgm:scene3d>
+      <a:camera prst="orthographicFront"/>
+      <a:lightRig rig="threePt" dir="t"/>
+    </dgm:scene3d>
+    <dgm:sp3d/>
+    <dgm:txPr/>
+    <dgm:style>
+      <a:lnRef idx="2">
+        <a:scrgbClr r="0" g="0" b="0"/>
+      </a:lnRef>
+      <a:fillRef idx="1">
+        <a:scrgbClr r="0" g="0" b="0"/>
+      </a:fillRef>
+      <a:effectRef idx="0">
+        <a:scrgbClr r="0" g="0" b="0"/>
+      </a:effectRef>
+      <a:fontRef idx="minor">
+        <a:schemeClr val="lt1"/>
+      </a:fontRef>
+    </dgm:style>
+  </dgm:styleLbl>
+  <dgm:styleLbl name="asst4">
+    <dgm:scene3d>
+      <a:camera prst="orthographicFront"/>
+      <a:lightRig rig="threePt" dir="t"/>
+    </dgm:scene3d>
+    <dgm:sp3d/>
+    <dgm:txPr/>
+    <dgm:style>
+      <a:lnRef idx="2">
+        <a:scrgbClr r="0" g="0" b="0"/>
+      </a:lnRef>
+      <a:fillRef idx="1">
+        <a:scrgbClr r="0" g="0" b="0"/>
+      </a:fillRef>
+      <a:effectRef idx="0">
+        <a:scrgbClr r="0" g="0" b="0"/>
+      </a:effectRef>
+      <a:fontRef idx="minor">
+        <a:schemeClr val="lt1"/>
+      </a:fontRef>
+    </dgm:style>
+  </dgm:styleLbl>
+  <dgm:styleLbl name="parChTrans2D1">
+    <dgm:scene3d>
+      <a:camera prst="orthographicFront"/>
+      <a:lightRig rig="threePt" dir="t"/>
+    </dgm:scene3d>
+    <dgm:sp3d/>
+    <dgm:txPr/>
+    <dgm:style>
+      <a:lnRef idx="2">
+        <a:scrgbClr r="0" g="0" b="0"/>
+      </a:lnRef>
+      <a:fillRef idx="1">
+        <a:scrgbClr r="0" g="0" b="0"/>
+      </a:fillRef>
+      <a:effectRef idx="0">
+        <a:scrgbClr r="0" g="0" b="0"/>
+      </a:effectRef>
+      <a:fontRef idx="minor">
+        <a:schemeClr val="lt1"/>
+      </a:fontRef>
+    </dgm:style>
+  </dgm:styleLbl>
+  <dgm:styleLbl name="parChTrans2D2">
+    <dgm:scene3d>
+      <a:camera prst="orthographicFront"/>
+      <a:lightRig rig="threePt" dir="t"/>
+    </dgm:scene3d>
+    <dgm:sp3d/>
+    <dgm:txPr/>
+    <dgm:style>
+      <a:lnRef idx="2">
+        <a:scrgbClr r="0" g="0" b="0"/>
+      </a:lnRef>
+      <a:fillRef idx="1">
+        <a:scrgbClr r="0" g="0" b="0"/>
+      </a:fillRef>
+      <a:effectRef idx="0">
+        <a:scrgbClr r="0" g="0" b="0"/>
+      </a:effectRef>
+      <a:fontRef idx="minor">
+        <a:schemeClr val="lt1"/>
+      </a:fontRef>
+    </dgm:style>
+  </dgm:styleLbl>
+  <dgm:styleLbl name="parChTrans2D3">
+    <dgm:scene3d>
+      <a:camera prst="orthographicFront"/>
+      <a:lightRig rig="threePt" dir="t"/>
+    </dgm:scene3d>
+    <dgm:sp3d/>
+    <dgm:txPr/>
+    <dgm:style>
+      <a:lnRef idx="2">
+        <a:scrgbClr r="0" g="0" b="0"/>
+      </a:lnRef>
+      <a:fillRef idx="1">
+        <a:scrgbClr r="0" g="0" b="0"/>
+      </a:fillRef>
+      <a:effectRef idx="0">
+        <a:scrgbClr r="0" g="0" b="0"/>
+      </a:effectRef>
+      <a:fontRef idx="minor">
+        <a:schemeClr val="lt1"/>
+      </a:fontRef>
+    </dgm:style>
+  </dgm:styleLbl>
+  <dgm:styleLbl name="parChTrans2D4">
+    <dgm:scene3d>
+      <a:camera prst="orthographicFront"/>
+      <a:lightRig rig="threePt" dir="t"/>
+    </dgm:scene3d>
+    <dgm:sp3d/>
+    <dgm:txPr/>
+    <dgm:style>
+      <a:lnRef idx="2">
+        <a:scrgbClr r="0" g="0" b="0"/>
+      </a:lnRef>
+      <a:fillRef idx="1">
+        <a:scrgbClr r="0" g="0" b="0"/>
+      </a:fillRef>
+      <a:effectRef idx="0">
+        <a:scrgbClr r="0" g="0" b="0"/>
+      </a:effectRef>
+      <a:fontRef idx="minor">
+        <a:schemeClr val="lt1"/>
+      </a:fontRef>
+    </dgm:style>
+  </dgm:styleLbl>
+  <dgm:styleLbl name="parChTrans1D1">
+    <dgm:scene3d>
+      <a:camera prst="orthographicFront"/>
+      <a:lightRig rig="threePt" dir="t"/>
+    </dgm:scene3d>
+    <dgm:sp3d/>
+    <dgm:txPr/>
+    <dgm:style>
+      <a:lnRef idx="2">
+        <a:scrgbClr r="0" g="0" b="0"/>
+      </a:lnRef>
+      <a:fillRef idx="0">
+        <a:scrgbClr r="0" g="0" b="0"/>
+      </a:fillRef>
+      <a:effectRef idx="0">
+        <a:scrgbClr r="0" g="0" b="0"/>
+      </a:effectRef>
+      <a:fontRef idx="minor"/>
+    </dgm:style>
+  </dgm:styleLbl>
+  <dgm:styleLbl name="parChTrans1D2">
+    <dgm:scene3d>
+      <a:camera prst="orthographicFront"/>
+      <a:lightRig rig="threePt" dir="t"/>
+    </dgm:scene3d>
+    <dgm:sp3d/>
+    <dgm:txPr/>
+    <dgm:style>
+      <a:lnRef idx="2">
+        <a:scrgbClr r="0" g="0" b="0"/>
+      </a:lnRef>
+      <a:fillRef idx="0">
+        <a:scrgbClr r="0" g="0" b="0"/>
+      </a:fillRef>
+      <a:effectRef idx="0">
+        <a:scrgbClr r="0" g="0" b="0"/>
+      </a:effectRef>
+      <a:fontRef idx="minor"/>
+    </dgm:style>
+  </dgm:styleLbl>
+  <dgm:styleLbl name="parChTrans1D3">
+    <dgm:scene3d>
+      <a:camera prst="orthographicFront"/>
+      <a:lightRig rig="threePt" dir="t"/>
+    </dgm:scene3d>
+    <dgm:sp3d/>
+    <dgm:txPr/>
+    <dgm:style>
+      <a:lnRef idx="2">
+        <a:scrgbClr r="0" g="0" b="0"/>
+      </a:lnRef>
+      <a:fillRef idx="0">
+        <a:scrgbClr r="0" g="0" b="0"/>
+      </a:fillRef>
+      <a:effectRef idx="0">
+        <a:scrgbClr r="0" g="0" b="0"/>
+      </a:effectRef>
+      <a:fontRef idx="minor"/>
+    </dgm:style>
+  </dgm:styleLbl>
+  <dgm:styleLbl name="parChTrans1D4">
+    <dgm:scene3d>
+      <a:camera prst="orthographicFront"/>
+      <a:lightRig rig="threePt" dir="t"/>
+    </dgm:scene3d>
+    <dgm:sp3d/>
+    <dgm:txPr/>
+    <dgm:style>
+      <a:lnRef idx="2">
+        <a:scrgbClr r="0" g="0" b="0"/>
+      </a:lnRef>
+      <a:fillRef idx="0">
+        <a:scrgbClr r="0" g="0" b="0"/>
+      </a:fillRef>
+      <a:effectRef idx="0">
+        <a:scrgbClr r="0" g="0" b="0"/>
+      </a:effectRef>
+      <a:fontRef idx="minor"/>
+    </dgm:style>
+  </dgm:styleLbl>
+  <dgm:styleLbl name="fgAcc1">
+    <dgm:scene3d>
+      <a:camera prst="orthographicFront"/>
+      <a:lightRig rig="threePt" dir="t"/>
+    </dgm:scene3d>
+    <dgm:sp3d/>
+    <dgm:txPr/>
+    <dgm:style>
+      <a:lnRef idx="2">
+        <a:scrgbClr r="0" g="0" b="0"/>
+      </a:lnRef>
+      <a:fillRef idx="1">
+        <a:scrgbClr r="0" g="0" b="0"/>
+      </a:fillRef>
+      <a:effectRef idx="0">
+        <a:scrgbClr r="0" g="0" b="0"/>
+      </a:effectRef>
+      <a:fontRef idx="minor"/>
+    </dgm:style>
+  </dgm:styleLbl>
+  <dgm:styleLbl name="conFgAcc1">
+    <dgm:scene3d>
+      <a:camera prst="orthographicFront"/>
+      <a:lightRig rig="threePt" dir="t"/>
+    </dgm:scene3d>
+    <dgm:sp3d/>
+    <dgm:txPr/>
+    <dgm:style>
+      <a:lnRef idx="2">
+        <a:scrgbClr r="0" g="0" b="0"/>
+      </a:lnRef>
+      <a:fillRef idx="1">
+        <a:scrgbClr r="0" g="0" b="0"/>
+      </a:fillRef>
+      <a:effectRef idx="0">
+        <a:scrgbClr r="0" g="0" b="0"/>
+      </a:effectRef>
+      <a:fontRef idx="minor"/>
+    </dgm:style>
+  </dgm:styleLbl>
+  <dgm:styleLbl name="alignAcc1">
+    <dgm:scene3d>
+      <a:camera prst="orthographicFront"/>
+      <a:lightRig rig="threePt" dir="t"/>
+    </dgm:scene3d>
+    <dgm:sp3d/>
+    <dgm:txPr/>
+    <dgm:style>
+      <a:lnRef idx="2">
+        <a:scrgbClr r="0" g="0" b="0"/>
+      </a:lnRef>
+      <a:fillRef idx="1">
+        <a:scrgbClr r="0" g="0" b="0"/>
+      </a:fillRef>
+      <a:effectRef idx="0">
+        <a:scrgbClr r="0" g="0" b="0"/>
+      </a:effectRef>
+      <a:fontRef idx="minor"/>
+    </dgm:style>
+  </dgm:styleLbl>
+  <dgm:styleLbl name="trAlignAcc1">
+    <dgm:scene3d>
+      <a:camera prst="orthographicFront"/>
+      <a:lightRig rig="threePt" dir="t"/>
+    </dgm:scene3d>
+    <dgm:sp3d/>
+    <dgm:txPr/>
+    <dgm:style>
+      <a:lnRef idx="1">
+        <a:scrgbClr r="0" g="0" b="0"/>
+      </a:lnRef>
+      <a:fillRef idx="1">
+        <a:scrgbClr r="0" g="0" b="0"/>
+      </a:fillRef>
+      <a:effectRef idx="0">
+        <a:scrgbClr r="0" g="0" b="0"/>
+      </a:effectRef>
+      <a:fontRef idx="minor"/>
+    </dgm:style>
+  </dgm:styleLbl>
+  <dgm:styleLbl name="bgAcc1">
+    <dgm:scene3d>
+      <a:camera prst="orthographicFront"/>
+      <a:lightRig rig="threePt" dir="t"/>
+    </dgm:scene3d>
+    <dgm:sp3d/>
+    <dgm:txPr/>
+    <dgm:style>
+      <a:lnRef idx="2">
+        <a:scrgbClr r="0" g="0" b="0"/>
+      </a:lnRef>
+      <a:fillRef idx="1">
+        <a:scrgbClr r="0" g="0" b="0"/>
+      </a:fillRef>
+      <a:effectRef idx="0">
+        <a:scrgbClr r="0" g="0" b="0"/>
+      </a:effectRef>
+      <a:fontRef idx="minor"/>
+    </dgm:style>
+  </dgm:styleLbl>
+  <dgm:styleLbl name="solidFgAcc1">
+    <dgm:scene3d>
+      <a:camera prst="orthographicFront"/>
+      <a:lightRig rig="threePt" dir="t"/>
+    </dgm:scene3d>
+    <dgm:sp3d/>
+    <dgm:txPr/>
+    <dgm:style>
+      <a:lnRef idx="2">
+        <a:scrgbClr r="0" g="0" b="0"/>
+      </a:lnRef>
+      <a:fillRef idx="1">
+        <a:scrgbClr r="0" g="0" b="0"/>
+      </a:fillRef>
+      <a:effectRef idx="0">
+        <a:scrgbClr r="0" g="0" b="0"/>
+      </a:effectRef>
+      <a:fontRef idx="minor"/>
+    </dgm:style>
+  </dgm:styleLbl>
+  <dgm:styleLbl name="solidAlignAcc1">
+    <dgm:scene3d>
+      <a:camera prst="orthographicFront"/>
+      <a:lightRig rig="threePt" dir="t"/>
+    </dgm:scene3d>
+    <dgm:sp3d/>
+    <dgm:txPr/>
+    <dgm:style>
+      <a:lnRef idx="2">
+        <a:scrgbClr r="0" g="0" b="0"/>
+      </a:lnRef>
+      <a:fillRef idx="1">
+        <a:scrgbClr r="0" g="0" b="0"/>
+      </a:fillRef>
+      <a:effectRef idx="0">
+        <a:scrgbClr r="0" g="0" b="0"/>
+      </a:effectRef>
+      <a:fontRef idx="minor"/>
+    </dgm:style>
+  </dgm:styleLbl>
+  <dgm:styleLbl name="solidBgAcc1">
+    <dgm:scene3d>
+      <a:camera prst="orthographicFront"/>
+      <a:lightRig rig="threePt" dir="t"/>
+    </dgm:scene3d>
+    <dgm:sp3d/>
+    <dgm:txPr/>
+    <dgm:style>
+      <a:lnRef idx="2">
+        <a:scrgbClr r="0" g="0" b="0"/>
+      </a:lnRef>
+      <a:fillRef idx="1">
+        <a:scrgbClr r="0" g="0" b="0"/>
+      </a:fillRef>
+      <a:effectRef idx="0">
+        <a:scrgbClr r="0" g="0" b="0"/>
+      </a:effectRef>
+      <a:fontRef idx="minor"/>
+    </dgm:style>
+  </dgm:styleLbl>
+  <dgm:styleLbl name="fgAccFollowNode1">
+    <dgm:scene3d>
+      <a:camera prst="orthographicFront"/>
+      <a:lightRig rig="threePt" dir="t"/>
+    </dgm:scene3d>
+    <dgm:sp3d/>
+    <dgm:txPr/>
+    <dgm:style>
+      <a:lnRef idx="2">
+        <a:scrgbClr r="0" g="0" b="0"/>
+      </a:lnRef>
+      <a:fillRef idx="1">
+        <a:scrgbClr r="0" g="0" b="0"/>
+      </a:fillRef>
+      <a:effectRef idx="0">
+        <a:scrgbClr r="0" g="0" b="0"/>
+      </a:effectRef>
+      <a:fontRef idx="minor"/>
+    </dgm:style>
+  </dgm:styleLbl>
+  <dgm:styleLbl name="alignAccFollowNode1">
+    <dgm:scene3d>
+      <a:camera prst="orthographicFront"/>
+      <a:lightRig rig="threePt" dir="t"/>
+    </dgm:scene3d>
+    <dgm:sp3d/>
+    <dgm:txPr/>
+    <dgm:style>
+      <a:lnRef idx="2">
+        <a:scrgbClr r="0" g="0" b="0"/>
+      </a:lnRef>
+      <a:fillRef idx="1">
+        <a:scrgbClr r="0" g="0" b="0"/>
+      </a:fillRef>
+      <a:effectRef idx="0">
+        <a:scrgbClr r="0" g="0" b="0"/>
+      </a:effectRef>
+      <a:fontRef idx="minor"/>
+    </dgm:style>
+  </dgm:styleLbl>
+  <dgm:styleLbl name="bgAccFollowNode1">
+    <dgm:scene3d>
+      <a:camera prst="orthographicFront"/>
+      <a:lightRig rig="threePt" dir="t"/>
+    </dgm:scene3d>
+    <dgm:sp3d/>
+    <dgm:txPr/>
+    <dgm:style>
+      <a:lnRef idx="2">
+        <a:scrgbClr r="0" g="0" b="0"/>
+      </a:lnRef>
+      <a:fillRef idx="1">
+        <a:scrgbClr r="0" g="0" b="0"/>
+      </a:fillRef>
+      <a:effectRef idx="0">
+        <a:scrgbClr r="0" g="0" b="0"/>
+      </a:effectRef>
+      <a:fontRef idx="minor"/>
+    </dgm:style>
+  </dgm:styleLbl>
+  <dgm:styleLbl name="fgAcc0">
+    <dgm:scene3d>
+      <a:camera prst="orthographicFront"/>
+      <a:lightRig rig="threePt" dir="t"/>
+    </dgm:scene3d>
+    <dgm:sp3d/>
+    <dgm:txPr/>
+    <dgm:style>
+      <a:lnRef idx="2">
+        <a:scrgbClr r="0" g="0" b="0"/>
+      </a:lnRef>
+      <a:fillRef idx="1">
+        <a:scrgbClr r="0" g="0" b="0"/>
+      </a:fillRef>
+      <a:effectRef idx="0">
+        <a:scrgbClr r="0" g="0" b="0"/>
+      </a:effectRef>
+      <a:fontRef idx="minor"/>
+    </dgm:style>
+  </dgm:styleLbl>
+  <dgm:styleLbl name="fgAcc2">
+    <dgm:scene3d>
+      <a:camera prst="orthographicFront"/>
+      <a:lightRig rig="threePt" dir="t"/>
+    </dgm:scene3d>
+    <dgm:sp3d/>
+    <dgm:txPr/>
+    <dgm:style>
+      <a:lnRef idx="2">
+        <a:scrgbClr r="0" g="0" b="0"/>
+      </a:lnRef>
+      <a:fillRef idx="1">
+        <a:scrgbClr r="0" g="0" b="0"/>
+      </a:fillRef>
+      <a:effectRef idx="0">
+        <a:scrgbClr r="0" g="0" b="0"/>
+      </a:effectRef>
+      <a:fontRef idx="minor"/>
+    </dgm:style>
+  </dgm:styleLbl>
+  <dgm:styleLbl name="fgAcc3">
+    <dgm:scene3d>
+      <a:camera prst="orthographicFront"/>
+      <a:lightRig rig="threePt" dir="t"/>
+    </dgm:scene3d>
+    <dgm:sp3d/>
+    <dgm:txPr/>
+    <dgm:style>
+      <a:lnRef idx="2">
+        <a:scrgbClr r="0" g="0" b="0"/>
+      </a:lnRef>
+      <a:fillRef idx="1">
+        <a:scrgbClr r="0" g="0" b="0"/>
+      </a:fillRef>
+      <a:effectRef idx="0">
+        <a:scrgbClr r="0" g="0" b="0"/>
+      </a:effectRef>
+      <a:fontRef idx="minor"/>
+    </dgm:style>
+  </dgm:styleLbl>
+  <dgm:styleLbl name="fgAcc4">
+    <dgm:scene3d>
+      <a:camera prst="orthographicFront"/>
+      <a:lightRig rig="threePt" dir="t"/>
+    </dgm:scene3d>
+    <dgm:sp3d/>
+    <dgm:txPr/>
+    <dgm:style>
+      <a:lnRef idx="2">
+        <a:scrgbClr r="0" g="0" b="0"/>
+      </a:lnRef>
+      <a:fillRef idx="1">
+        <a:scrgbClr r="0" g="0" b="0"/>
+      </a:fillRef>
+      <a:effectRef idx="0">
+        <a:scrgbClr r="0" g="0" b="0"/>
+      </a:effectRef>
+      <a:fontRef idx="minor"/>
+    </dgm:style>
+  </dgm:styleLbl>
+  <dgm:styleLbl name="bgShp">
+    <dgm:scene3d>
+      <a:camera prst="orthographicFront"/>
+      <a:lightRig rig="threePt" dir="t"/>
+    </dgm:scene3d>
+    <dgm:sp3d/>
+    <dgm:txPr/>
+    <dgm:style>
+      <a:lnRef idx="0">
+        <a:scrgbClr r="0" g="0" b="0"/>
+      </a:lnRef>
+      <a:fillRef idx="1">
+        <a:scrgbClr r="0" g="0" b="0"/>
+      </a:fillRef>
+      <a:effectRef idx="0">
+        <a:scrgbClr r="0" g="0" b="0"/>
+      </a:effectRef>
+      <a:fontRef idx="minor"/>
+    </dgm:style>
+  </dgm:styleLbl>
+  <dgm:styleLbl name="dkBgShp">
+    <dgm:scene3d>
+      <a:camera prst="orthographicFront"/>
+      <a:lightRig rig="threePt" dir="t"/>
+    </dgm:scene3d>
+    <dgm:sp3d/>
+    <dgm:txPr/>
+    <dgm:style>
+      <a:lnRef idx="0">
+        <a:scrgbClr r="0" g="0" b="0"/>
+      </a:lnRef>
+      <a:fillRef idx="1">
+        <a:scrgbClr r="0" g="0" b="0"/>
+      </a:fillRef>
+      <a:effectRef idx="0">
+        <a:scrgbClr r="0" g="0" b="0"/>
+      </a:effectRef>
+      <a:fontRef idx="minor"/>
+    </dgm:style>
+  </dgm:styleLbl>
+  <dgm:styleLbl name="trBgShp">
+    <dgm:scene3d>
+      <a:camera prst="orthographicFront"/>
+      <a:lightRig rig="threePt" dir="t"/>
+    </dgm:scene3d>
+    <dgm:sp3d/>
+    <dgm:txPr/>
+    <dgm:style>
+      <a:lnRef idx="0">
+        <a:scrgbClr r="0" g="0" b="0"/>
+      </a:lnRef>
+      <a:fillRef idx="1">
+        <a:scrgbClr r="0" g="0" b="0"/>
+      </a:fillRef>
+      <a:effectRef idx="0">
+        <a:scrgbClr r="0" g="0" b="0"/>
+      </a:effectRef>
+      <a:fontRef idx="minor"/>
+    </dgm:style>
+  </dgm:styleLbl>
+  <dgm:styleLbl name="fgShp">
+    <dgm:scene3d>
+      <a:camera prst="orthographicFront"/>
+      <a:lightRig rig="threePt" dir="t"/>
+    </dgm:scene3d>
+    <dgm:sp3d/>
+    <dgm:txPr/>
+    <dgm:style>
+      <a:lnRef idx="2">
+        <a:scrgbClr r="0" g="0" b="0"/>
+      </a:lnRef>
+      <a:fillRef idx="1">
+        <a:scrgbClr r="0" g="0" b="0"/>
+      </a:fillRef>
+      <a:effectRef idx="0">
+        <a:scrgbClr r="0" g="0" b="0"/>
+      </a:effectRef>
+      <a:fontRef idx="minor"/>
+    </dgm:style>
+  </dgm:styleLbl>
+  <dgm:styleLbl name="revTx">
+    <dgm:scene3d>
+      <a:camera prst="orthographicFront"/>
+      <a:lightRig rig="threePt" dir="t"/>
+    </dgm:scene3d>
+    <dgm:sp3d/>
+    <dgm:txPr/>
+    <dgm:style>
+      <a:lnRef idx="0">
+        <a:scrgbClr r="0" g="0" b="0"/>
+      </a:lnRef>
+      <a:fillRef idx="0">
+        <a:scrgbClr r="0" g="0" b="0"/>
+      </a:fillRef>
+      <a:effectRef idx="0">
+        <a:scrgbClr r="0" g="0" b="0"/>
+      </a:effectRef>
+      <a:fontRef idx="minor"/>
+    </dgm:style>
+  </dgm:styleLbl>
+</dgm:styleDef>
 </file>
 
 <file path=ppt/slideLayouts/slideLayout1.xml><?xml version="1.0" encoding="utf-8"?>
@@ -3792,42 +9675,42 @@
   <p:extLst mod="1">
     <p:ext uri="{27BBF7A9-308A-43DC-89C8-2F10F3537804}">
       <p15:sldGuideLst xmlns:p15="http://schemas.microsoft.com/office/powerpoint/2012/main">
-        <p15:guide id="4294967295" orient="horz" pos="1368">
+        <p15:guide id="1" orient="horz" pos="1368">
           <p15:clr>
             <a:srgbClr val="F26B43"/>
           </p15:clr>
         </p15:guide>
-        <p15:guide id="4294967295" orient="horz" pos="1440">
+        <p15:guide id="2" orient="horz" pos="1440">
           <p15:clr>
             <a:srgbClr val="F26B43"/>
           </p15:clr>
         </p15:guide>
-        <p15:guide id="4294967295" orient="horz" pos="3696">
+        <p15:guide id="3" orient="horz" pos="3696">
           <p15:clr>
             <a:srgbClr val="F26B43"/>
           </p15:clr>
         </p15:guide>
-        <p15:guide id="4294967295" orient="horz" pos="432">
+        <p15:guide id="4" orient="horz" pos="432">
           <p15:clr>
             <a:srgbClr val="F26B43"/>
           </p15:clr>
         </p15:guide>
-        <p15:guide id="4294967295" orient="horz" pos="1512">
+        <p15:guide id="5" orient="horz" pos="1512">
           <p15:clr>
             <a:srgbClr val="F26B43"/>
           </p15:clr>
         </p15:guide>
-        <p15:guide id="4294967295" pos="6912">
+        <p15:guide id="6" pos="6912">
           <p15:clr>
             <a:srgbClr val="F26B43"/>
           </p15:clr>
         </p15:guide>
-        <p15:guide id="4294967295" pos="936">
+        <p15:guide id="7" pos="936">
           <p15:clr>
             <a:srgbClr val="F26B43"/>
           </p15:clr>
         </p15:guide>
-        <p15:guide id="4294967295" pos="864">
+        <p15:guide id="8" pos="864">
           <p15:clr>
             <a:srgbClr val="F26B43"/>
           </p15:clr>
@@ -3989,14 +9872,30 @@
           <a:p>
             <a:r>
               <a:rPr lang="sl-SI" dirty="0" smtClean="0"/>
-              <a:t>Različne sobe</a:t>
+              <a:t>Dodajanje prijateljev</a:t>
             </a:r>
           </a:p>
           <a:p>
             <a:r>
               <a:rPr lang="sl-SI" dirty="0" smtClean="0"/>
-              <a:t>Dodajanje prijateljev</a:t>
+              <a:t>Kreiranje sob</a:t>
             </a:r>
+          </a:p>
+          <a:p>
+            <a:r>
+              <a:rPr lang="sl-SI" dirty="0" smtClean="0"/>
+              <a:t>Dodajanje sob</a:t>
+            </a:r>
+          </a:p>
+          <a:p>
+            <a:r>
+              <a:rPr lang="sl-SI" dirty="0" smtClean="0"/>
+              <a:t>Vse deluje real-time, podatkovna baza pa si zapisuje podatke</a:t>
+            </a:r>
+            <a:endParaRPr lang="sl-SI" dirty="0"/>
+          </a:p>
+          <a:p>
+            <a:endParaRPr lang="sl-SI" dirty="0" smtClean="0"/>
           </a:p>
         </p:txBody>
       </p:sp>
@@ -4032,6 +9931,79 @@
       </p:grpSpPr>
       <p:sp>
         <p:nvSpPr>
+          <p:cNvPr id="14" name="Rectangle 13"/>
+          <p:cNvSpPr/>
+          <p:nvPr/>
+        </p:nvSpPr>
+        <p:spPr>
+          <a:xfrm>
+            <a:off x="2044713" y="1515762"/>
+            <a:ext cx="5886524" cy="4934466"/>
+          </a:xfrm>
+          <a:prstGeom prst="rect">
+            <a:avLst/>
+          </a:prstGeom>
+          <a:noFill/>
+          <a:ln>
+            <a:solidFill>
+              <a:srgbClr val="969696">
+                <a:alpha val="40000"/>
+              </a:srgbClr>
+            </a:solidFill>
+          </a:ln>
+        </p:spPr>
+        <p:style>
+          <a:lnRef idx="2">
+            <a:schemeClr val="accent6">
+              <a:shade val="50000"/>
+            </a:schemeClr>
+          </a:lnRef>
+          <a:fillRef idx="1">
+            <a:schemeClr val="accent6"/>
+          </a:fillRef>
+          <a:effectRef idx="0">
+            <a:schemeClr val="accent6"/>
+          </a:effectRef>
+          <a:fontRef idx="minor">
+            <a:schemeClr val="lt1"/>
+          </a:fontRef>
+        </p:style>
+        <p:txBody>
+          <a:bodyPr rtlCol="0" anchor="ctr"/>
+          <a:lstStyle/>
+          <a:p>
+            <a:pPr algn="ctr"/>
+            <a:endParaRPr lang="sl-SI"/>
+          </a:p>
+        </p:txBody>
+      </p:sp>
+      <p:graphicFrame>
+        <p:nvGraphicFramePr>
+          <p:cNvPr id="5" name="Content Placeholder 4"/>
+          <p:cNvGraphicFramePr>
+            <a:graphicFrameLocks noGrp="1"/>
+          </p:cNvGraphicFramePr>
+          <p:nvPr>
+            <p:ph idx="1"/>
+            <p:extLst>
+              <p:ext uri="{D42A27DB-BD31-4B8C-83A1-F6EECF244321}">
+                <p14:modId xmlns:p14="http://schemas.microsoft.com/office/powerpoint/2010/main" val="3090933526"/>
+              </p:ext>
+            </p:extLst>
+          </p:nvPr>
+        </p:nvGraphicFramePr>
+        <p:xfrm>
+          <a:off x="1791730" y="1458613"/>
+          <a:ext cx="9601200" cy="4796481"/>
+        </p:xfrm>
+        <a:graphic>
+          <a:graphicData uri="http://schemas.openxmlformats.org/drawingml/2006/diagram">
+            <dgm:relIds xmlns:dgm="http://schemas.openxmlformats.org/drawingml/2006/diagram" xmlns:r="http://schemas.openxmlformats.org/officeDocument/2006/relationships" r:dm="rId2" r:lo="rId3" r:qs="rId4" r:cs="rId5"/>
+          </a:graphicData>
+        </a:graphic>
+      </p:graphicFrame>
+      <p:sp>
+        <p:nvSpPr>
           <p:cNvPr id="2" name="Title 1"/>
           <p:cNvSpPr>
             <a:spLocks noGrp="1"/>
@@ -4040,42 +10012,196 @@
             <p:ph type="title"/>
           </p:nvPr>
         </p:nvSpPr>
-        <p:spPr/>
+        <p:spPr>
+          <a:xfrm>
+            <a:off x="1297459" y="236787"/>
+            <a:ext cx="9601200" cy="1485900"/>
+          </a:xfrm>
+        </p:spPr>
         <p:txBody>
           <a:bodyPr/>
           <a:lstStyle/>
           <a:p>
             <a:r>
               <a:rPr lang="sl-SI" dirty="0" smtClean="0"/>
-              <a:t>ER diagram</a:t>
+              <a:t>Ideja</a:t>
             </a:r>
             <a:endParaRPr lang="sl-SI" dirty="0"/>
           </a:p>
         </p:txBody>
       </p:sp>
-      <p:sp>
-        <p:nvSpPr>
-          <p:cNvPr id="3" name="Content Placeholder 2"/>
-          <p:cNvSpPr>
-            <a:spLocks noGrp="1"/>
-          </p:cNvSpPr>
-          <p:nvPr>
-            <p:ph idx="1"/>
-          </p:nvPr>
-        </p:nvSpPr>
-        <p:spPr/>
-        <p:txBody>
-          <a:bodyPr/>
-          <a:lstStyle/>
-          <a:p>
-            <a:endParaRPr lang="sl-SI"/>
-          </a:p>
-        </p:txBody>
-      </p:sp>
+      <p:pic>
+        <p:nvPicPr>
+          <p:cNvPr id="9" name="Picture 8" descr="Image result for python3 logo"/>
+          <p:cNvPicPr/>
+          <p:nvPr/>
+        </p:nvPicPr>
+        <p:blipFill>
+          <a:blip r:embed="rId7">
+            <a:extLst>
+              <a:ext uri="{28A0092B-C50C-407E-A947-70E740481C1C}">
+                <a14:useLocalDpi xmlns:a14="http://schemas.microsoft.com/office/drawing/2010/main" val="0"/>
+              </a:ext>
+            </a:extLst>
+          </a:blip>
+          <a:srcRect/>
+          <a:stretch>
+            <a:fillRect/>
+          </a:stretch>
+        </p:blipFill>
+        <p:spPr bwMode="auto">
+          <a:xfrm>
+            <a:off x="2611451" y="3667898"/>
+            <a:ext cx="1123950" cy="1123950"/>
+          </a:xfrm>
+          <a:prstGeom prst="rect">
+            <a:avLst/>
+          </a:prstGeom>
+          <a:noFill/>
+          <a:ln>
+            <a:noFill/>
+          </a:ln>
+        </p:spPr>
+      </p:pic>
+      <p:pic>
+        <p:nvPicPr>
+          <p:cNvPr id="10" name="Picture 9" descr="Image result for postgres logo"/>
+          <p:cNvPicPr/>
+          <p:nvPr/>
+        </p:nvPicPr>
+        <p:blipFill>
+          <a:blip r:embed="rId8">
+            <a:extLst>
+              <a:ext uri="{28A0092B-C50C-407E-A947-70E740481C1C}">
+                <a14:useLocalDpi xmlns:a14="http://schemas.microsoft.com/office/drawing/2010/main" val="0"/>
+              </a:ext>
+            </a:extLst>
+          </a:blip>
+          <a:srcRect/>
+          <a:stretch>
+            <a:fillRect/>
+          </a:stretch>
+        </p:blipFill>
+        <p:spPr bwMode="auto">
+          <a:xfrm>
+            <a:off x="4680508" y="1032785"/>
+            <a:ext cx="1226022" cy="1265571"/>
+          </a:xfrm>
+          <a:prstGeom prst="rect">
+            <a:avLst/>
+          </a:prstGeom>
+          <a:noFill/>
+          <a:ln>
+            <a:noFill/>
+          </a:ln>
+        </p:spPr>
+      </p:pic>
+      <p:pic>
+        <p:nvPicPr>
+          <p:cNvPr id="12" name="Picture 11"/>
+          <p:cNvPicPr>
+            <a:picLocks noChangeAspect="1"/>
+          </p:cNvPicPr>
+          <p:nvPr/>
+        </p:nvPicPr>
+        <p:blipFill>
+          <a:blip r:embed="rId9">
+            <a:extLst>
+              <a:ext uri="{28A0092B-C50C-407E-A947-70E740481C1C}">
+                <a14:useLocalDpi xmlns:a14="http://schemas.microsoft.com/office/drawing/2010/main" val="0"/>
+              </a:ext>
+            </a:extLst>
+          </a:blip>
+          <a:stretch>
+            <a:fillRect/>
+          </a:stretch>
+        </p:blipFill>
+        <p:spPr>
+          <a:xfrm>
+            <a:off x="6380206" y="5176452"/>
+            <a:ext cx="914400" cy="914400"/>
+          </a:xfrm>
+          <a:prstGeom prst="rect">
+            <a:avLst/>
+          </a:prstGeom>
+        </p:spPr>
+      </p:pic>
+      <p:pic>
+        <p:nvPicPr>
+          <p:cNvPr id="13" name="Picture 12"/>
+          <p:cNvPicPr>
+            <a:picLocks noChangeAspect="1"/>
+          </p:cNvPicPr>
+          <p:nvPr/>
+        </p:nvPicPr>
+        <p:blipFill>
+          <a:blip r:embed="rId10"/>
+          <a:stretch>
+            <a:fillRect/>
+          </a:stretch>
+        </p:blipFill>
+        <p:spPr>
+          <a:xfrm>
+            <a:off x="2638941" y="4872682"/>
+            <a:ext cx="1096460" cy="1097692"/>
+          </a:xfrm>
+          <a:prstGeom prst="rect">
+            <a:avLst/>
+          </a:prstGeom>
+        </p:spPr>
+      </p:pic>
+      <p:pic>
+        <p:nvPicPr>
+          <p:cNvPr id="15" name="Picture 14"/>
+          <p:cNvPicPr>
+            <a:picLocks noChangeAspect="1"/>
+          </p:cNvPicPr>
+          <p:nvPr/>
+        </p:nvPicPr>
+        <p:blipFill>
+          <a:blip r:embed="rId10"/>
+          <a:stretch>
+            <a:fillRect/>
+          </a:stretch>
+        </p:blipFill>
+        <p:spPr>
+          <a:xfrm>
+            <a:off x="8118978" y="2118669"/>
+            <a:ext cx="1096460" cy="1097692"/>
+          </a:xfrm>
+          <a:prstGeom prst="rect">
+            <a:avLst/>
+          </a:prstGeom>
+        </p:spPr>
+      </p:pic>
+      <p:pic>
+        <p:nvPicPr>
+          <p:cNvPr id="16" name="Picture 15"/>
+          <p:cNvPicPr>
+            <a:picLocks noChangeAspect="1"/>
+          </p:cNvPicPr>
+          <p:nvPr/>
+        </p:nvPicPr>
+        <p:blipFill>
+          <a:blip r:embed="rId10"/>
+          <a:stretch>
+            <a:fillRect/>
+          </a:stretch>
+        </p:blipFill>
+        <p:spPr>
+          <a:xfrm>
+            <a:off x="8567867" y="4993160"/>
+            <a:ext cx="1096460" cy="1097692"/>
+          </a:xfrm>
+          <a:prstGeom prst="rect">
+            <a:avLst/>
+          </a:prstGeom>
+        </p:spPr>
+      </p:pic>
     </p:spTree>
     <p:extLst>
       <p:ext uri="{BB962C8B-B14F-4D97-AF65-F5344CB8AC3E}">
-        <p14:creationId xmlns:p14="http://schemas.microsoft.com/office/powerpoint/2010/main" val="704826857"/>
+        <p14:creationId xmlns:p14="http://schemas.microsoft.com/office/powerpoint/2010/main" val="1526488937"/>
       </p:ext>
     </p:extLst>
   </p:cSld>
@@ -4112,54 +10238,58 @@
             <p:ph type="title"/>
           </p:nvPr>
         </p:nvSpPr>
-        <p:spPr/>
+        <p:spPr>
+          <a:xfrm>
+            <a:off x="1206843" y="504567"/>
+            <a:ext cx="9601200" cy="821724"/>
+          </a:xfrm>
+        </p:spPr>
         <p:txBody>
           <a:bodyPr/>
           <a:lstStyle/>
           <a:p>
             <a:r>
               <a:rPr lang="sl-SI" dirty="0" smtClean="0"/>
-              <a:t>Trenutni izdelek</a:t>
+              <a:t>ER </a:t>
+            </a:r>
+            <a:r>
+              <a:rPr lang="sl-SI" dirty="0" smtClean="0"/>
+              <a:t>diagram podatkovne baze</a:t>
             </a:r>
             <a:endParaRPr lang="sl-SI" dirty="0"/>
           </a:p>
         </p:txBody>
       </p:sp>
-      <p:sp>
-        <p:nvSpPr>
-          <p:cNvPr id="3" name="Content Placeholder 2"/>
-          <p:cNvSpPr>
-            <a:spLocks noGrp="1"/>
-          </p:cNvSpPr>
+      <p:pic>
+        <p:nvPicPr>
+          <p:cNvPr id="4" name="Content Placeholder 3"/>
+          <p:cNvPicPr>
+            <a:picLocks noGrp="1" noChangeAspect="1"/>
+          </p:cNvPicPr>
           <p:nvPr>
             <p:ph idx="1"/>
           </p:nvPr>
-        </p:nvSpPr>
-        <p:spPr/>
-        <p:txBody>
-          <a:bodyPr/>
-          <a:lstStyle/>
-          <a:p>
-            <a:r>
-              <a:rPr lang="sl-SI" smtClean="0"/>
-              <a:t>Postavljena spletna stran www.fmf-chat.club</a:t>
-            </a:r>
-          </a:p>
-          <a:p>
-            <a:r>
-              <a:rPr lang="sl-SI" dirty="0" smtClean="0"/>
-              <a:t>Uspešna registracija in prijava</a:t>
-            </a:r>
-          </a:p>
-          <a:p>
-            <a:endParaRPr lang="sl-SI" dirty="0"/>
-          </a:p>
-        </p:txBody>
-      </p:sp>
+        </p:nvPicPr>
+        <p:blipFill>
+          <a:blip r:embed="rId2"/>
+          <a:stretch>
+            <a:fillRect/>
+          </a:stretch>
+        </p:blipFill>
+        <p:spPr>
+          <a:xfrm>
+            <a:off x="2278404" y="1243911"/>
+            <a:ext cx="8406072" cy="5166703"/>
+          </a:xfrm>
+          <a:prstGeom prst="rect">
+            <a:avLst/>
+          </a:prstGeom>
+        </p:spPr>
+      </p:pic>
     </p:spTree>
     <p:extLst>
       <p:ext uri="{BB962C8B-B14F-4D97-AF65-F5344CB8AC3E}">
-        <p14:creationId xmlns:p14="http://schemas.microsoft.com/office/powerpoint/2010/main" val="3805354465"/>
+        <p14:creationId xmlns:p14="http://schemas.microsoft.com/office/powerpoint/2010/main" val="704826857"/>
       </p:ext>
     </p:extLst>
   </p:cSld>
@@ -4196,6 +10326,143 @@
             <p:ph type="title"/>
           </p:nvPr>
         </p:nvSpPr>
+        <p:spPr>
+          <a:xfrm>
+            <a:off x="1371600" y="685800"/>
+            <a:ext cx="9601200" cy="895865"/>
+          </a:xfrm>
+        </p:spPr>
+        <p:txBody>
+          <a:bodyPr/>
+          <a:lstStyle/>
+          <a:p>
+            <a:r>
+              <a:rPr lang="sl-SI" dirty="0" smtClean="0"/>
+              <a:t>Trenutni izdelek</a:t>
+            </a:r>
+            <a:endParaRPr lang="sl-SI" dirty="0"/>
+          </a:p>
+        </p:txBody>
+      </p:sp>
+      <p:sp>
+        <p:nvSpPr>
+          <p:cNvPr id="3" name="Content Placeholder 2"/>
+          <p:cNvSpPr>
+            <a:spLocks noGrp="1"/>
+          </p:cNvSpPr>
+          <p:nvPr>
+            <p:ph idx="1"/>
+          </p:nvPr>
+        </p:nvSpPr>
+        <p:spPr>
+          <a:xfrm>
+            <a:off x="1371600" y="1589903"/>
+            <a:ext cx="9601200" cy="4277497"/>
+          </a:xfrm>
+        </p:spPr>
+        <p:txBody>
+          <a:bodyPr/>
+          <a:lstStyle/>
+          <a:p>
+            <a:r>
+              <a:rPr lang="sl-SI" dirty="0" smtClean="0"/>
+              <a:t>Izbrane vse potrebne knjižnice, s katerim bova delala</a:t>
+            </a:r>
+          </a:p>
+          <a:p>
+            <a:r>
+              <a:rPr lang="sl-SI" dirty="0" smtClean="0"/>
+              <a:t>Virtualen stroj (VM) že postavljena ter zakupljena domena </a:t>
+            </a:r>
+            <a:r>
+              <a:rPr lang="sl-SI" dirty="0" smtClean="0">
+                <a:hlinkClick r:id="rId2"/>
+              </a:rPr>
+              <a:t>www.fmf-chat.club</a:t>
+            </a:r>
+            <a:r>
+              <a:rPr lang="sl-SI" dirty="0" smtClean="0"/>
+              <a:t>, ki preusmerja promet na virtualko</a:t>
+            </a:r>
+            <a:endParaRPr lang="sl-SI" dirty="0" smtClean="0"/>
+          </a:p>
+          <a:p>
+            <a:r>
+              <a:rPr lang="sl-SI" dirty="0" smtClean="0"/>
+              <a:t>Postavljen spletni strežnik oz. HTTP strežnik</a:t>
+            </a:r>
+          </a:p>
+          <a:p>
+            <a:r>
+              <a:rPr lang="sl-SI" dirty="0" smtClean="0"/>
+              <a:t>Registracija </a:t>
+            </a:r>
+            <a:r>
+              <a:rPr lang="sl-SI" dirty="0" smtClean="0"/>
+              <a:t>in </a:t>
+            </a:r>
+            <a:r>
+              <a:rPr lang="sl-SI" dirty="0" smtClean="0"/>
+              <a:t>prijava že delujeta</a:t>
+            </a:r>
+          </a:p>
+          <a:p>
+            <a:endParaRPr lang="sl-SI" dirty="0" smtClean="0"/>
+          </a:p>
+          <a:p>
+            <a:endParaRPr lang="sl-SI" dirty="0" smtClean="0"/>
+          </a:p>
+          <a:p>
+            <a:pPr marL="0" indent="0">
+              <a:buNone/>
+            </a:pPr>
+            <a:endParaRPr lang="sl-SI" dirty="0" smtClean="0"/>
+          </a:p>
+          <a:p>
+            <a:endParaRPr lang="sl-SI" dirty="0"/>
+          </a:p>
+        </p:txBody>
+      </p:sp>
+    </p:spTree>
+    <p:extLst>
+      <p:ext uri="{BB962C8B-B14F-4D97-AF65-F5344CB8AC3E}">
+        <p14:creationId xmlns:p14="http://schemas.microsoft.com/office/powerpoint/2010/main" val="3805354465"/>
+      </p:ext>
+    </p:extLst>
+  </p:cSld>
+  <p:clrMapOvr>
+    <a:masterClrMapping/>
+  </p:clrMapOvr>
+</p:sld>
+</file>
+
+<file path=ppt/slides/slide6.xml><?xml version="1.0" encoding="utf-8"?>
+<p:sld xmlns:a="http://schemas.openxmlformats.org/drawingml/2006/main" xmlns:r="http://schemas.openxmlformats.org/officeDocument/2006/relationships" xmlns:p="http://schemas.openxmlformats.org/presentationml/2006/main">
+  <p:cSld>
+    <p:spTree>
+      <p:nvGrpSpPr>
+        <p:cNvPr id="1" name=""/>
+        <p:cNvGrpSpPr/>
+        <p:nvPr/>
+      </p:nvGrpSpPr>
+      <p:grpSpPr>
+        <a:xfrm>
+          <a:off x="0" y="0"/>
+          <a:ext cx="0" cy="0"/>
+          <a:chOff x="0" y="0"/>
+          <a:chExt cx="0" cy="0"/>
+        </a:xfrm>
+      </p:grpSpPr>
+      <p:sp>
+        <p:nvSpPr>
+          <p:cNvPr id="2" name="Title 1"/>
+          <p:cNvSpPr>
+            <a:spLocks noGrp="1"/>
+          </p:cNvSpPr>
+          <p:nvPr>
+            <p:ph type="title"/>
+          </p:nvPr>
+        </p:nvSpPr>
         <p:spPr/>
         <p:txBody>
           <a:bodyPr/>
@@ -4232,8 +10499,13 @@
           <a:p>
             <a:r>
               <a:rPr lang="sl-SI" dirty="0" smtClean="0"/>
-              <a:t>SQL:</a:t>
+              <a:t>SQL</a:t>
             </a:r>
+            <a:r>
+              <a:rPr lang="sl-SI" dirty="0" smtClean="0"/>
+              <a:t>: </a:t>
+            </a:r>
+            <a:endParaRPr lang="sl-SI" dirty="0" smtClean="0"/>
           </a:p>
           <a:p>
             <a:pPr marL="0" indent="0">

--- a/internetna klepetalnica.pptx
+++ b/internetna klepetalnica.pptx
@@ -1105,10 +1105,24 @@
         </dgm:presLayoutVars>
       </dgm:prSet>
       <dgm:spPr/>
+      <dgm:t>
+        <a:bodyPr/>
+        <a:lstStyle/>
+        <a:p>
+          <a:endParaRPr lang="sl-SI"/>
+        </a:p>
+      </dgm:t>
     </dgm:pt>
     <dgm:pt modelId="{067B3650-17DC-4DA8-87EE-F1DFFB33C387}" type="pres">
       <dgm:prSet presAssocID="{1C6E2C20-8987-48AB-9183-BED8CD71C951}" presName="textCenter" presStyleLbl="node1" presStyleIdx="0" presStyleCnt="5" custScaleX="145985" custScaleY="145985" custLinFactNeighborX="32918" custLinFactNeighborY="50707"/>
       <dgm:spPr/>
+      <dgm:t>
+        <a:bodyPr/>
+        <a:lstStyle/>
+        <a:p>
+          <a:endParaRPr lang="sl-SI"/>
+        </a:p>
+      </dgm:t>
     </dgm:pt>
     <dgm:pt modelId="{ABE1AB53-665B-4139-A6F6-2F4732BCCD0E}" type="pres">
       <dgm:prSet presAssocID="{1C6E2C20-8987-48AB-9183-BED8CD71C951}" presName="cycle_1" presStyleCnt="0"/>
@@ -1128,6 +1142,13 @@
     <dgm:pt modelId="{8AEE6B4E-129C-41B7-8F80-40008E64EAB0}" type="pres">
       <dgm:prSet presAssocID="{A80B91FA-E938-4C84-B2EC-EB0468293E2C}" presName="Name144" presStyleLbl="parChTrans1D2" presStyleIdx="0" presStyleCnt="3"/>
       <dgm:spPr/>
+      <dgm:t>
+        <a:bodyPr/>
+        <a:lstStyle/>
+        <a:p>
+          <a:endParaRPr lang="sl-SI"/>
+        </a:p>
+      </dgm:t>
     </dgm:pt>
     <dgm:pt modelId="{F6F4BBA1-6D5F-475F-981A-572B2322AC66}" type="pres">
       <dgm:prSet presAssocID="{1C6E2C20-8987-48AB-9183-BED8CD71C951}" presName="cycle_2" presStyleCnt="0"/>
@@ -1136,10 +1157,24 @@
     <dgm:pt modelId="{4D11BF85-DD33-4914-B9A0-CB1332762925}" type="pres">
       <dgm:prSet presAssocID="{F397A010-739C-47DE-888B-3AB18396FF87}" presName="childCenter2" presStyleLbl="node1" presStyleIdx="2" presStyleCnt="5" custScaleX="252067" custScaleY="252067" custLinFactX="4867" custLinFactNeighborX="100000" custLinFactNeighborY="-1821"/>
       <dgm:spPr/>
+      <dgm:t>
+        <a:bodyPr/>
+        <a:lstStyle/>
+        <a:p>
+          <a:endParaRPr lang="sl-SI"/>
+        </a:p>
+      </dgm:t>
     </dgm:pt>
     <dgm:pt modelId="{FF23012D-3DAD-4A0F-80DB-453F9B7C1F00}" type="pres">
       <dgm:prSet presAssocID="{91731CA3-6D3C-4FD2-8C55-260984BC2867}" presName="Name221" presStyleLbl="parChTrans1D2" presStyleIdx="1" presStyleCnt="3"/>
       <dgm:spPr/>
+      <dgm:t>
+        <a:bodyPr/>
+        <a:lstStyle/>
+        <a:p>
+          <a:endParaRPr lang="sl-SI"/>
+        </a:p>
+      </dgm:t>
     </dgm:pt>
     <dgm:pt modelId="{49B082EF-BFA1-4E4B-84FB-074D5A382E32}" type="pres">
       <dgm:prSet presAssocID="{1C6E2C20-8987-48AB-9183-BED8CD71C951}" presName="cycle_3" presStyleCnt="0"/>
@@ -1148,10 +1183,24 @@
     <dgm:pt modelId="{6C689A34-C942-438E-9598-2F573BB43A0E}" type="pres">
       <dgm:prSet presAssocID="{62A0AB8E-8A97-4CCB-B679-A5DAD2E3AB59}" presName="childCenter3" presStyleLbl="node1" presStyleIdx="3" presStyleCnt="5" custScaleX="254123" custScaleY="254123" custLinFactNeighborX="-70212" custLinFactNeighborY="23873"/>
       <dgm:spPr/>
+      <dgm:t>
+        <a:bodyPr/>
+        <a:lstStyle/>
+        <a:p>
+          <a:endParaRPr lang="sl-SI"/>
+        </a:p>
+      </dgm:t>
     </dgm:pt>
     <dgm:pt modelId="{00A35B42-AA61-4236-A1D7-F917ECE0B667}" type="pres">
       <dgm:prSet presAssocID="{6DC1555D-6628-4D5A-9B9C-0F3FC465A82E}" presName="Name285" presStyleLbl="parChTrans1D3" presStyleIdx="0" presStyleCnt="1"/>
       <dgm:spPr/>
+      <dgm:t>
+        <a:bodyPr/>
+        <a:lstStyle/>
+        <a:p>
+          <a:endParaRPr lang="sl-SI"/>
+        </a:p>
+      </dgm:t>
     </dgm:pt>
     <dgm:pt modelId="{B6001E08-CF80-4CF9-9937-BE132BB0E3A7}" type="pres">
       <dgm:prSet presAssocID="{B951F8D6-93AA-4ED8-AD32-0E84375EE5C9}" presName="text3" presStyleLbl="node1" presStyleIdx="4" presStyleCnt="5" custScaleX="285943" custScaleY="270347" custRadScaleRad="186795" custRadScaleInc="41245">
@@ -1171,24 +1220,31 @@
     <dgm:pt modelId="{D163E0B1-4BB0-4EB2-A482-CB5DCF8587C4}" type="pres">
       <dgm:prSet presAssocID="{A623815C-69ED-479C-848A-0F9568331B70}" presName="Name288" presStyleLbl="parChTrans1D2" presStyleIdx="2" presStyleCnt="3"/>
       <dgm:spPr/>
+      <dgm:t>
+        <a:bodyPr/>
+        <a:lstStyle/>
+        <a:p>
+          <a:endParaRPr lang="sl-SI"/>
+        </a:p>
+      </dgm:t>
     </dgm:pt>
   </dgm:ptLst>
   <dgm:cxnLst>
+    <dgm:cxn modelId="{00549BE9-5CD1-4C7A-BF0A-DABB584CFE28}" type="presOf" srcId="{F397A010-739C-47DE-888B-3AB18396FF87}" destId="{4D11BF85-DD33-4914-B9A0-CB1332762925}" srcOrd="0" destOrd="0" presId="urn:microsoft.com/office/officeart/2008/layout/RadialCluster"/>
+    <dgm:cxn modelId="{A4448CCE-8831-4DC4-AAC5-F90F2D5CAC71}" type="presOf" srcId="{A80B91FA-E938-4C84-B2EC-EB0468293E2C}" destId="{8AEE6B4E-129C-41B7-8F80-40008E64EAB0}" srcOrd="0" destOrd="0" presId="urn:microsoft.com/office/officeart/2008/layout/RadialCluster"/>
     <dgm:cxn modelId="{81BAE10C-39E9-4CFD-A724-043A9CF4C7AB}" type="presOf" srcId="{43CD8995-090A-4513-B501-FB2D1D5F0AD9}" destId="{ECA2687E-0C3E-45CB-B281-365908ED26DF}" srcOrd="0" destOrd="0" presId="urn:microsoft.com/office/officeart/2008/layout/RadialCluster"/>
+    <dgm:cxn modelId="{7281D28B-B92D-49E6-952A-3953BE880526}" type="presOf" srcId="{B951F8D6-93AA-4ED8-AD32-0E84375EE5C9}" destId="{B6001E08-CF80-4CF9-9937-BE132BB0E3A7}" srcOrd="0" destOrd="0" presId="urn:microsoft.com/office/officeart/2008/layout/RadialCluster"/>
+    <dgm:cxn modelId="{25EF17AB-863D-4C0D-B52F-A106BA739BDD}" type="presOf" srcId="{62A0AB8E-8A97-4CCB-B679-A5DAD2E3AB59}" destId="{6C689A34-C942-438E-9598-2F573BB43A0E}" srcOrd="0" destOrd="0" presId="urn:microsoft.com/office/officeart/2008/layout/RadialCluster"/>
+    <dgm:cxn modelId="{E33833F4-EAEF-43CE-8349-1810D61079E6}" srcId="{1C6E2C20-8987-48AB-9183-BED8CD71C951}" destId="{62A0AB8E-8A97-4CCB-B679-A5DAD2E3AB59}" srcOrd="2" destOrd="0" parTransId="{A623815C-69ED-479C-848A-0F9568331B70}" sibTransId="{0C9D8CB3-7C46-4E29-B223-15E137F26458}"/>
+    <dgm:cxn modelId="{C0CC9FC5-D465-423E-A8B1-309CAC1D3218}" srcId="{1C6E2C20-8987-48AB-9183-BED8CD71C951}" destId="{F397A010-739C-47DE-888B-3AB18396FF87}" srcOrd="1" destOrd="0" parTransId="{91731CA3-6D3C-4FD2-8C55-260984BC2867}" sibTransId="{7941CDD8-82BC-406E-9581-BB8FFC803687}"/>
+    <dgm:cxn modelId="{83CB1701-F2C4-43E8-80C8-1C3C2C356BAC}" srcId="{1C6E2C20-8987-48AB-9183-BED8CD71C951}" destId="{65911259-E4D2-4A7C-9C11-2E9D77225C9E}" srcOrd="0" destOrd="0" parTransId="{A80B91FA-E938-4C84-B2EC-EB0468293E2C}" sibTransId="{8A2B87D8-58F9-4167-BC0B-D28E655D4B04}"/>
+    <dgm:cxn modelId="{58DE2A08-43FF-418C-9CE4-260F0FE7B6D6}" srcId="{62A0AB8E-8A97-4CCB-B679-A5DAD2E3AB59}" destId="{B951F8D6-93AA-4ED8-AD32-0E84375EE5C9}" srcOrd="0" destOrd="0" parTransId="{6DC1555D-6628-4D5A-9B9C-0F3FC465A82E}" sibTransId="{AF8AEDBD-CACB-44D5-BAB7-E687C706DA4B}"/>
+    <dgm:cxn modelId="{5F7F7248-6745-4291-9BAA-81557AF2413E}" type="presOf" srcId="{1C6E2C20-8987-48AB-9183-BED8CD71C951}" destId="{067B3650-17DC-4DA8-87EE-F1DFFB33C387}" srcOrd="0" destOrd="0" presId="urn:microsoft.com/office/officeart/2008/layout/RadialCluster"/>
+    <dgm:cxn modelId="{1D46A22B-6841-43B8-BD3C-301B488B1FC6}" type="presOf" srcId="{65911259-E4D2-4A7C-9C11-2E9D77225C9E}" destId="{AB34DF75-6BED-4321-9EDA-4DBC8F284296}" srcOrd="0" destOrd="0" presId="urn:microsoft.com/office/officeart/2008/layout/RadialCluster"/>
+    <dgm:cxn modelId="{01700113-5BBC-4D5A-B2A4-44074A0BB980}" type="presOf" srcId="{A623815C-69ED-479C-848A-0F9568331B70}" destId="{D163E0B1-4BB0-4EB2-A482-CB5DCF8587C4}" srcOrd="0" destOrd="0" presId="urn:microsoft.com/office/officeart/2008/layout/RadialCluster"/>
+    <dgm:cxn modelId="{01BD247E-049E-486D-83ED-67144FF56A86}" type="presOf" srcId="{91731CA3-6D3C-4FD2-8C55-260984BC2867}" destId="{FF23012D-3DAD-4A0F-80DB-453F9B7C1F00}" srcOrd="0" destOrd="0" presId="urn:microsoft.com/office/officeart/2008/layout/RadialCluster"/>
     <dgm:cxn modelId="{C4E914C9-72DC-4860-8193-44F91CD7D273}" srcId="{43CD8995-090A-4513-B501-FB2D1D5F0AD9}" destId="{1C6E2C20-8987-48AB-9183-BED8CD71C951}" srcOrd="0" destOrd="0" parTransId="{B2591461-660F-49A1-9F64-1DEE5A4D1388}" sibTransId="{B1A23A62-97A0-45CC-B62B-6917899EAF0A}"/>
-    <dgm:cxn modelId="{C0CC9FC5-D465-423E-A8B1-309CAC1D3218}" srcId="{1C6E2C20-8987-48AB-9183-BED8CD71C951}" destId="{F397A010-739C-47DE-888B-3AB18396FF87}" srcOrd="1" destOrd="0" parTransId="{91731CA3-6D3C-4FD2-8C55-260984BC2867}" sibTransId="{7941CDD8-82BC-406E-9581-BB8FFC803687}"/>
-    <dgm:cxn modelId="{5F7F7248-6745-4291-9BAA-81557AF2413E}" type="presOf" srcId="{1C6E2C20-8987-48AB-9183-BED8CD71C951}" destId="{067B3650-17DC-4DA8-87EE-F1DFFB33C387}" srcOrd="0" destOrd="0" presId="urn:microsoft.com/office/officeart/2008/layout/RadialCluster"/>
-    <dgm:cxn modelId="{A4448CCE-8831-4DC4-AAC5-F90F2D5CAC71}" type="presOf" srcId="{A80B91FA-E938-4C84-B2EC-EB0468293E2C}" destId="{8AEE6B4E-129C-41B7-8F80-40008E64EAB0}" srcOrd="0" destOrd="0" presId="urn:microsoft.com/office/officeart/2008/layout/RadialCluster"/>
-    <dgm:cxn modelId="{01BD247E-049E-486D-83ED-67144FF56A86}" type="presOf" srcId="{91731CA3-6D3C-4FD2-8C55-260984BC2867}" destId="{FF23012D-3DAD-4A0F-80DB-453F9B7C1F00}" srcOrd="0" destOrd="0" presId="urn:microsoft.com/office/officeart/2008/layout/RadialCluster"/>
-    <dgm:cxn modelId="{1D46A22B-6841-43B8-BD3C-301B488B1FC6}" type="presOf" srcId="{65911259-E4D2-4A7C-9C11-2E9D77225C9E}" destId="{AB34DF75-6BED-4321-9EDA-4DBC8F284296}" srcOrd="0" destOrd="0" presId="urn:microsoft.com/office/officeart/2008/layout/RadialCluster"/>
     <dgm:cxn modelId="{0E02BB84-EE47-4420-B936-6AF9E6EB5D44}" type="presOf" srcId="{6DC1555D-6628-4D5A-9B9C-0F3FC465A82E}" destId="{00A35B42-AA61-4236-A1D7-F917ECE0B667}" srcOrd="0" destOrd="0" presId="urn:microsoft.com/office/officeart/2008/layout/RadialCluster"/>
-    <dgm:cxn modelId="{01700113-5BBC-4D5A-B2A4-44074A0BB980}" type="presOf" srcId="{A623815C-69ED-479C-848A-0F9568331B70}" destId="{D163E0B1-4BB0-4EB2-A482-CB5DCF8587C4}" srcOrd="0" destOrd="0" presId="urn:microsoft.com/office/officeart/2008/layout/RadialCluster"/>
-    <dgm:cxn modelId="{58DE2A08-43FF-418C-9CE4-260F0FE7B6D6}" srcId="{62A0AB8E-8A97-4CCB-B679-A5DAD2E3AB59}" destId="{B951F8D6-93AA-4ED8-AD32-0E84375EE5C9}" srcOrd="0" destOrd="0" parTransId="{6DC1555D-6628-4D5A-9B9C-0F3FC465A82E}" sibTransId="{AF8AEDBD-CACB-44D5-BAB7-E687C706DA4B}"/>
-    <dgm:cxn modelId="{E33833F4-EAEF-43CE-8349-1810D61079E6}" srcId="{1C6E2C20-8987-48AB-9183-BED8CD71C951}" destId="{62A0AB8E-8A97-4CCB-B679-A5DAD2E3AB59}" srcOrd="2" destOrd="0" parTransId="{A623815C-69ED-479C-848A-0F9568331B70}" sibTransId="{0C9D8CB3-7C46-4E29-B223-15E137F26458}"/>
-    <dgm:cxn modelId="{7281D28B-B92D-49E6-952A-3953BE880526}" type="presOf" srcId="{B951F8D6-93AA-4ED8-AD32-0E84375EE5C9}" destId="{B6001E08-CF80-4CF9-9937-BE132BB0E3A7}" srcOrd="0" destOrd="0" presId="urn:microsoft.com/office/officeart/2008/layout/RadialCluster"/>
-    <dgm:cxn modelId="{83CB1701-F2C4-43E8-80C8-1C3C2C356BAC}" srcId="{1C6E2C20-8987-48AB-9183-BED8CD71C951}" destId="{65911259-E4D2-4A7C-9C11-2E9D77225C9E}" srcOrd="0" destOrd="0" parTransId="{A80B91FA-E938-4C84-B2EC-EB0468293E2C}" sibTransId="{8A2B87D8-58F9-4167-BC0B-D28E655D4B04}"/>
-    <dgm:cxn modelId="{00549BE9-5CD1-4C7A-BF0A-DABB584CFE28}" type="presOf" srcId="{F397A010-739C-47DE-888B-3AB18396FF87}" destId="{4D11BF85-DD33-4914-B9A0-CB1332762925}" srcOrd="0" destOrd="0" presId="urn:microsoft.com/office/officeart/2008/layout/RadialCluster"/>
-    <dgm:cxn modelId="{25EF17AB-863D-4C0D-B52F-A106BA739BDD}" type="presOf" srcId="{62A0AB8E-8A97-4CCB-B679-A5DAD2E3AB59}" destId="{6C689A34-C942-438E-9598-2F573BB43A0E}" srcOrd="0" destOrd="0" presId="urn:microsoft.com/office/officeart/2008/layout/RadialCluster"/>
     <dgm:cxn modelId="{868B7A6E-0773-4DB9-9206-8FBF8824DF7B}" type="presParOf" srcId="{ECA2687E-0C3E-45CB-B281-365908ED26DF}" destId="{067B3650-17DC-4DA8-87EE-F1DFFB33C387}" srcOrd="0" destOrd="0" presId="urn:microsoft.com/office/officeart/2008/layout/RadialCluster"/>
     <dgm:cxn modelId="{C478ED74-01F8-4A51-9D11-DF4230630D96}" type="presParOf" srcId="{ECA2687E-0C3E-45CB-B281-365908ED26DF}" destId="{ABE1AB53-665B-4139-A6F6-2F4732BCCD0E}" srcOrd="1" destOrd="0" presId="urn:microsoft.com/office/officeart/2008/layout/RadialCluster"/>
     <dgm:cxn modelId="{8506C212-9070-4C61-8E5D-548FEB4B71B9}" type="presParOf" srcId="{ABE1AB53-665B-4139-A6F6-2F4732BCCD0E}" destId="{AB34DF75-6BED-4321-9EDA-4DBC8F284296}" srcOrd="0" destOrd="0" presId="urn:microsoft.com/office/officeart/2008/layout/RadialCluster"/>
@@ -10250,11 +10306,7 @@
           <a:p>
             <a:r>
               <a:rPr lang="sl-SI" dirty="0" smtClean="0"/>
-              <a:t>ER </a:t>
-            </a:r>
-            <a:r>
-              <a:rPr lang="sl-SI" dirty="0" smtClean="0"/>
-              <a:t>diagram podatkovne baze</a:t>
+              <a:t>ER diagram podatkovne baze</a:t>
             </a:r>
             <a:endParaRPr lang="sl-SI" dirty="0"/>
           </a:p>
@@ -10384,7 +10436,6 @@
               <a:rPr lang="sl-SI" dirty="0" smtClean="0"/>
               <a:t>, ki preusmerja promet na virtualko</a:t>
             </a:r>
-            <a:endParaRPr lang="sl-SI" dirty="0" smtClean="0"/>
           </a:p>
           <a:p>
             <a:r>
@@ -10395,15 +10446,7 @@
           <a:p>
             <a:r>
               <a:rPr lang="sl-SI" dirty="0" smtClean="0"/>
-              <a:t>Registracija </a:t>
-            </a:r>
-            <a:r>
-              <a:rPr lang="sl-SI" dirty="0" smtClean="0"/>
-              <a:t>in </a:t>
-            </a:r>
-            <a:r>
-              <a:rPr lang="sl-SI" dirty="0" smtClean="0"/>
-              <a:t>prijava že delujeta</a:t>
+              <a:t>Registracija in prijava že delujeta</a:t>
             </a:r>
           </a:p>
           <a:p>
@@ -10493,18 +10536,19 @@
           <a:p>
             <a:r>
               <a:rPr lang="sl-SI" dirty="0" smtClean="0"/>
-              <a:t>Html: pošiljanje spročil</a:t>
+              <a:t>Pošiljanje sporočil</a:t>
             </a:r>
           </a:p>
           <a:p>
             <a:r>
               <a:rPr lang="sl-SI" dirty="0" smtClean="0"/>
-              <a:t>SQL</a:t>
+              <a:t>Izdelovanje sob</a:t>
             </a:r>
-            <a:r>
-              <a:rPr lang="sl-SI" dirty="0" smtClean="0"/>
-              <a:t>: </a:t>
-            </a:r>
+          </a:p>
+          <a:p>
+            <a:endParaRPr lang="sl-SI" dirty="0" smtClean="0"/>
+          </a:p>
+          <a:p>
             <a:endParaRPr lang="sl-SI" dirty="0" smtClean="0"/>
           </a:p>
           <a:p>

--- a/internetna klepetalnica.pptx
+++ b/internetna klepetalnica.pptx
@@ -10440,7 +10440,17 @@
           <a:p>
             <a:r>
               <a:rPr lang="sl-SI" dirty="0" smtClean="0"/>
-              <a:t>Postavljen spletni strežnik oz. HTTP strežnik</a:t>
+              <a:t>Postavljen spletni strežnik oz. HTTP </a:t>
+            </a:r>
+            <a:r>
+              <a:rPr lang="sl-SI" dirty="0" smtClean="0"/>
+              <a:t>strežnik </a:t>
+            </a:r>
+          </a:p>
+          <a:p>
+            <a:r>
+              <a:rPr lang="sl-SI" smtClean="0"/>
+              <a:t>HTML datoteka (uporaba Bootstrapa)</a:t>
             </a:r>
           </a:p>
           <a:p>
@@ -10466,6 +10476,36 @@
           </a:p>
         </p:txBody>
       </p:sp>
+      <p:pic>
+        <p:nvPicPr>
+          <p:cNvPr id="4" name="Picture 3"/>
+          <p:cNvPicPr>
+            <a:picLocks noChangeAspect="1"/>
+          </p:cNvPicPr>
+          <p:nvPr/>
+        </p:nvPicPr>
+        <p:blipFill>
+          <a:blip r:embed="rId3">
+            <a:extLst>
+              <a:ext uri="{28A0092B-C50C-407E-A947-70E740481C1C}">
+                <a14:useLocalDpi xmlns:a14="http://schemas.microsoft.com/office/drawing/2010/main" val="0"/>
+              </a:ext>
+            </a:extLst>
+          </a:blip>
+          <a:stretch>
+            <a:fillRect/>
+          </a:stretch>
+        </p:blipFill>
+        <p:spPr>
+          <a:xfrm>
+            <a:off x="8150851" y="3545983"/>
+            <a:ext cx="2381250" cy="1981200"/>
+          </a:xfrm>
+          <a:prstGeom prst="rect">
+            <a:avLst/>
+          </a:prstGeom>
+        </p:spPr>
+      </p:pic>
     </p:spTree>
     <p:extLst>
       <p:ext uri="{BB962C8B-B14F-4D97-AF65-F5344CB8AC3E}">
@@ -10559,6 +10599,36 @@
           </a:p>
         </p:txBody>
       </p:sp>
+      <p:pic>
+        <p:nvPicPr>
+          <p:cNvPr id="4" name="Picture 3"/>
+          <p:cNvPicPr>
+            <a:picLocks noChangeAspect="1"/>
+          </p:cNvPicPr>
+          <p:nvPr/>
+        </p:nvPicPr>
+        <p:blipFill>
+          <a:blip r:embed="rId2">
+            <a:extLst>
+              <a:ext uri="{28A0092B-C50C-407E-A947-70E740481C1C}">
+                <a14:useLocalDpi xmlns:a14="http://schemas.microsoft.com/office/drawing/2010/main" val="0"/>
+              </a:ext>
+            </a:extLst>
+          </a:blip>
+          <a:stretch>
+            <a:fillRect/>
+          </a:stretch>
+        </p:blipFill>
+        <p:spPr>
+          <a:xfrm>
+            <a:off x="7096260" y="1415602"/>
+            <a:ext cx="3265866" cy="3265866"/>
+          </a:xfrm>
+          <a:prstGeom prst="rect">
+            <a:avLst/>
+          </a:prstGeom>
+        </p:spPr>
+      </p:pic>
     </p:spTree>
     <p:extLst>
       <p:ext uri="{BB962C8B-B14F-4D97-AF65-F5344CB8AC3E}">

--- a/internetna klepetalnica.pptx
+++ b/internetna klepetalnica.pptx
@@ -10,7 +10,8 @@
     <p:sldId id="261" r:id="rId4"/>
     <p:sldId id="257" r:id="rId5"/>
     <p:sldId id="260" r:id="rId6"/>
-    <p:sldId id="259" r:id="rId7"/>
+    <p:sldId id="262" r:id="rId7"/>
+    <p:sldId id="259" r:id="rId8"/>
   </p:sldIdLst>
   <p:sldSz cx="12192000" cy="6858000"/>
   <p:notesSz cx="6858000" cy="9144000"/>
@@ -1276,664 +1277,6 @@
       <dsp:cNvGrpSpPr/>
     </dsp:nvGrpSpPr>
     <dsp:grpSpPr/>
-    <dsp:sp modelId="{D163E0B1-4BB0-4EB2-A482-CB5DCF8587C4}">
-      <dsp:nvSpPr>
-        <dsp:cNvPr id="0" name=""/>
-        <dsp:cNvSpPr/>
-      </dsp:nvSpPr>
-      <dsp:spPr>
-        <a:xfrm rot="10754228">
-          <a:off x="3579297" y="3343128"/>
-          <a:ext cx="817684" cy="0"/>
-        </a:xfrm>
-        <a:custGeom>
-          <a:avLst/>
-          <a:gdLst/>
-          <a:ahLst/>
-          <a:cxnLst/>
-          <a:rect l="0" t="0" r="0" b="0"/>
-          <a:pathLst>
-            <a:path>
-              <a:moveTo>
-                <a:pt x="0" y="0"/>
-              </a:moveTo>
-              <a:lnTo>
-                <a:pt x="817684" y="0"/>
-              </a:lnTo>
-            </a:path>
-          </a:pathLst>
-        </a:custGeom>
-        <a:noFill/>
-        <a:ln w="34925" cap="flat" cmpd="sng" algn="in">
-          <a:solidFill>
-            <a:schemeClr val="accent1">
-              <a:shade val="60000"/>
-              <a:hueOff val="0"/>
-              <a:satOff val="0"/>
-              <a:lumOff val="0"/>
-              <a:alphaOff val="0"/>
-            </a:schemeClr>
-          </a:solidFill>
-          <a:prstDash val="solid"/>
-        </a:ln>
-        <a:effectLst/>
-      </dsp:spPr>
-      <dsp:style>
-        <a:lnRef idx="2">
-          <a:scrgbClr r="0" g="0" b="0"/>
-        </a:lnRef>
-        <a:fillRef idx="0">
-          <a:scrgbClr r="0" g="0" b="0"/>
-        </a:fillRef>
-        <a:effectRef idx="0">
-          <a:scrgbClr r="0" g="0" b="0"/>
-        </a:effectRef>
-        <a:fontRef idx="minor"/>
-      </dsp:style>
-    </dsp:sp>
-    <dsp:sp modelId="{FF23012D-3DAD-4A0F-80DB-453F9B7C1F00}">
-      <dsp:nvSpPr>
-        <dsp:cNvPr id="0" name=""/>
-        <dsp:cNvSpPr/>
-      </dsp:nvSpPr>
-      <dsp:spPr>
-        <a:xfrm rot="346810">
-          <a:off x="5862559" y="3498113"/>
-          <a:ext cx="1902333" cy="0"/>
-        </a:xfrm>
-        <a:custGeom>
-          <a:avLst/>
-          <a:gdLst/>
-          <a:ahLst/>
-          <a:cxnLst/>
-          <a:rect l="0" t="0" r="0" b="0"/>
-          <a:pathLst>
-            <a:path>
-              <a:moveTo>
-                <a:pt x="0" y="0"/>
-              </a:moveTo>
-              <a:lnTo>
-                <a:pt x="1902333" y="0"/>
-              </a:lnTo>
-            </a:path>
-          </a:pathLst>
-        </a:custGeom>
-        <a:noFill/>
-        <a:ln w="34925" cap="flat" cmpd="sng" algn="in">
-          <a:solidFill>
-            <a:schemeClr val="accent1">
-              <a:shade val="60000"/>
-              <a:hueOff val="0"/>
-              <a:satOff val="0"/>
-              <a:lumOff val="0"/>
-              <a:alphaOff val="0"/>
-            </a:schemeClr>
-          </a:solidFill>
-          <a:prstDash val="solid"/>
-        </a:ln>
-        <a:effectLst/>
-      </dsp:spPr>
-      <dsp:style>
-        <a:lnRef idx="2">
-          <a:scrgbClr r="0" g="0" b="0"/>
-        </a:lnRef>
-        <a:fillRef idx="0">
-          <a:scrgbClr r="0" g="0" b="0"/>
-        </a:fillRef>
-        <a:effectRef idx="0">
-          <a:scrgbClr r="0" g="0" b="0"/>
-        </a:effectRef>
-        <a:fontRef idx="minor"/>
-      </dsp:style>
-    </dsp:sp>
-    <dsp:sp modelId="{8AEE6B4E-129C-41B7-8F80-40008E64EAB0}">
-      <dsp:nvSpPr>
-        <dsp:cNvPr id="0" name=""/>
-        <dsp:cNvSpPr/>
-      </dsp:nvSpPr>
-      <dsp:spPr>
-        <a:xfrm rot="19487971">
-          <a:off x="5711391" y="2317462"/>
-          <a:ext cx="1706267" cy="0"/>
-        </a:xfrm>
-        <a:custGeom>
-          <a:avLst/>
-          <a:gdLst/>
-          <a:ahLst/>
-          <a:cxnLst/>
-          <a:rect l="0" t="0" r="0" b="0"/>
-          <a:pathLst>
-            <a:path>
-              <a:moveTo>
-                <a:pt x="0" y="0"/>
-              </a:moveTo>
-              <a:lnTo>
-                <a:pt x="1706267" y="0"/>
-              </a:lnTo>
-            </a:path>
-          </a:pathLst>
-        </a:custGeom>
-        <a:noFill/>
-        <a:ln w="34925" cap="flat" cmpd="sng" algn="in">
-          <a:solidFill>
-            <a:schemeClr val="accent1">
-              <a:shade val="60000"/>
-              <a:hueOff val="0"/>
-              <a:satOff val="0"/>
-              <a:lumOff val="0"/>
-              <a:alphaOff val="0"/>
-            </a:schemeClr>
-          </a:solidFill>
-          <a:prstDash val="solid"/>
-        </a:ln>
-        <a:effectLst/>
-      </dsp:spPr>
-      <dsp:style>
-        <a:lnRef idx="2">
-          <a:scrgbClr r="0" g="0" b="0"/>
-        </a:lnRef>
-        <a:fillRef idx="0">
-          <a:scrgbClr r="0" g="0" b="0"/>
-        </a:fillRef>
-        <a:effectRef idx="0">
-          <a:scrgbClr r="0" g="0" b="0"/>
-        </a:effectRef>
-        <a:fontRef idx="minor"/>
-      </dsp:style>
-    </dsp:sp>
-    <dsp:sp modelId="{067B3650-17DC-4DA8-87EE-F1DFFB33C387}">
-      <dsp:nvSpPr>
-        <dsp:cNvPr id="0" name=""/>
-        <dsp:cNvSpPr/>
-      </dsp:nvSpPr>
-      <dsp:spPr>
-        <a:xfrm>
-          <a:off x="4396945" y="2592670"/>
-          <a:ext cx="1470449" cy="1470449"/>
-        </a:xfrm>
-        <a:prstGeom prst="roundRect">
-          <a:avLst/>
-        </a:prstGeom>
-        <a:solidFill>
-          <a:schemeClr val="accent1">
-            <a:hueOff val="0"/>
-            <a:satOff val="0"/>
-            <a:lumOff val="0"/>
-            <a:alphaOff val="0"/>
-          </a:schemeClr>
-        </a:solidFill>
-        <a:ln w="34925" cap="flat" cmpd="sng" algn="in">
-          <a:solidFill>
-            <a:schemeClr val="lt1">
-              <a:hueOff val="0"/>
-              <a:satOff val="0"/>
-              <a:lumOff val="0"/>
-              <a:alphaOff val="0"/>
-            </a:schemeClr>
-          </a:solidFill>
-          <a:prstDash val="solid"/>
-        </a:ln>
-        <a:effectLst/>
-      </dsp:spPr>
-      <dsp:style>
-        <a:lnRef idx="2">
-          <a:scrgbClr r="0" g="0" b="0"/>
-        </a:lnRef>
-        <a:fillRef idx="1">
-          <a:scrgbClr r="0" g="0" b="0"/>
-        </a:fillRef>
-        <a:effectRef idx="0">
-          <a:scrgbClr r="0" g="0" b="0"/>
-        </a:effectRef>
-        <a:fontRef idx="minor">
-          <a:schemeClr val="lt1"/>
-        </a:fontRef>
-      </dsp:style>
-      <dsp:txBody>
-        <a:bodyPr spcFirstLastPara="0" vert="horz" wrap="square" lIns="78740" tIns="78740" rIns="78740" bIns="78740" numCol="1" spcCol="1270" anchor="ctr" anchorCtr="0">
-          <a:noAutofit/>
-        </a:bodyPr>
-        <a:lstStyle/>
-        <a:p>
-          <a:pPr lvl="0" algn="ctr" defTabSz="1377950">
-            <a:lnSpc>
-              <a:spcPct val="90000"/>
-            </a:lnSpc>
-            <a:spcBef>
-              <a:spcPct val="0"/>
-            </a:spcBef>
-            <a:spcAft>
-              <a:spcPct val="35000"/>
-            </a:spcAft>
-          </a:pPr>
-          <a:r>
-            <a:rPr lang="sl-SI" sz="3100" kern="1200" dirty="0" smtClean="0"/>
-            <a:t>WAMP</a:t>
-          </a:r>
-          <a:br>
-            <a:rPr lang="sl-SI" sz="3100" kern="1200" dirty="0" smtClean="0"/>
-          </a:br>
-          <a:r>
-            <a:rPr lang="sl-SI" sz="3100" kern="1200" dirty="0" smtClean="0"/>
-            <a:t>Router</a:t>
-          </a:r>
-          <a:endParaRPr lang="sl-SI" sz="3100" kern="1200" dirty="0"/>
-        </a:p>
-      </dsp:txBody>
-      <dsp:txXfrm>
-        <a:off x="4468726" y="2664451"/>
-        <a:ext cx="1326887" cy="1326887"/>
-      </dsp:txXfrm>
-    </dsp:sp>
-    <dsp:sp modelId="{AB34DF75-6BED-4321-9EDA-4DBC8F284296}">
-      <dsp:nvSpPr>
-        <dsp:cNvPr id="0" name=""/>
-        <dsp:cNvSpPr/>
-      </dsp:nvSpPr>
-      <dsp:spPr>
-        <a:xfrm>
-          <a:off x="7261654" y="375115"/>
-          <a:ext cx="1701111" cy="1701111"/>
-        </a:xfrm>
-        <a:prstGeom prst="roundRect">
-          <a:avLst/>
-        </a:prstGeom>
-        <a:solidFill>
-          <a:schemeClr val="accent1">
-            <a:hueOff val="0"/>
-            <a:satOff val="0"/>
-            <a:lumOff val="0"/>
-            <a:alphaOff val="0"/>
-          </a:schemeClr>
-        </a:solidFill>
-        <a:ln w="34925" cap="flat" cmpd="sng" algn="in">
-          <a:solidFill>
-            <a:schemeClr val="lt1">
-              <a:hueOff val="0"/>
-              <a:satOff val="0"/>
-              <a:lumOff val="0"/>
-              <a:alphaOff val="0"/>
-            </a:schemeClr>
-          </a:solidFill>
-          <a:prstDash val="solid"/>
-        </a:ln>
-        <a:effectLst/>
-      </dsp:spPr>
-      <dsp:style>
-        <a:lnRef idx="2">
-          <a:scrgbClr r="0" g="0" b="0"/>
-        </a:lnRef>
-        <a:fillRef idx="1">
-          <a:scrgbClr r="0" g="0" b="0"/>
-        </a:fillRef>
-        <a:effectRef idx="0">
-          <a:scrgbClr r="0" g="0" b="0"/>
-        </a:effectRef>
-        <a:fontRef idx="minor">
-          <a:schemeClr val="lt1"/>
-        </a:fontRef>
-      </dsp:style>
-      <dsp:txBody>
-        <a:bodyPr spcFirstLastPara="0" vert="horz" wrap="square" lIns="60960" tIns="60960" rIns="60960" bIns="60960" numCol="1" spcCol="1270" anchor="ctr" anchorCtr="0">
-          <a:noAutofit/>
-        </a:bodyPr>
-        <a:lstStyle/>
-        <a:p>
-          <a:pPr lvl="0" algn="ctr" defTabSz="1066800">
-            <a:lnSpc>
-              <a:spcPct val="90000"/>
-            </a:lnSpc>
-            <a:spcBef>
-              <a:spcPct val="0"/>
-            </a:spcBef>
-            <a:spcAft>
-              <a:spcPct val="35000"/>
-            </a:spcAft>
-          </a:pPr>
-          <a:r>
-            <a:rPr lang="sl-SI" sz="2400" kern="1200" dirty="0" smtClean="0"/>
-            <a:t>Spletni</a:t>
-          </a:r>
-          <a:br>
-            <a:rPr lang="sl-SI" sz="2400" kern="1200" dirty="0" smtClean="0"/>
-          </a:br>
-          <a:r>
-            <a:rPr lang="sl-SI" sz="2400" kern="1200" dirty="0" smtClean="0"/>
-            <a:t>brskalnik</a:t>
-          </a:r>
-        </a:p>
-        <a:p>
-          <a:pPr lvl="0" algn="ctr" defTabSz="1066800">
-            <a:lnSpc>
-              <a:spcPct val="90000"/>
-            </a:lnSpc>
-            <a:spcBef>
-              <a:spcPct val="0"/>
-            </a:spcBef>
-            <a:spcAft>
-              <a:spcPct val="35000"/>
-            </a:spcAft>
-          </a:pPr>
-          <a:r>
-            <a:rPr lang="sl-SI" sz="2400" kern="1200" dirty="0" smtClean="0"/>
-            <a:t>1</a:t>
-          </a:r>
-        </a:p>
-      </dsp:txBody>
-      <dsp:txXfrm>
-        <a:off x="7344695" y="458156"/>
-        <a:ext cx="1535029" cy="1535029"/>
-      </dsp:txXfrm>
-    </dsp:sp>
-    <dsp:sp modelId="{4D11BF85-DD33-4914-B9A0-CB1332762925}">
-      <dsp:nvSpPr>
-        <dsp:cNvPr id="0" name=""/>
-        <dsp:cNvSpPr/>
-      </dsp:nvSpPr>
-      <dsp:spPr>
-        <a:xfrm>
-          <a:off x="7760056" y="2829450"/>
-          <a:ext cx="1701111" cy="1701111"/>
-        </a:xfrm>
-        <a:prstGeom prst="roundRect">
-          <a:avLst/>
-        </a:prstGeom>
-        <a:solidFill>
-          <a:schemeClr val="accent1">
-            <a:hueOff val="0"/>
-            <a:satOff val="0"/>
-            <a:lumOff val="0"/>
-            <a:alphaOff val="0"/>
-          </a:schemeClr>
-        </a:solidFill>
-        <a:ln w="34925" cap="flat" cmpd="sng" algn="in">
-          <a:solidFill>
-            <a:schemeClr val="lt1">
-              <a:hueOff val="0"/>
-              <a:satOff val="0"/>
-              <a:lumOff val="0"/>
-              <a:alphaOff val="0"/>
-            </a:schemeClr>
-          </a:solidFill>
-          <a:prstDash val="solid"/>
-        </a:ln>
-        <a:effectLst/>
-      </dsp:spPr>
-      <dsp:style>
-        <a:lnRef idx="2">
-          <a:scrgbClr r="0" g="0" b="0"/>
-        </a:lnRef>
-        <a:fillRef idx="1">
-          <a:scrgbClr r="0" g="0" b="0"/>
-        </a:fillRef>
-        <a:effectRef idx="0">
-          <a:scrgbClr r="0" g="0" b="0"/>
-        </a:effectRef>
-        <a:fontRef idx="minor">
-          <a:schemeClr val="lt1"/>
-        </a:fontRef>
-      </dsp:style>
-      <dsp:txBody>
-        <a:bodyPr spcFirstLastPara="0" vert="horz" wrap="square" lIns="71120" tIns="71120" rIns="71120" bIns="71120" numCol="1" spcCol="1270" anchor="ctr" anchorCtr="0">
-          <a:noAutofit/>
-        </a:bodyPr>
-        <a:lstStyle/>
-        <a:p>
-          <a:pPr lvl="0" algn="ctr" defTabSz="1244600">
-            <a:lnSpc>
-              <a:spcPct val="90000"/>
-            </a:lnSpc>
-            <a:spcBef>
-              <a:spcPct val="0"/>
-            </a:spcBef>
-            <a:spcAft>
-              <a:spcPct val="35000"/>
-            </a:spcAft>
-          </a:pPr>
-          <a:r>
-            <a:rPr lang="sl-SI" sz="2800" kern="1200" dirty="0" smtClean="0"/>
-            <a:t>Spletni</a:t>
-          </a:r>
-          <a:br>
-            <a:rPr lang="sl-SI" sz="2800" kern="1200" dirty="0" smtClean="0"/>
-          </a:br>
-          <a:r>
-            <a:rPr lang="sl-SI" sz="2800" kern="1200" dirty="0" smtClean="0"/>
-            <a:t>brskalnik</a:t>
-          </a:r>
-        </a:p>
-        <a:p>
-          <a:pPr lvl="0" algn="ctr" defTabSz="1244600">
-            <a:lnSpc>
-              <a:spcPct val="90000"/>
-            </a:lnSpc>
-            <a:spcBef>
-              <a:spcPct val="0"/>
-            </a:spcBef>
-            <a:spcAft>
-              <a:spcPct val="35000"/>
-            </a:spcAft>
-          </a:pPr>
-          <a:r>
-            <a:rPr lang="sl-SI" sz="2800" kern="1200" dirty="0" smtClean="0"/>
-            <a:t>2</a:t>
-          </a:r>
-        </a:p>
-      </dsp:txBody>
-      <dsp:txXfrm>
-        <a:off x="7843097" y="2912491"/>
-        <a:ext cx="1535029" cy="1535029"/>
-      </dsp:txXfrm>
-    </dsp:sp>
-    <dsp:sp modelId="{6C689A34-C942-438E-9598-2F573BB43A0E}">
-      <dsp:nvSpPr>
-        <dsp:cNvPr id="0" name=""/>
-        <dsp:cNvSpPr/>
-      </dsp:nvSpPr>
-      <dsp:spPr>
-        <a:xfrm>
-          <a:off x="1864346" y="2502495"/>
-          <a:ext cx="1714986" cy="1714986"/>
-        </a:xfrm>
-        <a:prstGeom prst="roundRect">
-          <a:avLst/>
-        </a:prstGeom>
-        <a:solidFill>
-          <a:schemeClr val="accent1">
-            <a:hueOff val="0"/>
-            <a:satOff val="0"/>
-            <a:lumOff val="0"/>
-            <a:alphaOff val="0"/>
-          </a:schemeClr>
-        </a:solidFill>
-        <a:ln w="34925" cap="flat" cmpd="sng" algn="in">
-          <a:solidFill>
-            <a:schemeClr val="lt1">
-              <a:hueOff val="0"/>
-              <a:satOff val="0"/>
-              <a:lumOff val="0"/>
-              <a:alphaOff val="0"/>
-            </a:schemeClr>
-          </a:solidFill>
-          <a:prstDash val="solid"/>
-        </a:ln>
-        <a:effectLst/>
-      </dsp:spPr>
-      <dsp:style>
-        <a:lnRef idx="2">
-          <a:scrgbClr r="0" g="0" b="0"/>
-        </a:lnRef>
-        <a:fillRef idx="1">
-          <a:scrgbClr r="0" g="0" b="0"/>
-        </a:fillRef>
-        <a:effectRef idx="0">
-          <a:scrgbClr r="0" g="0" b="0"/>
-        </a:effectRef>
-        <a:fontRef idx="minor">
-          <a:schemeClr val="lt1"/>
-        </a:fontRef>
-      </dsp:style>
-      <dsp:txBody>
-        <a:bodyPr spcFirstLastPara="0" vert="horz" wrap="square" lIns="76200" tIns="76200" rIns="76200" bIns="76200" numCol="1" spcCol="1270" anchor="ctr" anchorCtr="0">
-          <a:noAutofit/>
-        </a:bodyPr>
-        <a:lstStyle/>
-        <a:p>
-          <a:pPr lvl="0" algn="ctr" defTabSz="1333500">
-            <a:lnSpc>
-              <a:spcPct val="90000"/>
-            </a:lnSpc>
-            <a:spcBef>
-              <a:spcPct val="0"/>
-            </a:spcBef>
-            <a:spcAft>
-              <a:spcPct val="35000"/>
-            </a:spcAft>
-          </a:pPr>
-          <a:r>
-            <a:rPr lang="sl-SI" sz="3000" kern="1200" dirty="0" smtClean="0"/>
-            <a:t>Python backend</a:t>
-          </a:r>
-          <a:endParaRPr lang="sl-SI" sz="3000" kern="1200" dirty="0"/>
-        </a:p>
-      </dsp:txBody>
-      <dsp:txXfrm>
-        <a:off x="1948065" y="2586214"/>
-        <a:ext cx="1547548" cy="1547548"/>
-      </dsp:txXfrm>
-    </dsp:sp>
-    <dsp:sp modelId="{00A35B42-AA61-4236-A1D7-F917ECE0B667}">
-      <dsp:nvSpPr>
-        <dsp:cNvPr id="0" name=""/>
-        <dsp:cNvSpPr/>
-      </dsp:nvSpPr>
-      <dsp:spPr>
-        <a:xfrm rot="16327396">
-          <a:off x="2577518" y="2319732"/>
-          <a:ext cx="365777" cy="0"/>
-        </a:xfrm>
-        <a:custGeom>
-          <a:avLst/>
-          <a:gdLst/>
-          <a:ahLst/>
-          <a:cxnLst/>
-          <a:rect l="0" t="0" r="0" b="0"/>
-          <a:pathLst>
-            <a:path>
-              <a:moveTo>
-                <a:pt x="0" y="0"/>
-              </a:moveTo>
-              <a:lnTo>
-                <a:pt x="365777" y="0"/>
-              </a:lnTo>
-            </a:path>
-          </a:pathLst>
-        </a:custGeom>
-        <a:noFill/>
-        <a:ln w="34925" cap="flat" cmpd="sng" algn="in">
-          <a:solidFill>
-            <a:schemeClr val="accent1">
-              <a:shade val="80000"/>
-              <a:hueOff val="0"/>
-              <a:satOff val="0"/>
-              <a:lumOff val="0"/>
-              <a:alphaOff val="0"/>
-            </a:schemeClr>
-          </a:solidFill>
-          <a:prstDash val="solid"/>
-        </a:ln>
-        <a:effectLst/>
-      </dsp:spPr>
-      <dsp:style>
-        <a:lnRef idx="2">
-          <a:scrgbClr r="0" g="0" b="0"/>
-        </a:lnRef>
-        <a:fillRef idx="0">
-          <a:scrgbClr r="0" g="0" b="0"/>
-        </a:fillRef>
-        <a:effectRef idx="0">
-          <a:scrgbClr r="0" g="0" b="0"/>
-        </a:effectRef>
-        <a:fontRef idx="minor"/>
-      </dsp:style>
-    </dsp:sp>
-    <dsp:sp modelId="{B6001E08-CF80-4CF9-9937-BE132BB0E3A7}">
-      <dsp:nvSpPr>
-        <dsp:cNvPr id="0" name=""/>
-        <dsp:cNvSpPr/>
-      </dsp:nvSpPr>
-      <dsp:spPr>
-        <a:xfrm>
-          <a:off x="1836140" y="312492"/>
-          <a:ext cx="1929728" cy="1824476"/>
-        </a:xfrm>
-        <a:prstGeom prst="roundRect">
-          <a:avLst/>
-        </a:prstGeom>
-        <a:solidFill>
-          <a:schemeClr val="accent1">
-            <a:hueOff val="0"/>
-            <a:satOff val="0"/>
-            <a:lumOff val="0"/>
-            <a:alphaOff val="0"/>
-          </a:schemeClr>
-        </a:solidFill>
-        <a:ln w="34925" cap="flat" cmpd="sng" algn="in">
-          <a:solidFill>
-            <a:schemeClr val="lt1">
-              <a:hueOff val="0"/>
-              <a:satOff val="0"/>
-              <a:lumOff val="0"/>
-              <a:alphaOff val="0"/>
-            </a:schemeClr>
-          </a:solidFill>
-          <a:prstDash val="solid"/>
-        </a:ln>
-        <a:effectLst/>
-      </dsp:spPr>
-      <dsp:style>
-        <a:lnRef idx="2">
-          <a:scrgbClr r="0" g="0" b="0"/>
-        </a:lnRef>
-        <a:fillRef idx="1">
-          <a:scrgbClr r="0" g="0" b="0"/>
-        </a:fillRef>
-        <a:effectRef idx="0">
-          <a:scrgbClr r="0" g="0" b="0"/>
-        </a:effectRef>
-        <a:fontRef idx="minor">
-          <a:schemeClr val="lt1"/>
-        </a:fontRef>
-      </dsp:style>
-      <dsp:txBody>
-        <a:bodyPr spcFirstLastPara="0" vert="horz" wrap="square" lIns="132080" tIns="132080" rIns="132080" bIns="132080" numCol="1" spcCol="1270" anchor="ctr" anchorCtr="0">
-          <a:noAutofit/>
-        </a:bodyPr>
-        <a:lstStyle/>
-        <a:p>
-          <a:pPr lvl="0" algn="ctr" defTabSz="2311400">
-            <a:lnSpc>
-              <a:spcPct val="90000"/>
-            </a:lnSpc>
-            <a:spcBef>
-              <a:spcPct val="0"/>
-            </a:spcBef>
-            <a:spcAft>
-              <a:spcPct val="35000"/>
-            </a:spcAft>
-          </a:pPr>
-          <a:r>
-            <a:rPr lang="sl-SI" sz="5200" kern="1200" dirty="0" smtClean="0"/>
-            <a:t>SQL baza</a:t>
-          </a:r>
-          <a:endParaRPr lang="sl-SI" sz="5200" kern="1200" dirty="0"/>
-        </a:p>
-      </dsp:txBody>
-      <dsp:txXfrm>
-        <a:off x="1925204" y="401556"/>
-        <a:ext cx="1751600" cy="1646348"/>
-      </dsp:txXfrm>
-    </dsp:sp>
   </dsp:spTree>
 </dsp:drawing>
 </file>
@@ -10390,7 +9733,11 @@
           <a:p>
             <a:r>
               <a:rPr lang="sl-SI" dirty="0" smtClean="0"/>
-              <a:t>Trenutni izdelek</a:t>
+              <a:t>Trenutni </a:t>
+            </a:r>
+            <a:r>
+              <a:rPr lang="sl-SI" dirty="0" smtClean="0"/>
+              <a:t>izdelek - backend</a:t>
             </a:r>
             <a:endParaRPr lang="sl-SI" dirty="0"/>
           </a:p>
@@ -10440,23 +9787,17 @@
           <a:p>
             <a:r>
               <a:rPr lang="sl-SI" dirty="0" smtClean="0"/>
-              <a:t>Postavljen spletni strežnik oz. HTTP </a:t>
+              <a:t>Postavljen spletni strežnik oz. HTTP strežnik </a:t>
+            </a:r>
+          </a:p>
+          <a:p>
+            <a:r>
+              <a:rPr lang="sl-SI" dirty="0" smtClean="0"/>
+              <a:t>Registracija </a:t>
             </a:r>
             <a:r>
               <a:rPr lang="sl-SI" dirty="0" smtClean="0"/>
-              <a:t>strežnik </a:t>
-            </a:r>
-          </a:p>
-          <a:p>
-            <a:r>
-              <a:rPr lang="sl-SI" smtClean="0"/>
-              <a:t>HTML datoteka (uporaba Bootstrapa)</a:t>
-            </a:r>
-          </a:p>
-          <a:p>
-            <a:r>
-              <a:rPr lang="sl-SI" dirty="0" smtClean="0"/>
-              <a:t>Registracija in prijava že delujeta</a:t>
+              <a:t>in prijava že delujeta</a:t>
             </a:r>
           </a:p>
           <a:p>
@@ -10476,36 +9817,6 @@
           </a:p>
         </p:txBody>
       </p:sp>
-      <p:pic>
-        <p:nvPicPr>
-          <p:cNvPr id="4" name="Picture 3"/>
-          <p:cNvPicPr>
-            <a:picLocks noChangeAspect="1"/>
-          </p:cNvPicPr>
-          <p:nvPr/>
-        </p:nvPicPr>
-        <p:blipFill>
-          <a:blip r:embed="rId3">
-            <a:extLst>
-              <a:ext uri="{28A0092B-C50C-407E-A947-70E740481C1C}">
-                <a14:useLocalDpi xmlns:a14="http://schemas.microsoft.com/office/drawing/2010/main" val="0"/>
-              </a:ext>
-            </a:extLst>
-          </a:blip>
-          <a:stretch>
-            <a:fillRect/>
-          </a:stretch>
-        </p:blipFill>
-        <p:spPr>
-          <a:xfrm>
-            <a:off x="8150851" y="3545983"/>
-            <a:ext cx="2381250" cy="1981200"/>
-          </a:xfrm>
-          <a:prstGeom prst="rect">
-            <a:avLst/>
-          </a:prstGeom>
-        </p:spPr>
-      </p:pic>
     </p:spTree>
     <p:extLst>
       <p:ext uri="{BB962C8B-B14F-4D97-AF65-F5344CB8AC3E}">
@@ -10520,6 +9831,141 @@
 </file>
 
 <file path=ppt/slides/slide6.xml><?xml version="1.0" encoding="utf-8"?>
+<p:sld xmlns:a="http://schemas.openxmlformats.org/drawingml/2006/main" xmlns:r="http://schemas.openxmlformats.org/officeDocument/2006/relationships" xmlns:p="http://schemas.openxmlformats.org/presentationml/2006/main">
+  <p:cSld>
+    <p:spTree>
+      <p:nvGrpSpPr>
+        <p:cNvPr id="1" name=""/>
+        <p:cNvGrpSpPr/>
+        <p:nvPr/>
+      </p:nvGrpSpPr>
+      <p:grpSpPr>
+        <a:xfrm>
+          <a:off x="0" y="0"/>
+          <a:ext cx="0" cy="0"/>
+          <a:chOff x="0" y="0"/>
+          <a:chExt cx="0" cy="0"/>
+        </a:xfrm>
+      </p:grpSpPr>
+      <p:sp>
+        <p:nvSpPr>
+          <p:cNvPr id="2" name="Title 1"/>
+          <p:cNvSpPr>
+            <a:spLocks noGrp="1"/>
+          </p:cNvSpPr>
+          <p:nvPr>
+            <p:ph type="title"/>
+          </p:nvPr>
+        </p:nvSpPr>
+        <p:spPr>
+          <a:xfrm>
+            <a:off x="1371600" y="685800"/>
+            <a:ext cx="9601200" cy="1117242"/>
+          </a:xfrm>
+        </p:spPr>
+        <p:txBody>
+          <a:bodyPr/>
+          <a:lstStyle/>
+          <a:p>
+            <a:r>
+              <a:rPr lang="sl-SI" dirty="0"/>
+              <a:t>Trenutni izdelek - </a:t>
+            </a:r>
+            <a:r>
+              <a:rPr lang="sl-SI" dirty="0" smtClean="0"/>
+              <a:t>frontend</a:t>
+            </a:r>
+            <a:endParaRPr lang="sl-SI" dirty="0"/>
+          </a:p>
+        </p:txBody>
+      </p:sp>
+      <p:sp>
+        <p:nvSpPr>
+          <p:cNvPr id="3" name="Content Placeholder 2"/>
+          <p:cNvSpPr>
+            <a:spLocks noGrp="1"/>
+          </p:cNvSpPr>
+          <p:nvPr>
+            <p:ph idx="1"/>
+          </p:nvPr>
+        </p:nvSpPr>
+        <p:spPr>
+          <a:xfrm>
+            <a:off x="1371600" y="1803042"/>
+            <a:ext cx="9601200" cy="4064358"/>
+          </a:xfrm>
+        </p:spPr>
+        <p:txBody>
+          <a:bodyPr/>
+          <a:lstStyle/>
+          <a:p>
+            <a:r>
+              <a:rPr lang="sl-SI" dirty="0"/>
+              <a:t>HTML </a:t>
+            </a:r>
+            <a:r>
+              <a:rPr lang="sl-SI" dirty="0" smtClean="0"/>
+              <a:t>datoteka</a:t>
+            </a:r>
+          </a:p>
+          <a:p>
+            <a:r>
+              <a:rPr lang="sl-SI" dirty="0" smtClean="0"/>
+              <a:t>Uporaba Bootstrapa</a:t>
+            </a:r>
+          </a:p>
+          <a:p>
+            <a:pPr marL="0" indent="0">
+              <a:buNone/>
+            </a:pPr>
+            <a:endParaRPr lang="sl-SI" dirty="0"/>
+          </a:p>
+        </p:txBody>
+      </p:sp>
+      <p:pic>
+        <p:nvPicPr>
+          <p:cNvPr id="4" name="Picture 3"/>
+          <p:cNvPicPr>
+            <a:picLocks noChangeAspect="1"/>
+          </p:cNvPicPr>
+          <p:nvPr/>
+        </p:nvPicPr>
+        <p:blipFill>
+          <a:blip r:embed="rId2">
+            <a:extLst>
+              <a:ext uri="{28A0092B-C50C-407E-A947-70E740481C1C}">
+                <a14:useLocalDpi xmlns:a14="http://schemas.microsoft.com/office/drawing/2010/main" val="0"/>
+              </a:ext>
+            </a:extLst>
+          </a:blip>
+          <a:stretch>
+            <a:fillRect/>
+          </a:stretch>
+        </p:blipFill>
+        <p:spPr>
+          <a:xfrm>
+            <a:off x="7545544" y="2286000"/>
+            <a:ext cx="2381250" cy="1981200"/>
+          </a:xfrm>
+          <a:prstGeom prst="rect">
+            <a:avLst/>
+          </a:prstGeom>
+        </p:spPr>
+      </p:pic>
+    </p:spTree>
+    <p:extLst>
+      <p:ext uri="{BB962C8B-B14F-4D97-AF65-F5344CB8AC3E}">
+        <p14:creationId xmlns:p14="http://schemas.microsoft.com/office/powerpoint/2010/main" val="3674799839"/>
+      </p:ext>
+    </p:extLst>
+  </p:cSld>
+  <p:clrMapOvr>
+    <a:masterClrMapping/>
+  </p:clrMapOvr>
+</p:sld>
+</file>
+
+<file path=ppt/slides/slide7.xml><?xml version="1.0" encoding="utf-8"?>
 <p:sld xmlns:a="http://schemas.openxmlformats.org/drawingml/2006/main" xmlns:r="http://schemas.openxmlformats.org/officeDocument/2006/relationships" xmlns:p="http://schemas.openxmlformats.org/presentationml/2006/main">
   <p:cSld>
     <p:spTree>

--- a/internetna klepetalnica.pptx
+++ b/internetna klepetalnica.pptx
@@ -9733,11 +9733,7 @@
           <a:p>
             <a:r>
               <a:rPr lang="sl-SI" dirty="0" smtClean="0"/>
-              <a:t>Trenutni </a:t>
-            </a:r>
-            <a:r>
-              <a:rPr lang="sl-SI" dirty="0" smtClean="0"/>
-              <a:t>izdelek - backend</a:t>
+              <a:t>Trenutni izdelek - backend</a:t>
             </a:r>
             <a:endParaRPr lang="sl-SI" dirty="0"/>
           </a:p>
@@ -9793,11 +9789,7 @@
           <a:p>
             <a:r>
               <a:rPr lang="sl-SI" dirty="0" smtClean="0"/>
-              <a:t>Registracija </a:t>
-            </a:r>
-            <a:r>
-              <a:rPr lang="sl-SI" dirty="0" smtClean="0"/>
-              <a:t>in prijava že delujeta</a:t>
+              <a:t>Registracija in prijava že delujeta</a:t>
             </a:r>
           </a:p>
           <a:p>
@@ -9900,19 +9892,22 @@
           <a:lstStyle/>
           <a:p>
             <a:r>
-              <a:rPr lang="sl-SI" dirty="0"/>
-              <a:t>HTML </a:t>
+              <a:rPr lang="sl-SI" dirty="0" smtClean="0"/>
+              <a:t>Bootstrap: vzorci html kode</a:t>
             </a:r>
+          </a:p>
+          <a:p>
             <a:r>
               <a:rPr lang="sl-SI" dirty="0" smtClean="0"/>
-              <a:t>datoteka</a:t>
+              <a:t>Autobahn: realtime povezava</a:t>
             </a:r>
           </a:p>
           <a:p>
             <a:r>
               <a:rPr lang="sl-SI" dirty="0" smtClean="0"/>
-              <a:t>Uporaba Bootstrapa</a:t>
+              <a:t>Js-cookie: knjižnjica za piškotke</a:t>
             </a:r>
+            <a:endParaRPr lang="sl-SI" dirty="0" smtClean="0"/>
           </a:p>
           <a:p>
             <a:pPr marL="0" indent="0">
@@ -9944,8 +9939,8 @@
         </p:blipFill>
         <p:spPr>
           <a:xfrm>
-            <a:off x="7545544" y="2286000"/>
-            <a:ext cx="2381250" cy="1981200"/>
+            <a:off x="6745775" y="2286000"/>
+            <a:ext cx="3181019" cy="2646608"/>
           </a:xfrm>
           <a:prstGeom prst="rect">
             <a:avLst/>

--- a/internetna klepetalnica.pptx
+++ b/internetna klepetalnica.pptx
@@ -7,11 +7,12 @@
   <p:sldIdLst>
     <p:sldId id="256" r:id="rId2"/>
     <p:sldId id="258" r:id="rId3"/>
-    <p:sldId id="261" r:id="rId4"/>
-    <p:sldId id="257" r:id="rId5"/>
-    <p:sldId id="260" r:id="rId6"/>
-    <p:sldId id="262" r:id="rId7"/>
+    <p:sldId id="257" r:id="rId4"/>
+    <p:sldId id="261" r:id="rId5"/>
+    <p:sldId id="262" r:id="rId6"/>
+    <p:sldId id="260" r:id="rId7"/>
     <p:sldId id="259" r:id="rId8"/>
+    <p:sldId id="263" r:id="rId9"/>
   </p:sldIdLst>
   <p:sldSz cx="12192000" cy="6858000"/>
   <p:notesSz cx="6858000" cy="9144000"/>
@@ -1277,6 +1278,664 @@
       <dsp:cNvGrpSpPr/>
     </dsp:nvGrpSpPr>
     <dsp:grpSpPr/>
+    <dsp:sp modelId="{D163E0B1-4BB0-4EB2-A482-CB5DCF8587C4}">
+      <dsp:nvSpPr>
+        <dsp:cNvPr id="0" name=""/>
+        <dsp:cNvSpPr/>
+      </dsp:nvSpPr>
+      <dsp:spPr>
+        <a:xfrm rot="10754228">
+          <a:off x="3579297" y="3343128"/>
+          <a:ext cx="817684" cy="0"/>
+        </a:xfrm>
+        <a:custGeom>
+          <a:avLst/>
+          <a:gdLst/>
+          <a:ahLst/>
+          <a:cxnLst/>
+          <a:rect l="0" t="0" r="0" b="0"/>
+          <a:pathLst>
+            <a:path>
+              <a:moveTo>
+                <a:pt x="0" y="0"/>
+              </a:moveTo>
+              <a:lnTo>
+                <a:pt x="817684" y="0"/>
+              </a:lnTo>
+            </a:path>
+          </a:pathLst>
+        </a:custGeom>
+        <a:noFill/>
+        <a:ln w="34925" cap="flat" cmpd="sng" algn="in">
+          <a:solidFill>
+            <a:schemeClr val="accent1">
+              <a:shade val="60000"/>
+              <a:hueOff val="0"/>
+              <a:satOff val="0"/>
+              <a:lumOff val="0"/>
+              <a:alphaOff val="0"/>
+            </a:schemeClr>
+          </a:solidFill>
+          <a:prstDash val="solid"/>
+        </a:ln>
+        <a:effectLst/>
+      </dsp:spPr>
+      <dsp:style>
+        <a:lnRef idx="2">
+          <a:scrgbClr r="0" g="0" b="0"/>
+        </a:lnRef>
+        <a:fillRef idx="0">
+          <a:scrgbClr r="0" g="0" b="0"/>
+        </a:fillRef>
+        <a:effectRef idx="0">
+          <a:scrgbClr r="0" g="0" b="0"/>
+        </a:effectRef>
+        <a:fontRef idx="minor"/>
+      </dsp:style>
+    </dsp:sp>
+    <dsp:sp modelId="{FF23012D-3DAD-4A0F-80DB-453F9B7C1F00}">
+      <dsp:nvSpPr>
+        <dsp:cNvPr id="0" name=""/>
+        <dsp:cNvSpPr/>
+      </dsp:nvSpPr>
+      <dsp:spPr>
+        <a:xfrm rot="346810">
+          <a:off x="5862559" y="3498113"/>
+          <a:ext cx="1902333" cy="0"/>
+        </a:xfrm>
+        <a:custGeom>
+          <a:avLst/>
+          <a:gdLst/>
+          <a:ahLst/>
+          <a:cxnLst/>
+          <a:rect l="0" t="0" r="0" b="0"/>
+          <a:pathLst>
+            <a:path>
+              <a:moveTo>
+                <a:pt x="0" y="0"/>
+              </a:moveTo>
+              <a:lnTo>
+                <a:pt x="1902333" y="0"/>
+              </a:lnTo>
+            </a:path>
+          </a:pathLst>
+        </a:custGeom>
+        <a:noFill/>
+        <a:ln w="34925" cap="flat" cmpd="sng" algn="in">
+          <a:solidFill>
+            <a:schemeClr val="accent1">
+              <a:shade val="60000"/>
+              <a:hueOff val="0"/>
+              <a:satOff val="0"/>
+              <a:lumOff val="0"/>
+              <a:alphaOff val="0"/>
+            </a:schemeClr>
+          </a:solidFill>
+          <a:prstDash val="solid"/>
+        </a:ln>
+        <a:effectLst/>
+      </dsp:spPr>
+      <dsp:style>
+        <a:lnRef idx="2">
+          <a:scrgbClr r="0" g="0" b="0"/>
+        </a:lnRef>
+        <a:fillRef idx="0">
+          <a:scrgbClr r="0" g="0" b="0"/>
+        </a:fillRef>
+        <a:effectRef idx="0">
+          <a:scrgbClr r="0" g="0" b="0"/>
+        </a:effectRef>
+        <a:fontRef idx="minor"/>
+      </dsp:style>
+    </dsp:sp>
+    <dsp:sp modelId="{8AEE6B4E-129C-41B7-8F80-40008E64EAB0}">
+      <dsp:nvSpPr>
+        <dsp:cNvPr id="0" name=""/>
+        <dsp:cNvSpPr/>
+      </dsp:nvSpPr>
+      <dsp:spPr>
+        <a:xfrm rot="19487971">
+          <a:off x="5711391" y="2317462"/>
+          <a:ext cx="1706267" cy="0"/>
+        </a:xfrm>
+        <a:custGeom>
+          <a:avLst/>
+          <a:gdLst/>
+          <a:ahLst/>
+          <a:cxnLst/>
+          <a:rect l="0" t="0" r="0" b="0"/>
+          <a:pathLst>
+            <a:path>
+              <a:moveTo>
+                <a:pt x="0" y="0"/>
+              </a:moveTo>
+              <a:lnTo>
+                <a:pt x="1706267" y="0"/>
+              </a:lnTo>
+            </a:path>
+          </a:pathLst>
+        </a:custGeom>
+        <a:noFill/>
+        <a:ln w="34925" cap="flat" cmpd="sng" algn="in">
+          <a:solidFill>
+            <a:schemeClr val="accent1">
+              <a:shade val="60000"/>
+              <a:hueOff val="0"/>
+              <a:satOff val="0"/>
+              <a:lumOff val="0"/>
+              <a:alphaOff val="0"/>
+            </a:schemeClr>
+          </a:solidFill>
+          <a:prstDash val="solid"/>
+        </a:ln>
+        <a:effectLst/>
+      </dsp:spPr>
+      <dsp:style>
+        <a:lnRef idx="2">
+          <a:scrgbClr r="0" g="0" b="0"/>
+        </a:lnRef>
+        <a:fillRef idx="0">
+          <a:scrgbClr r="0" g="0" b="0"/>
+        </a:fillRef>
+        <a:effectRef idx="0">
+          <a:scrgbClr r="0" g="0" b="0"/>
+        </a:effectRef>
+        <a:fontRef idx="minor"/>
+      </dsp:style>
+    </dsp:sp>
+    <dsp:sp modelId="{067B3650-17DC-4DA8-87EE-F1DFFB33C387}">
+      <dsp:nvSpPr>
+        <dsp:cNvPr id="0" name=""/>
+        <dsp:cNvSpPr/>
+      </dsp:nvSpPr>
+      <dsp:spPr>
+        <a:xfrm>
+          <a:off x="4396945" y="2592670"/>
+          <a:ext cx="1470449" cy="1470449"/>
+        </a:xfrm>
+        <a:prstGeom prst="roundRect">
+          <a:avLst/>
+        </a:prstGeom>
+        <a:solidFill>
+          <a:schemeClr val="accent1">
+            <a:hueOff val="0"/>
+            <a:satOff val="0"/>
+            <a:lumOff val="0"/>
+            <a:alphaOff val="0"/>
+          </a:schemeClr>
+        </a:solidFill>
+        <a:ln w="34925" cap="flat" cmpd="sng" algn="in">
+          <a:solidFill>
+            <a:schemeClr val="lt1">
+              <a:hueOff val="0"/>
+              <a:satOff val="0"/>
+              <a:lumOff val="0"/>
+              <a:alphaOff val="0"/>
+            </a:schemeClr>
+          </a:solidFill>
+          <a:prstDash val="solid"/>
+        </a:ln>
+        <a:effectLst/>
+      </dsp:spPr>
+      <dsp:style>
+        <a:lnRef idx="2">
+          <a:scrgbClr r="0" g="0" b="0"/>
+        </a:lnRef>
+        <a:fillRef idx="1">
+          <a:scrgbClr r="0" g="0" b="0"/>
+        </a:fillRef>
+        <a:effectRef idx="0">
+          <a:scrgbClr r="0" g="0" b="0"/>
+        </a:effectRef>
+        <a:fontRef idx="minor">
+          <a:schemeClr val="lt1"/>
+        </a:fontRef>
+      </dsp:style>
+      <dsp:txBody>
+        <a:bodyPr spcFirstLastPara="0" vert="horz" wrap="square" lIns="78740" tIns="78740" rIns="78740" bIns="78740" numCol="1" spcCol="1270" anchor="ctr" anchorCtr="0">
+          <a:noAutofit/>
+        </a:bodyPr>
+        <a:lstStyle/>
+        <a:p>
+          <a:pPr lvl="0" algn="ctr" defTabSz="1377950">
+            <a:lnSpc>
+              <a:spcPct val="90000"/>
+            </a:lnSpc>
+            <a:spcBef>
+              <a:spcPct val="0"/>
+            </a:spcBef>
+            <a:spcAft>
+              <a:spcPct val="35000"/>
+            </a:spcAft>
+          </a:pPr>
+          <a:r>
+            <a:rPr lang="sl-SI" sz="3100" kern="1200" dirty="0" smtClean="0"/>
+            <a:t>WAMP</a:t>
+          </a:r>
+          <a:br>
+            <a:rPr lang="sl-SI" sz="3100" kern="1200" dirty="0" smtClean="0"/>
+          </a:br>
+          <a:r>
+            <a:rPr lang="sl-SI" sz="3100" kern="1200" dirty="0" smtClean="0"/>
+            <a:t>Router</a:t>
+          </a:r>
+          <a:endParaRPr lang="sl-SI" sz="3100" kern="1200" dirty="0"/>
+        </a:p>
+      </dsp:txBody>
+      <dsp:txXfrm>
+        <a:off x="4468726" y="2664451"/>
+        <a:ext cx="1326887" cy="1326887"/>
+      </dsp:txXfrm>
+    </dsp:sp>
+    <dsp:sp modelId="{AB34DF75-6BED-4321-9EDA-4DBC8F284296}">
+      <dsp:nvSpPr>
+        <dsp:cNvPr id="0" name=""/>
+        <dsp:cNvSpPr/>
+      </dsp:nvSpPr>
+      <dsp:spPr>
+        <a:xfrm>
+          <a:off x="7261654" y="375115"/>
+          <a:ext cx="1701111" cy="1701111"/>
+        </a:xfrm>
+        <a:prstGeom prst="roundRect">
+          <a:avLst/>
+        </a:prstGeom>
+        <a:solidFill>
+          <a:schemeClr val="accent1">
+            <a:hueOff val="0"/>
+            <a:satOff val="0"/>
+            <a:lumOff val="0"/>
+            <a:alphaOff val="0"/>
+          </a:schemeClr>
+        </a:solidFill>
+        <a:ln w="34925" cap="flat" cmpd="sng" algn="in">
+          <a:solidFill>
+            <a:schemeClr val="lt1">
+              <a:hueOff val="0"/>
+              <a:satOff val="0"/>
+              <a:lumOff val="0"/>
+              <a:alphaOff val="0"/>
+            </a:schemeClr>
+          </a:solidFill>
+          <a:prstDash val="solid"/>
+        </a:ln>
+        <a:effectLst/>
+      </dsp:spPr>
+      <dsp:style>
+        <a:lnRef idx="2">
+          <a:scrgbClr r="0" g="0" b="0"/>
+        </a:lnRef>
+        <a:fillRef idx="1">
+          <a:scrgbClr r="0" g="0" b="0"/>
+        </a:fillRef>
+        <a:effectRef idx="0">
+          <a:scrgbClr r="0" g="0" b="0"/>
+        </a:effectRef>
+        <a:fontRef idx="minor">
+          <a:schemeClr val="lt1"/>
+        </a:fontRef>
+      </dsp:style>
+      <dsp:txBody>
+        <a:bodyPr spcFirstLastPara="0" vert="horz" wrap="square" lIns="60960" tIns="60960" rIns="60960" bIns="60960" numCol="1" spcCol="1270" anchor="ctr" anchorCtr="0">
+          <a:noAutofit/>
+        </a:bodyPr>
+        <a:lstStyle/>
+        <a:p>
+          <a:pPr lvl="0" algn="ctr" defTabSz="1066800">
+            <a:lnSpc>
+              <a:spcPct val="90000"/>
+            </a:lnSpc>
+            <a:spcBef>
+              <a:spcPct val="0"/>
+            </a:spcBef>
+            <a:spcAft>
+              <a:spcPct val="35000"/>
+            </a:spcAft>
+          </a:pPr>
+          <a:r>
+            <a:rPr lang="sl-SI" sz="2400" kern="1200" dirty="0" smtClean="0"/>
+            <a:t>Spletni</a:t>
+          </a:r>
+          <a:br>
+            <a:rPr lang="sl-SI" sz="2400" kern="1200" dirty="0" smtClean="0"/>
+          </a:br>
+          <a:r>
+            <a:rPr lang="sl-SI" sz="2400" kern="1200" dirty="0" smtClean="0"/>
+            <a:t>brskalnik</a:t>
+          </a:r>
+        </a:p>
+        <a:p>
+          <a:pPr lvl="0" algn="ctr" defTabSz="1066800">
+            <a:lnSpc>
+              <a:spcPct val="90000"/>
+            </a:lnSpc>
+            <a:spcBef>
+              <a:spcPct val="0"/>
+            </a:spcBef>
+            <a:spcAft>
+              <a:spcPct val="35000"/>
+            </a:spcAft>
+          </a:pPr>
+          <a:r>
+            <a:rPr lang="sl-SI" sz="2400" kern="1200" dirty="0" smtClean="0"/>
+            <a:t>1</a:t>
+          </a:r>
+        </a:p>
+      </dsp:txBody>
+      <dsp:txXfrm>
+        <a:off x="7344695" y="458156"/>
+        <a:ext cx="1535029" cy="1535029"/>
+      </dsp:txXfrm>
+    </dsp:sp>
+    <dsp:sp modelId="{4D11BF85-DD33-4914-B9A0-CB1332762925}">
+      <dsp:nvSpPr>
+        <dsp:cNvPr id="0" name=""/>
+        <dsp:cNvSpPr/>
+      </dsp:nvSpPr>
+      <dsp:spPr>
+        <a:xfrm>
+          <a:off x="7760056" y="2829450"/>
+          <a:ext cx="1701111" cy="1701111"/>
+        </a:xfrm>
+        <a:prstGeom prst="roundRect">
+          <a:avLst/>
+        </a:prstGeom>
+        <a:solidFill>
+          <a:schemeClr val="accent1">
+            <a:hueOff val="0"/>
+            <a:satOff val="0"/>
+            <a:lumOff val="0"/>
+            <a:alphaOff val="0"/>
+          </a:schemeClr>
+        </a:solidFill>
+        <a:ln w="34925" cap="flat" cmpd="sng" algn="in">
+          <a:solidFill>
+            <a:schemeClr val="lt1">
+              <a:hueOff val="0"/>
+              <a:satOff val="0"/>
+              <a:lumOff val="0"/>
+              <a:alphaOff val="0"/>
+            </a:schemeClr>
+          </a:solidFill>
+          <a:prstDash val="solid"/>
+        </a:ln>
+        <a:effectLst/>
+      </dsp:spPr>
+      <dsp:style>
+        <a:lnRef idx="2">
+          <a:scrgbClr r="0" g="0" b="0"/>
+        </a:lnRef>
+        <a:fillRef idx="1">
+          <a:scrgbClr r="0" g="0" b="0"/>
+        </a:fillRef>
+        <a:effectRef idx="0">
+          <a:scrgbClr r="0" g="0" b="0"/>
+        </a:effectRef>
+        <a:fontRef idx="minor">
+          <a:schemeClr val="lt1"/>
+        </a:fontRef>
+      </dsp:style>
+      <dsp:txBody>
+        <a:bodyPr spcFirstLastPara="0" vert="horz" wrap="square" lIns="71120" tIns="71120" rIns="71120" bIns="71120" numCol="1" spcCol="1270" anchor="ctr" anchorCtr="0">
+          <a:noAutofit/>
+        </a:bodyPr>
+        <a:lstStyle/>
+        <a:p>
+          <a:pPr lvl="0" algn="ctr" defTabSz="1244600">
+            <a:lnSpc>
+              <a:spcPct val="90000"/>
+            </a:lnSpc>
+            <a:spcBef>
+              <a:spcPct val="0"/>
+            </a:spcBef>
+            <a:spcAft>
+              <a:spcPct val="35000"/>
+            </a:spcAft>
+          </a:pPr>
+          <a:r>
+            <a:rPr lang="sl-SI" sz="2800" kern="1200" dirty="0" smtClean="0"/>
+            <a:t>Spletni</a:t>
+          </a:r>
+          <a:br>
+            <a:rPr lang="sl-SI" sz="2800" kern="1200" dirty="0" smtClean="0"/>
+          </a:br>
+          <a:r>
+            <a:rPr lang="sl-SI" sz="2800" kern="1200" dirty="0" smtClean="0"/>
+            <a:t>brskalnik</a:t>
+          </a:r>
+        </a:p>
+        <a:p>
+          <a:pPr lvl="0" algn="ctr" defTabSz="1244600">
+            <a:lnSpc>
+              <a:spcPct val="90000"/>
+            </a:lnSpc>
+            <a:spcBef>
+              <a:spcPct val="0"/>
+            </a:spcBef>
+            <a:spcAft>
+              <a:spcPct val="35000"/>
+            </a:spcAft>
+          </a:pPr>
+          <a:r>
+            <a:rPr lang="sl-SI" sz="2800" kern="1200" dirty="0" smtClean="0"/>
+            <a:t>2</a:t>
+          </a:r>
+        </a:p>
+      </dsp:txBody>
+      <dsp:txXfrm>
+        <a:off x="7843097" y="2912491"/>
+        <a:ext cx="1535029" cy="1535029"/>
+      </dsp:txXfrm>
+    </dsp:sp>
+    <dsp:sp modelId="{6C689A34-C942-438E-9598-2F573BB43A0E}">
+      <dsp:nvSpPr>
+        <dsp:cNvPr id="0" name=""/>
+        <dsp:cNvSpPr/>
+      </dsp:nvSpPr>
+      <dsp:spPr>
+        <a:xfrm>
+          <a:off x="1864346" y="2502495"/>
+          <a:ext cx="1714986" cy="1714986"/>
+        </a:xfrm>
+        <a:prstGeom prst="roundRect">
+          <a:avLst/>
+        </a:prstGeom>
+        <a:solidFill>
+          <a:schemeClr val="accent1">
+            <a:hueOff val="0"/>
+            <a:satOff val="0"/>
+            <a:lumOff val="0"/>
+            <a:alphaOff val="0"/>
+          </a:schemeClr>
+        </a:solidFill>
+        <a:ln w="34925" cap="flat" cmpd="sng" algn="in">
+          <a:solidFill>
+            <a:schemeClr val="lt1">
+              <a:hueOff val="0"/>
+              <a:satOff val="0"/>
+              <a:lumOff val="0"/>
+              <a:alphaOff val="0"/>
+            </a:schemeClr>
+          </a:solidFill>
+          <a:prstDash val="solid"/>
+        </a:ln>
+        <a:effectLst/>
+      </dsp:spPr>
+      <dsp:style>
+        <a:lnRef idx="2">
+          <a:scrgbClr r="0" g="0" b="0"/>
+        </a:lnRef>
+        <a:fillRef idx="1">
+          <a:scrgbClr r="0" g="0" b="0"/>
+        </a:fillRef>
+        <a:effectRef idx="0">
+          <a:scrgbClr r="0" g="0" b="0"/>
+        </a:effectRef>
+        <a:fontRef idx="minor">
+          <a:schemeClr val="lt1"/>
+        </a:fontRef>
+      </dsp:style>
+      <dsp:txBody>
+        <a:bodyPr spcFirstLastPara="0" vert="horz" wrap="square" lIns="76200" tIns="76200" rIns="76200" bIns="76200" numCol="1" spcCol="1270" anchor="ctr" anchorCtr="0">
+          <a:noAutofit/>
+        </a:bodyPr>
+        <a:lstStyle/>
+        <a:p>
+          <a:pPr lvl="0" algn="ctr" defTabSz="1333500">
+            <a:lnSpc>
+              <a:spcPct val="90000"/>
+            </a:lnSpc>
+            <a:spcBef>
+              <a:spcPct val="0"/>
+            </a:spcBef>
+            <a:spcAft>
+              <a:spcPct val="35000"/>
+            </a:spcAft>
+          </a:pPr>
+          <a:r>
+            <a:rPr lang="sl-SI" sz="3000" kern="1200" dirty="0" smtClean="0"/>
+            <a:t>Python backend</a:t>
+          </a:r>
+          <a:endParaRPr lang="sl-SI" sz="3000" kern="1200" dirty="0"/>
+        </a:p>
+      </dsp:txBody>
+      <dsp:txXfrm>
+        <a:off x="1948065" y="2586214"/>
+        <a:ext cx="1547548" cy="1547548"/>
+      </dsp:txXfrm>
+    </dsp:sp>
+    <dsp:sp modelId="{00A35B42-AA61-4236-A1D7-F917ECE0B667}">
+      <dsp:nvSpPr>
+        <dsp:cNvPr id="0" name=""/>
+        <dsp:cNvSpPr/>
+      </dsp:nvSpPr>
+      <dsp:spPr>
+        <a:xfrm rot="16327396">
+          <a:off x="2577518" y="2319732"/>
+          <a:ext cx="365777" cy="0"/>
+        </a:xfrm>
+        <a:custGeom>
+          <a:avLst/>
+          <a:gdLst/>
+          <a:ahLst/>
+          <a:cxnLst/>
+          <a:rect l="0" t="0" r="0" b="0"/>
+          <a:pathLst>
+            <a:path>
+              <a:moveTo>
+                <a:pt x="0" y="0"/>
+              </a:moveTo>
+              <a:lnTo>
+                <a:pt x="365777" y="0"/>
+              </a:lnTo>
+            </a:path>
+          </a:pathLst>
+        </a:custGeom>
+        <a:noFill/>
+        <a:ln w="34925" cap="flat" cmpd="sng" algn="in">
+          <a:solidFill>
+            <a:schemeClr val="accent1">
+              <a:shade val="80000"/>
+              <a:hueOff val="0"/>
+              <a:satOff val="0"/>
+              <a:lumOff val="0"/>
+              <a:alphaOff val="0"/>
+            </a:schemeClr>
+          </a:solidFill>
+          <a:prstDash val="solid"/>
+        </a:ln>
+        <a:effectLst/>
+      </dsp:spPr>
+      <dsp:style>
+        <a:lnRef idx="2">
+          <a:scrgbClr r="0" g="0" b="0"/>
+        </a:lnRef>
+        <a:fillRef idx="0">
+          <a:scrgbClr r="0" g="0" b="0"/>
+        </a:fillRef>
+        <a:effectRef idx="0">
+          <a:scrgbClr r="0" g="0" b="0"/>
+        </a:effectRef>
+        <a:fontRef idx="minor"/>
+      </dsp:style>
+    </dsp:sp>
+    <dsp:sp modelId="{B6001E08-CF80-4CF9-9937-BE132BB0E3A7}">
+      <dsp:nvSpPr>
+        <dsp:cNvPr id="0" name=""/>
+        <dsp:cNvSpPr/>
+      </dsp:nvSpPr>
+      <dsp:spPr>
+        <a:xfrm>
+          <a:off x="1836140" y="312492"/>
+          <a:ext cx="1929728" cy="1824476"/>
+        </a:xfrm>
+        <a:prstGeom prst="roundRect">
+          <a:avLst/>
+        </a:prstGeom>
+        <a:solidFill>
+          <a:schemeClr val="accent1">
+            <a:hueOff val="0"/>
+            <a:satOff val="0"/>
+            <a:lumOff val="0"/>
+            <a:alphaOff val="0"/>
+          </a:schemeClr>
+        </a:solidFill>
+        <a:ln w="34925" cap="flat" cmpd="sng" algn="in">
+          <a:solidFill>
+            <a:schemeClr val="lt1">
+              <a:hueOff val="0"/>
+              <a:satOff val="0"/>
+              <a:lumOff val="0"/>
+              <a:alphaOff val="0"/>
+            </a:schemeClr>
+          </a:solidFill>
+          <a:prstDash val="solid"/>
+        </a:ln>
+        <a:effectLst/>
+      </dsp:spPr>
+      <dsp:style>
+        <a:lnRef idx="2">
+          <a:scrgbClr r="0" g="0" b="0"/>
+        </a:lnRef>
+        <a:fillRef idx="1">
+          <a:scrgbClr r="0" g="0" b="0"/>
+        </a:fillRef>
+        <a:effectRef idx="0">
+          <a:scrgbClr r="0" g="0" b="0"/>
+        </a:effectRef>
+        <a:fontRef idx="minor">
+          <a:schemeClr val="lt1"/>
+        </a:fontRef>
+      </dsp:style>
+      <dsp:txBody>
+        <a:bodyPr spcFirstLastPara="0" vert="horz" wrap="square" lIns="132080" tIns="132080" rIns="132080" bIns="132080" numCol="1" spcCol="1270" anchor="ctr" anchorCtr="0">
+          <a:noAutofit/>
+        </a:bodyPr>
+        <a:lstStyle/>
+        <a:p>
+          <a:pPr lvl="0" algn="ctr" defTabSz="2311400">
+            <a:lnSpc>
+              <a:spcPct val="90000"/>
+            </a:lnSpc>
+            <a:spcBef>
+              <a:spcPct val="0"/>
+            </a:spcBef>
+            <a:spcAft>
+              <a:spcPct val="35000"/>
+            </a:spcAft>
+          </a:pPr>
+          <a:r>
+            <a:rPr lang="sl-SI" sz="5200" kern="1200" dirty="0" smtClean="0"/>
+            <a:t>SQL baza</a:t>
+          </a:r>
+          <a:endParaRPr lang="sl-SI" sz="5200" kern="1200" dirty="0"/>
+        </a:p>
+      </dsp:txBody>
+      <dsp:txXfrm>
+        <a:off x="1925204" y="401556"/>
+        <a:ext cx="1751600" cy="1646348"/>
+      </dsp:txXfrm>
+    </dsp:sp>
   </dsp:spTree>
 </dsp:drawing>
 </file>
@@ -9330,6 +9989,90 @@
       </p:grpSpPr>
       <p:sp>
         <p:nvSpPr>
+          <p:cNvPr id="2" name="Title 1"/>
+          <p:cNvSpPr>
+            <a:spLocks noGrp="1"/>
+          </p:cNvSpPr>
+          <p:nvPr>
+            <p:ph type="title"/>
+          </p:nvPr>
+        </p:nvSpPr>
+        <p:spPr>
+          <a:xfrm>
+            <a:off x="1206843" y="504567"/>
+            <a:ext cx="9601200" cy="821724"/>
+          </a:xfrm>
+        </p:spPr>
+        <p:txBody>
+          <a:bodyPr/>
+          <a:lstStyle/>
+          <a:p>
+            <a:r>
+              <a:rPr lang="sl-SI" dirty="0" smtClean="0"/>
+              <a:t>ER diagram podatkovne baze</a:t>
+            </a:r>
+            <a:endParaRPr lang="sl-SI" dirty="0"/>
+          </a:p>
+        </p:txBody>
+      </p:sp>
+      <p:pic>
+        <p:nvPicPr>
+          <p:cNvPr id="4" name="Content Placeholder 3"/>
+          <p:cNvPicPr>
+            <a:picLocks noGrp="1" noChangeAspect="1"/>
+          </p:cNvPicPr>
+          <p:nvPr>
+            <p:ph idx="1"/>
+          </p:nvPr>
+        </p:nvPicPr>
+        <p:blipFill>
+          <a:blip r:embed="rId2"/>
+          <a:stretch>
+            <a:fillRect/>
+          </a:stretch>
+        </p:blipFill>
+        <p:spPr>
+          <a:xfrm>
+            <a:off x="2278404" y="1243911"/>
+            <a:ext cx="8406072" cy="5166703"/>
+          </a:xfrm>
+          <a:prstGeom prst="rect">
+            <a:avLst/>
+          </a:prstGeom>
+        </p:spPr>
+      </p:pic>
+    </p:spTree>
+    <p:extLst>
+      <p:ext uri="{BB962C8B-B14F-4D97-AF65-F5344CB8AC3E}">
+        <p14:creationId xmlns:p14="http://schemas.microsoft.com/office/powerpoint/2010/main" val="704826857"/>
+      </p:ext>
+    </p:extLst>
+  </p:cSld>
+  <p:clrMapOvr>
+    <a:masterClrMapping/>
+  </p:clrMapOvr>
+</p:sld>
+</file>
+
+<file path=ppt/slides/slide4.xml><?xml version="1.0" encoding="utf-8"?>
+<p:sld xmlns:a="http://schemas.openxmlformats.org/drawingml/2006/main" xmlns:r="http://schemas.openxmlformats.org/officeDocument/2006/relationships" xmlns:p="http://schemas.openxmlformats.org/presentationml/2006/main">
+  <p:cSld>
+    <p:spTree>
+      <p:nvGrpSpPr>
+        <p:cNvPr id="1" name=""/>
+        <p:cNvGrpSpPr/>
+        <p:nvPr/>
+      </p:nvGrpSpPr>
+      <p:grpSpPr>
+        <a:xfrm>
+          <a:off x="0" y="0"/>
+          <a:ext cx="0" cy="0"/>
+          <a:chOff x="0" y="0"/>
+          <a:chExt cx="0" cy="0"/>
+        </a:xfrm>
+      </p:grpSpPr>
+      <p:sp>
+        <p:nvSpPr>
           <p:cNvPr id="14" name="Rectangle 13"/>
           <p:cNvSpPr/>
           <p:nvPr/>
@@ -9597,94 +10340,72 @@
           </a:prstGeom>
         </p:spPr>
       </p:pic>
+      <p:sp>
+        <p:nvSpPr>
+          <p:cNvPr id="3" name="TextBox 2"/>
+          <p:cNvSpPr txBox="1"/>
+          <p:nvPr/>
+        </p:nvSpPr>
+        <p:spPr>
+          <a:xfrm>
+            <a:off x="2185859" y="1610411"/>
+            <a:ext cx="1199891" cy="400110"/>
+          </a:xfrm>
+          <a:prstGeom prst="rect">
+            <a:avLst/>
+          </a:prstGeom>
+          <a:noFill/>
+        </p:spPr>
+        <p:txBody>
+          <a:bodyPr wrap="square" rtlCol="0">
+            <a:spAutoFit/>
+          </a:bodyPr>
+          <a:lstStyle/>
+          <a:p>
+            <a:r>
+              <a:rPr lang="sl-SI" sz="2000" dirty="0" smtClean="0"/>
+              <a:t>Strežnik</a:t>
+            </a:r>
+            <a:endParaRPr lang="sl-SI" dirty="0"/>
+          </a:p>
+        </p:txBody>
+      </p:sp>
+      <p:sp>
+        <p:nvSpPr>
+          <p:cNvPr id="17" name="TextBox 16"/>
+          <p:cNvSpPr txBox="1"/>
+          <p:nvPr/>
+        </p:nvSpPr>
+        <p:spPr>
+          <a:xfrm>
+            <a:off x="9225995" y="1271857"/>
+            <a:ext cx="1265794" cy="677108"/>
+          </a:xfrm>
+          <a:prstGeom prst="rect">
+            <a:avLst/>
+          </a:prstGeom>
+          <a:noFill/>
+        </p:spPr>
+        <p:txBody>
+          <a:bodyPr wrap="square" rtlCol="0">
+            <a:spAutoFit/>
+          </a:bodyPr>
+          <a:lstStyle/>
+          <a:p>
+            <a:r>
+              <a:rPr lang="sl-SI" sz="2000" dirty="0" smtClean="0"/>
+              <a:t>Clienti-i</a:t>
+            </a:r>
+          </a:p>
+          <a:p>
+            <a:endParaRPr lang="sl-SI" dirty="0"/>
+          </a:p>
+        </p:txBody>
+      </p:sp>
     </p:spTree>
     <p:extLst>
       <p:ext uri="{BB962C8B-B14F-4D97-AF65-F5344CB8AC3E}">
         <p14:creationId xmlns:p14="http://schemas.microsoft.com/office/powerpoint/2010/main" val="1526488937"/>
-      </p:ext>
-    </p:extLst>
-  </p:cSld>
-  <p:clrMapOvr>
-    <a:masterClrMapping/>
-  </p:clrMapOvr>
-</p:sld>
-</file>
-
-<file path=ppt/slides/slide4.xml><?xml version="1.0" encoding="utf-8"?>
-<p:sld xmlns:a="http://schemas.openxmlformats.org/drawingml/2006/main" xmlns:r="http://schemas.openxmlformats.org/officeDocument/2006/relationships" xmlns:p="http://schemas.openxmlformats.org/presentationml/2006/main">
-  <p:cSld>
-    <p:spTree>
-      <p:nvGrpSpPr>
-        <p:cNvPr id="1" name=""/>
-        <p:cNvGrpSpPr/>
-        <p:nvPr/>
-      </p:nvGrpSpPr>
-      <p:grpSpPr>
-        <a:xfrm>
-          <a:off x="0" y="0"/>
-          <a:ext cx="0" cy="0"/>
-          <a:chOff x="0" y="0"/>
-          <a:chExt cx="0" cy="0"/>
-        </a:xfrm>
-      </p:grpSpPr>
-      <p:sp>
-        <p:nvSpPr>
-          <p:cNvPr id="2" name="Title 1"/>
-          <p:cNvSpPr>
-            <a:spLocks noGrp="1"/>
-          </p:cNvSpPr>
-          <p:nvPr>
-            <p:ph type="title"/>
-          </p:nvPr>
-        </p:nvSpPr>
-        <p:spPr>
-          <a:xfrm>
-            <a:off x="1206843" y="504567"/>
-            <a:ext cx="9601200" cy="821724"/>
-          </a:xfrm>
-        </p:spPr>
-        <p:txBody>
-          <a:bodyPr/>
-          <a:lstStyle/>
-          <a:p>
-            <a:r>
-              <a:rPr lang="sl-SI" dirty="0" smtClean="0"/>
-              <a:t>ER diagram podatkovne baze</a:t>
-            </a:r>
-            <a:endParaRPr lang="sl-SI" dirty="0"/>
-          </a:p>
-        </p:txBody>
-      </p:sp>
-      <p:pic>
-        <p:nvPicPr>
-          <p:cNvPr id="4" name="Content Placeholder 3"/>
-          <p:cNvPicPr>
-            <a:picLocks noGrp="1" noChangeAspect="1"/>
-          </p:cNvPicPr>
-          <p:nvPr>
-            <p:ph idx="1"/>
-          </p:nvPr>
-        </p:nvPicPr>
-        <p:blipFill>
-          <a:blip r:embed="rId2"/>
-          <a:stretch>
-            <a:fillRect/>
-          </a:stretch>
-        </p:blipFill>
-        <p:spPr>
-          <a:xfrm>
-            <a:off x="2278404" y="1243911"/>
-            <a:ext cx="8406072" cy="5166703"/>
-          </a:xfrm>
-          <a:prstGeom prst="rect">
-            <a:avLst/>
-          </a:prstGeom>
-        </p:spPr>
-      </p:pic>
-    </p:spTree>
-    <p:extLst>
-      <p:ext uri="{BB962C8B-B14F-4D97-AF65-F5344CB8AC3E}">
-        <p14:creationId xmlns:p14="http://schemas.microsoft.com/office/powerpoint/2010/main" val="704826857"/>
       </p:ext>
     </p:extLst>
   </p:cSld>
@@ -9724,7 +10445,7 @@
         <p:spPr>
           <a:xfrm>
             <a:off x="1371600" y="685800"/>
-            <a:ext cx="9601200" cy="895865"/>
+            <a:ext cx="9601200" cy="1117242"/>
           </a:xfrm>
         </p:spPr>
         <p:txBody>
@@ -9733,7 +10454,11 @@
           <a:p>
             <a:r>
               <a:rPr lang="sl-SI" dirty="0" smtClean="0"/>
-              <a:t>Trenutni izdelek - backend</a:t>
+              <a:t>Trenutni izdelek - </a:t>
+            </a:r>
+            <a:r>
+              <a:rPr lang="sl-SI" dirty="0" smtClean="0"/>
+              <a:t>frontend</a:t>
             </a:r>
             <a:endParaRPr lang="sl-SI" dirty="0"/>
           </a:p>
@@ -9751,8 +10476,8 @@
         </p:nvSpPr>
         <p:spPr>
           <a:xfrm>
-            <a:off x="1371600" y="1589903"/>
-            <a:ext cx="9601200" cy="4277497"/>
+            <a:off x="1371600" y="1803042"/>
+            <a:ext cx="9601200" cy="4064358"/>
           </a:xfrm>
         </p:spPr>
         <p:txBody>
@@ -9761,58 +10486,104 @@
           <a:p>
             <a:r>
               <a:rPr lang="sl-SI" dirty="0" smtClean="0"/>
-              <a:t>Izbrane vse potrebne knjižnice, s katerim bova delala</a:t>
+              <a:t>Bootstrap: vzorci html kode</a:t>
             </a:r>
           </a:p>
           <a:p>
             <a:r>
               <a:rPr lang="sl-SI" dirty="0" smtClean="0"/>
-              <a:t>Virtualen stroj (VM) že postavljena ter zakupljena domena </a:t>
-            </a:r>
-            <a:r>
-              <a:rPr lang="sl-SI" dirty="0" smtClean="0">
-                <a:hlinkClick r:id="rId2"/>
-              </a:rPr>
-              <a:t>www.fmf-chat.club</a:t>
+              <a:t>Autobahn|Javascript: </a:t>
             </a:r>
             <a:r>
               <a:rPr lang="sl-SI" dirty="0" smtClean="0"/>
-              <a:t>, ki preusmerja promet na virtualko</a:t>
+              <a:t>realtime </a:t>
             </a:r>
-          </a:p>
-          <a:p>
             <a:r>
               <a:rPr lang="sl-SI" dirty="0" smtClean="0"/>
-              <a:t>Postavljen spletni strežnik oz. HTTP strežnik </a:t>
+              <a:t>povezava (WAMP protokol)</a:t>
             </a:r>
+            <a:endParaRPr lang="sl-SI" dirty="0" smtClean="0"/>
           </a:p>
           <a:p>
             <a:r>
               <a:rPr lang="sl-SI" dirty="0" smtClean="0"/>
-              <a:t>Registracija in prijava že delujeta</a:t>
+              <a:t>Js-cookie: </a:t>
             </a:r>
-          </a:p>
-          <a:p>
-            <a:endParaRPr lang="sl-SI" dirty="0" smtClean="0"/>
-          </a:p>
-          <a:p>
-            <a:endParaRPr lang="sl-SI" dirty="0" smtClean="0"/>
+            <a:r>
+              <a:rPr lang="sl-SI" dirty="0" smtClean="0"/>
+              <a:t>knjižnjica </a:t>
+            </a:r>
+            <a:r>
+              <a:rPr lang="sl-SI" dirty="0" smtClean="0"/>
+              <a:t>za piškotke</a:t>
+            </a:r>
           </a:p>
           <a:p>
             <a:pPr marL="0" indent="0">
               <a:buNone/>
             </a:pPr>
-            <a:endParaRPr lang="sl-SI" dirty="0" smtClean="0"/>
-          </a:p>
-          <a:p>
             <a:endParaRPr lang="sl-SI" dirty="0"/>
           </a:p>
         </p:txBody>
       </p:sp>
+      <p:pic>
+        <p:nvPicPr>
+          <p:cNvPr id="4" name="Picture 3"/>
+          <p:cNvPicPr>
+            <a:picLocks noChangeAspect="1"/>
+          </p:cNvPicPr>
+          <p:nvPr/>
+        </p:nvPicPr>
+        <p:blipFill>
+          <a:blip r:embed="rId2">
+            <a:extLst>
+              <a:ext uri="{28A0092B-C50C-407E-A947-70E740481C1C}">
+                <a14:useLocalDpi xmlns:a14="http://schemas.microsoft.com/office/drawing/2010/main" val="0"/>
+              </a:ext>
+            </a:extLst>
+          </a:blip>
+          <a:stretch>
+            <a:fillRect/>
+          </a:stretch>
+        </p:blipFill>
+        <p:spPr>
+          <a:xfrm>
+            <a:off x="3493888" y="3835221"/>
+            <a:ext cx="2678312" cy="2228356"/>
+          </a:xfrm>
+          <a:prstGeom prst="rect">
+            <a:avLst/>
+          </a:prstGeom>
+        </p:spPr>
+      </p:pic>
+      <p:pic>
+        <p:nvPicPr>
+          <p:cNvPr id="5" name="Picture 4"/>
+          <p:cNvPicPr>
+            <a:picLocks noChangeAspect="1"/>
+          </p:cNvPicPr>
+          <p:nvPr/>
+        </p:nvPicPr>
+        <p:blipFill>
+          <a:blip r:embed="rId3"/>
+          <a:stretch>
+            <a:fillRect/>
+          </a:stretch>
+        </p:blipFill>
+        <p:spPr>
+          <a:xfrm>
+            <a:off x="7206265" y="3978919"/>
+            <a:ext cx="1258931" cy="1260346"/>
+          </a:xfrm>
+          <a:prstGeom prst="rect">
+            <a:avLst/>
+          </a:prstGeom>
+        </p:spPr>
+      </p:pic>
     </p:spTree>
     <p:extLst>
       <p:ext uri="{BB962C8B-B14F-4D97-AF65-F5344CB8AC3E}">
-        <p14:creationId xmlns:p14="http://schemas.microsoft.com/office/powerpoint/2010/main" val="3805354465"/>
+        <p14:creationId xmlns:p14="http://schemas.microsoft.com/office/powerpoint/2010/main" val="3674799839"/>
       </p:ext>
     </p:extLst>
   </p:cSld>
@@ -9852,7 +10623,7 @@
         <p:spPr>
           <a:xfrm>
             <a:off x="1371600" y="685800"/>
-            <a:ext cx="9601200" cy="1117242"/>
+            <a:ext cx="9601200" cy="895865"/>
           </a:xfrm>
         </p:spPr>
         <p:txBody>
@@ -9860,12 +10631,8 @@
           <a:lstStyle/>
           <a:p>
             <a:r>
-              <a:rPr lang="sl-SI" dirty="0"/>
-              <a:t>Trenutni izdelek - </a:t>
-            </a:r>
-            <a:r>
               <a:rPr lang="sl-SI" dirty="0" smtClean="0"/>
-              <a:t>frontend</a:t>
+              <a:t>Trenutni izdelek - backend</a:t>
             </a:r>
             <a:endParaRPr lang="sl-SI" dirty="0"/>
           </a:p>
@@ -9883,8 +10650,8 @@
         </p:nvSpPr>
         <p:spPr>
           <a:xfrm>
-            <a:off x="1371600" y="1803042"/>
-            <a:ext cx="9601200" cy="4064358"/>
+            <a:off x="1371600" y="1589903"/>
+            <a:ext cx="9601200" cy="4277497"/>
           </a:xfrm>
         </p:spPr>
         <p:txBody>
@@ -9893,26 +10660,79 @@
           <a:p>
             <a:r>
               <a:rPr lang="sl-SI" dirty="0" smtClean="0"/>
-              <a:t>Bootstrap: vzorci html kode</a:t>
+              <a:t>Virtualen </a:t>
             </a:r>
-          </a:p>
-          <a:p>
             <a:r>
               <a:rPr lang="sl-SI" dirty="0" smtClean="0"/>
-              <a:t>Autobahn: realtime povezava</a:t>
+              <a:t>stroj (VM) že </a:t>
             </a:r>
-          </a:p>
-          <a:p>
             <a:r>
               <a:rPr lang="sl-SI" dirty="0" smtClean="0"/>
-              <a:t>Js-cookie: knjižnjica za piškotke</a:t>
+              <a:t>stoji (Linux operacijski sistem),</a:t>
             </a:r>
+          </a:p>
+          <a:p>
+            <a:r>
+              <a:rPr lang="sl-SI" dirty="0" smtClean="0"/>
+              <a:t>domena </a:t>
+            </a:r>
+            <a:r>
+              <a:rPr lang="sl-SI" dirty="0" smtClean="0">
+                <a:hlinkClick r:id="rId2"/>
+              </a:rPr>
+              <a:t>www.fmf-chat.club</a:t>
+            </a:r>
+            <a:r>
+              <a:rPr lang="sl-SI" dirty="0" smtClean="0"/>
+              <a:t>, ki preusmerja promet na </a:t>
+            </a:r>
+            <a:r>
+              <a:rPr lang="sl-SI" dirty="0" smtClean="0"/>
+              <a:t>virtualko</a:t>
+            </a:r>
+          </a:p>
+          <a:p>
+            <a:r>
+              <a:rPr lang="sl-SI" dirty="0" smtClean="0"/>
+              <a:t>PostgreSQL: podatkovna baza</a:t>
+            </a:r>
+          </a:p>
+          <a:p>
+            <a:r>
+              <a:rPr lang="sl-SI" dirty="0" smtClean="0"/>
+              <a:t>Crossbar.io, WAMP router</a:t>
+            </a:r>
+          </a:p>
+          <a:p>
+            <a:r>
+              <a:rPr lang="sl-SI" dirty="0" smtClean="0"/>
+              <a:t>Python 3 za skriptiranje</a:t>
+            </a:r>
+          </a:p>
+          <a:p>
+            <a:r>
+              <a:rPr lang="sl-SI" dirty="0" smtClean="0"/>
+              <a:t>Autobahn|Javascript, WAMP server</a:t>
+            </a:r>
+            <a:endParaRPr lang="sl-SI" dirty="0" smtClean="0"/>
+          </a:p>
+          <a:p>
+            <a:r>
+              <a:rPr lang="sl-SI" dirty="0" smtClean="0"/>
+              <a:t>Psycopg, python3 PostgreSQL driver</a:t>
+            </a:r>
+            <a:endParaRPr lang="sl-SI" dirty="0" smtClean="0"/>
+          </a:p>
+          <a:p>
             <a:endParaRPr lang="sl-SI" dirty="0" smtClean="0"/>
           </a:p>
           <a:p>
             <a:pPr marL="0" indent="0">
               <a:buNone/>
             </a:pPr>
+            <a:endParaRPr lang="sl-SI" dirty="0" smtClean="0"/>
+          </a:p>
+          <a:p>
             <a:endParaRPr lang="sl-SI" dirty="0"/>
           </a:p>
         </p:txBody>
@@ -9926,7 +10746,64 @@
           <p:nvPr/>
         </p:nvPicPr>
         <p:blipFill>
-          <a:blip r:embed="rId2">
+          <a:blip r:embed="rId3"/>
+          <a:stretch>
+            <a:fillRect/>
+          </a:stretch>
+        </p:blipFill>
+        <p:spPr>
+          <a:xfrm>
+            <a:off x="9161667" y="5040001"/>
+            <a:ext cx="1258931" cy="1260346"/>
+          </a:xfrm>
+          <a:prstGeom prst="rect">
+            <a:avLst/>
+          </a:prstGeom>
+        </p:spPr>
+      </p:pic>
+      <p:pic>
+        <p:nvPicPr>
+          <p:cNvPr id="5" name="Picture 4" descr="Image result for postgres logo"/>
+          <p:cNvPicPr/>
+          <p:nvPr/>
+        </p:nvPicPr>
+        <p:blipFill>
+          <a:blip r:embed="rId4">
+            <a:extLst>
+              <a:ext uri="{28A0092B-C50C-407E-A947-70E740481C1C}">
+                <a14:useLocalDpi xmlns:a14="http://schemas.microsoft.com/office/drawing/2010/main" val="0"/>
+              </a:ext>
+            </a:extLst>
+          </a:blip>
+          <a:srcRect/>
+          <a:stretch>
+            <a:fillRect/>
+          </a:stretch>
+        </p:blipFill>
+        <p:spPr bwMode="auto">
+          <a:xfrm>
+            <a:off x="2458914" y="5040001"/>
+            <a:ext cx="1226022" cy="1265571"/>
+          </a:xfrm>
+          <a:prstGeom prst="rect">
+            <a:avLst/>
+          </a:prstGeom>
+          <a:noFill/>
+          <a:ln>
+            <a:noFill/>
+          </a:ln>
+        </p:spPr>
+      </p:pic>
+      <p:pic>
+        <p:nvPicPr>
+          <p:cNvPr id="6" name="Picture 5"/>
+          <p:cNvPicPr>
+            <a:picLocks noChangeAspect="1"/>
+          </p:cNvPicPr>
+          <p:nvPr/>
+        </p:nvPicPr>
+        <p:blipFill>
+          <a:blip r:embed="rId5">
             <a:extLst>
               <a:ext uri="{28A0092B-C50C-407E-A947-70E740481C1C}">
                 <a14:useLocalDpi xmlns:a14="http://schemas.microsoft.com/office/drawing/2010/main" val="0"/>
@@ -9939,18 +10816,51 @@
         </p:blipFill>
         <p:spPr>
           <a:xfrm>
-            <a:off x="6745775" y="2286000"/>
-            <a:ext cx="3181019" cy="2646608"/>
+            <a:off x="4804206" y="5059590"/>
+            <a:ext cx="1226391" cy="1226391"/>
           </a:xfrm>
           <a:prstGeom prst="rect">
             <a:avLst/>
           </a:prstGeom>
         </p:spPr>
       </p:pic>
+      <p:pic>
+        <p:nvPicPr>
+          <p:cNvPr id="7" name="Picture 6" descr="Image result for python3 logo"/>
+          <p:cNvPicPr/>
+          <p:nvPr/>
+        </p:nvPicPr>
+        <p:blipFill>
+          <a:blip r:embed="rId6">
+            <a:extLst>
+              <a:ext uri="{28A0092B-C50C-407E-A947-70E740481C1C}">
+                <a14:useLocalDpi xmlns:a14="http://schemas.microsoft.com/office/drawing/2010/main" val="0"/>
+              </a:ext>
+            </a:extLst>
+          </a:blip>
+          <a:srcRect/>
+          <a:stretch>
+            <a:fillRect/>
+          </a:stretch>
+        </p:blipFill>
+        <p:spPr bwMode="auto">
+          <a:xfrm>
+            <a:off x="7149867" y="5110810"/>
+            <a:ext cx="1123950" cy="1123950"/>
+          </a:xfrm>
+          <a:prstGeom prst="rect">
+            <a:avLst/>
+          </a:prstGeom>
+          <a:noFill/>
+          <a:ln>
+            <a:noFill/>
+          </a:ln>
+        </p:spPr>
+      </p:pic>
     </p:spTree>
     <p:extLst>
       <p:ext uri="{BB962C8B-B14F-4D97-AF65-F5344CB8AC3E}">
-        <p14:creationId xmlns:p14="http://schemas.microsoft.com/office/powerpoint/2010/main" val="3674799839"/>
+        <p14:creationId xmlns:p14="http://schemas.microsoft.com/office/powerpoint/2010/main" val="3805354465"/>
       </p:ext>
     </p:extLst>
   </p:cSld>
@@ -9994,7 +10904,7 @@
           <a:p>
             <a:r>
               <a:rPr lang="sl-SI" dirty="0" smtClean="0"/>
-              <a:t>Težave</a:t>
+              <a:t>Težave, ki naju še čakajo</a:t>
             </a:r>
             <a:endParaRPr lang="sl-SI" dirty="0"/>
           </a:p>
@@ -10017,14 +10927,21 @@
           <a:p>
             <a:r>
               <a:rPr lang="sl-SI" dirty="0" smtClean="0"/>
-              <a:t>Pošiljanje sporočil</a:t>
+              <a:t>Sihronizacija sporočil med prijatelji</a:t>
             </a:r>
           </a:p>
           <a:p>
             <a:r>
               <a:rPr lang="sl-SI" dirty="0" smtClean="0"/>
-              <a:t>Izdelovanje sob</a:t>
+              <a:t>Sihronizacija sporočil </a:t>
             </a:r>
+            <a:r>
+              <a:rPr lang="sl-SI" smtClean="0"/>
+              <a:t>v sobi/roomu</a:t>
+            </a:r>
+          </a:p>
+          <a:p>
+            <a:endParaRPr lang="sl-SI" dirty="0" smtClean="0"/>
           </a:p>
           <a:p>
             <a:endParaRPr lang="sl-SI" dirty="0" smtClean="0"/>
@@ -10062,7 +10979,7 @@
         </p:blipFill>
         <p:spPr>
           <a:xfrm>
-            <a:off x="7096260" y="1415602"/>
+            <a:off x="7985946" y="2074629"/>
             <a:ext cx="3265866" cy="3265866"/>
           </a:xfrm>
           <a:prstGeom prst="rect">
@@ -10074,6 +10991,102 @@
     <p:extLst>
       <p:ext uri="{BB962C8B-B14F-4D97-AF65-F5344CB8AC3E}">
         <p14:creationId xmlns:p14="http://schemas.microsoft.com/office/powerpoint/2010/main" val="3255168340"/>
+      </p:ext>
+    </p:extLst>
+  </p:cSld>
+  <p:clrMapOvr>
+    <a:masterClrMapping/>
+  </p:clrMapOvr>
+</p:sld>
+</file>
+
+<file path=ppt/slides/slide8.xml><?xml version="1.0" encoding="utf-8"?>
+<p:sld xmlns:a="http://schemas.openxmlformats.org/drawingml/2006/main" xmlns:r="http://schemas.openxmlformats.org/officeDocument/2006/relationships" xmlns:p="http://schemas.openxmlformats.org/presentationml/2006/main">
+  <p:cSld>
+    <p:spTree>
+      <p:nvGrpSpPr>
+        <p:cNvPr id="1" name=""/>
+        <p:cNvGrpSpPr/>
+        <p:nvPr/>
+      </p:nvGrpSpPr>
+      <p:grpSpPr>
+        <a:xfrm>
+          <a:off x="0" y="0"/>
+          <a:ext cx="0" cy="0"/>
+          <a:chOff x="0" y="0"/>
+          <a:chExt cx="0" cy="0"/>
+        </a:xfrm>
+      </p:grpSpPr>
+      <p:sp>
+        <p:nvSpPr>
+          <p:cNvPr id="2" name="Title 1"/>
+          <p:cNvSpPr>
+            <a:spLocks noGrp="1"/>
+          </p:cNvSpPr>
+          <p:nvPr>
+            <p:ph type="title"/>
+          </p:nvPr>
+        </p:nvSpPr>
+        <p:spPr/>
+        <p:txBody>
+          <a:bodyPr/>
+          <a:lstStyle/>
+          <a:p>
+            <a:r>
+              <a:rPr lang="sl-SI" dirty="0" smtClean="0"/>
+              <a:t>Konec</a:t>
+            </a:r>
+            <a:br>
+              <a:rPr lang="sl-SI" dirty="0" smtClean="0"/>
+            </a:br>
+            <a:endParaRPr lang="sl-SI" dirty="0"/>
+          </a:p>
+        </p:txBody>
+      </p:sp>
+      <p:sp>
+        <p:nvSpPr>
+          <p:cNvPr id="3" name="Content Placeholder 2"/>
+          <p:cNvSpPr>
+            <a:spLocks noGrp="1"/>
+          </p:cNvSpPr>
+          <p:nvPr>
+            <p:ph idx="1"/>
+          </p:nvPr>
+        </p:nvSpPr>
+        <p:spPr/>
+        <p:txBody>
+          <a:bodyPr/>
+          <a:lstStyle/>
+          <a:p>
+            <a:r>
+              <a:rPr lang="sl-SI" dirty="0" smtClean="0"/>
+              <a:t>Sihronizacija sporočil med prijatelji</a:t>
+            </a:r>
+          </a:p>
+          <a:p>
+            <a:r>
+              <a:rPr lang="sl-SI" dirty="0" smtClean="0"/>
+              <a:t>Sihronizacija sporočil v sobi/roomu</a:t>
+            </a:r>
+          </a:p>
+          <a:p>
+            <a:endParaRPr lang="sl-SI" dirty="0" smtClean="0"/>
+          </a:p>
+          <a:p>
+            <a:endParaRPr lang="sl-SI" dirty="0" smtClean="0"/>
+          </a:p>
+          <a:p>
+            <a:pPr marL="0" indent="0">
+              <a:buNone/>
+            </a:pPr>
+            <a:endParaRPr lang="sl-SI" dirty="0"/>
+          </a:p>
+        </p:txBody>
+      </p:sp>
+    </p:spTree>
+    <p:extLst>
+      <p:ext uri="{BB962C8B-B14F-4D97-AF65-F5344CB8AC3E}">
+        <p14:creationId xmlns:p14="http://schemas.microsoft.com/office/powerpoint/2010/main" val="2749756746"/>
       </p:ext>
     </p:extLst>
   </p:cSld>

--- a/internetna klepetalnica.pptx
+++ b/internetna klepetalnica.pptx
@@ -11,8 +11,9 @@
     <p:sldId id="261" r:id="rId5"/>
     <p:sldId id="262" r:id="rId6"/>
     <p:sldId id="260" r:id="rId7"/>
-    <p:sldId id="259" r:id="rId8"/>
-    <p:sldId id="263" r:id="rId9"/>
+    <p:sldId id="264" r:id="rId8"/>
+    <p:sldId id="259" r:id="rId9"/>
+    <p:sldId id="263" r:id="rId10"/>
   </p:sldIdLst>
   <p:sldSz cx="12192000" cy="6858000"/>
   <p:notesSz cx="6858000" cy="9144000"/>
@@ -10454,11 +10455,7 @@
           <a:p>
             <a:r>
               <a:rPr lang="sl-SI" dirty="0" smtClean="0"/>
-              <a:t>Trenutni izdelek - </a:t>
-            </a:r>
-            <a:r>
-              <a:rPr lang="sl-SI" dirty="0" smtClean="0"/>
-              <a:t>frontend</a:t>
+              <a:t>Trenutni izdelek - frontend</a:t>
             </a:r>
             <a:endParaRPr lang="sl-SI" dirty="0"/>
           </a:p>
@@ -10492,30 +10489,13 @@
           <a:p>
             <a:r>
               <a:rPr lang="sl-SI" dirty="0" smtClean="0"/>
-              <a:t>Autobahn|Javascript: </a:t>
+              <a:t>Autobahn|Javascript: realtime povezava (WAMP protokol)</a:t>
             </a:r>
+          </a:p>
+          <a:p>
             <a:r>
               <a:rPr lang="sl-SI" dirty="0" smtClean="0"/>
-              <a:t>realtime </a:t>
-            </a:r>
-            <a:r>
-              <a:rPr lang="sl-SI" dirty="0" smtClean="0"/>
-              <a:t>povezava (WAMP protokol)</a:t>
-            </a:r>
-            <a:endParaRPr lang="sl-SI" dirty="0" smtClean="0"/>
-          </a:p>
-          <a:p>
-            <a:r>
-              <a:rPr lang="sl-SI" dirty="0" smtClean="0"/>
-              <a:t>Js-cookie: </a:t>
-            </a:r>
-            <a:r>
-              <a:rPr lang="sl-SI" dirty="0" smtClean="0"/>
-              <a:t>knjižnjica </a:t>
-            </a:r>
-            <a:r>
-              <a:rPr lang="sl-SI" dirty="0" smtClean="0"/>
-              <a:t>za piškotke</a:t>
+              <a:t>Js-cookie: knjižnjica za piškotke</a:t>
             </a:r>
           </a:p>
           <a:p>
@@ -10660,15 +10640,7 @@
           <a:p>
             <a:r>
               <a:rPr lang="sl-SI" dirty="0" smtClean="0"/>
-              <a:t>Virtualen </a:t>
-            </a:r>
-            <a:r>
-              <a:rPr lang="sl-SI" dirty="0" smtClean="0"/>
-              <a:t>stroj (VM) že </a:t>
-            </a:r>
-            <a:r>
-              <a:rPr lang="sl-SI" dirty="0" smtClean="0"/>
-              <a:t>stoji (Linux operacijski sistem),</a:t>
+              <a:t>Virtualen stroj (VM) že stoji (Linux operacijski sistem),</a:t>
             </a:r>
           </a:p>
           <a:p>
@@ -10684,11 +10656,7 @@
             </a:r>
             <a:r>
               <a:rPr lang="sl-SI" dirty="0" smtClean="0"/>
-              <a:t>, ki preusmerja promet na </a:t>
-            </a:r>
-            <a:r>
-              <a:rPr lang="sl-SI" dirty="0" smtClean="0"/>
-              <a:t>virtualko</a:t>
+              <a:t>, ki preusmerja promet na virtualko</a:t>
             </a:r>
           </a:p>
           <a:p>
@@ -10714,14 +10682,12 @@
               <a:rPr lang="sl-SI" dirty="0" smtClean="0"/>
               <a:t>Autobahn|Javascript, WAMP server</a:t>
             </a:r>
-            <a:endParaRPr lang="sl-SI" dirty="0" smtClean="0"/>
           </a:p>
           <a:p>
             <a:r>
               <a:rPr lang="sl-SI" dirty="0" smtClean="0"/>
               <a:t>Psycopg, python3 PostgreSQL driver</a:t>
             </a:r>
-            <a:endParaRPr lang="sl-SI" dirty="0" smtClean="0"/>
           </a:p>
           <a:p>
             <a:endParaRPr lang="sl-SI" dirty="0" smtClean="0"/>
@@ -10897,6 +10863,168 @@
             <p:ph type="title"/>
           </p:nvPr>
         </p:nvSpPr>
+        <p:spPr>
+          <a:xfrm>
+            <a:off x="1371600" y="685800"/>
+            <a:ext cx="9601200" cy="895865"/>
+          </a:xfrm>
+        </p:spPr>
+        <p:txBody>
+          <a:bodyPr>
+            <a:normAutofit/>
+          </a:bodyPr>
+          <a:lstStyle/>
+          <a:p>
+            <a:r>
+              <a:rPr lang="sl-SI" dirty="0"/>
+              <a:t>WAMP -</a:t>
+            </a:r>
+            <a:r>
+              <a:rPr lang="sl-SI" sz="3600" dirty="0"/>
+              <a:t>web application messaging protocol</a:t>
+            </a:r>
+            <a:endParaRPr lang="sl-SI" sz="3600" dirty="0"/>
+          </a:p>
+        </p:txBody>
+      </p:sp>
+      <p:sp>
+        <p:nvSpPr>
+          <p:cNvPr id="3" name="Content Placeholder 2"/>
+          <p:cNvSpPr>
+            <a:spLocks noGrp="1"/>
+          </p:cNvSpPr>
+          <p:nvPr>
+            <p:ph idx="1"/>
+          </p:nvPr>
+        </p:nvSpPr>
+        <p:spPr>
+          <a:xfrm>
+            <a:off x="1371600" y="1589903"/>
+            <a:ext cx="9601200" cy="4277497"/>
+          </a:xfrm>
+        </p:spPr>
+        <p:txBody>
+          <a:bodyPr/>
+          <a:lstStyle/>
+          <a:p>
+            <a:r>
+              <a:rPr lang="sl-SI" dirty="0" smtClean="0"/>
+              <a:t>RPC – Remote procedure call, klic funkcije na daljavo</a:t>
+            </a:r>
+            <a:endParaRPr lang="sl-SI" dirty="0" smtClean="0"/>
+          </a:p>
+          <a:p>
+            <a:r>
+              <a:rPr lang="sl-SI" smtClean="0"/>
+              <a:t>Pub/Sub – publish, subscribe, pošiljanje podatkov v obe smeri</a:t>
+            </a:r>
+            <a:endParaRPr lang="sl-SI" dirty="0" smtClean="0"/>
+          </a:p>
+          <a:p>
+            <a:pPr marL="0" indent="0">
+              <a:buNone/>
+            </a:pPr>
+            <a:endParaRPr lang="sl-SI" dirty="0" smtClean="0"/>
+          </a:p>
+          <a:p>
+            <a:endParaRPr lang="sl-SI" dirty="0"/>
+          </a:p>
+        </p:txBody>
+      </p:sp>
+      <p:pic>
+        <p:nvPicPr>
+          <p:cNvPr id="4" name="Picture 3"/>
+          <p:cNvPicPr>
+            <a:picLocks noChangeAspect="1"/>
+          </p:cNvPicPr>
+          <p:nvPr/>
+        </p:nvPicPr>
+        <p:blipFill>
+          <a:blip r:embed="rId2"/>
+          <a:stretch>
+            <a:fillRect/>
+          </a:stretch>
+        </p:blipFill>
+        <p:spPr>
+          <a:xfrm>
+            <a:off x="10117255" y="1585763"/>
+            <a:ext cx="1258931" cy="1260346"/>
+          </a:xfrm>
+          <a:prstGeom prst="rect">
+            <a:avLst/>
+          </a:prstGeom>
+        </p:spPr>
+      </p:pic>
+      <p:pic>
+        <p:nvPicPr>
+          <p:cNvPr id="6" name="Picture 5"/>
+          <p:cNvPicPr>
+            <a:picLocks noChangeAspect="1"/>
+          </p:cNvPicPr>
+          <p:nvPr/>
+        </p:nvPicPr>
+        <p:blipFill>
+          <a:blip r:embed="rId3">
+            <a:extLst>
+              <a:ext uri="{28A0092B-C50C-407E-A947-70E740481C1C}">
+                <a14:useLocalDpi xmlns:a14="http://schemas.microsoft.com/office/drawing/2010/main" val="0"/>
+              </a:ext>
+            </a:extLst>
+          </a:blip>
+          <a:stretch>
+            <a:fillRect/>
+          </a:stretch>
+        </p:blipFill>
+        <p:spPr>
+          <a:xfrm>
+            <a:off x="8705257" y="1577022"/>
+            <a:ext cx="1226391" cy="1226391"/>
+          </a:xfrm>
+          <a:prstGeom prst="rect">
+            <a:avLst/>
+          </a:prstGeom>
+        </p:spPr>
+      </p:pic>
+    </p:spTree>
+    <p:extLst>
+      <p:ext uri="{BB962C8B-B14F-4D97-AF65-F5344CB8AC3E}">
+        <p14:creationId xmlns:p14="http://schemas.microsoft.com/office/powerpoint/2010/main" val="804124157"/>
+      </p:ext>
+    </p:extLst>
+  </p:cSld>
+  <p:clrMapOvr>
+    <a:masterClrMapping/>
+  </p:clrMapOvr>
+</p:sld>
+</file>
+
+<file path=ppt/slides/slide8.xml><?xml version="1.0" encoding="utf-8"?>
+<p:sld xmlns:a="http://schemas.openxmlformats.org/drawingml/2006/main" xmlns:r="http://schemas.openxmlformats.org/officeDocument/2006/relationships" xmlns:p="http://schemas.openxmlformats.org/presentationml/2006/main">
+  <p:cSld>
+    <p:spTree>
+      <p:nvGrpSpPr>
+        <p:cNvPr id="1" name=""/>
+        <p:cNvGrpSpPr/>
+        <p:nvPr/>
+      </p:nvGrpSpPr>
+      <p:grpSpPr>
+        <a:xfrm>
+          <a:off x="0" y="0"/>
+          <a:ext cx="0" cy="0"/>
+          <a:chOff x="0" y="0"/>
+          <a:chExt cx="0" cy="0"/>
+        </a:xfrm>
+      </p:grpSpPr>
+      <p:sp>
+        <p:nvSpPr>
+          <p:cNvPr id="2" name="Title 1"/>
+          <p:cNvSpPr>
+            <a:spLocks noGrp="1"/>
+          </p:cNvSpPr>
+          <p:nvPr>
+            <p:ph type="title"/>
+          </p:nvPr>
+        </p:nvSpPr>
         <p:spPr/>
         <p:txBody>
           <a:bodyPr/>
@@ -11000,7 +11128,7 @@
 </p:sld>
 </file>
 
-<file path=ppt/slides/slide8.xml><?xml version="1.0" encoding="utf-8"?>
+<file path=ppt/slides/slide9.xml><?xml version="1.0" encoding="utf-8"?>
 <p:sld xmlns:a="http://schemas.openxmlformats.org/drawingml/2006/main" xmlns:r="http://schemas.openxmlformats.org/officeDocument/2006/relationships" xmlns:p="http://schemas.openxmlformats.org/presentationml/2006/main">
   <p:cSld>
     <p:spTree>
